--- a/work/毕业设计_答辩.pptx
+++ b/work/毕业设计_答辩.pptx
@@ -4,6 +4,9 @@
   <p:sldMasterIdLst>
     <p:sldMasterId id="2147483661" r:id="rId1"/>
   </p:sldMasterIdLst>
+  <p:notesMasterIdLst>
+    <p:notesMasterId r:id="rId22"/>
+  </p:notesMasterIdLst>
   <p:sldIdLst>
     <p:sldId id="258" r:id="rId2"/>
     <p:sldId id="259" r:id="rId3"/>
@@ -16,12 +19,15 @@
     <p:sldId id="271" r:id="rId10"/>
     <p:sldId id="273" r:id="rId11"/>
     <p:sldId id="274" r:id="rId12"/>
-    <p:sldId id="266" r:id="rId13"/>
-    <p:sldId id="272" r:id="rId14"/>
-    <p:sldId id="267" r:id="rId15"/>
-    <p:sldId id="260" r:id="rId16"/>
-    <p:sldId id="261" r:id="rId17"/>
-    <p:sldId id="262" r:id="rId18"/>
+    <p:sldId id="275" r:id="rId13"/>
+    <p:sldId id="276" r:id="rId14"/>
+    <p:sldId id="277" r:id="rId15"/>
+    <p:sldId id="278" r:id="rId16"/>
+    <p:sldId id="266" r:id="rId17"/>
+    <p:sldId id="272" r:id="rId18"/>
+    <p:sldId id="267" r:id="rId19"/>
+    <p:sldId id="260" r:id="rId20"/>
+    <p:sldId id="261" r:id="rId21"/>
   </p:sldIdLst>
   <p:sldSz cx="9144000" cy="6858000" type="screen4x3"/>
   <p:notesSz cx="6858000" cy="9144000"/>
@@ -121,6 +127,3444 @@
     </a:lvl9pPr>
   </p:defaultTextStyle>
 </p:presentation>
+</file>
+
+<file path=ppt/diagrams/colors1.xml><?xml version="1.0" encoding="utf-8"?>
+<dgm:colorsDef xmlns:dgm="http://schemas.openxmlformats.org/drawingml/2006/diagram" xmlns:a="http://schemas.openxmlformats.org/drawingml/2006/main" uniqueId="urn:microsoft.com/office/officeart/2005/8/colors/accent1_2">
+  <dgm:title val=""/>
+  <dgm:desc val=""/>
+  <dgm:catLst>
+    <dgm:cat type="accent1" pri="11200"/>
+  </dgm:catLst>
+  <dgm:styleLbl name="node0">
+    <dgm:fillClrLst meth="repeat">
+      <a:schemeClr val="accent1"/>
+    </dgm:fillClrLst>
+    <dgm:linClrLst meth="repeat">
+      <a:schemeClr val="lt1"/>
+    </dgm:linClrLst>
+    <dgm:effectClrLst/>
+    <dgm:txLinClrLst/>
+    <dgm:txFillClrLst/>
+    <dgm:txEffectClrLst/>
+  </dgm:styleLbl>
+  <dgm:styleLbl name="alignNode1">
+    <dgm:fillClrLst meth="repeat">
+      <a:schemeClr val="accent1"/>
+    </dgm:fillClrLst>
+    <dgm:linClrLst meth="repeat">
+      <a:schemeClr val="accent1"/>
+    </dgm:linClrLst>
+    <dgm:effectClrLst/>
+    <dgm:txLinClrLst/>
+    <dgm:txFillClrLst/>
+    <dgm:txEffectClrLst/>
+  </dgm:styleLbl>
+  <dgm:styleLbl name="node1">
+    <dgm:fillClrLst meth="repeat">
+      <a:schemeClr val="accent1"/>
+    </dgm:fillClrLst>
+    <dgm:linClrLst meth="repeat">
+      <a:schemeClr val="lt1"/>
+    </dgm:linClrLst>
+    <dgm:effectClrLst/>
+    <dgm:txLinClrLst/>
+    <dgm:txFillClrLst/>
+    <dgm:txEffectClrLst/>
+  </dgm:styleLbl>
+  <dgm:styleLbl name="lnNode1">
+    <dgm:fillClrLst meth="repeat">
+      <a:schemeClr val="accent1"/>
+    </dgm:fillClrLst>
+    <dgm:linClrLst meth="repeat">
+      <a:schemeClr val="lt1"/>
+    </dgm:linClrLst>
+    <dgm:effectClrLst/>
+    <dgm:txLinClrLst/>
+    <dgm:txFillClrLst/>
+    <dgm:txEffectClrLst/>
+  </dgm:styleLbl>
+  <dgm:styleLbl name="vennNode1">
+    <dgm:fillClrLst meth="repeat">
+      <a:schemeClr val="accent1">
+        <a:alpha val="50000"/>
+      </a:schemeClr>
+    </dgm:fillClrLst>
+    <dgm:linClrLst meth="repeat">
+      <a:schemeClr val="lt1"/>
+    </dgm:linClrLst>
+    <dgm:effectClrLst/>
+    <dgm:txLinClrLst/>
+    <dgm:txFillClrLst/>
+    <dgm:txEffectClrLst/>
+  </dgm:styleLbl>
+  <dgm:styleLbl name="node2">
+    <dgm:fillClrLst meth="repeat">
+      <a:schemeClr val="accent1"/>
+    </dgm:fillClrLst>
+    <dgm:linClrLst meth="repeat">
+      <a:schemeClr val="lt1"/>
+    </dgm:linClrLst>
+    <dgm:effectClrLst/>
+    <dgm:txLinClrLst/>
+    <dgm:txFillClrLst/>
+    <dgm:txEffectClrLst/>
+  </dgm:styleLbl>
+  <dgm:styleLbl name="node3">
+    <dgm:fillClrLst meth="repeat">
+      <a:schemeClr val="accent1"/>
+    </dgm:fillClrLst>
+    <dgm:linClrLst meth="repeat">
+      <a:schemeClr val="lt1"/>
+    </dgm:linClrLst>
+    <dgm:effectClrLst/>
+    <dgm:txLinClrLst/>
+    <dgm:txFillClrLst/>
+    <dgm:txEffectClrLst/>
+  </dgm:styleLbl>
+  <dgm:styleLbl name="node4">
+    <dgm:fillClrLst meth="repeat">
+      <a:schemeClr val="accent1"/>
+    </dgm:fillClrLst>
+    <dgm:linClrLst meth="repeat">
+      <a:schemeClr val="lt1"/>
+    </dgm:linClrLst>
+    <dgm:effectClrLst/>
+    <dgm:txLinClrLst/>
+    <dgm:txFillClrLst/>
+    <dgm:txEffectClrLst/>
+  </dgm:styleLbl>
+  <dgm:styleLbl name="fgImgPlace1">
+    <dgm:fillClrLst meth="repeat">
+      <a:schemeClr val="accent1">
+        <a:tint val="50000"/>
+      </a:schemeClr>
+    </dgm:fillClrLst>
+    <dgm:linClrLst meth="repeat">
+      <a:schemeClr val="lt1"/>
+    </dgm:linClrLst>
+    <dgm:effectClrLst/>
+    <dgm:txLinClrLst/>
+    <dgm:txFillClrLst meth="repeat">
+      <a:schemeClr val="lt1"/>
+    </dgm:txFillClrLst>
+    <dgm:txEffectClrLst/>
+  </dgm:styleLbl>
+  <dgm:styleLbl name="alignImgPlace1">
+    <dgm:fillClrLst meth="repeat">
+      <a:schemeClr val="accent1">
+        <a:tint val="50000"/>
+      </a:schemeClr>
+    </dgm:fillClrLst>
+    <dgm:linClrLst meth="repeat">
+      <a:schemeClr val="lt1"/>
+    </dgm:linClrLst>
+    <dgm:effectClrLst/>
+    <dgm:txLinClrLst/>
+    <dgm:txFillClrLst meth="repeat">
+      <a:schemeClr val="lt1"/>
+    </dgm:txFillClrLst>
+    <dgm:txEffectClrLst/>
+  </dgm:styleLbl>
+  <dgm:styleLbl name="bgImgPlace1">
+    <dgm:fillClrLst meth="repeat">
+      <a:schemeClr val="accent1">
+        <a:tint val="50000"/>
+      </a:schemeClr>
+    </dgm:fillClrLst>
+    <dgm:linClrLst meth="repeat">
+      <a:schemeClr val="lt1"/>
+    </dgm:linClrLst>
+    <dgm:effectClrLst/>
+    <dgm:txLinClrLst/>
+    <dgm:txFillClrLst meth="repeat">
+      <a:schemeClr val="lt1"/>
+    </dgm:txFillClrLst>
+    <dgm:txEffectClrLst/>
+  </dgm:styleLbl>
+  <dgm:styleLbl name="sibTrans2D1">
+    <dgm:fillClrLst meth="repeat">
+      <a:schemeClr val="accent1">
+        <a:tint val="60000"/>
+      </a:schemeClr>
+    </dgm:fillClrLst>
+    <dgm:linClrLst meth="repeat">
+      <a:schemeClr val="accent1">
+        <a:tint val="60000"/>
+      </a:schemeClr>
+    </dgm:linClrLst>
+    <dgm:effectClrLst/>
+    <dgm:txLinClrLst/>
+    <dgm:txFillClrLst/>
+    <dgm:txEffectClrLst/>
+  </dgm:styleLbl>
+  <dgm:styleLbl name="fgSibTrans2D1">
+    <dgm:fillClrLst meth="repeat">
+      <a:schemeClr val="accent1">
+        <a:tint val="60000"/>
+      </a:schemeClr>
+    </dgm:fillClrLst>
+    <dgm:linClrLst meth="repeat">
+      <a:schemeClr val="accent1">
+        <a:tint val="60000"/>
+      </a:schemeClr>
+    </dgm:linClrLst>
+    <dgm:effectClrLst/>
+    <dgm:txLinClrLst/>
+    <dgm:txFillClrLst/>
+    <dgm:txEffectClrLst/>
+  </dgm:styleLbl>
+  <dgm:styleLbl name="bgSibTrans2D1">
+    <dgm:fillClrLst meth="repeat">
+      <a:schemeClr val="accent1">
+        <a:tint val="60000"/>
+      </a:schemeClr>
+    </dgm:fillClrLst>
+    <dgm:linClrLst meth="repeat">
+      <a:schemeClr val="accent1">
+        <a:tint val="60000"/>
+      </a:schemeClr>
+    </dgm:linClrLst>
+    <dgm:effectClrLst/>
+    <dgm:txLinClrLst/>
+    <dgm:txFillClrLst/>
+    <dgm:txEffectClrLst/>
+  </dgm:styleLbl>
+  <dgm:styleLbl name="sibTrans1D1">
+    <dgm:fillClrLst meth="repeat">
+      <a:schemeClr val="accent1"/>
+    </dgm:fillClrLst>
+    <dgm:linClrLst meth="repeat">
+      <a:schemeClr val="accent1"/>
+    </dgm:linClrLst>
+    <dgm:effectClrLst/>
+    <dgm:txLinClrLst/>
+    <dgm:txFillClrLst meth="repeat">
+      <a:schemeClr val="tx1"/>
+    </dgm:txFillClrLst>
+    <dgm:txEffectClrLst/>
+  </dgm:styleLbl>
+  <dgm:styleLbl name="callout">
+    <dgm:fillClrLst meth="repeat">
+      <a:schemeClr val="accent1"/>
+    </dgm:fillClrLst>
+    <dgm:linClrLst meth="repeat">
+      <a:schemeClr val="accent1">
+        <a:tint val="50000"/>
+      </a:schemeClr>
+    </dgm:linClrLst>
+    <dgm:effectClrLst/>
+    <dgm:txLinClrLst/>
+    <dgm:txFillClrLst meth="repeat">
+      <a:schemeClr val="tx1"/>
+    </dgm:txFillClrLst>
+    <dgm:txEffectClrLst/>
+  </dgm:styleLbl>
+  <dgm:styleLbl name="asst0">
+    <dgm:fillClrLst meth="repeat">
+      <a:schemeClr val="accent1"/>
+    </dgm:fillClrLst>
+    <dgm:linClrLst meth="repeat">
+      <a:schemeClr val="lt1"/>
+    </dgm:linClrLst>
+    <dgm:effectClrLst/>
+    <dgm:txLinClrLst/>
+    <dgm:txFillClrLst/>
+    <dgm:txEffectClrLst/>
+  </dgm:styleLbl>
+  <dgm:styleLbl name="asst1">
+    <dgm:fillClrLst meth="repeat">
+      <a:schemeClr val="accent1"/>
+    </dgm:fillClrLst>
+    <dgm:linClrLst meth="repeat">
+      <a:schemeClr val="lt1"/>
+    </dgm:linClrLst>
+    <dgm:effectClrLst/>
+    <dgm:txLinClrLst/>
+    <dgm:txFillClrLst/>
+    <dgm:txEffectClrLst/>
+  </dgm:styleLbl>
+  <dgm:styleLbl name="asst2">
+    <dgm:fillClrLst meth="repeat">
+      <a:schemeClr val="accent1"/>
+    </dgm:fillClrLst>
+    <dgm:linClrLst meth="repeat">
+      <a:schemeClr val="lt1"/>
+    </dgm:linClrLst>
+    <dgm:effectClrLst/>
+    <dgm:txLinClrLst/>
+    <dgm:txFillClrLst/>
+    <dgm:txEffectClrLst/>
+  </dgm:styleLbl>
+  <dgm:styleLbl name="asst3">
+    <dgm:fillClrLst meth="repeat">
+      <a:schemeClr val="accent1"/>
+    </dgm:fillClrLst>
+    <dgm:linClrLst meth="repeat">
+      <a:schemeClr val="lt1"/>
+    </dgm:linClrLst>
+    <dgm:effectClrLst/>
+    <dgm:txLinClrLst/>
+    <dgm:txFillClrLst/>
+    <dgm:txEffectClrLst/>
+  </dgm:styleLbl>
+  <dgm:styleLbl name="asst4">
+    <dgm:fillClrLst meth="repeat">
+      <a:schemeClr val="accent1"/>
+    </dgm:fillClrLst>
+    <dgm:linClrLst meth="repeat">
+      <a:schemeClr val="lt1"/>
+    </dgm:linClrLst>
+    <dgm:effectClrLst/>
+    <dgm:txLinClrLst/>
+    <dgm:txFillClrLst/>
+    <dgm:txEffectClrLst/>
+  </dgm:styleLbl>
+  <dgm:styleLbl name="parChTrans2D1">
+    <dgm:fillClrLst meth="repeat">
+      <a:schemeClr val="accent1">
+        <a:tint val="60000"/>
+      </a:schemeClr>
+    </dgm:fillClrLst>
+    <dgm:linClrLst meth="repeat">
+      <a:schemeClr val="accent1">
+        <a:tint val="60000"/>
+      </a:schemeClr>
+    </dgm:linClrLst>
+    <dgm:effectClrLst/>
+    <dgm:txLinClrLst/>
+    <dgm:txFillClrLst meth="repeat">
+      <a:schemeClr val="lt1"/>
+    </dgm:txFillClrLst>
+    <dgm:txEffectClrLst/>
+  </dgm:styleLbl>
+  <dgm:styleLbl name="parChTrans2D2">
+    <dgm:fillClrLst meth="repeat">
+      <a:schemeClr val="accent1"/>
+    </dgm:fillClrLst>
+    <dgm:linClrLst meth="repeat">
+      <a:schemeClr val="accent1"/>
+    </dgm:linClrLst>
+    <dgm:effectClrLst/>
+    <dgm:txLinClrLst/>
+    <dgm:txFillClrLst meth="repeat">
+      <a:schemeClr val="lt1"/>
+    </dgm:txFillClrLst>
+    <dgm:txEffectClrLst/>
+  </dgm:styleLbl>
+  <dgm:styleLbl name="parChTrans2D3">
+    <dgm:fillClrLst meth="repeat">
+      <a:schemeClr val="accent1"/>
+    </dgm:fillClrLst>
+    <dgm:linClrLst meth="repeat">
+      <a:schemeClr val="accent1"/>
+    </dgm:linClrLst>
+    <dgm:effectClrLst/>
+    <dgm:txLinClrLst/>
+    <dgm:txFillClrLst meth="repeat">
+      <a:schemeClr val="lt1"/>
+    </dgm:txFillClrLst>
+    <dgm:txEffectClrLst/>
+  </dgm:styleLbl>
+  <dgm:styleLbl name="parChTrans2D4">
+    <dgm:fillClrLst meth="repeat">
+      <a:schemeClr val="accent1"/>
+    </dgm:fillClrLst>
+    <dgm:linClrLst meth="repeat">
+      <a:schemeClr val="accent1"/>
+    </dgm:linClrLst>
+    <dgm:effectClrLst/>
+    <dgm:txLinClrLst/>
+    <dgm:txFillClrLst meth="repeat">
+      <a:schemeClr val="lt1"/>
+    </dgm:txFillClrLst>
+    <dgm:txEffectClrLst/>
+  </dgm:styleLbl>
+  <dgm:styleLbl name="parChTrans1D1">
+    <dgm:fillClrLst meth="repeat">
+      <a:schemeClr val="accent1"/>
+    </dgm:fillClrLst>
+    <dgm:linClrLst meth="repeat">
+      <a:schemeClr val="accent1">
+        <a:shade val="60000"/>
+      </a:schemeClr>
+    </dgm:linClrLst>
+    <dgm:effectClrLst/>
+    <dgm:txLinClrLst/>
+    <dgm:txFillClrLst meth="repeat">
+      <a:schemeClr val="tx1"/>
+    </dgm:txFillClrLst>
+    <dgm:txEffectClrLst/>
+  </dgm:styleLbl>
+  <dgm:styleLbl name="parChTrans1D2">
+    <dgm:fillClrLst meth="repeat">
+      <a:schemeClr val="accent1"/>
+    </dgm:fillClrLst>
+    <dgm:linClrLst meth="repeat">
+      <a:schemeClr val="accent1">
+        <a:shade val="60000"/>
+      </a:schemeClr>
+    </dgm:linClrLst>
+    <dgm:effectClrLst/>
+    <dgm:txLinClrLst/>
+    <dgm:txFillClrLst meth="repeat">
+      <a:schemeClr val="tx1"/>
+    </dgm:txFillClrLst>
+    <dgm:txEffectClrLst/>
+  </dgm:styleLbl>
+  <dgm:styleLbl name="parChTrans1D3">
+    <dgm:fillClrLst meth="repeat">
+      <a:schemeClr val="accent1"/>
+    </dgm:fillClrLst>
+    <dgm:linClrLst meth="repeat">
+      <a:schemeClr val="accent1">
+        <a:shade val="80000"/>
+      </a:schemeClr>
+    </dgm:linClrLst>
+    <dgm:effectClrLst/>
+    <dgm:txLinClrLst/>
+    <dgm:txFillClrLst meth="repeat">
+      <a:schemeClr val="tx1"/>
+    </dgm:txFillClrLst>
+    <dgm:txEffectClrLst/>
+  </dgm:styleLbl>
+  <dgm:styleLbl name="parChTrans1D4">
+    <dgm:fillClrLst meth="repeat">
+      <a:schemeClr val="accent1"/>
+    </dgm:fillClrLst>
+    <dgm:linClrLst meth="repeat">
+      <a:schemeClr val="accent1">
+        <a:shade val="80000"/>
+      </a:schemeClr>
+    </dgm:linClrLst>
+    <dgm:effectClrLst/>
+    <dgm:txLinClrLst/>
+    <dgm:txFillClrLst meth="repeat">
+      <a:schemeClr val="tx1"/>
+    </dgm:txFillClrLst>
+    <dgm:txEffectClrLst/>
+  </dgm:styleLbl>
+  <dgm:styleLbl name="fgAcc1">
+    <dgm:fillClrLst meth="repeat">
+      <a:schemeClr val="lt1">
+        <a:alpha val="90000"/>
+      </a:schemeClr>
+    </dgm:fillClrLst>
+    <dgm:linClrLst meth="repeat">
+      <a:schemeClr val="accent1"/>
+    </dgm:linClrLst>
+    <dgm:effectClrLst/>
+    <dgm:txLinClrLst/>
+    <dgm:txFillClrLst meth="repeat">
+      <a:schemeClr val="dk1"/>
+    </dgm:txFillClrLst>
+    <dgm:txEffectClrLst/>
+  </dgm:styleLbl>
+  <dgm:styleLbl name="conFgAcc1">
+    <dgm:fillClrLst meth="repeat">
+      <a:schemeClr val="lt1">
+        <a:alpha val="90000"/>
+      </a:schemeClr>
+    </dgm:fillClrLst>
+    <dgm:linClrLst meth="repeat">
+      <a:schemeClr val="accent1"/>
+    </dgm:linClrLst>
+    <dgm:effectClrLst/>
+    <dgm:txLinClrLst/>
+    <dgm:txFillClrLst meth="repeat">
+      <a:schemeClr val="dk1"/>
+    </dgm:txFillClrLst>
+    <dgm:txEffectClrLst/>
+  </dgm:styleLbl>
+  <dgm:styleLbl name="alignAcc1">
+    <dgm:fillClrLst meth="repeat">
+      <a:schemeClr val="lt1">
+        <a:alpha val="90000"/>
+      </a:schemeClr>
+    </dgm:fillClrLst>
+    <dgm:linClrLst meth="repeat">
+      <a:schemeClr val="accent1"/>
+    </dgm:linClrLst>
+    <dgm:effectClrLst/>
+    <dgm:txLinClrLst/>
+    <dgm:txFillClrLst meth="repeat">
+      <a:schemeClr val="dk1"/>
+    </dgm:txFillClrLst>
+    <dgm:txEffectClrLst/>
+  </dgm:styleLbl>
+  <dgm:styleLbl name="trAlignAcc1">
+    <dgm:fillClrLst meth="repeat">
+      <a:schemeClr val="lt1">
+        <a:alpha val="40000"/>
+      </a:schemeClr>
+    </dgm:fillClrLst>
+    <dgm:linClrLst meth="repeat">
+      <a:schemeClr val="accent1"/>
+    </dgm:linClrLst>
+    <dgm:effectClrLst/>
+    <dgm:txLinClrLst/>
+    <dgm:txFillClrLst meth="repeat">
+      <a:schemeClr val="dk1"/>
+    </dgm:txFillClrLst>
+    <dgm:txEffectClrLst/>
+  </dgm:styleLbl>
+  <dgm:styleLbl name="bgAcc1">
+    <dgm:fillClrLst meth="repeat">
+      <a:schemeClr val="lt1">
+        <a:alpha val="90000"/>
+      </a:schemeClr>
+    </dgm:fillClrLst>
+    <dgm:linClrLst meth="repeat">
+      <a:schemeClr val="accent1"/>
+    </dgm:linClrLst>
+    <dgm:effectClrLst/>
+    <dgm:txLinClrLst/>
+    <dgm:txFillClrLst meth="repeat">
+      <a:schemeClr val="dk1"/>
+    </dgm:txFillClrLst>
+    <dgm:txEffectClrLst/>
+  </dgm:styleLbl>
+  <dgm:styleLbl name="solidFgAcc1">
+    <dgm:fillClrLst meth="repeat">
+      <a:schemeClr val="lt1"/>
+    </dgm:fillClrLst>
+    <dgm:linClrLst meth="repeat">
+      <a:schemeClr val="accent1"/>
+    </dgm:linClrLst>
+    <dgm:effectClrLst/>
+    <dgm:txLinClrLst/>
+    <dgm:txFillClrLst meth="repeat">
+      <a:schemeClr val="dk1"/>
+    </dgm:txFillClrLst>
+    <dgm:txEffectClrLst/>
+  </dgm:styleLbl>
+  <dgm:styleLbl name="solidAlignAcc1">
+    <dgm:fillClrLst meth="repeat">
+      <a:schemeClr val="lt1"/>
+    </dgm:fillClrLst>
+    <dgm:linClrLst meth="repeat">
+      <a:schemeClr val="accent1"/>
+    </dgm:linClrLst>
+    <dgm:effectClrLst/>
+    <dgm:txLinClrLst/>
+    <dgm:txFillClrLst meth="repeat">
+      <a:schemeClr val="dk1"/>
+    </dgm:txFillClrLst>
+    <dgm:txEffectClrLst/>
+  </dgm:styleLbl>
+  <dgm:styleLbl name="solidBgAcc1">
+    <dgm:fillClrLst meth="repeat">
+      <a:schemeClr val="lt1"/>
+    </dgm:fillClrLst>
+    <dgm:linClrLst meth="repeat">
+      <a:schemeClr val="accent1"/>
+    </dgm:linClrLst>
+    <dgm:effectClrLst/>
+    <dgm:txLinClrLst/>
+    <dgm:txFillClrLst meth="repeat">
+      <a:schemeClr val="dk1"/>
+    </dgm:txFillClrLst>
+    <dgm:txEffectClrLst/>
+  </dgm:styleLbl>
+  <dgm:styleLbl name="fgAccFollowNode1">
+    <dgm:fillClrLst meth="repeat">
+      <a:schemeClr val="accent1">
+        <a:alpha val="90000"/>
+        <a:tint val="40000"/>
+      </a:schemeClr>
+    </dgm:fillClrLst>
+    <dgm:linClrLst meth="repeat">
+      <a:schemeClr val="accent1">
+        <a:alpha val="90000"/>
+        <a:tint val="40000"/>
+      </a:schemeClr>
+    </dgm:linClrLst>
+    <dgm:effectClrLst/>
+    <dgm:txLinClrLst/>
+    <dgm:txFillClrLst meth="repeat">
+      <a:schemeClr val="dk1"/>
+    </dgm:txFillClrLst>
+    <dgm:txEffectClrLst/>
+  </dgm:styleLbl>
+  <dgm:styleLbl name="alignAccFollowNode1">
+    <dgm:fillClrLst meth="repeat">
+      <a:schemeClr val="accent1">
+        <a:alpha val="90000"/>
+        <a:tint val="40000"/>
+      </a:schemeClr>
+    </dgm:fillClrLst>
+    <dgm:linClrLst meth="repeat">
+      <a:schemeClr val="accent1">
+        <a:alpha val="90000"/>
+        <a:tint val="40000"/>
+      </a:schemeClr>
+    </dgm:linClrLst>
+    <dgm:effectClrLst/>
+    <dgm:txLinClrLst/>
+    <dgm:txFillClrLst meth="repeat">
+      <a:schemeClr val="dk1"/>
+    </dgm:txFillClrLst>
+    <dgm:txEffectClrLst/>
+  </dgm:styleLbl>
+  <dgm:styleLbl name="bgAccFollowNode1">
+    <dgm:fillClrLst meth="repeat">
+      <a:schemeClr val="accent1">
+        <a:alpha val="90000"/>
+        <a:tint val="40000"/>
+      </a:schemeClr>
+    </dgm:fillClrLst>
+    <dgm:linClrLst meth="repeat">
+      <a:schemeClr val="accent1">
+        <a:alpha val="90000"/>
+        <a:tint val="40000"/>
+      </a:schemeClr>
+    </dgm:linClrLst>
+    <dgm:effectClrLst/>
+    <dgm:txLinClrLst/>
+    <dgm:txFillClrLst meth="repeat">
+      <a:schemeClr val="dk1"/>
+    </dgm:txFillClrLst>
+    <dgm:txEffectClrLst/>
+  </dgm:styleLbl>
+  <dgm:styleLbl name="fgAcc0">
+    <dgm:fillClrLst meth="repeat">
+      <a:schemeClr val="lt1">
+        <a:alpha val="90000"/>
+      </a:schemeClr>
+    </dgm:fillClrLst>
+    <dgm:linClrLst meth="repeat">
+      <a:schemeClr val="accent1"/>
+    </dgm:linClrLst>
+    <dgm:effectClrLst/>
+    <dgm:txLinClrLst/>
+    <dgm:txFillClrLst meth="repeat">
+      <a:schemeClr val="dk1"/>
+    </dgm:txFillClrLst>
+    <dgm:txEffectClrLst/>
+  </dgm:styleLbl>
+  <dgm:styleLbl name="fgAcc2">
+    <dgm:fillClrLst meth="repeat">
+      <a:schemeClr val="lt1">
+        <a:alpha val="90000"/>
+      </a:schemeClr>
+    </dgm:fillClrLst>
+    <dgm:linClrLst meth="repeat">
+      <a:schemeClr val="accent1"/>
+    </dgm:linClrLst>
+    <dgm:effectClrLst/>
+    <dgm:txLinClrLst/>
+    <dgm:txFillClrLst meth="repeat">
+      <a:schemeClr val="dk1"/>
+    </dgm:txFillClrLst>
+    <dgm:txEffectClrLst/>
+  </dgm:styleLbl>
+  <dgm:styleLbl name="fgAcc3">
+    <dgm:fillClrLst meth="repeat">
+      <a:schemeClr val="lt1">
+        <a:alpha val="90000"/>
+      </a:schemeClr>
+    </dgm:fillClrLst>
+    <dgm:linClrLst meth="repeat">
+      <a:schemeClr val="accent1"/>
+    </dgm:linClrLst>
+    <dgm:effectClrLst/>
+    <dgm:txLinClrLst/>
+    <dgm:txFillClrLst meth="repeat">
+      <a:schemeClr val="dk1"/>
+    </dgm:txFillClrLst>
+    <dgm:txEffectClrLst/>
+  </dgm:styleLbl>
+  <dgm:styleLbl name="fgAcc4">
+    <dgm:fillClrLst meth="repeat">
+      <a:schemeClr val="lt1">
+        <a:alpha val="90000"/>
+      </a:schemeClr>
+    </dgm:fillClrLst>
+    <dgm:linClrLst meth="repeat">
+      <a:schemeClr val="accent1"/>
+    </dgm:linClrLst>
+    <dgm:effectClrLst/>
+    <dgm:txLinClrLst/>
+    <dgm:txFillClrLst meth="repeat">
+      <a:schemeClr val="dk1"/>
+    </dgm:txFillClrLst>
+    <dgm:txEffectClrLst/>
+  </dgm:styleLbl>
+  <dgm:styleLbl name="bgShp">
+    <dgm:fillClrLst meth="repeat">
+      <a:schemeClr val="accent1">
+        <a:tint val="40000"/>
+      </a:schemeClr>
+    </dgm:fillClrLst>
+    <dgm:linClrLst meth="repeat">
+      <a:schemeClr val="accent1"/>
+    </dgm:linClrLst>
+    <dgm:effectClrLst/>
+    <dgm:txLinClrLst/>
+    <dgm:txFillClrLst meth="repeat">
+      <a:schemeClr val="dk1"/>
+    </dgm:txFillClrLst>
+    <dgm:txEffectClrLst/>
+  </dgm:styleLbl>
+  <dgm:styleLbl name="dkBgShp">
+    <dgm:fillClrLst meth="repeat">
+      <a:schemeClr val="accent1">
+        <a:shade val="80000"/>
+      </a:schemeClr>
+    </dgm:fillClrLst>
+    <dgm:linClrLst meth="repeat">
+      <a:schemeClr val="accent1"/>
+    </dgm:linClrLst>
+    <dgm:effectClrLst/>
+    <dgm:txLinClrLst/>
+    <dgm:txFillClrLst meth="repeat">
+      <a:schemeClr val="lt1"/>
+    </dgm:txFillClrLst>
+    <dgm:txEffectClrLst/>
+  </dgm:styleLbl>
+  <dgm:styleLbl name="trBgShp">
+    <dgm:fillClrLst meth="repeat">
+      <a:schemeClr val="accent1">
+        <a:tint val="50000"/>
+        <a:alpha val="40000"/>
+      </a:schemeClr>
+    </dgm:fillClrLst>
+    <dgm:linClrLst meth="repeat">
+      <a:schemeClr val="accent1"/>
+    </dgm:linClrLst>
+    <dgm:effectClrLst/>
+    <dgm:txLinClrLst/>
+    <dgm:txFillClrLst meth="repeat">
+      <a:schemeClr val="lt1"/>
+    </dgm:txFillClrLst>
+    <dgm:txEffectClrLst/>
+  </dgm:styleLbl>
+  <dgm:styleLbl name="fgShp">
+    <dgm:fillClrLst meth="repeat">
+      <a:schemeClr val="accent1">
+        <a:tint val="60000"/>
+      </a:schemeClr>
+    </dgm:fillClrLst>
+    <dgm:linClrLst meth="repeat">
+      <a:schemeClr val="lt1"/>
+    </dgm:linClrLst>
+    <dgm:effectClrLst/>
+    <dgm:txLinClrLst/>
+    <dgm:txFillClrLst meth="repeat">
+      <a:schemeClr val="dk1"/>
+    </dgm:txFillClrLst>
+    <dgm:txEffectClrLst/>
+  </dgm:styleLbl>
+  <dgm:styleLbl name="revTx">
+    <dgm:fillClrLst meth="repeat">
+      <a:schemeClr val="lt1">
+        <a:alpha val="0"/>
+      </a:schemeClr>
+    </dgm:fillClrLst>
+    <dgm:linClrLst meth="repeat">
+      <a:schemeClr val="dk1">
+        <a:alpha val="0"/>
+      </a:schemeClr>
+    </dgm:linClrLst>
+    <dgm:effectClrLst/>
+    <dgm:txLinClrLst/>
+    <dgm:txFillClrLst meth="repeat">
+      <a:schemeClr val="tx1"/>
+    </dgm:txFillClrLst>
+    <dgm:txEffectClrLst/>
+  </dgm:styleLbl>
+</dgm:colorsDef>
+</file>
+
+<file path=ppt/diagrams/data1.xml><?xml version="1.0" encoding="utf-8"?>
+<dgm:dataModel xmlns:dgm="http://schemas.openxmlformats.org/drawingml/2006/diagram" xmlns:a="http://schemas.openxmlformats.org/drawingml/2006/main">
+  <dgm:ptLst>
+    <dgm:pt modelId="{C3771B84-95C2-4F15-9D0D-C15C84A1E355}" type="doc">
+      <dgm:prSet loTypeId="urn:microsoft.com/office/officeart/2008/layout/HorizontalMultiLevelHierarchy" loCatId="hierarchy" qsTypeId="urn:microsoft.com/office/officeart/2005/8/quickstyle/simple1" qsCatId="simple" csTypeId="urn:microsoft.com/office/officeart/2005/8/colors/accent1_2" csCatId="accent1" phldr="1"/>
+      <dgm:spPr/>
+      <dgm:t>
+        <a:bodyPr/>
+        <a:lstStyle/>
+        <a:p>
+          <a:endParaRPr lang="zh-CN" altLang="en-US"/>
+        </a:p>
+      </dgm:t>
+    </dgm:pt>
+    <dgm:pt modelId="{8A78FA57-2B7C-4A81-919C-D6755B390708}">
+      <dgm:prSet phldrT="[文本]"/>
+      <dgm:spPr/>
+      <dgm:t>
+        <a:bodyPr/>
+        <a:lstStyle/>
+        <a:p>
+          <a:r>
+            <a:rPr lang="zh-CN" altLang="en-US" dirty="0" smtClean="0"/>
+            <a:t>统一接口</a:t>
+          </a:r>
+          <a:endParaRPr lang="zh-CN" altLang="en-US" dirty="0"/>
+        </a:p>
+      </dgm:t>
+    </dgm:pt>
+    <dgm:pt modelId="{B76281F3-35F4-4C07-B4BB-68990A6F2CE2}" type="parTrans" cxnId="{767DF905-E20E-47AF-8DFE-F3FDA19C5ADB}">
+      <dgm:prSet/>
+      <dgm:spPr/>
+      <dgm:t>
+        <a:bodyPr/>
+        <a:lstStyle/>
+        <a:p>
+          <a:endParaRPr lang="zh-CN" altLang="en-US"/>
+        </a:p>
+      </dgm:t>
+    </dgm:pt>
+    <dgm:pt modelId="{9A7CFCBE-FC65-447E-88DA-E467C5133DFC}" type="sibTrans" cxnId="{767DF905-E20E-47AF-8DFE-F3FDA19C5ADB}">
+      <dgm:prSet/>
+      <dgm:spPr/>
+      <dgm:t>
+        <a:bodyPr/>
+        <a:lstStyle/>
+        <a:p>
+          <a:endParaRPr lang="zh-CN" altLang="en-US"/>
+        </a:p>
+      </dgm:t>
+    </dgm:pt>
+    <dgm:pt modelId="{2115AA11-4E84-4BF0-A6C8-3EE71802A5D2}">
+      <dgm:prSet phldrT="[文本]"/>
+      <dgm:spPr/>
+      <dgm:t>
+        <a:bodyPr/>
+        <a:lstStyle/>
+        <a:p>
+          <a:r>
+            <a:rPr lang="en-US" altLang="zh-CN" dirty="0" smtClean="0"/>
+            <a:t>Cloud1	</a:t>
+          </a:r>
+          <a:endParaRPr lang="zh-CN" altLang="en-US" dirty="0"/>
+        </a:p>
+      </dgm:t>
+    </dgm:pt>
+    <dgm:pt modelId="{3D7A4725-4D8A-43BE-B03C-605769A2DBC4}" type="parTrans" cxnId="{16F51A0D-E5AE-4C44-8047-7355D181860F}">
+      <dgm:prSet/>
+      <dgm:spPr/>
+      <dgm:t>
+        <a:bodyPr/>
+        <a:lstStyle/>
+        <a:p>
+          <a:endParaRPr lang="zh-CN" altLang="en-US"/>
+        </a:p>
+      </dgm:t>
+    </dgm:pt>
+    <dgm:pt modelId="{C8864554-391D-4BB1-994D-C9F884B2460F}" type="sibTrans" cxnId="{16F51A0D-E5AE-4C44-8047-7355D181860F}">
+      <dgm:prSet/>
+      <dgm:spPr/>
+      <dgm:t>
+        <a:bodyPr/>
+        <a:lstStyle/>
+        <a:p>
+          <a:endParaRPr lang="zh-CN" altLang="en-US"/>
+        </a:p>
+      </dgm:t>
+    </dgm:pt>
+    <dgm:pt modelId="{F1BF5AEA-A7C4-4C1D-BED0-F1D4C5D50B23}">
+      <dgm:prSet phldrT="[文本]"/>
+      <dgm:spPr/>
+      <dgm:t>
+        <a:bodyPr/>
+        <a:lstStyle/>
+        <a:p>
+          <a:r>
+            <a:rPr lang="en-US" altLang="zh-CN" dirty="0" smtClean="0"/>
+            <a:t>Cloud2</a:t>
+          </a:r>
+          <a:endParaRPr lang="zh-CN" altLang="en-US" dirty="0"/>
+        </a:p>
+      </dgm:t>
+    </dgm:pt>
+    <dgm:pt modelId="{82ED300F-4774-479D-9122-D180B42D177D}" type="parTrans" cxnId="{B941D928-EB2B-4771-A86E-662EF2779996}">
+      <dgm:prSet/>
+      <dgm:spPr/>
+      <dgm:t>
+        <a:bodyPr/>
+        <a:lstStyle/>
+        <a:p>
+          <a:endParaRPr lang="zh-CN" altLang="en-US"/>
+        </a:p>
+      </dgm:t>
+    </dgm:pt>
+    <dgm:pt modelId="{C49CAF99-5313-41D6-81CF-D70763E61B0A}" type="sibTrans" cxnId="{B941D928-EB2B-4771-A86E-662EF2779996}">
+      <dgm:prSet/>
+      <dgm:spPr/>
+      <dgm:t>
+        <a:bodyPr/>
+        <a:lstStyle/>
+        <a:p>
+          <a:endParaRPr lang="zh-CN" altLang="en-US"/>
+        </a:p>
+      </dgm:t>
+    </dgm:pt>
+    <dgm:pt modelId="{FD07DFDD-F916-46A7-9EA7-07F06687C158}">
+      <dgm:prSet phldrT="[文本]"/>
+      <dgm:spPr/>
+      <dgm:t>
+        <a:bodyPr/>
+        <a:lstStyle/>
+        <a:p>
+          <a:r>
+            <a:rPr lang="en-US" altLang="zh-CN" dirty="0" smtClean="0"/>
+            <a:t>Cloud3</a:t>
+          </a:r>
+          <a:endParaRPr lang="zh-CN" altLang="en-US" dirty="0"/>
+        </a:p>
+      </dgm:t>
+    </dgm:pt>
+    <dgm:pt modelId="{683B1C4D-6EDA-42F2-B18D-A50A98AA894F}" type="parTrans" cxnId="{B245FF4F-9D54-489C-A7C7-BEB11D4C01F1}">
+      <dgm:prSet/>
+      <dgm:spPr/>
+      <dgm:t>
+        <a:bodyPr/>
+        <a:lstStyle/>
+        <a:p>
+          <a:endParaRPr lang="zh-CN" altLang="en-US"/>
+        </a:p>
+      </dgm:t>
+    </dgm:pt>
+    <dgm:pt modelId="{2FFB04E7-92B5-4108-9546-CA460FDF8990}" type="sibTrans" cxnId="{B245FF4F-9D54-489C-A7C7-BEB11D4C01F1}">
+      <dgm:prSet/>
+      <dgm:spPr/>
+      <dgm:t>
+        <a:bodyPr/>
+        <a:lstStyle/>
+        <a:p>
+          <a:endParaRPr lang="zh-CN" altLang="en-US"/>
+        </a:p>
+      </dgm:t>
+    </dgm:pt>
+    <dgm:pt modelId="{A5E803C9-FFF1-4AA7-B635-B101B534B6FD}" type="pres">
+      <dgm:prSet presAssocID="{C3771B84-95C2-4F15-9D0D-C15C84A1E355}" presName="Name0" presStyleCnt="0">
+        <dgm:presLayoutVars>
+          <dgm:chPref val="1"/>
+          <dgm:dir/>
+          <dgm:animOne val="branch"/>
+          <dgm:animLvl val="lvl"/>
+          <dgm:resizeHandles val="exact"/>
+        </dgm:presLayoutVars>
+      </dgm:prSet>
+      <dgm:spPr/>
+    </dgm:pt>
+    <dgm:pt modelId="{FC21FBBD-0DD6-47D0-BA06-271A6E68EB20}" type="pres">
+      <dgm:prSet presAssocID="{8A78FA57-2B7C-4A81-919C-D6755B390708}" presName="root1" presStyleCnt="0"/>
+      <dgm:spPr/>
+    </dgm:pt>
+    <dgm:pt modelId="{DABE7DC3-E876-457D-8BAE-3E20B9A53583}" type="pres">
+      <dgm:prSet presAssocID="{8A78FA57-2B7C-4A81-919C-D6755B390708}" presName="LevelOneTextNode" presStyleLbl="node0" presStyleIdx="0" presStyleCnt="1">
+        <dgm:presLayoutVars>
+          <dgm:chPref val="3"/>
+        </dgm:presLayoutVars>
+      </dgm:prSet>
+      <dgm:spPr/>
+      <dgm:t>
+        <a:bodyPr/>
+        <a:lstStyle/>
+        <a:p>
+          <a:endParaRPr lang="zh-CN" altLang="en-US"/>
+        </a:p>
+      </dgm:t>
+    </dgm:pt>
+    <dgm:pt modelId="{01BFA485-C92D-4AD9-AA15-92BE8D29FC44}" type="pres">
+      <dgm:prSet presAssocID="{8A78FA57-2B7C-4A81-919C-D6755B390708}" presName="level2hierChild" presStyleCnt="0"/>
+      <dgm:spPr/>
+    </dgm:pt>
+    <dgm:pt modelId="{64F3AE0A-13C1-4D20-864F-3BDDA29B4084}" type="pres">
+      <dgm:prSet presAssocID="{3D7A4725-4D8A-43BE-B03C-605769A2DBC4}" presName="conn2-1" presStyleLbl="parChTrans1D2" presStyleIdx="0" presStyleCnt="3"/>
+      <dgm:spPr/>
+    </dgm:pt>
+    <dgm:pt modelId="{90ACF624-0AB9-44CE-B13A-1C57C0BB4218}" type="pres">
+      <dgm:prSet presAssocID="{3D7A4725-4D8A-43BE-B03C-605769A2DBC4}" presName="connTx" presStyleLbl="parChTrans1D2" presStyleIdx="0" presStyleCnt="3"/>
+      <dgm:spPr/>
+    </dgm:pt>
+    <dgm:pt modelId="{0A13067E-E203-4CF9-B1C9-7FC33E01C007}" type="pres">
+      <dgm:prSet presAssocID="{2115AA11-4E84-4BF0-A6C8-3EE71802A5D2}" presName="root2" presStyleCnt="0"/>
+      <dgm:spPr/>
+    </dgm:pt>
+    <dgm:pt modelId="{F15B5FCB-6F19-4F46-A7ED-2EFDA6FACCB5}" type="pres">
+      <dgm:prSet presAssocID="{2115AA11-4E84-4BF0-A6C8-3EE71802A5D2}" presName="LevelTwoTextNode" presStyleLbl="node2" presStyleIdx="0" presStyleCnt="3">
+        <dgm:presLayoutVars>
+          <dgm:chPref val="3"/>
+        </dgm:presLayoutVars>
+      </dgm:prSet>
+      <dgm:spPr/>
+    </dgm:pt>
+    <dgm:pt modelId="{9AB2E784-0366-43D6-865B-FB3319DCCB55}" type="pres">
+      <dgm:prSet presAssocID="{2115AA11-4E84-4BF0-A6C8-3EE71802A5D2}" presName="level3hierChild" presStyleCnt="0"/>
+      <dgm:spPr/>
+    </dgm:pt>
+    <dgm:pt modelId="{1AAB01F9-99AE-493C-BEDD-F0A0D16CFF6F}" type="pres">
+      <dgm:prSet presAssocID="{82ED300F-4774-479D-9122-D180B42D177D}" presName="conn2-1" presStyleLbl="parChTrans1D2" presStyleIdx="1" presStyleCnt="3"/>
+      <dgm:spPr/>
+    </dgm:pt>
+    <dgm:pt modelId="{BCD8C9EB-F33F-4E57-BB89-7B4BA27C6B4A}" type="pres">
+      <dgm:prSet presAssocID="{82ED300F-4774-479D-9122-D180B42D177D}" presName="connTx" presStyleLbl="parChTrans1D2" presStyleIdx="1" presStyleCnt="3"/>
+      <dgm:spPr/>
+    </dgm:pt>
+    <dgm:pt modelId="{10235DC9-509F-4229-9CAF-B43357AD8E16}" type="pres">
+      <dgm:prSet presAssocID="{F1BF5AEA-A7C4-4C1D-BED0-F1D4C5D50B23}" presName="root2" presStyleCnt="0"/>
+      <dgm:spPr/>
+    </dgm:pt>
+    <dgm:pt modelId="{045E24E4-A665-4EAD-834D-EB7CDE5E1C76}" type="pres">
+      <dgm:prSet presAssocID="{F1BF5AEA-A7C4-4C1D-BED0-F1D4C5D50B23}" presName="LevelTwoTextNode" presStyleLbl="node2" presStyleIdx="1" presStyleCnt="3">
+        <dgm:presLayoutVars>
+          <dgm:chPref val="3"/>
+        </dgm:presLayoutVars>
+      </dgm:prSet>
+      <dgm:spPr/>
+    </dgm:pt>
+    <dgm:pt modelId="{6A64F653-7300-40E1-85C0-37D950297332}" type="pres">
+      <dgm:prSet presAssocID="{F1BF5AEA-A7C4-4C1D-BED0-F1D4C5D50B23}" presName="level3hierChild" presStyleCnt="0"/>
+      <dgm:spPr/>
+    </dgm:pt>
+    <dgm:pt modelId="{AE798C4C-9F9F-4931-AD15-9A60700CACA1}" type="pres">
+      <dgm:prSet presAssocID="{683B1C4D-6EDA-42F2-B18D-A50A98AA894F}" presName="conn2-1" presStyleLbl="parChTrans1D2" presStyleIdx="2" presStyleCnt="3"/>
+      <dgm:spPr/>
+    </dgm:pt>
+    <dgm:pt modelId="{BD3AB2A2-9C91-4E66-AF6D-9EA8D5064B77}" type="pres">
+      <dgm:prSet presAssocID="{683B1C4D-6EDA-42F2-B18D-A50A98AA894F}" presName="connTx" presStyleLbl="parChTrans1D2" presStyleIdx="2" presStyleCnt="3"/>
+      <dgm:spPr/>
+    </dgm:pt>
+    <dgm:pt modelId="{7CC669C4-CAFE-46DD-BFFD-C13E20FE390D}" type="pres">
+      <dgm:prSet presAssocID="{FD07DFDD-F916-46A7-9EA7-07F06687C158}" presName="root2" presStyleCnt="0"/>
+      <dgm:spPr/>
+    </dgm:pt>
+    <dgm:pt modelId="{155FF5B8-AE10-47EA-AEBC-77816C771805}" type="pres">
+      <dgm:prSet presAssocID="{FD07DFDD-F916-46A7-9EA7-07F06687C158}" presName="LevelTwoTextNode" presStyleLbl="node2" presStyleIdx="2" presStyleCnt="3">
+        <dgm:presLayoutVars>
+          <dgm:chPref val="3"/>
+        </dgm:presLayoutVars>
+      </dgm:prSet>
+      <dgm:spPr/>
+    </dgm:pt>
+    <dgm:pt modelId="{540D261F-2243-43E5-BFF9-962C57C28F94}" type="pres">
+      <dgm:prSet presAssocID="{FD07DFDD-F916-46A7-9EA7-07F06687C158}" presName="level3hierChild" presStyleCnt="0"/>
+      <dgm:spPr/>
+    </dgm:pt>
+  </dgm:ptLst>
+  <dgm:cxnLst>
+    <dgm:cxn modelId="{F1A984BB-EEC5-460C-A25D-0B78096781AF}" type="presOf" srcId="{3D7A4725-4D8A-43BE-B03C-605769A2DBC4}" destId="{90ACF624-0AB9-44CE-B13A-1C57C0BB4218}" srcOrd="1" destOrd="0" presId="urn:microsoft.com/office/officeart/2008/layout/HorizontalMultiLevelHierarchy"/>
+    <dgm:cxn modelId="{0B4D7A74-9422-4D8A-B177-0E2E4F4A05E3}" type="presOf" srcId="{683B1C4D-6EDA-42F2-B18D-A50A98AA894F}" destId="{BD3AB2A2-9C91-4E66-AF6D-9EA8D5064B77}" srcOrd="1" destOrd="0" presId="urn:microsoft.com/office/officeart/2008/layout/HorizontalMultiLevelHierarchy"/>
+    <dgm:cxn modelId="{0B05A10A-BDA4-42B2-97A8-E40345253B6D}" type="presOf" srcId="{FD07DFDD-F916-46A7-9EA7-07F06687C158}" destId="{155FF5B8-AE10-47EA-AEBC-77816C771805}" srcOrd="0" destOrd="0" presId="urn:microsoft.com/office/officeart/2008/layout/HorizontalMultiLevelHierarchy"/>
+    <dgm:cxn modelId="{767DF905-E20E-47AF-8DFE-F3FDA19C5ADB}" srcId="{C3771B84-95C2-4F15-9D0D-C15C84A1E355}" destId="{8A78FA57-2B7C-4A81-919C-D6755B390708}" srcOrd="0" destOrd="0" parTransId="{B76281F3-35F4-4C07-B4BB-68990A6F2CE2}" sibTransId="{9A7CFCBE-FC65-447E-88DA-E467C5133DFC}"/>
+    <dgm:cxn modelId="{B245FF4F-9D54-489C-A7C7-BEB11D4C01F1}" srcId="{8A78FA57-2B7C-4A81-919C-D6755B390708}" destId="{FD07DFDD-F916-46A7-9EA7-07F06687C158}" srcOrd="2" destOrd="0" parTransId="{683B1C4D-6EDA-42F2-B18D-A50A98AA894F}" sibTransId="{2FFB04E7-92B5-4108-9546-CA460FDF8990}"/>
+    <dgm:cxn modelId="{556AD9E8-0C26-452C-B691-70B028D00519}" type="presOf" srcId="{8A78FA57-2B7C-4A81-919C-D6755B390708}" destId="{DABE7DC3-E876-457D-8BAE-3E20B9A53583}" srcOrd="0" destOrd="0" presId="urn:microsoft.com/office/officeart/2008/layout/HorizontalMultiLevelHierarchy"/>
+    <dgm:cxn modelId="{C34A50EF-8275-481B-A4C3-2A43542AE0E6}" type="presOf" srcId="{F1BF5AEA-A7C4-4C1D-BED0-F1D4C5D50B23}" destId="{045E24E4-A665-4EAD-834D-EB7CDE5E1C76}" srcOrd="0" destOrd="0" presId="urn:microsoft.com/office/officeart/2008/layout/HorizontalMultiLevelHierarchy"/>
+    <dgm:cxn modelId="{B941D928-EB2B-4771-A86E-662EF2779996}" srcId="{8A78FA57-2B7C-4A81-919C-D6755B390708}" destId="{F1BF5AEA-A7C4-4C1D-BED0-F1D4C5D50B23}" srcOrd="1" destOrd="0" parTransId="{82ED300F-4774-479D-9122-D180B42D177D}" sibTransId="{C49CAF99-5313-41D6-81CF-D70763E61B0A}"/>
+    <dgm:cxn modelId="{1D25ED14-2C74-4438-8524-FD7FE621A4CF}" type="presOf" srcId="{C3771B84-95C2-4F15-9D0D-C15C84A1E355}" destId="{A5E803C9-FFF1-4AA7-B635-B101B534B6FD}" srcOrd="0" destOrd="0" presId="urn:microsoft.com/office/officeart/2008/layout/HorizontalMultiLevelHierarchy"/>
+    <dgm:cxn modelId="{9C519BE2-FAE7-41E5-8736-A1CDA959959C}" type="presOf" srcId="{82ED300F-4774-479D-9122-D180B42D177D}" destId="{BCD8C9EB-F33F-4E57-BB89-7B4BA27C6B4A}" srcOrd="1" destOrd="0" presId="urn:microsoft.com/office/officeart/2008/layout/HorizontalMultiLevelHierarchy"/>
+    <dgm:cxn modelId="{348A474B-3165-4406-91C7-19FD51B87622}" type="presOf" srcId="{683B1C4D-6EDA-42F2-B18D-A50A98AA894F}" destId="{AE798C4C-9F9F-4931-AD15-9A60700CACA1}" srcOrd="0" destOrd="0" presId="urn:microsoft.com/office/officeart/2008/layout/HorizontalMultiLevelHierarchy"/>
+    <dgm:cxn modelId="{C6305E66-9F0E-4EDD-9E15-238B31F7F611}" type="presOf" srcId="{3D7A4725-4D8A-43BE-B03C-605769A2DBC4}" destId="{64F3AE0A-13C1-4D20-864F-3BDDA29B4084}" srcOrd="0" destOrd="0" presId="urn:microsoft.com/office/officeart/2008/layout/HorizontalMultiLevelHierarchy"/>
+    <dgm:cxn modelId="{16F51A0D-E5AE-4C44-8047-7355D181860F}" srcId="{8A78FA57-2B7C-4A81-919C-D6755B390708}" destId="{2115AA11-4E84-4BF0-A6C8-3EE71802A5D2}" srcOrd="0" destOrd="0" parTransId="{3D7A4725-4D8A-43BE-B03C-605769A2DBC4}" sibTransId="{C8864554-391D-4BB1-994D-C9F884B2460F}"/>
+    <dgm:cxn modelId="{E1912F14-DB88-4452-8041-FAE781FD95A1}" type="presOf" srcId="{2115AA11-4E84-4BF0-A6C8-3EE71802A5D2}" destId="{F15B5FCB-6F19-4F46-A7ED-2EFDA6FACCB5}" srcOrd="0" destOrd="0" presId="urn:microsoft.com/office/officeart/2008/layout/HorizontalMultiLevelHierarchy"/>
+    <dgm:cxn modelId="{05A5B4A7-B7E2-4BBB-B8F4-A058DCCC05C9}" type="presOf" srcId="{82ED300F-4774-479D-9122-D180B42D177D}" destId="{1AAB01F9-99AE-493C-BEDD-F0A0D16CFF6F}" srcOrd="0" destOrd="0" presId="urn:microsoft.com/office/officeart/2008/layout/HorizontalMultiLevelHierarchy"/>
+    <dgm:cxn modelId="{FFCBB8E3-5D00-4E6A-8603-C63BFA6AFD35}" type="presParOf" srcId="{A5E803C9-FFF1-4AA7-B635-B101B534B6FD}" destId="{FC21FBBD-0DD6-47D0-BA06-271A6E68EB20}" srcOrd="0" destOrd="0" presId="urn:microsoft.com/office/officeart/2008/layout/HorizontalMultiLevelHierarchy"/>
+    <dgm:cxn modelId="{55E3A560-8895-465D-87CC-0692138EA0ED}" type="presParOf" srcId="{FC21FBBD-0DD6-47D0-BA06-271A6E68EB20}" destId="{DABE7DC3-E876-457D-8BAE-3E20B9A53583}" srcOrd="0" destOrd="0" presId="urn:microsoft.com/office/officeart/2008/layout/HorizontalMultiLevelHierarchy"/>
+    <dgm:cxn modelId="{254E42E3-DE2B-4A74-9FA6-EE2BF5A440C9}" type="presParOf" srcId="{FC21FBBD-0DD6-47D0-BA06-271A6E68EB20}" destId="{01BFA485-C92D-4AD9-AA15-92BE8D29FC44}" srcOrd="1" destOrd="0" presId="urn:microsoft.com/office/officeart/2008/layout/HorizontalMultiLevelHierarchy"/>
+    <dgm:cxn modelId="{EF961A22-2B14-456C-A661-DF34CADCB871}" type="presParOf" srcId="{01BFA485-C92D-4AD9-AA15-92BE8D29FC44}" destId="{64F3AE0A-13C1-4D20-864F-3BDDA29B4084}" srcOrd="0" destOrd="0" presId="urn:microsoft.com/office/officeart/2008/layout/HorizontalMultiLevelHierarchy"/>
+    <dgm:cxn modelId="{30A6A5BA-8862-4A45-B37F-9B0A5B37456B}" type="presParOf" srcId="{64F3AE0A-13C1-4D20-864F-3BDDA29B4084}" destId="{90ACF624-0AB9-44CE-B13A-1C57C0BB4218}" srcOrd="0" destOrd="0" presId="urn:microsoft.com/office/officeart/2008/layout/HorizontalMultiLevelHierarchy"/>
+    <dgm:cxn modelId="{3F40E5DA-C0F8-4E61-986B-E560B0FF8CA2}" type="presParOf" srcId="{01BFA485-C92D-4AD9-AA15-92BE8D29FC44}" destId="{0A13067E-E203-4CF9-B1C9-7FC33E01C007}" srcOrd="1" destOrd="0" presId="urn:microsoft.com/office/officeart/2008/layout/HorizontalMultiLevelHierarchy"/>
+    <dgm:cxn modelId="{DE57C800-95E1-4CB8-AA5B-E7F62D1CDC67}" type="presParOf" srcId="{0A13067E-E203-4CF9-B1C9-7FC33E01C007}" destId="{F15B5FCB-6F19-4F46-A7ED-2EFDA6FACCB5}" srcOrd="0" destOrd="0" presId="urn:microsoft.com/office/officeart/2008/layout/HorizontalMultiLevelHierarchy"/>
+    <dgm:cxn modelId="{546D661E-8C9E-4DAE-91F3-7592939D616E}" type="presParOf" srcId="{0A13067E-E203-4CF9-B1C9-7FC33E01C007}" destId="{9AB2E784-0366-43D6-865B-FB3319DCCB55}" srcOrd="1" destOrd="0" presId="urn:microsoft.com/office/officeart/2008/layout/HorizontalMultiLevelHierarchy"/>
+    <dgm:cxn modelId="{71DA79CD-ED4D-466F-87BF-26724815F757}" type="presParOf" srcId="{01BFA485-C92D-4AD9-AA15-92BE8D29FC44}" destId="{1AAB01F9-99AE-493C-BEDD-F0A0D16CFF6F}" srcOrd="2" destOrd="0" presId="urn:microsoft.com/office/officeart/2008/layout/HorizontalMultiLevelHierarchy"/>
+    <dgm:cxn modelId="{23CFC928-A9FE-4F43-ABDD-C915CC36C2BB}" type="presParOf" srcId="{1AAB01F9-99AE-493C-BEDD-F0A0D16CFF6F}" destId="{BCD8C9EB-F33F-4E57-BB89-7B4BA27C6B4A}" srcOrd="0" destOrd="0" presId="urn:microsoft.com/office/officeart/2008/layout/HorizontalMultiLevelHierarchy"/>
+    <dgm:cxn modelId="{8A5CB714-16AD-4216-8626-615BA5425D71}" type="presParOf" srcId="{01BFA485-C92D-4AD9-AA15-92BE8D29FC44}" destId="{10235DC9-509F-4229-9CAF-B43357AD8E16}" srcOrd="3" destOrd="0" presId="urn:microsoft.com/office/officeart/2008/layout/HorizontalMultiLevelHierarchy"/>
+    <dgm:cxn modelId="{321E2FB9-4B17-4204-826C-13A510904150}" type="presParOf" srcId="{10235DC9-509F-4229-9CAF-B43357AD8E16}" destId="{045E24E4-A665-4EAD-834D-EB7CDE5E1C76}" srcOrd="0" destOrd="0" presId="urn:microsoft.com/office/officeart/2008/layout/HorizontalMultiLevelHierarchy"/>
+    <dgm:cxn modelId="{790F3E68-FDD9-4BFE-BB94-0F1FC0476D60}" type="presParOf" srcId="{10235DC9-509F-4229-9CAF-B43357AD8E16}" destId="{6A64F653-7300-40E1-85C0-37D950297332}" srcOrd="1" destOrd="0" presId="urn:microsoft.com/office/officeart/2008/layout/HorizontalMultiLevelHierarchy"/>
+    <dgm:cxn modelId="{C4A395BA-F1C3-4D6E-A746-6A81A0358CC9}" type="presParOf" srcId="{01BFA485-C92D-4AD9-AA15-92BE8D29FC44}" destId="{AE798C4C-9F9F-4931-AD15-9A60700CACA1}" srcOrd="4" destOrd="0" presId="urn:microsoft.com/office/officeart/2008/layout/HorizontalMultiLevelHierarchy"/>
+    <dgm:cxn modelId="{00839768-A08C-4199-8C45-D151F5A08A9F}" type="presParOf" srcId="{AE798C4C-9F9F-4931-AD15-9A60700CACA1}" destId="{BD3AB2A2-9C91-4E66-AF6D-9EA8D5064B77}" srcOrd="0" destOrd="0" presId="urn:microsoft.com/office/officeart/2008/layout/HorizontalMultiLevelHierarchy"/>
+    <dgm:cxn modelId="{91832BD0-9ACA-4975-96F5-3C8A5D00164F}" type="presParOf" srcId="{01BFA485-C92D-4AD9-AA15-92BE8D29FC44}" destId="{7CC669C4-CAFE-46DD-BFFD-C13E20FE390D}" srcOrd="5" destOrd="0" presId="urn:microsoft.com/office/officeart/2008/layout/HorizontalMultiLevelHierarchy"/>
+    <dgm:cxn modelId="{65986E14-262C-4D4B-B35B-0577F8ABA72A}" type="presParOf" srcId="{7CC669C4-CAFE-46DD-BFFD-C13E20FE390D}" destId="{155FF5B8-AE10-47EA-AEBC-77816C771805}" srcOrd="0" destOrd="0" presId="urn:microsoft.com/office/officeart/2008/layout/HorizontalMultiLevelHierarchy"/>
+    <dgm:cxn modelId="{970E0A8D-7FCF-43BE-85BA-87FD35A59951}" type="presParOf" srcId="{7CC669C4-CAFE-46DD-BFFD-C13E20FE390D}" destId="{540D261F-2243-43E5-BFF9-962C57C28F94}" srcOrd="1" destOrd="0" presId="urn:microsoft.com/office/officeart/2008/layout/HorizontalMultiLevelHierarchy"/>
+  </dgm:cxnLst>
+  <dgm:bg/>
+  <dgm:whole/>
+  <dgm:extLst>
+    <a:ext uri="http://schemas.microsoft.com/office/drawing/2008/diagram">
+      <dsp:dataModelExt xmlns:dsp="http://schemas.microsoft.com/office/drawing/2008/diagram" relId="rId7" minVer="http://schemas.openxmlformats.org/drawingml/2006/diagram"/>
+    </a:ext>
+  </dgm:extLst>
+</dgm:dataModel>
+</file>
+
+<file path=ppt/diagrams/drawing1.xml><?xml version="1.0" encoding="utf-8"?>
+<dsp:drawing xmlns:dgm="http://schemas.openxmlformats.org/drawingml/2006/diagram" xmlns:dsp="http://schemas.microsoft.com/office/drawing/2008/diagram" xmlns:a="http://schemas.openxmlformats.org/drawingml/2006/main">
+  <dsp:spTree>
+    <dsp:nvGrpSpPr>
+      <dsp:cNvPr id="0" name=""/>
+      <dsp:cNvGrpSpPr/>
+    </dsp:nvGrpSpPr>
+    <dsp:grpSpPr/>
+    <dsp:sp modelId="{AE798C4C-9F9F-4931-AD15-9A60700CACA1}">
+      <dsp:nvSpPr>
+        <dsp:cNvPr id="0" name=""/>
+        <dsp:cNvSpPr/>
+      </dsp:nvSpPr>
+      <dsp:spPr>
+        <a:xfrm>
+          <a:off x="2498006" y="2283618"/>
+          <a:ext cx="569260" cy="1084718"/>
+        </a:xfrm>
+        <a:custGeom>
+          <a:avLst/>
+          <a:gdLst/>
+          <a:ahLst/>
+          <a:cxnLst/>
+          <a:rect l="0" t="0" r="0" b="0"/>
+          <a:pathLst>
+            <a:path>
+              <a:moveTo>
+                <a:pt x="0" y="0"/>
+              </a:moveTo>
+              <a:lnTo>
+                <a:pt x="284630" y="0"/>
+              </a:lnTo>
+              <a:lnTo>
+                <a:pt x="284630" y="1084718"/>
+              </a:lnTo>
+              <a:lnTo>
+                <a:pt x="569260" y="1084718"/>
+              </a:lnTo>
+            </a:path>
+          </a:pathLst>
+        </a:custGeom>
+        <a:noFill/>
+        <a:ln w="25400" cap="flat" cmpd="sng" algn="ctr">
+          <a:solidFill>
+            <a:schemeClr val="accent1">
+              <a:shade val="60000"/>
+              <a:hueOff val="0"/>
+              <a:satOff val="0"/>
+              <a:lumOff val="0"/>
+              <a:alphaOff val="0"/>
+            </a:schemeClr>
+          </a:solidFill>
+          <a:prstDash val="solid"/>
+        </a:ln>
+        <a:effectLst/>
+      </dsp:spPr>
+      <dsp:style>
+        <a:lnRef idx="2">
+          <a:scrgbClr r="0" g="0" b="0"/>
+        </a:lnRef>
+        <a:fillRef idx="0">
+          <a:scrgbClr r="0" g="0" b="0"/>
+        </a:fillRef>
+        <a:effectRef idx="0">
+          <a:scrgbClr r="0" g="0" b="0"/>
+        </a:effectRef>
+        <a:fontRef idx="minor"/>
+      </dsp:style>
+      <dsp:txBody>
+        <a:bodyPr spcFirstLastPara="0" vert="horz" wrap="square" lIns="12700" tIns="0" rIns="12700" bIns="0" numCol="1" spcCol="1270" anchor="ctr" anchorCtr="0">
+          <a:noAutofit/>
+        </a:bodyPr>
+        <a:lstStyle/>
+        <a:p>
+          <a:pPr lvl="0" algn="ctr" defTabSz="222250">
+            <a:lnSpc>
+              <a:spcPct val="90000"/>
+            </a:lnSpc>
+            <a:spcBef>
+              <a:spcPct val="0"/>
+            </a:spcBef>
+            <a:spcAft>
+              <a:spcPct val="35000"/>
+            </a:spcAft>
+          </a:pPr>
+          <a:endParaRPr lang="zh-CN" altLang="en-US" sz="500" kern="1200"/>
+        </a:p>
+      </dsp:txBody>
+      <dsp:txXfrm>
+        <a:off x="2752010" y="2795352"/>
+        <a:ext cx="61250" cy="61250"/>
+      </dsp:txXfrm>
+    </dsp:sp>
+    <dsp:sp modelId="{1AAB01F9-99AE-493C-BEDD-F0A0D16CFF6F}">
+      <dsp:nvSpPr>
+        <dsp:cNvPr id="0" name=""/>
+        <dsp:cNvSpPr/>
+      </dsp:nvSpPr>
+      <dsp:spPr>
+        <a:xfrm>
+          <a:off x="2498006" y="2237898"/>
+          <a:ext cx="569260" cy="91440"/>
+        </a:xfrm>
+        <a:custGeom>
+          <a:avLst/>
+          <a:gdLst/>
+          <a:ahLst/>
+          <a:cxnLst/>
+          <a:rect l="0" t="0" r="0" b="0"/>
+          <a:pathLst>
+            <a:path>
+              <a:moveTo>
+                <a:pt x="0" y="45720"/>
+              </a:moveTo>
+              <a:lnTo>
+                <a:pt x="569260" y="45720"/>
+              </a:lnTo>
+            </a:path>
+          </a:pathLst>
+        </a:custGeom>
+        <a:noFill/>
+        <a:ln w="25400" cap="flat" cmpd="sng" algn="ctr">
+          <a:solidFill>
+            <a:schemeClr val="accent1">
+              <a:shade val="60000"/>
+              <a:hueOff val="0"/>
+              <a:satOff val="0"/>
+              <a:lumOff val="0"/>
+              <a:alphaOff val="0"/>
+            </a:schemeClr>
+          </a:solidFill>
+          <a:prstDash val="solid"/>
+        </a:ln>
+        <a:effectLst/>
+      </dsp:spPr>
+      <dsp:style>
+        <a:lnRef idx="2">
+          <a:scrgbClr r="0" g="0" b="0"/>
+        </a:lnRef>
+        <a:fillRef idx="0">
+          <a:scrgbClr r="0" g="0" b="0"/>
+        </a:fillRef>
+        <a:effectRef idx="0">
+          <a:scrgbClr r="0" g="0" b="0"/>
+        </a:effectRef>
+        <a:fontRef idx="minor"/>
+      </dsp:style>
+      <dsp:txBody>
+        <a:bodyPr spcFirstLastPara="0" vert="horz" wrap="square" lIns="12700" tIns="0" rIns="12700" bIns="0" numCol="1" spcCol="1270" anchor="ctr" anchorCtr="0">
+          <a:noAutofit/>
+        </a:bodyPr>
+        <a:lstStyle/>
+        <a:p>
+          <a:pPr lvl="0" algn="ctr" defTabSz="222250">
+            <a:lnSpc>
+              <a:spcPct val="90000"/>
+            </a:lnSpc>
+            <a:spcBef>
+              <a:spcPct val="0"/>
+            </a:spcBef>
+            <a:spcAft>
+              <a:spcPct val="35000"/>
+            </a:spcAft>
+          </a:pPr>
+          <a:endParaRPr lang="zh-CN" altLang="en-US" sz="500" kern="1200"/>
+        </a:p>
+      </dsp:txBody>
+      <dsp:txXfrm>
+        <a:off x="2768404" y="2269386"/>
+        <a:ext cx="28463" cy="28463"/>
+      </dsp:txXfrm>
+    </dsp:sp>
+    <dsp:sp modelId="{64F3AE0A-13C1-4D20-864F-3BDDA29B4084}">
+      <dsp:nvSpPr>
+        <dsp:cNvPr id="0" name=""/>
+        <dsp:cNvSpPr/>
+      </dsp:nvSpPr>
+      <dsp:spPr>
+        <a:xfrm>
+          <a:off x="2498006" y="1198899"/>
+          <a:ext cx="569260" cy="1084718"/>
+        </a:xfrm>
+        <a:custGeom>
+          <a:avLst/>
+          <a:gdLst/>
+          <a:ahLst/>
+          <a:cxnLst/>
+          <a:rect l="0" t="0" r="0" b="0"/>
+          <a:pathLst>
+            <a:path>
+              <a:moveTo>
+                <a:pt x="0" y="1084718"/>
+              </a:moveTo>
+              <a:lnTo>
+                <a:pt x="284630" y="1084718"/>
+              </a:lnTo>
+              <a:lnTo>
+                <a:pt x="284630" y="0"/>
+              </a:lnTo>
+              <a:lnTo>
+                <a:pt x="569260" y="0"/>
+              </a:lnTo>
+            </a:path>
+          </a:pathLst>
+        </a:custGeom>
+        <a:noFill/>
+        <a:ln w="25400" cap="flat" cmpd="sng" algn="ctr">
+          <a:solidFill>
+            <a:schemeClr val="accent1">
+              <a:shade val="60000"/>
+              <a:hueOff val="0"/>
+              <a:satOff val="0"/>
+              <a:lumOff val="0"/>
+              <a:alphaOff val="0"/>
+            </a:schemeClr>
+          </a:solidFill>
+          <a:prstDash val="solid"/>
+        </a:ln>
+        <a:effectLst/>
+      </dsp:spPr>
+      <dsp:style>
+        <a:lnRef idx="2">
+          <a:scrgbClr r="0" g="0" b="0"/>
+        </a:lnRef>
+        <a:fillRef idx="0">
+          <a:scrgbClr r="0" g="0" b="0"/>
+        </a:fillRef>
+        <a:effectRef idx="0">
+          <a:scrgbClr r="0" g="0" b="0"/>
+        </a:effectRef>
+        <a:fontRef idx="minor"/>
+      </dsp:style>
+      <dsp:txBody>
+        <a:bodyPr spcFirstLastPara="0" vert="horz" wrap="square" lIns="12700" tIns="0" rIns="12700" bIns="0" numCol="1" spcCol="1270" anchor="ctr" anchorCtr="0">
+          <a:noAutofit/>
+        </a:bodyPr>
+        <a:lstStyle/>
+        <a:p>
+          <a:pPr lvl="0" algn="ctr" defTabSz="222250">
+            <a:lnSpc>
+              <a:spcPct val="90000"/>
+            </a:lnSpc>
+            <a:spcBef>
+              <a:spcPct val="0"/>
+            </a:spcBef>
+            <a:spcAft>
+              <a:spcPct val="35000"/>
+            </a:spcAft>
+          </a:pPr>
+          <a:endParaRPr lang="zh-CN" altLang="en-US" sz="500" kern="1200"/>
+        </a:p>
+      </dsp:txBody>
+      <dsp:txXfrm>
+        <a:off x="2752010" y="1710633"/>
+        <a:ext cx="61250" cy="61250"/>
+      </dsp:txXfrm>
+    </dsp:sp>
+    <dsp:sp modelId="{DABE7DC3-E876-457D-8BAE-3E20B9A53583}">
+      <dsp:nvSpPr>
+        <dsp:cNvPr id="0" name=""/>
+        <dsp:cNvSpPr/>
+      </dsp:nvSpPr>
+      <dsp:spPr>
+        <a:xfrm rot="16200000">
+          <a:off x="-219499" y="1849730"/>
+          <a:ext cx="4567237" cy="867775"/>
+        </a:xfrm>
+        <a:prstGeom prst="rect">
+          <a:avLst/>
+        </a:prstGeom>
+        <a:solidFill>
+          <a:schemeClr val="accent1">
+            <a:hueOff val="0"/>
+            <a:satOff val="0"/>
+            <a:lumOff val="0"/>
+            <a:alphaOff val="0"/>
+          </a:schemeClr>
+        </a:solidFill>
+        <a:ln w="25400" cap="flat" cmpd="sng" algn="ctr">
+          <a:solidFill>
+            <a:schemeClr val="lt1">
+              <a:hueOff val="0"/>
+              <a:satOff val="0"/>
+              <a:lumOff val="0"/>
+              <a:alphaOff val="0"/>
+            </a:schemeClr>
+          </a:solidFill>
+          <a:prstDash val="solid"/>
+        </a:ln>
+        <a:effectLst/>
+      </dsp:spPr>
+      <dsp:style>
+        <a:lnRef idx="2">
+          <a:scrgbClr r="0" g="0" b="0"/>
+        </a:lnRef>
+        <a:fillRef idx="1">
+          <a:scrgbClr r="0" g="0" b="0"/>
+        </a:fillRef>
+        <a:effectRef idx="0">
+          <a:scrgbClr r="0" g="0" b="0"/>
+        </a:effectRef>
+        <a:fontRef idx="minor">
+          <a:schemeClr val="lt1"/>
+        </a:fontRef>
+      </dsp:style>
+      <dsp:txBody>
+        <a:bodyPr spcFirstLastPara="0" vert="horz" wrap="square" lIns="25400" tIns="25400" rIns="25400" bIns="25400" numCol="1" spcCol="1270" anchor="ctr" anchorCtr="0">
+          <a:noAutofit/>
+        </a:bodyPr>
+        <a:lstStyle/>
+        <a:p>
+          <a:pPr lvl="0" algn="ctr" defTabSz="1778000">
+            <a:lnSpc>
+              <a:spcPct val="90000"/>
+            </a:lnSpc>
+            <a:spcBef>
+              <a:spcPct val="0"/>
+            </a:spcBef>
+            <a:spcAft>
+              <a:spcPct val="35000"/>
+            </a:spcAft>
+          </a:pPr>
+          <a:r>
+            <a:rPr lang="zh-CN" altLang="en-US" sz="4000" kern="1200" dirty="0" smtClean="0"/>
+            <a:t>统一接口</a:t>
+          </a:r>
+          <a:endParaRPr lang="zh-CN" altLang="en-US" sz="4000" kern="1200" dirty="0"/>
+        </a:p>
+      </dsp:txBody>
+      <dsp:txXfrm>
+        <a:off x="-219499" y="1849730"/>
+        <a:ext cx="4567237" cy="867775"/>
+      </dsp:txXfrm>
+    </dsp:sp>
+    <dsp:sp modelId="{F15B5FCB-6F19-4F46-A7ED-2EFDA6FACCB5}">
+      <dsp:nvSpPr>
+        <dsp:cNvPr id="0" name=""/>
+        <dsp:cNvSpPr/>
+      </dsp:nvSpPr>
+      <dsp:spPr>
+        <a:xfrm>
+          <a:off x="3067266" y="765012"/>
+          <a:ext cx="2846302" cy="867775"/>
+        </a:xfrm>
+        <a:prstGeom prst="rect">
+          <a:avLst/>
+        </a:prstGeom>
+        <a:solidFill>
+          <a:schemeClr val="accent1">
+            <a:hueOff val="0"/>
+            <a:satOff val="0"/>
+            <a:lumOff val="0"/>
+            <a:alphaOff val="0"/>
+          </a:schemeClr>
+        </a:solidFill>
+        <a:ln w="25400" cap="flat" cmpd="sng" algn="ctr">
+          <a:solidFill>
+            <a:schemeClr val="lt1">
+              <a:hueOff val="0"/>
+              <a:satOff val="0"/>
+              <a:lumOff val="0"/>
+              <a:alphaOff val="0"/>
+            </a:schemeClr>
+          </a:solidFill>
+          <a:prstDash val="solid"/>
+        </a:ln>
+        <a:effectLst/>
+      </dsp:spPr>
+      <dsp:style>
+        <a:lnRef idx="2">
+          <a:scrgbClr r="0" g="0" b="0"/>
+        </a:lnRef>
+        <a:fillRef idx="1">
+          <a:scrgbClr r="0" g="0" b="0"/>
+        </a:fillRef>
+        <a:effectRef idx="0">
+          <a:scrgbClr r="0" g="0" b="0"/>
+        </a:effectRef>
+        <a:fontRef idx="minor">
+          <a:schemeClr val="lt1"/>
+        </a:fontRef>
+      </dsp:style>
+      <dsp:txBody>
+        <a:bodyPr spcFirstLastPara="0" vert="horz" wrap="square" lIns="25400" tIns="25400" rIns="25400" bIns="25400" numCol="1" spcCol="1270" anchor="ctr" anchorCtr="0">
+          <a:noAutofit/>
+        </a:bodyPr>
+        <a:lstStyle/>
+        <a:p>
+          <a:pPr lvl="0" algn="ctr" defTabSz="1778000">
+            <a:lnSpc>
+              <a:spcPct val="90000"/>
+            </a:lnSpc>
+            <a:spcBef>
+              <a:spcPct val="0"/>
+            </a:spcBef>
+            <a:spcAft>
+              <a:spcPct val="35000"/>
+            </a:spcAft>
+          </a:pPr>
+          <a:r>
+            <a:rPr lang="en-US" altLang="zh-CN" sz="4000" kern="1200" dirty="0" smtClean="0"/>
+            <a:t>Cloud1	</a:t>
+          </a:r>
+          <a:endParaRPr lang="zh-CN" altLang="en-US" sz="4000" kern="1200" dirty="0"/>
+        </a:p>
+      </dsp:txBody>
+      <dsp:txXfrm>
+        <a:off x="3067266" y="765012"/>
+        <a:ext cx="2846302" cy="867775"/>
+      </dsp:txXfrm>
+    </dsp:sp>
+    <dsp:sp modelId="{045E24E4-A665-4EAD-834D-EB7CDE5E1C76}">
+      <dsp:nvSpPr>
+        <dsp:cNvPr id="0" name=""/>
+        <dsp:cNvSpPr/>
+      </dsp:nvSpPr>
+      <dsp:spPr>
+        <a:xfrm>
+          <a:off x="3067266" y="1849730"/>
+          <a:ext cx="2846302" cy="867775"/>
+        </a:xfrm>
+        <a:prstGeom prst="rect">
+          <a:avLst/>
+        </a:prstGeom>
+        <a:solidFill>
+          <a:schemeClr val="accent1">
+            <a:hueOff val="0"/>
+            <a:satOff val="0"/>
+            <a:lumOff val="0"/>
+            <a:alphaOff val="0"/>
+          </a:schemeClr>
+        </a:solidFill>
+        <a:ln w="25400" cap="flat" cmpd="sng" algn="ctr">
+          <a:solidFill>
+            <a:schemeClr val="lt1">
+              <a:hueOff val="0"/>
+              <a:satOff val="0"/>
+              <a:lumOff val="0"/>
+              <a:alphaOff val="0"/>
+            </a:schemeClr>
+          </a:solidFill>
+          <a:prstDash val="solid"/>
+        </a:ln>
+        <a:effectLst/>
+      </dsp:spPr>
+      <dsp:style>
+        <a:lnRef idx="2">
+          <a:scrgbClr r="0" g="0" b="0"/>
+        </a:lnRef>
+        <a:fillRef idx="1">
+          <a:scrgbClr r="0" g="0" b="0"/>
+        </a:fillRef>
+        <a:effectRef idx="0">
+          <a:scrgbClr r="0" g="0" b="0"/>
+        </a:effectRef>
+        <a:fontRef idx="minor">
+          <a:schemeClr val="lt1"/>
+        </a:fontRef>
+      </dsp:style>
+      <dsp:txBody>
+        <a:bodyPr spcFirstLastPara="0" vert="horz" wrap="square" lIns="25400" tIns="25400" rIns="25400" bIns="25400" numCol="1" spcCol="1270" anchor="ctr" anchorCtr="0">
+          <a:noAutofit/>
+        </a:bodyPr>
+        <a:lstStyle/>
+        <a:p>
+          <a:pPr lvl="0" algn="ctr" defTabSz="1778000">
+            <a:lnSpc>
+              <a:spcPct val="90000"/>
+            </a:lnSpc>
+            <a:spcBef>
+              <a:spcPct val="0"/>
+            </a:spcBef>
+            <a:spcAft>
+              <a:spcPct val="35000"/>
+            </a:spcAft>
+          </a:pPr>
+          <a:r>
+            <a:rPr lang="en-US" altLang="zh-CN" sz="4000" kern="1200" dirty="0" smtClean="0"/>
+            <a:t>Cloud2</a:t>
+          </a:r>
+          <a:endParaRPr lang="zh-CN" altLang="en-US" sz="4000" kern="1200" dirty="0"/>
+        </a:p>
+      </dsp:txBody>
+      <dsp:txXfrm>
+        <a:off x="3067266" y="1849730"/>
+        <a:ext cx="2846302" cy="867775"/>
+      </dsp:txXfrm>
+    </dsp:sp>
+    <dsp:sp modelId="{155FF5B8-AE10-47EA-AEBC-77816C771805}">
+      <dsp:nvSpPr>
+        <dsp:cNvPr id="0" name=""/>
+        <dsp:cNvSpPr/>
+      </dsp:nvSpPr>
+      <dsp:spPr>
+        <a:xfrm>
+          <a:off x="3067266" y="2934449"/>
+          <a:ext cx="2846302" cy="867775"/>
+        </a:xfrm>
+        <a:prstGeom prst="rect">
+          <a:avLst/>
+        </a:prstGeom>
+        <a:solidFill>
+          <a:schemeClr val="accent1">
+            <a:hueOff val="0"/>
+            <a:satOff val="0"/>
+            <a:lumOff val="0"/>
+            <a:alphaOff val="0"/>
+          </a:schemeClr>
+        </a:solidFill>
+        <a:ln w="25400" cap="flat" cmpd="sng" algn="ctr">
+          <a:solidFill>
+            <a:schemeClr val="lt1">
+              <a:hueOff val="0"/>
+              <a:satOff val="0"/>
+              <a:lumOff val="0"/>
+              <a:alphaOff val="0"/>
+            </a:schemeClr>
+          </a:solidFill>
+          <a:prstDash val="solid"/>
+        </a:ln>
+        <a:effectLst/>
+      </dsp:spPr>
+      <dsp:style>
+        <a:lnRef idx="2">
+          <a:scrgbClr r="0" g="0" b="0"/>
+        </a:lnRef>
+        <a:fillRef idx="1">
+          <a:scrgbClr r="0" g="0" b="0"/>
+        </a:fillRef>
+        <a:effectRef idx="0">
+          <a:scrgbClr r="0" g="0" b="0"/>
+        </a:effectRef>
+        <a:fontRef idx="minor">
+          <a:schemeClr val="lt1"/>
+        </a:fontRef>
+      </dsp:style>
+      <dsp:txBody>
+        <a:bodyPr spcFirstLastPara="0" vert="horz" wrap="square" lIns="25400" tIns="25400" rIns="25400" bIns="25400" numCol="1" spcCol="1270" anchor="ctr" anchorCtr="0">
+          <a:noAutofit/>
+        </a:bodyPr>
+        <a:lstStyle/>
+        <a:p>
+          <a:pPr lvl="0" algn="ctr" defTabSz="1778000">
+            <a:lnSpc>
+              <a:spcPct val="90000"/>
+            </a:lnSpc>
+            <a:spcBef>
+              <a:spcPct val="0"/>
+            </a:spcBef>
+            <a:spcAft>
+              <a:spcPct val="35000"/>
+            </a:spcAft>
+          </a:pPr>
+          <a:r>
+            <a:rPr lang="en-US" altLang="zh-CN" sz="4000" kern="1200" dirty="0" smtClean="0"/>
+            <a:t>Cloud3</a:t>
+          </a:r>
+          <a:endParaRPr lang="zh-CN" altLang="en-US" sz="4000" kern="1200" dirty="0"/>
+        </a:p>
+      </dsp:txBody>
+      <dsp:txXfrm>
+        <a:off x="3067266" y="2934449"/>
+        <a:ext cx="2846302" cy="867775"/>
+      </dsp:txXfrm>
+    </dsp:sp>
+  </dsp:spTree>
+</dsp:drawing>
+</file>
+
+<file path=ppt/diagrams/layout1.xml><?xml version="1.0" encoding="utf-8"?>
+<dgm:layoutDef xmlns:dgm="http://schemas.openxmlformats.org/drawingml/2006/diagram" xmlns:a="http://schemas.openxmlformats.org/drawingml/2006/main" uniqueId="urn:microsoft.com/office/officeart/2008/layout/HorizontalMultiLevelHierarchy">
+  <dgm:title val=""/>
+  <dgm:desc val=""/>
+  <dgm:catLst>
+    <dgm:cat type="hierarchy" pri="4600"/>
+  </dgm:catLst>
+  <dgm:sampData>
+    <dgm:dataModel>
+      <dgm:ptLst>
+        <dgm:pt modelId="0" type="doc"/>
+        <dgm:pt modelId="1">
+          <dgm:prSet phldr="1"/>
+        </dgm:pt>
+        <dgm:pt modelId="11">
+          <dgm:prSet phldr="1"/>
+        </dgm:pt>
+        <dgm:pt modelId="12">
+          <dgm:prSet phldr="1"/>
+        </dgm:pt>
+        <dgm:pt modelId="13">
+          <dgm:prSet phldr="1"/>
+        </dgm:pt>
+      </dgm:ptLst>
+      <dgm:cxnLst>
+        <dgm:cxn modelId="2" srcId="0" destId="1" srcOrd="0" destOrd="0"/>
+        <dgm:cxn modelId="3" srcId="1" destId="11" srcOrd="0" destOrd="0"/>
+        <dgm:cxn modelId="4" srcId="1" destId="12" srcOrd="1" destOrd="0"/>
+        <dgm:cxn modelId="5" srcId="1" destId="13" srcOrd="2" destOrd="0"/>
+      </dgm:cxnLst>
+      <dgm:bg/>
+      <dgm:whole/>
+    </dgm:dataModel>
+  </dgm:sampData>
+  <dgm:styleData>
+    <dgm:dataModel>
+      <dgm:ptLst>
+        <dgm:pt modelId="0" type="doc"/>
+        <dgm:pt modelId="1">
+          <dgm:prSet phldr="1"/>
+        </dgm:pt>
+        <dgm:pt modelId="11">
+          <dgm:prSet phldr="1"/>
+        </dgm:pt>
+        <dgm:pt modelId="12">
+          <dgm:prSet phldr="1"/>
+        </dgm:pt>
+      </dgm:ptLst>
+      <dgm:cxnLst>
+        <dgm:cxn modelId="2" srcId="0" destId="1" srcOrd="0" destOrd="0"/>
+        <dgm:cxn modelId="3" srcId="1" destId="11" srcOrd="0" destOrd="0"/>
+        <dgm:cxn modelId="4" srcId="1" destId="12" srcOrd="1" destOrd="0"/>
+      </dgm:cxnLst>
+      <dgm:bg/>
+      <dgm:whole/>
+    </dgm:dataModel>
+  </dgm:styleData>
+  <dgm:clrData>
+    <dgm:dataModel>
+      <dgm:ptLst>
+        <dgm:pt modelId="0" type="doc"/>
+        <dgm:pt modelId="1">
+          <dgm:prSet phldr="1"/>
+        </dgm:pt>
+        <dgm:pt modelId="11">
+          <dgm:prSet phldr="1"/>
+        </dgm:pt>
+        <dgm:pt modelId="12">
+          <dgm:prSet phldr="1"/>
+        </dgm:pt>
+        <dgm:pt modelId="13">
+          <dgm:prSet phldr="1"/>
+        </dgm:pt>
+      </dgm:ptLst>
+      <dgm:cxnLst>
+        <dgm:cxn modelId="2" srcId="0" destId="1" srcOrd="0" destOrd="0"/>
+        <dgm:cxn modelId="3" srcId="1" destId="11" srcOrd="0" destOrd="0"/>
+        <dgm:cxn modelId="4" srcId="1" destId="12" srcOrd="1" destOrd="0"/>
+        <dgm:cxn modelId="5" srcId="1" destId="13" srcOrd="2" destOrd="0"/>
+      </dgm:cxnLst>
+      <dgm:bg/>
+      <dgm:whole/>
+    </dgm:dataModel>
+  </dgm:clrData>
+  <dgm:layoutNode name="Name0">
+    <dgm:varLst>
+      <dgm:chPref val="1"/>
+      <dgm:dir/>
+      <dgm:animOne val="branch"/>
+      <dgm:animLvl val="lvl"/>
+      <dgm:resizeHandles val="exact"/>
+    </dgm:varLst>
+    <dgm:choose name="Name1">
+      <dgm:if name="Name2" func="var" arg="dir" op="equ" val="norm">
+        <dgm:alg type="hierChild">
+          <dgm:param type="linDir" val="fromT"/>
+          <dgm:param type="chAlign" val="l"/>
+        </dgm:alg>
+      </dgm:if>
+      <dgm:else name="Name3">
+        <dgm:alg type="hierChild">
+          <dgm:param type="linDir" val="fromT"/>
+          <dgm:param type="chAlign" val="r"/>
+        </dgm:alg>
+      </dgm:else>
+    </dgm:choose>
+    <dgm:shape xmlns:r="http://schemas.openxmlformats.org/officeDocument/2006/relationships" r:blip="">
+      <dgm:adjLst/>
+    </dgm:shape>
+    <dgm:presOf/>
+    <dgm:constrLst>
+      <dgm:constr type="h" for="des" forName="LevelOneTextNode" refType="h"/>
+      <dgm:constr type="w" for="des" forName="LevelOneTextNode" refType="h" refFor="des" refForName="LevelOneTextNode" fact="0.19"/>
+      <dgm:constr type="h" for="des" forName="LevelTwoTextNode" refType="w" refFor="des" refForName="LevelOneTextNode"/>
+      <dgm:constr type="w" for="des" forName="LevelTwoTextNode" refType="h" refFor="des" refForName="LevelTwoTextNode" fact="3.28"/>
+      <dgm:constr type="sibSp" refType="h" refFor="des" refForName="LevelTwoTextNode" op="equ" fact="0.25"/>
+      <dgm:constr type="sibSp" for="des" forName="level2hierChild" refType="h" refFor="des" refForName="LevelTwoTextNode" op="equ" fact="0.25"/>
+      <dgm:constr type="sibSp" for="des" forName="level3hierChild" refType="h" refFor="des" refForName="LevelTwoTextNode" op="equ" fact="0.25"/>
+      <dgm:constr type="sp" for="des" forName="root1" refType="w" refFor="des" refForName="LevelTwoTextNode" fact="0.2"/>
+      <dgm:constr type="sp" for="des" forName="root2" refType="sp" refFor="des" refForName="root1" op="equ"/>
+      <dgm:constr type="primFontSz" for="des" forName="LevelOneTextNode" op="equ" val="65"/>
+      <dgm:constr type="primFontSz" for="des" forName="LevelTwoTextNode" op="equ" val="65"/>
+      <dgm:constr type="primFontSz" for="des" forName="LevelTwoTextNode" refType="primFontSz" refFor="des" refForName="LevelOneTextNode" op="lte"/>
+      <dgm:constr type="primFontSz" for="des" forName="connTx" op="equ" val="50"/>
+      <dgm:constr type="primFontSz" for="des" forName="connTx" refType="primFontSz" refFor="des" refForName="LevelOneTextNode" op="lte" fact="0.78"/>
+    </dgm:constrLst>
+    <dgm:forEach name="Name4" axis="ch">
+      <dgm:forEach name="Name5" axis="self" ptType="node">
+        <dgm:layoutNode name="root1">
+          <dgm:choose name="Name6">
+            <dgm:if name="Name7" func="var" arg="dir" op="equ" val="norm">
+              <dgm:alg type="hierRoot">
+                <dgm:param type="hierAlign" val="lCtrCh"/>
+              </dgm:alg>
+            </dgm:if>
+            <dgm:else name="Name8">
+              <dgm:alg type="hierRoot">
+                <dgm:param type="hierAlign" val="rCtrCh"/>
+              </dgm:alg>
+            </dgm:else>
+          </dgm:choose>
+          <dgm:shape xmlns:r="http://schemas.openxmlformats.org/officeDocument/2006/relationships" r:blip="">
+            <dgm:adjLst/>
+          </dgm:shape>
+          <dgm:presOf/>
+          <dgm:layoutNode name="LevelOneTextNode" styleLbl="node0">
+            <dgm:varLst>
+              <dgm:chPref val="3"/>
+            </dgm:varLst>
+            <dgm:alg type="tx">
+              <dgm:param type="autoTxRot" val="grav"/>
+            </dgm:alg>
+            <dgm:choose name="Name9">
+              <dgm:if name="Name10" func="var" arg="dir" op="equ" val="norm">
+                <dgm:shape xmlns:r="http://schemas.openxmlformats.org/officeDocument/2006/relationships" rot="270" type="rect" r:blip="">
+                  <dgm:adjLst/>
+                </dgm:shape>
+              </dgm:if>
+              <dgm:else name="Name11">
+                <dgm:shape xmlns:r="http://schemas.openxmlformats.org/officeDocument/2006/relationships" rot="90" type="rect" r:blip="">
+                  <dgm:adjLst/>
+                </dgm:shape>
+              </dgm:else>
+            </dgm:choose>
+            <dgm:presOf axis="self"/>
+            <dgm:constrLst>
+              <dgm:constr type="tMarg" refType="primFontSz" fact="0.05"/>
+              <dgm:constr type="bMarg" refType="primFontSz" fact="0.05"/>
+              <dgm:constr type="lMarg" refType="primFontSz" fact="0.05"/>
+              <dgm:constr type="rMarg" refType="primFontSz" fact="0.05"/>
+            </dgm:constrLst>
+            <dgm:ruleLst>
+              <dgm:rule type="primFontSz" val="2" fact="NaN" max="NaN"/>
+            </dgm:ruleLst>
+          </dgm:layoutNode>
+          <dgm:layoutNode name="level2hierChild">
+            <dgm:choose name="Name12">
+              <dgm:if name="Name13" func="var" arg="dir" op="equ" val="norm">
+                <dgm:alg type="hierChild">
+                  <dgm:param type="linDir" val="fromT"/>
+                  <dgm:param type="chAlign" val="l"/>
+                </dgm:alg>
+              </dgm:if>
+              <dgm:else name="Name14">
+                <dgm:alg type="hierChild">
+                  <dgm:param type="linDir" val="fromT"/>
+                  <dgm:param type="chAlign" val="r"/>
+                </dgm:alg>
+              </dgm:else>
+            </dgm:choose>
+            <dgm:shape xmlns:r="http://schemas.openxmlformats.org/officeDocument/2006/relationships" r:blip="">
+              <dgm:adjLst/>
+            </dgm:shape>
+            <dgm:presOf/>
+            <dgm:forEach name="repeat" axis="ch">
+              <dgm:forEach name="Name15" axis="self" ptType="parTrans" cnt="1">
+                <dgm:layoutNode name="conn2-1">
+                  <dgm:choose name="Name16">
+                    <dgm:if name="Name17" func="var" arg="dir" op="equ" val="norm">
+                      <dgm:alg type="conn">
+                        <dgm:param type="dim" val="1D"/>
+                        <dgm:param type="begPts" val="midR"/>
+                        <dgm:param type="endPts" val="midL"/>
+                        <dgm:param type="endSty" val="noArr"/>
+                        <dgm:param type="connRout" val="bend"/>
+                      </dgm:alg>
+                    </dgm:if>
+                    <dgm:else name="Name18">
+                      <dgm:alg type="conn">
+                        <dgm:param type="dim" val="1D"/>
+                        <dgm:param type="begPts" val="midL"/>
+                        <dgm:param type="endPts" val="midR"/>
+                        <dgm:param type="endSty" val="noArr"/>
+                        <dgm:param type="connRout" val="bend"/>
+                      </dgm:alg>
+                    </dgm:else>
+                  </dgm:choose>
+                  <dgm:shape xmlns:r="http://schemas.openxmlformats.org/officeDocument/2006/relationships" type="conn" r:blip="" zOrderOff="-99999">
+                    <dgm:adjLst/>
+                  </dgm:shape>
+                  <dgm:presOf axis="self"/>
+                  <dgm:constrLst>
+                    <dgm:constr type="w" val="1"/>
+                    <dgm:constr type="h" val="5"/>
+                    <dgm:constr type="connDist"/>
+                    <dgm:constr type="begPad"/>
+                    <dgm:constr type="endPad"/>
+                    <dgm:constr type="userA" for="ch" refType="connDist"/>
+                  </dgm:constrLst>
+                  <dgm:layoutNode name="connTx">
+                    <dgm:alg type="tx">
+                      <dgm:param type="autoTxRot" val="grav"/>
+                    </dgm:alg>
+                    <dgm:shape xmlns:r="http://schemas.openxmlformats.org/officeDocument/2006/relationships" type="rect" r:blip="" hideGeom="1">
+                      <dgm:adjLst/>
+                    </dgm:shape>
+                    <dgm:presOf axis="self"/>
+                    <dgm:constrLst>
+                      <dgm:constr type="userA"/>
+                      <dgm:constr type="w" refType="userA" fact="0.05"/>
+                      <dgm:constr type="h" refType="userA" fact="0.05"/>
+                      <dgm:constr type="lMarg" val="1"/>
+                      <dgm:constr type="rMarg" val="1"/>
+                      <dgm:constr type="tMarg"/>
+                      <dgm:constr type="bMarg"/>
+                    </dgm:constrLst>
+                    <dgm:ruleLst>
+                      <dgm:rule type="h" val="NaN" fact="0.25" max="NaN"/>
+                      <dgm:rule type="w" val="NaN" fact="0.8" max="NaN"/>
+                      <dgm:rule type="primFontSz" val="5" fact="NaN" max="NaN"/>
+                    </dgm:ruleLst>
+                  </dgm:layoutNode>
+                </dgm:layoutNode>
+              </dgm:forEach>
+              <dgm:forEach name="Name19" axis="self" ptType="node">
+                <dgm:layoutNode name="root2">
+                  <dgm:choose name="Name20">
+                    <dgm:if name="Name21" func="var" arg="dir" op="equ" val="norm">
+                      <dgm:alg type="hierRoot">
+                        <dgm:param type="hierAlign" val="lCtrCh"/>
+                      </dgm:alg>
+                    </dgm:if>
+                    <dgm:else name="Name22">
+                      <dgm:alg type="hierRoot">
+                        <dgm:param type="hierAlign" val="rCtrCh"/>
+                      </dgm:alg>
+                    </dgm:else>
+                  </dgm:choose>
+                  <dgm:shape xmlns:r="http://schemas.openxmlformats.org/officeDocument/2006/relationships" r:blip="">
+                    <dgm:adjLst/>
+                  </dgm:shape>
+                  <dgm:presOf/>
+                  <dgm:layoutNode name="LevelTwoTextNode">
+                    <dgm:varLst>
+                      <dgm:chPref val="3"/>
+                    </dgm:varLst>
+                    <dgm:alg type="tx"/>
+                    <dgm:shape xmlns:r="http://schemas.openxmlformats.org/officeDocument/2006/relationships" type="rect" r:blip="">
+                      <dgm:adjLst/>
+                    </dgm:shape>
+                    <dgm:presOf axis="self"/>
+                    <dgm:constrLst>
+                      <dgm:constr type="tMarg" refType="primFontSz" fact="0.05"/>
+                      <dgm:constr type="bMarg" refType="primFontSz" fact="0.05"/>
+                      <dgm:constr type="lMarg" refType="primFontSz" fact="0.05"/>
+                      <dgm:constr type="rMarg" refType="primFontSz" fact="0.05"/>
+                    </dgm:constrLst>
+                    <dgm:ruleLst>
+                      <dgm:rule type="primFontSz" val="2" fact="NaN" max="NaN"/>
+                    </dgm:ruleLst>
+                  </dgm:layoutNode>
+                  <dgm:layoutNode name="level3hierChild">
+                    <dgm:choose name="Name23">
+                      <dgm:if name="Name24" func="var" arg="dir" op="equ" val="norm">
+                        <dgm:alg type="hierChild">
+                          <dgm:param type="linDir" val="fromT"/>
+                          <dgm:param type="chAlign" val="l"/>
+                        </dgm:alg>
+                      </dgm:if>
+                      <dgm:else name="Name25">
+                        <dgm:alg type="hierChild">
+                          <dgm:param type="linDir" val="fromT"/>
+                          <dgm:param type="chAlign" val="r"/>
+                        </dgm:alg>
+                      </dgm:else>
+                    </dgm:choose>
+                    <dgm:shape xmlns:r="http://schemas.openxmlformats.org/officeDocument/2006/relationships" r:blip="">
+                      <dgm:adjLst/>
+                    </dgm:shape>
+                    <dgm:presOf/>
+                    <dgm:forEach name="Name26" ref="repeat"/>
+                  </dgm:layoutNode>
+                </dgm:layoutNode>
+              </dgm:forEach>
+            </dgm:forEach>
+          </dgm:layoutNode>
+        </dgm:layoutNode>
+      </dgm:forEach>
+    </dgm:forEach>
+  </dgm:layoutNode>
+</dgm:layoutDef>
+</file>
+
+<file path=ppt/diagrams/quickStyle1.xml><?xml version="1.0" encoding="utf-8"?>
+<dgm:styleDef xmlns:dgm="http://schemas.openxmlformats.org/drawingml/2006/diagram" xmlns:a="http://schemas.openxmlformats.org/drawingml/2006/main" uniqueId="urn:microsoft.com/office/officeart/2005/8/quickstyle/simple1">
+  <dgm:title val=""/>
+  <dgm:desc val=""/>
+  <dgm:catLst>
+    <dgm:cat type="simple" pri="10100"/>
+  </dgm:catLst>
+  <dgm:scene3d>
+    <a:camera prst="orthographicFront"/>
+    <a:lightRig rig="threePt" dir="t"/>
+  </dgm:scene3d>
+  <dgm:styleLbl name="node0">
+    <dgm:scene3d>
+      <a:camera prst="orthographicFront"/>
+      <a:lightRig rig="threePt" dir="t"/>
+    </dgm:scene3d>
+    <dgm:sp3d/>
+    <dgm:txPr/>
+    <dgm:style>
+      <a:lnRef idx="2">
+        <a:scrgbClr r="0" g="0" b="0"/>
+      </a:lnRef>
+      <a:fillRef idx="1">
+        <a:scrgbClr r="0" g="0" b="0"/>
+      </a:fillRef>
+      <a:effectRef idx="0">
+        <a:scrgbClr r="0" g="0" b="0"/>
+      </a:effectRef>
+      <a:fontRef idx="minor">
+        <a:schemeClr val="lt1"/>
+      </a:fontRef>
+    </dgm:style>
+  </dgm:styleLbl>
+  <dgm:styleLbl name="lnNode1">
+    <dgm:scene3d>
+      <a:camera prst="orthographicFront"/>
+      <a:lightRig rig="threePt" dir="t"/>
+    </dgm:scene3d>
+    <dgm:sp3d/>
+    <dgm:txPr/>
+    <dgm:style>
+      <a:lnRef idx="2">
+        <a:scrgbClr r="0" g="0" b="0"/>
+      </a:lnRef>
+      <a:fillRef idx="1">
+        <a:scrgbClr r="0" g="0" b="0"/>
+      </a:fillRef>
+      <a:effectRef idx="0">
+        <a:scrgbClr r="0" g="0" b="0"/>
+      </a:effectRef>
+      <a:fontRef idx="minor">
+        <a:schemeClr val="lt1"/>
+      </a:fontRef>
+    </dgm:style>
+  </dgm:styleLbl>
+  <dgm:styleLbl name="vennNode1">
+    <dgm:scene3d>
+      <a:camera prst="orthographicFront"/>
+      <a:lightRig rig="threePt" dir="t"/>
+    </dgm:scene3d>
+    <dgm:sp3d/>
+    <dgm:txPr/>
+    <dgm:style>
+      <a:lnRef idx="2">
+        <a:scrgbClr r="0" g="0" b="0"/>
+      </a:lnRef>
+      <a:fillRef idx="1">
+        <a:scrgbClr r="0" g="0" b="0"/>
+      </a:fillRef>
+      <a:effectRef idx="0">
+        <a:scrgbClr r="0" g="0" b="0"/>
+      </a:effectRef>
+      <a:fontRef idx="minor">
+        <a:schemeClr val="tx1"/>
+      </a:fontRef>
+    </dgm:style>
+  </dgm:styleLbl>
+  <dgm:styleLbl name="alignNode1">
+    <dgm:scene3d>
+      <a:camera prst="orthographicFront"/>
+      <a:lightRig rig="threePt" dir="t"/>
+    </dgm:scene3d>
+    <dgm:sp3d/>
+    <dgm:txPr/>
+    <dgm:style>
+      <a:lnRef idx="2">
+        <a:scrgbClr r="0" g="0" b="0"/>
+      </a:lnRef>
+      <a:fillRef idx="1">
+        <a:scrgbClr r="0" g="0" b="0"/>
+      </a:fillRef>
+      <a:effectRef idx="0">
+        <a:scrgbClr r="0" g="0" b="0"/>
+      </a:effectRef>
+      <a:fontRef idx="minor">
+        <a:schemeClr val="lt1"/>
+      </a:fontRef>
+    </dgm:style>
+  </dgm:styleLbl>
+  <dgm:styleLbl name="node1">
+    <dgm:scene3d>
+      <a:camera prst="orthographicFront"/>
+      <a:lightRig rig="threePt" dir="t"/>
+    </dgm:scene3d>
+    <dgm:sp3d/>
+    <dgm:txPr/>
+    <dgm:style>
+      <a:lnRef idx="2">
+        <a:scrgbClr r="0" g="0" b="0"/>
+      </a:lnRef>
+      <a:fillRef idx="1">
+        <a:scrgbClr r="0" g="0" b="0"/>
+      </a:fillRef>
+      <a:effectRef idx="0">
+        <a:scrgbClr r="0" g="0" b="0"/>
+      </a:effectRef>
+      <a:fontRef idx="minor">
+        <a:schemeClr val="lt1"/>
+      </a:fontRef>
+    </dgm:style>
+  </dgm:styleLbl>
+  <dgm:styleLbl name="node2">
+    <dgm:scene3d>
+      <a:camera prst="orthographicFront"/>
+      <a:lightRig rig="threePt" dir="t"/>
+    </dgm:scene3d>
+    <dgm:sp3d/>
+    <dgm:txPr/>
+    <dgm:style>
+      <a:lnRef idx="2">
+        <a:scrgbClr r="0" g="0" b="0"/>
+      </a:lnRef>
+      <a:fillRef idx="1">
+        <a:scrgbClr r="0" g="0" b="0"/>
+      </a:fillRef>
+      <a:effectRef idx="0">
+        <a:scrgbClr r="0" g="0" b="0"/>
+      </a:effectRef>
+      <a:fontRef idx="minor">
+        <a:schemeClr val="lt1"/>
+      </a:fontRef>
+    </dgm:style>
+  </dgm:styleLbl>
+  <dgm:styleLbl name="node3">
+    <dgm:scene3d>
+      <a:camera prst="orthographicFront"/>
+      <a:lightRig rig="threePt" dir="t"/>
+    </dgm:scene3d>
+    <dgm:sp3d/>
+    <dgm:txPr/>
+    <dgm:style>
+      <a:lnRef idx="2">
+        <a:scrgbClr r="0" g="0" b="0"/>
+      </a:lnRef>
+      <a:fillRef idx="1">
+        <a:scrgbClr r="0" g="0" b="0"/>
+      </a:fillRef>
+      <a:effectRef idx="0">
+        <a:scrgbClr r="0" g="0" b="0"/>
+      </a:effectRef>
+      <a:fontRef idx="minor">
+        <a:schemeClr val="lt1"/>
+      </a:fontRef>
+    </dgm:style>
+  </dgm:styleLbl>
+  <dgm:styleLbl name="node4">
+    <dgm:scene3d>
+      <a:camera prst="orthographicFront"/>
+      <a:lightRig rig="threePt" dir="t"/>
+    </dgm:scene3d>
+    <dgm:sp3d/>
+    <dgm:txPr/>
+    <dgm:style>
+      <a:lnRef idx="2">
+        <a:scrgbClr r="0" g="0" b="0"/>
+      </a:lnRef>
+      <a:fillRef idx="1">
+        <a:scrgbClr r="0" g="0" b="0"/>
+      </a:fillRef>
+      <a:effectRef idx="0">
+        <a:scrgbClr r="0" g="0" b="0"/>
+      </a:effectRef>
+      <a:fontRef idx="minor">
+        <a:schemeClr val="lt1"/>
+      </a:fontRef>
+    </dgm:style>
+  </dgm:styleLbl>
+  <dgm:styleLbl name="fgImgPlace1">
+    <dgm:scene3d>
+      <a:camera prst="orthographicFront"/>
+      <a:lightRig rig="threePt" dir="t"/>
+    </dgm:scene3d>
+    <dgm:sp3d/>
+    <dgm:txPr/>
+    <dgm:style>
+      <a:lnRef idx="2">
+        <a:scrgbClr r="0" g="0" b="0"/>
+      </a:lnRef>
+      <a:fillRef idx="1">
+        <a:scrgbClr r="0" g="0" b="0"/>
+      </a:fillRef>
+      <a:effectRef idx="0">
+        <a:scrgbClr r="0" g="0" b="0"/>
+      </a:effectRef>
+      <a:fontRef idx="minor"/>
+    </dgm:style>
+  </dgm:styleLbl>
+  <dgm:styleLbl name="alignImgPlace1">
+    <dgm:scene3d>
+      <a:camera prst="orthographicFront"/>
+      <a:lightRig rig="threePt" dir="t"/>
+    </dgm:scene3d>
+    <dgm:sp3d/>
+    <dgm:txPr/>
+    <dgm:style>
+      <a:lnRef idx="2">
+        <a:scrgbClr r="0" g="0" b="0"/>
+      </a:lnRef>
+      <a:fillRef idx="1">
+        <a:scrgbClr r="0" g="0" b="0"/>
+      </a:fillRef>
+      <a:effectRef idx="0">
+        <a:scrgbClr r="0" g="0" b="0"/>
+      </a:effectRef>
+      <a:fontRef idx="minor"/>
+    </dgm:style>
+  </dgm:styleLbl>
+  <dgm:styleLbl name="bgImgPlace1">
+    <dgm:scene3d>
+      <a:camera prst="orthographicFront"/>
+      <a:lightRig rig="threePt" dir="t"/>
+    </dgm:scene3d>
+    <dgm:sp3d/>
+    <dgm:txPr/>
+    <dgm:style>
+      <a:lnRef idx="2">
+        <a:scrgbClr r="0" g="0" b="0"/>
+      </a:lnRef>
+      <a:fillRef idx="1">
+        <a:scrgbClr r="0" g="0" b="0"/>
+      </a:fillRef>
+      <a:effectRef idx="0">
+        <a:scrgbClr r="0" g="0" b="0"/>
+      </a:effectRef>
+      <a:fontRef idx="minor"/>
+    </dgm:style>
+  </dgm:styleLbl>
+  <dgm:styleLbl name="sibTrans2D1">
+    <dgm:scene3d>
+      <a:camera prst="orthographicFront"/>
+      <a:lightRig rig="threePt" dir="t"/>
+    </dgm:scene3d>
+    <dgm:sp3d/>
+    <dgm:txPr/>
+    <dgm:style>
+      <a:lnRef idx="0">
+        <a:scrgbClr r="0" g="0" b="0"/>
+      </a:lnRef>
+      <a:fillRef idx="1">
+        <a:scrgbClr r="0" g="0" b="0"/>
+      </a:fillRef>
+      <a:effectRef idx="0">
+        <a:scrgbClr r="0" g="0" b="0"/>
+      </a:effectRef>
+      <a:fontRef idx="minor">
+        <a:schemeClr val="lt1"/>
+      </a:fontRef>
+    </dgm:style>
+  </dgm:styleLbl>
+  <dgm:styleLbl name="fgSibTrans2D1">
+    <dgm:scene3d>
+      <a:camera prst="orthographicFront"/>
+      <a:lightRig rig="threePt" dir="t"/>
+    </dgm:scene3d>
+    <dgm:sp3d/>
+    <dgm:txPr/>
+    <dgm:style>
+      <a:lnRef idx="0">
+        <a:scrgbClr r="0" g="0" b="0"/>
+      </a:lnRef>
+      <a:fillRef idx="1">
+        <a:scrgbClr r="0" g="0" b="0"/>
+      </a:fillRef>
+      <a:effectRef idx="0">
+        <a:scrgbClr r="0" g="0" b="0"/>
+      </a:effectRef>
+      <a:fontRef idx="minor">
+        <a:schemeClr val="lt1"/>
+      </a:fontRef>
+    </dgm:style>
+  </dgm:styleLbl>
+  <dgm:styleLbl name="bgSibTrans2D1">
+    <dgm:scene3d>
+      <a:camera prst="orthographicFront"/>
+      <a:lightRig rig="threePt" dir="t"/>
+    </dgm:scene3d>
+    <dgm:sp3d/>
+    <dgm:txPr/>
+    <dgm:style>
+      <a:lnRef idx="0">
+        <a:scrgbClr r="0" g="0" b="0"/>
+      </a:lnRef>
+      <a:fillRef idx="1">
+        <a:scrgbClr r="0" g="0" b="0"/>
+      </a:fillRef>
+      <a:effectRef idx="0">
+        <a:scrgbClr r="0" g="0" b="0"/>
+      </a:effectRef>
+      <a:fontRef idx="minor">
+        <a:schemeClr val="lt1"/>
+      </a:fontRef>
+    </dgm:style>
+  </dgm:styleLbl>
+  <dgm:styleLbl name="sibTrans1D1">
+    <dgm:scene3d>
+      <a:camera prst="orthographicFront"/>
+      <a:lightRig rig="threePt" dir="t"/>
+    </dgm:scene3d>
+    <dgm:sp3d/>
+    <dgm:txPr/>
+    <dgm:style>
+      <a:lnRef idx="1">
+        <a:scrgbClr r="0" g="0" b="0"/>
+      </a:lnRef>
+      <a:fillRef idx="0">
+        <a:scrgbClr r="0" g="0" b="0"/>
+      </a:fillRef>
+      <a:effectRef idx="0">
+        <a:scrgbClr r="0" g="0" b="0"/>
+      </a:effectRef>
+      <a:fontRef idx="minor"/>
+    </dgm:style>
+  </dgm:styleLbl>
+  <dgm:styleLbl name="callout">
+    <dgm:scene3d>
+      <a:camera prst="orthographicFront"/>
+      <a:lightRig rig="threePt" dir="t"/>
+    </dgm:scene3d>
+    <dgm:sp3d/>
+    <dgm:txPr/>
+    <dgm:style>
+      <a:lnRef idx="2">
+        <a:scrgbClr r="0" g="0" b="0"/>
+      </a:lnRef>
+      <a:fillRef idx="1">
+        <a:scrgbClr r="0" g="0" b="0"/>
+      </a:fillRef>
+      <a:effectRef idx="0">
+        <a:scrgbClr r="0" g="0" b="0"/>
+      </a:effectRef>
+      <a:fontRef idx="minor"/>
+    </dgm:style>
+  </dgm:styleLbl>
+  <dgm:styleLbl name="asst0">
+    <dgm:scene3d>
+      <a:camera prst="orthographicFront"/>
+      <a:lightRig rig="threePt" dir="t"/>
+    </dgm:scene3d>
+    <dgm:sp3d/>
+    <dgm:txPr/>
+    <dgm:style>
+      <a:lnRef idx="2">
+        <a:scrgbClr r="0" g="0" b="0"/>
+      </a:lnRef>
+      <a:fillRef idx="1">
+        <a:scrgbClr r="0" g="0" b="0"/>
+      </a:fillRef>
+      <a:effectRef idx="0">
+        <a:scrgbClr r="0" g="0" b="0"/>
+      </a:effectRef>
+      <a:fontRef idx="minor">
+        <a:schemeClr val="lt1"/>
+      </a:fontRef>
+    </dgm:style>
+  </dgm:styleLbl>
+  <dgm:styleLbl name="asst1">
+    <dgm:scene3d>
+      <a:camera prst="orthographicFront"/>
+      <a:lightRig rig="threePt" dir="t"/>
+    </dgm:scene3d>
+    <dgm:sp3d/>
+    <dgm:txPr/>
+    <dgm:style>
+      <a:lnRef idx="2">
+        <a:scrgbClr r="0" g="0" b="0"/>
+      </a:lnRef>
+      <a:fillRef idx="1">
+        <a:scrgbClr r="0" g="0" b="0"/>
+      </a:fillRef>
+      <a:effectRef idx="0">
+        <a:scrgbClr r="0" g="0" b="0"/>
+      </a:effectRef>
+      <a:fontRef idx="minor">
+        <a:schemeClr val="lt1"/>
+      </a:fontRef>
+    </dgm:style>
+  </dgm:styleLbl>
+  <dgm:styleLbl name="asst2">
+    <dgm:scene3d>
+      <a:camera prst="orthographicFront"/>
+      <a:lightRig rig="threePt" dir="t"/>
+    </dgm:scene3d>
+    <dgm:sp3d/>
+    <dgm:txPr/>
+    <dgm:style>
+      <a:lnRef idx="2">
+        <a:scrgbClr r="0" g="0" b="0"/>
+      </a:lnRef>
+      <a:fillRef idx="1">
+        <a:scrgbClr r="0" g="0" b="0"/>
+      </a:fillRef>
+      <a:effectRef idx="0">
+        <a:scrgbClr r="0" g="0" b="0"/>
+      </a:effectRef>
+      <a:fontRef idx="minor">
+        <a:schemeClr val="lt1"/>
+      </a:fontRef>
+    </dgm:style>
+  </dgm:styleLbl>
+  <dgm:styleLbl name="asst3">
+    <dgm:scene3d>
+      <a:camera prst="orthographicFront"/>
+      <a:lightRig rig="threePt" dir="t"/>
+    </dgm:scene3d>
+    <dgm:sp3d/>
+    <dgm:txPr/>
+    <dgm:style>
+      <a:lnRef idx="2">
+        <a:scrgbClr r="0" g="0" b="0"/>
+      </a:lnRef>
+      <a:fillRef idx="1">
+        <a:scrgbClr r="0" g="0" b="0"/>
+      </a:fillRef>
+      <a:effectRef idx="0">
+        <a:scrgbClr r="0" g="0" b="0"/>
+      </a:effectRef>
+      <a:fontRef idx="minor">
+        <a:schemeClr val="lt1"/>
+      </a:fontRef>
+    </dgm:style>
+  </dgm:styleLbl>
+  <dgm:styleLbl name="asst4">
+    <dgm:scene3d>
+      <a:camera prst="orthographicFront"/>
+      <a:lightRig rig="threePt" dir="t"/>
+    </dgm:scene3d>
+    <dgm:sp3d/>
+    <dgm:txPr/>
+    <dgm:style>
+      <a:lnRef idx="2">
+        <a:scrgbClr r="0" g="0" b="0"/>
+      </a:lnRef>
+      <a:fillRef idx="1">
+        <a:scrgbClr r="0" g="0" b="0"/>
+      </a:fillRef>
+      <a:effectRef idx="0">
+        <a:scrgbClr r="0" g="0" b="0"/>
+      </a:effectRef>
+      <a:fontRef idx="minor">
+        <a:schemeClr val="lt1"/>
+      </a:fontRef>
+    </dgm:style>
+  </dgm:styleLbl>
+  <dgm:styleLbl name="parChTrans2D1">
+    <dgm:scene3d>
+      <a:camera prst="orthographicFront"/>
+      <a:lightRig rig="threePt" dir="t"/>
+    </dgm:scene3d>
+    <dgm:sp3d/>
+    <dgm:txPr/>
+    <dgm:style>
+      <a:lnRef idx="2">
+        <a:scrgbClr r="0" g="0" b="0"/>
+      </a:lnRef>
+      <a:fillRef idx="1">
+        <a:scrgbClr r="0" g="0" b="0"/>
+      </a:fillRef>
+      <a:effectRef idx="0">
+        <a:scrgbClr r="0" g="0" b="0"/>
+      </a:effectRef>
+      <a:fontRef idx="minor">
+        <a:schemeClr val="lt1"/>
+      </a:fontRef>
+    </dgm:style>
+  </dgm:styleLbl>
+  <dgm:styleLbl name="parChTrans2D2">
+    <dgm:scene3d>
+      <a:camera prst="orthographicFront"/>
+      <a:lightRig rig="threePt" dir="t"/>
+    </dgm:scene3d>
+    <dgm:sp3d/>
+    <dgm:txPr/>
+    <dgm:style>
+      <a:lnRef idx="2">
+        <a:scrgbClr r="0" g="0" b="0"/>
+      </a:lnRef>
+      <a:fillRef idx="1">
+        <a:scrgbClr r="0" g="0" b="0"/>
+      </a:fillRef>
+      <a:effectRef idx="0">
+        <a:scrgbClr r="0" g="0" b="0"/>
+      </a:effectRef>
+      <a:fontRef idx="minor">
+        <a:schemeClr val="lt1"/>
+      </a:fontRef>
+    </dgm:style>
+  </dgm:styleLbl>
+  <dgm:styleLbl name="parChTrans2D3">
+    <dgm:scene3d>
+      <a:camera prst="orthographicFront"/>
+      <a:lightRig rig="threePt" dir="t"/>
+    </dgm:scene3d>
+    <dgm:sp3d/>
+    <dgm:txPr/>
+    <dgm:style>
+      <a:lnRef idx="2">
+        <a:scrgbClr r="0" g="0" b="0"/>
+      </a:lnRef>
+      <a:fillRef idx="1">
+        <a:scrgbClr r="0" g="0" b="0"/>
+      </a:fillRef>
+      <a:effectRef idx="0">
+        <a:scrgbClr r="0" g="0" b="0"/>
+      </a:effectRef>
+      <a:fontRef idx="minor">
+        <a:schemeClr val="lt1"/>
+      </a:fontRef>
+    </dgm:style>
+  </dgm:styleLbl>
+  <dgm:styleLbl name="parChTrans2D4">
+    <dgm:scene3d>
+      <a:camera prst="orthographicFront"/>
+      <a:lightRig rig="threePt" dir="t"/>
+    </dgm:scene3d>
+    <dgm:sp3d/>
+    <dgm:txPr/>
+    <dgm:style>
+      <a:lnRef idx="2">
+        <a:scrgbClr r="0" g="0" b="0"/>
+      </a:lnRef>
+      <a:fillRef idx="1">
+        <a:scrgbClr r="0" g="0" b="0"/>
+      </a:fillRef>
+      <a:effectRef idx="0">
+        <a:scrgbClr r="0" g="0" b="0"/>
+      </a:effectRef>
+      <a:fontRef idx="minor">
+        <a:schemeClr val="lt1"/>
+      </a:fontRef>
+    </dgm:style>
+  </dgm:styleLbl>
+  <dgm:styleLbl name="parChTrans1D1">
+    <dgm:scene3d>
+      <a:camera prst="orthographicFront"/>
+      <a:lightRig rig="threePt" dir="t"/>
+    </dgm:scene3d>
+    <dgm:sp3d/>
+    <dgm:txPr/>
+    <dgm:style>
+      <a:lnRef idx="2">
+        <a:scrgbClr r="0" g="0" b="0"/>
+      </a:lnRef>
+      <a:fillRef idx="0">
+        <a:scrgbClr r="0" g="0" b="0"/>
+      </a:fillRef>
+      <a:effectRef idx="0">
+        <a:scrgbClr r="0" g="0" b="0"/>
+      </a:effectRef>
+      <a:fontRef idx="minor"/>
+    </dgm:style>
+  </dgm:styleLbl>
+  <dgm:styleLbl name="parChTrans1D2">
+    <dgm:scene3d>
+      <a:camera prst="orthographicFront"/>
+      <a:lightRig rig="threePt" dir="t"/>
+    </dgm:scene3d>
+    <dgm:sp3d/>
+    <dgm:txPr/>
+    <dgm:style>
+      <a:lnRef idx="2">
+        <a:scrgbClr r="0" g="0" b="0"/>
+      </a:lnRef>
+      <a:fillRef idx="0">
+        <a:scrgbClr r="0" g="0" b="0"/>
+      </a:fillRef>
+      <a:effectRef idx="0">
+        <a:scrgbClr r="0" g="0" b="0"/>
+      </a:effectRef>
+      <a:fontRef idx="minor"/>
+    </dgm:style>
+  </dgm:styleLbl>
+  <dgm:styleLbl name="parChTrans1D3">
+    <dgm:scene3d>
+      <a:camera prst="orthographicFront"/>
+      <a:lightRig rig="threePt" dir="t"/>
+    </dgm:scene3d>
+    <dgm:sp3d/>
+    <dgm:txPr/>
+    <dgm:style>
+      <a:lnRef idx="2">
+        <a:scrgbClr r="0" g="0" b="0"/>
+      </a:lnRef>
+      <a:fillRef idx="0">
+        <a:scrgbClr r="0" g="0" b="0"/>
+      </a:fillRef>
+      <a:effectRef idx="0">
+        <a:scrgbClr r="0" g="0" b="0"/>
+      </a:effectRef>
+      <a:fontRef idx="minor"/>
+    </dgm:style>
+  </dgm:styleLbl>
+  <dgm:styleLbl name="parChTrans1D4">
+    <dgm:scene3d>
+      <a:camera prst="orthographicFront"/>
+      <a:lightRig rig="threePt" dir="t"/>
+    </dgm:scene3d>
+    <dgm:sp3d/>
+    <dgm:txPr/>
+    <dgm:style>
+      <a:lnRef idx="2">
+        <a:scrgbClr r="0" g="0" b="0"/>
+      </a:lnRef>
+      <a:fillRef idx="0">
+        <a:scrgbClr r="0" g="0" b="0"/>
+      </a:fillRef>
+      <a:effectRef idx="0">
+        <a:scrgbClr r="0" g="0" b="0"/>
+      </a:effectRef>
+      <a:fontRef idx="minor"/>
+    </dgm:style>
+  </dgm:styleLbl>
+  <dgm:styleLbl name="fgAcc1">
+    <dgm:scene3d>
+      <a:camera prst="orthographicFront"/>
+      <a:lightRig rig="threePt" dir="t"/>
+    </dgm:scene3d>
+    <dgm:sp3d/>
+    <dgm:txPr/>
+    <dgm:style>
+      <a:lnRef idx="2">
+        <a:scrgbClr r="0" g="0" b="0"/>
+      </a:lnRef>
+      <a:fillRef idx="1">
+        <a:scrgbClr r="0" g="0" b="0"/>
+      </a:fillRef>
+      <a:effectRef idx="0">
+        <a:scrgbClr r="0" g="0" b="0"/>
+      </a:effectRef>
+      <a:fontRef idx="minor"/>
+    </dgm:style>
+  </dgm:styleLbl>
+  <dgm:styleLbl name="conFgAcc1">
+    <dgm:scene3d>
+      <a:camera prst="orthographicFront"/>
+      <a:lightRig rig="threePt" dir="t"/>
+    </dgm:scene3d>
+    <dgm:sp3d/>
+    <dgm:txPr/>
+    <dgm:style>
+      <a:lnRef idx="2">
+        <a:scrgbClr r="0" g="0" b="0"/>
+      </a:lnRef>
+      <a:fillRef idx="1">
+        <a:scrgbClr r="0" g="0" b="0"/>
+      </a:fillRef>
+      <a:effectRef idx="0">
+        <a:scrgbClr r="0" g="0" b="0"/>
+      </a:effectRef>
+      <a:fontRef idx="minor"/>
+    </dgm:style>
+  </dgm:styleLbl>
+  <dgm:styleLbl name="alignAcc1">
+    <dgm:scene3d>
+      <a:camera prst="orthographicFront"/>
+      <a:lightRig rig="threePt" dir="t"/>
+    </dgm:scene3d>
+    <dgm:sp3d/>
+    <dgm:txPr/>
+    <dgm:style>
+      <a:lnRef idx="2">
+        <a:scrgbClr r="0" g="0" b="0"/>
+      </a:lnRef>
+      <a:fillRef idx="1">
+        <a:scrgbClr r="0" g="0" b="0"/>
+      </a:fillRef>
+      <a:effectRef idx="0">
+        <a:scrgbClr r="0" g="0" b="0"/>
+      </a:effectRef>
+      <a:fontRef idx="minor"/>
+    </dgm:style>
+  </dgm:styleLbl>
+  <dgm:styleLbl name="trAlignAcc1">
+    <dgm:scene3d>
+      <a:camera prst="orthographicFront"/>
+      <a:lightRig rig="threePt" dir="t"/>
+    </dgm:scene3d>
+    <dgm:sp3d/>
+    <dgm:txPr/>
+    <dgm:style>
+      <a:lnRef idx="1">
+        <a:scrgbClr r="0" g="0" b="0"/>
+      </a:lnRef>
+      <a:fillRef idx="1">
+        <a:scrgbClr r="0" g="0" b="0"/>
+      </a:fillRef>
+      <a:effectRef idx="0">
+        <a:scrgbClr r="0" g="0" b="0"/>
+      </a:effectRef>
+      <a:fontRef idx="minor"/>
+    </dgm:style>
+  </dgm:styleLbl>
+  <dgm:styleLbl name="bgAcc1">
+    <dgm:scene3d>
+      <a:camera prst="orthographicFront"/>
+      <a:lightRig rig="threePt" dir="t"/>
+    </dgm:scene3d>
+    <dgm:sp3d/>
+    <dgm:txPr/>
+    <dgm:style>
+      <a:lnRef idx="2">
+        <a:scrgbClr r="0" g="0" b="0"/>
+      </a:lnRef>
+      <a:fillRef idx="1">
+        <a:scrgbClr r="0" g="0" b="0"/>
+      </a:fillRef>
+      <a:effectRef idx="0">
+        <a:scrgbClr r="0" g="0" b="0"/>
+      </a:effectRef>
+      <a:fontRef idx="minor"/>
+    </dgm:style>
+  </dgm:styleLbl>
+  <dgm:styleLbl name="solidFgAcc1">
+    <dgm:scene3d>
+      <a:camera prst="orthographicFront"/>
+      <a:lightRig rig="threePt" dir="t"/>
+    </dgm:scene3d>
+    <dgm:sp3d/>
+    <dgm:txPr/>
+    <dgm:style>
+      <a:lnRef idx="2">
+        <a:scrgbClr r="0" g="0" b="0"/>
+      </a:lnRef>
+      <a:fillRef idx="1">
+        <a:scrgbClr r="0" g="0" b="0"/>
+      </a:fillRef>
+      <a:effectRef idx="0">
+        <a:scrgbClr r="0" g="0" b="0"/>
+      </a:effectRef>
+      <a:fontRef idx="minor"/>
+    </dgm:style>
+  </dgm:styleLbl>
+  <dgm:styleLbl name="solidAlignAcc1">
+    <dgm:scene3d>
+      <a:camera prst="orthographicFront"/>
+      <a:lightRig rig="threePt" dir="t"/>
+    </dgm:scene3d>
+    <dgm:sp3d/>
+    <dgm:txPr/>
+    <dgm:style>
+      <a:lnRef idx="2">
+        <a:scrgbClr r="0" g="0" b="0"/>
+      </a:lnRef>
+      <a:fillRef idx="1">
+        <a:scrgbClr r="0" g="0" b="0"/>
+      </a:fillRef>
+      <a:effectRef idx="0">
+        <a:scrgbClr r="0" g="0" b="0"/>
+      </a:effectRef>
+      <a:fontRef idx="minor"/>
+    </dgm:style>
+  </dgm:styleLbl>
+  <dgm:styleLbl name="solidBgAcc1">
+    <dgm:scene3d>
+      <a:camera prst="orthographicFront"/>
+      <a:lightRig rig="threePt" dir="t"/>
+    </dgm:scene3d>
+    <dgm:sp3d/>
+    <dgm:txPr/>
+    <dgm:style>
+      <a:lnRef idx="2">
+        <a:scrgbClr r="0" g="0" b="0"/>
+      </a:lnRef>
+      <a:fillRef idx="1">
+        <a:scrgbClr r="0" g="0" b="0"/>
+      </a:fillRef>
+      <a:effectRef idx="0">
+        <a:scrgbClr r="0" g="0" b="0"/>
+      </a:effectRef>
+      <a:fontRef idx="minor"/>
+    </dgm:style>
+  </dgm:styleLbl>
+  <dgm:styleLbl name="fgAccFollowNode1">
+    <dgm:scene3d>
+      <a:camera prst="orthographicFront"/>
+      <a:lightRig rig="threePt" dir="t"/>
+    </dgm:scene3d>
+    <dgm:sp3d/>
+    <dgm:txPr/>
+    <dgm:style>
+      <a:lnRef idx="2">
+        <a:scrgbClr r="0" g="0" b="0"/>
+      </a:lnRef>
+      <a:fillRef idx="1">
+        <a:scrgbClr r="0" g="0" b="0"/>
+      </a:fillRef>
+      <a:effectRef idx="0">
+        <a:scrgbClr r="0" g="0" b="0"/>
+      </a:effectRef>
+      <a:fontRef idx="minor"/>
+    </dgm:style>
+  </dgm:styleLbl>
+  <dgm:styleLbl name="alignAccFollowNode1">
+    <dgm:scene3d>
+      <a:camera prst="orthographicFront"/>
+      <a:lightRig rig="threePt" dir="t"/>
+    </dgm:scene3d>
+    <dgm:sp3d/>
+    <dgm:txPr/>
+    <dgm:style>
+      <a:lnRef idx="2">
+        <a:scrgbClr r="0" g="0" b="0"/>
+      </a:lnRef>
+      <a:fillRef idx="1">
+        <a:scrgbClr r="0" g="0" b="0"/>
+      </a:fillRef>
+      <a:effectRef idx="0">
+        <a:scrgbClr r="0" g="0" b="0"/>
+      </a:effectRef>
+      <a:fontRef idx="minor"/>
+    </dgm:style>
+  </dgm:styleLbl>
+  <dgm:styleLbl name="bgAccFollowNode1">
+    <dgm:scene3d>
+      <a:camera prst="orthographicFront"/>
+      <a:lightRig rig="threePt" dir="t"/>
+    </dgm:scene3d>
+    <dgm:sp3d/>
+    <dgm:txPr/>
+    <dgm:style>
+      <a:lnRef idx="2">
+        <a:scrgbClr r="0" g="0" b="0"/>
+      </a:lnRef>
+      <a:fillRef idx="1">
+        <a:scrgbClr r="0" g="0" b="0"/>
+      </a:fillRef>
+      <a:effectRef idx="0">
+        <a:scrgbClr r="0" g="0" b="0"/>
+      </a:effectRef>
+      <a:fontRef idx="minor"/>
+    </dgm:style>
+  </dgm:styleLbl>
+  <dgm:styleLbl name="fgAcc0">
+    <dgm:scene3d>
+      <a:camera prst="orthographicFront"/>
+      <a:lightRig rig="threePt" dir="t"/>
+    </dgm:scene3d>
+    <dgm:sp3d/>
+    <dgm:txPr/>
+    <dgm:style>
+      <a:lnRef idx="2">
+        <a:scrgbClr r="0" g="0" b="0"/>
+      </a:lnRef>
+      <a:fillRef idx="1">
+        <a:scrgbClr r="0" g="0" b="0"/>
+      </a:fillRef>
+      <a:effectRef idx="0">
+        <a:scrgbClr r="0" g="0" b="0"/>
+      </a:effectRef>
+      <a:fontRef idx="minor"/>
+    </dgm:style>
+  </dgm:styleLbl>
+  <dgm:styleLbl name="fgAcc2">
+    <dgm:scene3d>
+      <a:camera prst="orthographicFront"/>
+      <a:lightRig rig="threePt" dir="t"/>
+    </dgm:scene3d>
+    <dgm:sp3d/>
+    <dgm:txPr/>
+    <dgm:style>
+      <a:lnRef idx="2">
+        <a:scrgbClr r="0" g="0" b="0"/>
+      </a:lnRef>
+      <a:fillRef idx="1">
+        <a:scrgbClr r="0" g="0" b="0"/>
+      </a:fillRef>
+      <a:effectRef idx="0">
+        <a:scrgbClr r="0" g="0" b="0"/>
+      </a:effectRef>
+      <a:fontRef idx="minor"/>
+    </dgm:style>
+  </dgm:styleLbl>
+  <dgm:styleLbl name="fgAcc3">
+    <dgm:scene3d>
+      <a:camera prst="orthographicFront"/>
+      <a:lightRig rig="threePt" dir="t"/>
+    </dgm:scene3d>
+    <dgm:sp3d/>
+    <dgm:txPr/>
+    <dgm:style>
+      <a:lnRef idx="2">
+        <a:scrgbClr r="0" g="0" b="0"/>
+      </a:lnRef>
+      <a:fillRef idx="1">
+        <a:scrgbClr r="0" g="0" b="0"/>
+      </a:fillRef>
+      <a:effectRef idx="0">
+        <a:scrgbClr r="0" g="0" b="0"/>
+      </a:effectRef>
+      <a:fontRef idx="minor"/>
+    </dgm:style>
+  </dgm:styleLbl>
+  <dgm:styleLbl name="fgAcc4">
+    <dgm:scene3d>
+      <a:camera prst="orthographicFront"/>
+      <a:lightRig rig="threePt" dir="t"/>
+    </dgm:scene3d>
+    <dgm:sp3d/>
+    <dgm:txPr/>
+    <dgm:style>
+      <a:lnRef idx="2">
+        <a:scrgbClr r="0" g="0" b="0"/>
+      </a:lnRef>
+      <a:fillRef idx="1">
+        <a:scrgbClr r="0" g="0" b="0"/>
+      </a:fillRef>
+      <a:effectRef idx="0">
+        <a:scrgbClr r="0" g="0" b="0"/>
+      </a:effectRef>
+      <a:fontRef idx="minor"/>
+    </dgm:style>
+  </dgm:styleLbl>
+  <dgm:styleLbl name="bgShp">
+    <dgm:scene3d>
+      <a:camera prst="orthographicFront"/>
+      <a:lightRig rig="threePt" dir="t"/>
+    </dgm:scene3d>
+    <dgm:sp3d/>
+    <dgm:txPr/>
+    <dgm:style>
+      <a:lnRef idx="0">
+        <a:scrgbClr r="0" g="0" b="0"/>
+      </a:lnRef>
+      <a:fillRef idx="1">
+        <a:scrgbClr r="0" g="0" b="0"/>
+      </a:fillRef>
+      <a:effectRef idx="0">
+        <a:scrgbClr r="0" g="0" b="0"/>
+      </a:effectRef>
+      <a:fontRef idx="minor"/>
+    </dgm:style>
+  </dgm:styleLbl>
+  <dgm:styleLbl name="dkBgShp">
+    <dgm:scene3d>
+      <a:camera prst="orthographicFront"/>
+      <a:lightRig rig="threePt" dir="t"/>
+    </dgm:scene3d>
+    <dgm:sp3d/>
+    <dgm:txPr/>
+    <dgm:style>
+      <a:lnRef idx="0">
+        <a:scrgbClr r="0" g="0" b="0"/>
+      </a:lnRef>
+      <a:fillRef idx="1">
+        <a:scrgbClr r="0" g="0" b="0"/>
+      </a:fillRef>
+      <a:effectRef idx="0">
+        <a:scrgbClr r="0" g="0" b="0"/>
+      </a:effectRef>
+      <a:fontRef idx="minor"/>
+    </dgm:style>
+  </dgm:styleLbl>
+  <dgm:styleLbl name="trBgShp">
+    <dgm:scene3d>
+      <a:camera prst="orthographicFront"/>
+      <a:lightRig rig="threePt" dir="t"/>
+    </dgm:scene3d>
+    <dgm:sp3d/>
+    <dgm:txPr/>
+    <dgm:style>
+      <a:lnRef idx="0">
+        <a:scrgbClr r="0" g="0" b="0"/>
+      </a:lnRef>
+      <a:fillRef idx="1">
+        <a:scrgbClr r="0" g="0" b="0"/>
+      </a:fillRef>
+      <a:effectRef idx="0">
+        <a:scrgbClr r="0" g="0" b="0"/>
+      </a:effectRef>
+      <a:fontRef idx="minor"/>
+    </dgm:style>
+  </dgm:styleLbl>
+  <dgm:styleLbl name="fgShp">
+    <dgm:scene3d>
+      <a:camera prst="orthographicFront"/>
+      <a:lightRig rig="threePt" dir="t"/>
+    </dgm:scene3d>
+    <dgm:sp3d/>
+    <dgm:txPr/>
+    <dgm:style>
+      <a:lnRef idx="2">
+        <a:scrgbClr r="0" g="0" b="0"/>
+      </a:lnRef>
+      <a:fillRef idx="1">
+        <a:scrgbClr r="0" g="0" b="0"/>
+      </a:fillRef>
+      <a:effectRef idx="0">
+        <a:scrgbClr r="0" g="0" b="0"/>
+      </a:effectRef>
+      <a:fontRef idx="minor"/>
+    </dgm:style>
+  </dgm:styleLbl>
+  <dgm:styleLbl name="revTx">
+    <dgm:scene3d>
+      <a:camera prst="orthographicFront"/>
+      <a:lightRig rig="threePt" dir="t"/>
+    </dgm:scene3d>
+    <dgm:sp3d/>
+    <dgm:txPr/>
+    <dgm:style>
+      <a:lnRef idx="0">
+        <a:scrgbClr r="0" g="0" b="0"/>
+      </a:lnRef>
+      <a:fillRef idx="0">
+        <a:scrgbClr r="0" g="0" b="0"/>
+      </a:fillRef>
+      <a:effectRef idx="0">
+        <a:scrgbClr r="0" g="0" b="0"/>
+      </a:effectRef>
+      <a:fontRef idx="minor"/>
+    </dgm:style>
+  </dgm:styleLbl>
+</dgm:styleDef>
+</file>
+
+<file path=ppt/notesMasters/notesMaster1.xml><?xml version="1.0" encoding="utf-8"?>
+<p:notesMaster xmlns:a="http://schemas.openxmlformats.org/drawingml/2006/main" xmlns:r="http://schemas.openxmlformats.org/officeDocument/2006/relationships" xmlns:p="http://schemas.openxmlformats.org/presentationml/2006/main">
+  <p:cSld>
+    <p:bg>
+      <p:bgRef idx="1001">
+        <a:schemeClr val="bg1"/>
+      </p:bgRef>
+    </p:bg>
+    <p:spTree>
+      <p:nvGrpSpPr>
+        <p:cNvPr id="1" name=""/>
+        <p:cNvGrpSpPr/>
+        <p:nvPr/>
+      </p:nvGrpSpPr>
+      <p:grpSpPr>
+        <a:xfrm>
+          <a:off x="0" y="0"/>
+          <a:ext cx="0" cy="0"/>
+          <a:chOff x="0" y="0"/>
+          <a:chExt cx="0" cy="0"/>
+        </a:xfrm>
+      </p:grpSpPr>
+      <p:sp>
+        <p:nvSpPr>
+          <p:cNvPr id="2" name="页眉占位符 1"/>
+          <p:cNvSpPr>
+            <a:spLocks noGrp="1"/>
+          </p:cNvSpPr>
+          <p:nvPr>
+            <p:ph type="hdr" sz="quarter"/>
+          </p:nvPr>
+        </p:nvSpPr>
+        <p:spPr>
+          <a:xfrm>
+            <a:off x="0" y="0"/>
+            <a:ext cx="2971800" cy="457200"/>
+          </a:xfrm>
+          <a:prstGeom prst="rect">
+            <a:avLst/>
+          </a:prstGeom>
+        </p:spPr>
+        <p:txBody>
+          <a:bodyPr vert="horz" lIns="91440" tIns="45720" rIns="91440" bIns="45720" rtlCol="0"/>
+          <a:lstStyle>
+            <a:lvl1pPr algn="l">
+              <a:defRPr sz="1200"/>
+            </a:lvl1pPr>
+          </a:lstStyle>
+          <a:p>
+            <a:endParaRPr lang="zh-CN" altLang="en-US"/>
+          </a:p>
+        </p:txBody>
+      </p:sp>
+      <p:sp>
+        <p:nvSpPr>
+          <p:cNvPr id="3" name="日期占位符 2"/>
+          <p:cNvSpPr>
+            <a:spLocks noGrp="1"/>
+          </p:cNvSpPr>
+          <p:nvPr>
+            <p:ph type="dt" idx="1"/>
+          </p:nvPr>
+        </p:nvSpPr>
+        <p:spPr>
+          <a:xfrm>
+            <a:off x="3884613" y="0"/>
+            <a:ext cx="2971800" cy="457200"/>
+          </a:xfrm>
+          <a:prstGeom prst="rect">
+            <a:avLst/>
+          </a:prstGeom>
+        </p:spPr>
+        <p:txBody>
+          <a:bodyPr vert="horz" lIns="91440" tIns="45720" rIns="91440" bIns="45720" rtlCol="0"/>
+          <a:lstStyle>
+            <a:lvl1pPr algn="r">
+              <a:defRPr sz="1200"/>
+            </a:lvl1pPr>
+          </a:lstStyle>
+          <a:p>
+            <a:fld id="{99BD05F2-0D36-452A-A4D7-FB9260DC9BFB}" type="datetimeFigureOut">
+              <a:rPr lang="zh-CN" altLang="en-US" smtClean="0"/>
+              <a:t>2012/5/30</a:t>
+            </a:fld>
+            <a:endParaRPr lang="zh-CN" altLang="en-US"/>
+          </a:p>
+        </p:txBody>
+      </p:sp>
+      <p:sp>
+        <p:nvSpPr>
+          <p:cNvPr id="4" name="幻灯片图像占位符 3"/>
+          <p:cNvSpPr>
+            <a:spLocks noGrp="1" noRot="1" noChangeAspect="1"/>
+          </p:cNvSpPr>
+          <p:nvPr>
+            <p:ph type="sldImg" idx="2"/>
+          </p:nvPr>
+        </p:nvSpPr>
+        <p:spPr>
+          <a:xfrm>
+            <a:off x="1143000" y="685800"/>
+            <a:ext cx="4572000" cy="3429000"/>
+          </a:xfrm>
+          <a:prstGeom prst="rect">
+            <a:avLst/>
+          </a:prstGeom>
+          <a:noFill/>
+          <a:ln w="12700">
+            <a:solidFill>
+              <a:prstClr val="black"/>
+            </a:solidFill>
+          </a:ln>
+        </p:spPr>
+        <p:txBody>
+          <a:bodyPr vert="horz" lIns="91440" tIns="45720" rIns="91440" bIns="45720" rtlCol="0" anchor="ctr"/>
+          <a:lstStyle/>
+          <a:p>
+            <a:endParaRPr lang="zh-CN" altLang="en-US"/>
+          </a:p>
+        </p:txBody>
+      </p:sp>
+      <p:sp>
+        <p:nvSpPr>
+          <p:cNvPr id="5" name="备注占位符 4"/>
+          <p:cNvSpPr>
+            <a:spLocks noGrp="1"/>
+          </p:cNvSpPr>
+          <p:nvPr>
+            <p:ph type="body" sz="quarter" idx="3"/>
+          </p:nvPr>
+        </p:nvSpPr>
+        <p:spPr>
+          <a:xfrm>
+            <a:off x="685800" y="4343400"/>
+            <a:ext cx="5486400" cy="4114800"/>
+          </a:xfrm>
+          <a:prstGeom prst="rect">
+            <a:avLst/>
+          </a:prstGeom>
+        </p:spPr>
+        <p:txBody>
+          <a:bodyPr vert="horz" lIns="91440" tIns="45720" rIns="91440" bIns="45720" rtlCol="0"/>
+          <a:lstStyle/>
+          <a:p>
+            <a:pPr lvl="0"/>
+            <a:r>
+              <a:rPr lang="zh-CN" altLang="en-US" smtClean="0"/>
+              <a:t>单击此处编辑母版文本样式</a:t>
+            </a:r>
+          </a:p>
+          <a:p>
+            <a:pPr lvl="1"/>
+            <a:r>
+              <a:rPr lang="zh-CN" altLang="en-US" smtClean="0"/>
+              <a:t>第二级</a:t>
+            </a:r>
+          </a:p>
+          <a:p>
+            <a:pPr lvl="2"/>
+            <a:r>
+              <a:rPr lang="zh-CN" altLang="en-US" smtClean="0"/>
+              <a:t>第三级</a:t>
+            </a:r>
+          </a:p>
+          <a:p>
+            <a:pPr lvl="3"/>
+            <a:r>
+              <a:rPr lang="zh-CN" altLang="en-US" smtClean="0"/>
+              <a:t>第四级</a:t>
+            </a:r>
+          </a:p>
+          <a:p>
+            <a:pPr lvl="4"/>
+            <a:r>
+              <a:rPr lang="zh-CN" altLang="en-US" smtClean="0"/>
+              <a:t>第五级</a:t>
+            </a:r>
+            <a:endParaRPr lang="zh-CN" altLang="en-US"/>
+          </a:p>
+        </p:txBody>
+      </p:sp>
+      <p:sp>
+        <p:nvSpPr>
+          <p:cNvPr id="6" name="页脚占位符 5"/>
+          <p:cNvSpPr>
+            <a:spLocks noGrp="1"/>
+          </p:cNvSpPr>
+          <p:nvPr>
+            <p:ph type="ftr" sz="quarter" idx="4"/>
+          </p:nvPr>
+        </p:nvSpPr>
+        <p:spPr>
+          <a:xfrm>
+            <a:off x="0" y="8685213"/>
+            <a:ext cx="2971800" cy="457200"/>
+          </a:xfrm>
+          <a:prstGeom prst="rect">
+            <a:avLst/>
+          </a:prstGeom>
+        </p:spPr>
+        <p:txBody>
+          <a:bodyPr vert="horz" lIns="91440" tIns="45720" rIns="91440" bIns="45720" rtlCol="0" anchor="b"/>
+          <a:lstStyle>
+            <a:lvl1pPr algn="l">
+              <a:defRPr sz="1200"/>
+            </a:lvl1pPr>
+          </a:lstStyle>
+          <a:p>
+            <a:endParaRPr lang="zh-CN" altLang="en-US"/>
+          </a:p>
+        </p:txBody>
+      </p:sp>
+      <p:sp>
+        <p:nvSpPr>
+          <p:cNvPr id="7" name="灯片编号占位符 6"/>
+          <p:cNvSpPr>
+            <a:spLocks noGrp="1"/>
+          </p:cNvSpPr>
+          <p:nvPr>
+            <p:ph type="sldNum" sz="quarter" idx="5"/>
+          </p:nvPr>
+        </p:nvSpPr>
+        <p:spPr>
+          <a:xfrm>
+            <a:off x="3884613" y="8685213"/>
+            <a:ext cx="2971800" cy="457200"/>
+          </a:xfrm>
+          <a:prstGeom prst="rect">
+            <a:avLst/>
+          </a:prstGeom>
+        </p:spPr>
+        <p:txBody>
+          <a:bodyPr vert="horz" lIns="91440" tIns="45720" rIns="91440" bIns="45720" rtlCol="0" anchor="b"/>
+          <a:lstStyle>
+            <a:lvl1pPr algn="r">
+              <a:defRPr sz="1200"/>
+            </a:lvl1pPr>
+          </a:lstStyle>
+          <a:p>
+            <a:fld id="{D3AEAA03-8AC9-44A6-AD9F-4DE470113ACE}" type="slidenum">
+              <a:rPr lang="zh-CN" altLang="en-US" smtClean="0"/>
+              <a:t>‹#›</a:t>
+            </a:fld>
+            <a:endParaRPr lang="zh-CN" altLang="en-US"/>
+          </a:p>
+        </p:txBody>
+      </p:sp>
+    </p:spTree>
+    <p:extLst>
+      <p:ext uri="{BB962C8B-B14F-4D97-AF65-F5344CB8AC3E}">
+        <p14:creationId xmlns:p14="http://schemas.microsoft.com/office/powerpoint/2010/main" val="3930315904"/>
+      </p:ext>
+    </p:extLst>
+  </p:cSld>
+  <p:clrMap bg1="lt1" tx1="dk1" bg2="lt2" tx2="dk2" accent1="accent1" accent2="accent2" accent3="accent3" accent4="accent4" accent5="accent5" accent6="accent6" hlink="hlink" folHlink="folHlink"/>
+  <p:notesStyle>
+    <a:lvl1pPr marL="0" algn="l" defTabSz="914400" rtl="0" eaLnBrk="1" latinLnBrk="0" hangingPunct="1">
+      <a:defRPr sz="1200" kern="1200">
+        <a:solidFill>
+          <a:schemeClr val="tx1"/>
+        </a:solidFill>
+        <a:latin typeface="+mn-lt"/>
+        <a:ea typeface="+mn-ea"/>
+        <a:cs typeface="+mn-cs"/>
+      </a:defRPr>
+    </a:lvl1pPr>
+    <a:lvl2pPr marL="457200" algn="l" defTabSz="914400" rtl="0" eaLnBrk="1" latinLnBrk="0" hangingPunct="1">
+      <a:defRPr sz="1200" kern="1200">
+        <a:solidFill>
+          <a:schemeClr val="tx1"/>
+        </a:solidFill>
+        <a:latin typeface="+mn-lt"/>
+        <a:ea typeface="+mn-ea"/>
+        <a:cs typeface="+mn-cs"/>
+      </a:defRPr>
+    </a:lvl2pPr>
+    <a:lvl3pPr marL="914400" algn="l" defTabSz="914400" rtl="0" eaLnBrk="1" latinLnBrk="0" hangingPunct="1">
+      <a:defRPr sz="1200" kern="1200">
+        <a:solidFill>
+          <a:schemeClr val="tx1"/>
+        </a:solidFill>
+        <a:latin typeface="+mn-lt"/>
+        <a:ea typeface="+mn-ea"/>
+        <a:cs typeface="+mn-cs"/>
+      </a:defRPr>
+    </a:lvl3pPr>
+    <a:lvl4pPr marL="1371600" algn="l" defTabSz="914400" rtl="0" eaLnBrk="1" latinLnBrk="0" hangingPunct="1">
+      <a:defRPr sz="1200" kern="1200">
+        <a:solidFill>
+          <a:schemeClr val="tx1"/>
+        </a:solidFill>
+        <a:latin typeface="+mn-lt"/>
+        <a:ea typeface="+mn-ea"/>
+        <a:cs typeface="+mn-cs"/>
+      </a:defRPr>
+    </a:lvl4pPr>
+    <a:lvl5pPr marL="1828800" algn="l" defTabSz="914400" rtl="0" eaLnBrk="1" latinLnBrk="0" hangingPunct="1">
+      <a:defRPr sz="1200" kern="1200">
+        <a:solidFill>
+          <a:schemeClr val="tx1"/>
+        </a:solidFill>
+        <a:latin typeface="+mn-lt"/>
+        <a:ea typeface="+mn-ea"/>
+        <a:cs typeface="+mn-cs"/>
+      </a:defRPr>
+    </a:lvl5pPr>
+    <a:lvl6pPr marL="2286000" algn="l" defTabSz="914400" rtl="0" eaLnBrk="1" latinLnBrk="0" hangingPunct="1">
+      <a:defRPr sz="1200" kern="1200">
+        <a:solidFill>
+          <a:schemeClr val="tx1"/>
+        </a:solidFill>
+        <a:latin typeface="+mn-lt"/>
+        <a:ea typeface="+mn-ea"/>
+        <a:cs typeface="+mn-cs"/>
+      </a:defRPr>
+    </a:lvl6pPr>
+    <a:lvl7pPr marL="2743200" algn="l" defTabSz="914400" rtl="0" eaLnBrk="1" latinLnBrk="0" hangingPunct="1">
+      <a:defRPr sz="1200" kern="1200">
+        <a:solidFill>
+          <a:schemeClr val="tx1"/>
+        </a:solidFill>
+        <a:latin typeface="+mn-lt"/>
+        <a:ea typeface="+mn-ea"/>
+        <a:cs typeface="+mn-cs"/>
+      </a:defRPr>
+    </a:lvl7pPr>
+    <a:lvl8pPr marL="3200400" algn="l" defTabSz="914400" rtl="0" eaLnBrk="1" latinLnBrk="0" hangingPunct="1">
+      <a:defRPr sz="1200" kern="1200">
+        <a:solidFill>
+          <a:schemeClr val="tx1"/>
+        </a:solidFill>
+        <a:latin typeface="+mn-lt"/>
+        <a:ea typeface="+mn-ea"/>
+        <a:cs typeface="+mn-cs"/>
+      </a:defRPr>
+    </a:lvl8pPr>
+    <a:lvl9pPr marL="3657600" algn="l" defTabSz="914400" rtl="0" eaLnBrk="1" latinLnBrk="0" hangingPunct="1">
+      <a:defRPr sz="1200" kern="1200">
+        <a:solidFill>
+          <a:schemeClr val="tx1"/>
+        </a:solidFill>
+        <a:latin typeface="+mn-lt"/>
+        <a:ea typeface="+mn-ea"/>
+        <a:cs typeface="+mn-cs"/>
+      </a:defRPr>
+    </a:lvl9pPr>
+  </p:notesStyle>
+</p:notesMaster>
+</file>
+
+<file path=ppt/notesSlides/notesSlide1.xml><?xml version="1.0" encoding="utf-8"?>
+<p:notes xmlns:a="http://schemas.openxmlformats.org/drawingml/2006/main" xmlns:r="http://schemas.openxmlformats.org/officeDocument/2006/relationships" xmlns:p="http://schemas.openxmlformats.org/presentationml/2006/main">
+  <p:cSld>
+    <p:spTree>
+      <p:nvGrpSpPr>
+        <p:cNvPr id="1" name=""/>
+        <p:cNvGrpSpPr/>
+        <p:nvPr/>
+      </p:nvGrpSpPr>
+      <p:grpSpPr>
+        <a:xfrm>
+          <a:off x="0" y="0"/>
+          <a:ext cx="0" cy="0"/>
+          <a:chOff x="0" y="0"/>
+          <a:chExt cx="0" cy="0"/>
+        </a:xfrm>
+      </p:grpSpPr>
+      <p:sp>
+        <p:nvSpPr>
+          <p:cNvPr id="2" name="幻灯片图像占位符 1"/>
+          <p:cNvSpPr>
+            <a:spLocks noGrp="1" noRot="1" noChangeAspect="1"/>
+          </p:cNvSpPr>
+          <p:nvPr>
+            <p:ph type="sldImg"/>
+          </p:nvPr>
+        </p:nvSpPr>
+        <p:spPr/>
+      </p:sp>
+      <p:sp>
+        <p:nvSpPr>
+          <p:cNvPr id="3" name="备注占位符 2"/>
+          <p:cNvSpPr>
+            <a:spLocks noGrp="1"/>
+          </p:cNvSpPr>
+          <p:nvPr>
+            <p:ph type="body" idx="1"/>
+          </p:nvPr>
+        </p:nvSpPr>
+        <p:spPr/>
+        <p:txBody>
+          <a:bodyPr/>
+          <a:lstStyle/>
+          <a:p>
+            <a:r>
+              <a:rPr lang="zh-CN" altLang="en-US" sz="1200" dirty="0" smtClean="0"/>
+              <a:t>对多个云存储作底层支持，那么就要求代码实现对上提供统一接口，对下提供不同的实现。即抽象的接口与它的具</a:t>
+            </a:r>
+            <a:r>
+              <a:rPr lang="zh-CN" altLang="en-US" sz="1050" dirty="0" smtClean="0"/>
+              <a:t>体实现是分离的。当然这里可以想到用继承的方式来实现接口。但是有时候继承方式不太灵活，原因在于，它将抽象部分与实现部分绑定在一起，难以对两部分进行独立的修改及扩充。</a:t>
+            </a:r>
+          </a:p>
+          <a:p>
+            <a:r>
+              <a:rPr lang="zh-CN" altLang="en-US" sz="1200" dirty="0" smtClean="0"/>
+              <a:t>我们不希望下载的接口操作与它的实现在有固定的依赖关系，因为在运行过程中，用户可以切换不同的云存储服务。同时，当具体实现修改时不应当影响接口调用中已经写好的代码。另一方面，需要对上彻底隐藏云存储服务访问的具体实现。</a:t>
+            </a:r>
+          </a:p>
+          <a:p>
+            <a:endParaRPr lang="zh-CN" altLang="en-US" dirty="0"/>
+          </a:p>
+        </p:txBody>
+      </p:sp>
+      <p:sp>
+        <p:nvSpPr>
+          <p:cNvPr id="4" name="灯片编号占位符 3"/>
+          <p:cNvSpPr>
+            <a:spLocks noGrp="1"/>
+          </p:cNvSpPr>
+          <p:nvPr>
+            <p:ph type="sldNum" sz="quarter" idx="10"/>
+          </p:nvPr>
+        </p:nvSpPr>
+        <p:spPr/>
+        <p:txBody>
+          <a:bodyPr/>
+          <a:lstStyle/>
+          <a:p>
+            <a:fld id="{D3AEAA03-8AC9-44A6-AD9F-4DE470113ACE}" type="slidenum">
+              <a:rPr lang="zh-CN" altLang="en-US" smtClean="0"/>
+              <a:t>11</a:t>
+            </a:fld>
+            <a:endParaRPr lang="zh-CN" altLang="en-US"/>
+          </a:p>
+        </p:txBody>
+      </p:sp>
+    </p:spTree>
+    <p:extLst>
+      <p:ext uri="{BB962C8B-B14F-4D97-AF65-F5344CB8AC3E}">
+        <p14:creationId xmlns:p14="http://schemas.microsoft.com/office/powerpoint/2010/main" val="1150768748"/>
+      </p:ext>
+    </p:extLst>
+  </p:cSld>
+  <p:clrMapOvr>
+    <a:masterClrMapping/>
+  </p:clrMapOvr>
+</p:notes>
 </file>
 
 <file path=ppt/slideLayouts/slideLayout1.xml><?xml version="1.0" encoding="utf-8"?>
@@ -4661,35 +8105,31 @@
           </a:p>
         </p:txBody>
       </p:sp>
-      <p:sp>
-        <p:nvSpPr>
-          <p:cNvPr id="3" name="内容占位符 2"/>
-          <p:cNvSpPr>
-            <a:spLocks noGrp="1"/>
-          </p:cNvSpPr>
+      <p:graphicFrame>
+        <p:nvGraphicFramePr>
+          <p:cNvPr id="5" name="内容占位符 4"/>
+          <p:cNvGraphicFramePr>
+            <a:graphicFrameLocks noGrp="1"/>
+          </p:cNvGraphicFramePr>
           <p:nvPr>
             <p:ph idx="1"/>
+            <p:extLst>
+              <p:ext uri="{D42A27DB-BD31-4B8C-83A1-F6EECF244321}">
+                <p14:modId xmlns:p14="http://schemas.microsoft.com/office/powerpoint/2010/main" val="2260134856"/>
+              </p:ext>
+            </p:extLst>
           </p:nvPr>
-        </p:nvSpPr>
-        <p:spPr/>
-        <p:txBody>
-          <a:bodyPr/>
-          <a:lstStyle/>
-          <a:p>
-            <a:r>
-              <a:rPr lang="zh-CN" altLang="en-US" sz="1800" dirty="0"/>
-              <a:t>由于在高级目标中要对多个云存储作底层支持，那么就要求代码实现对上提供统一接口，对下提供不同的实现。即抽象的接口与它的具体实现是分离的。当然这里可以想到用继承的方式来实现接口。但是有时候继承方式不太灵活，原因在于，它将抽象部分与实现部分绑定在一起，难以对两部分进行独立的修改及扩充。</a:t>
-            </a:r>
-          </a:p>
-          <a:p>
-            <a:r>
-              <a:rPr lang="zh-CN" altLang="en-US" sz="1800" dirty="0"/>
-              <a:t>我们不希望下载的接口操作与它的实现在有固定的依赖关系，因为在运行过程中，用户可以切换不同的云存储服务。同时，当具体实现修改时不应当影响接口调用中已经写好的代码。另一方面，需要对上彻底隐藏云存储服务访问的具体实现。</a:t>
-            </a:r>
-            <a:endParaRPr lang="zh-CN" altLang="en-US" sz="1800" dirty="0"/>
-          </a:p>
-        </p:txBody>
-      </p:sp>
+        </p:nvGraphicFramePr>
+        <p:xfrm>
+          <a:off x="742950" y="1468438"/>
+          <a:ext cx="7543800" cy="4567237"/>
+        </p:xfrm>
+        <a:graphic>
+          <a:graphicData uri="http://schemas.openxmlformats.org/drawingml/2006/diagram">
+            <dgm:relIds xmlns:dgm="http://schemas.openxmlformats.org/drawingml/2006/diagram" xmlns:r="http://schemas.openxmlformats.org/officeDocument/2006/relationships" r:dm="rId3" r:lo="rId4" r:qs="rId5" r:cs="rId6"/>
+          </a:graphicData>
+        </a:graphic>
+      </p:graphicFrame>
       <p:sp>
         <p:nvSpPr>
           <p:cNvPr id="4" name="日期占位符 3"/>
@@ -4713,7 +8153,7 @@
               <a:pPr>
                 <a:defRPr/>
               </a:pPr>
-              <a:t>2012/5/29</a:t>
+              <a:t>2012/5/30</a:t>
             </a:fld>
             <a:endParaRPr lang="zh-CN" altLang="en-US" sz="1800">
               <a:solidFill>
@@ -4721,6 +8161,66 @@
               </a:solidFill>
               <a:ea typeface="宋体" pitchFamily="2" charset="-122"/>
             </a:endParaRPr>
+          </a:p>
+        </p:txBody>
+      </p:sp>
+      <p:sp>
+        <p:nvSpPr>
+          <p:cNvPr id="6" name="TextBox 5"/>
+          <p:cNvSpPr txBox="1"/>
+          <p:nvPr/>
+        </p:nvSpPr>
+        <p:spPr>
+          <a:xfrm>
+            <a:off x="971600" y="2420888"/>
+            <a:ext cx="1152128" cy="646331"/>
+          </a:xfrm>
+          <a:prstGeom prst="rect">
+            <a:avLst/>
+          </a:prstGeom>
+          <a:noFill/>
+        </p:spPr>
+        <p:txBody>
+          <a:bodyPr wrap="square" rtlCol="0">
+            <a:spAutoFit/>
+          </a:bodyPr>
+          <a:lstStyle/>
+          <a:p>
+            <a:r>
+              <a:rPr lang="zh-CN" altLang="en-US" dirty="0" smtClean="0"/>
+              <a:t>对上统一接口</a:t>
+            </a:r>
+            <a:endParaRPr lang="zh-CN" altLang="en-US" dirty="0"/>
+          </a:p>
+        </p:txBody>
+      </p:sp>
+      <p:sp>
+        <p:nvSpPr>
+          <p:cNvPr id="7" name="TextBox 6"/>
+          <p:cNvSpPr txBox="1"/>
+          <p:nvPr/>
+        </p:nvSpPr>
+        <p:spPr>
+          <a:xfrm>
+            <a:off x="4355976" y="1484784"/>
+            <a:ext cx="1152128" cy="646331"/>
+          </a:xfrm>
+          <a:prstGeom prst="rect">
+            <a:avLst/>
+          </a:prstGeom>
+          <a:noFill/>
+        </p:spPr>
+        <p:txBody>
+          <a:bodyPr wrap="square" rtlCol="0">
+            <a:spAutoFit/>
+          </a:bodyPr>
+          <a:lstStyle/>
+          <a:p>
+            <a:r>
+              <a:rPr lang="zh-CN" altLang="en-US" dirty="0" smtClean="0"/>
+              <a:t>对下不同实现</a:t>
+            </a:r>
+            <a:endParaRPr lang="zh-CN" altLang="en-US" dirty="0"/>
           </a:p>
         </p:txBody>
       </p:sp>
@@ -4737,9 +8237,142 @@
   <p:timing>
     <p:tnLst>
       <p:par>
-        <p:cTn id="1" dur="indefinite" restart="never" nodeType="tmRoot"/>
+        <p:cTn id="1" dur="indefinite" restart="never" nodeType="tmRoot">
+          <p:childTnLst>
+            <p:seq concurrent="1" nextAc="seek">
+              <p:cTn id="2" dur="indefinite" nodeType="mainSeq">
+                <p:childTnLst>
+                  <p:par>
+                    <p:cTn id="3" fill="hold">
+                      <p:stCondLst>
+                        <p:cond delay="indefinite"/>
+                      </p:stCondLst>
+                      <p:childTnLst>
+                        <p:par>
+                          <p:cTn id="4" fill="hold">
+                            <p:stCondLst>
+                              <p:cond delay="0"/>
+                            </p:stCondLst>
+                            <p:childTnLst>
+                              <p:par>
+                                <p:cTn id="5" presetID="10" presetClass="entr" presetSubtype="0" fill="hold" grpId="0" nodeType="clickEffect">
+                                  <p:stCondLst>
+                                    <p:cond delay="0"/>
+                                  </p:stCondLst>
+                                  <p:childTnLst>
+                                    <p:set>
+                                      <p:cBhvr>
+                                        <p:cTn id="6" dur="1" fill="hold">
+                                          <p:stCondLst>
+                                            <p:cond delay="0"/>
+                                          </p:stCondLst>
+                                        </p:cTn>
+                                        <p:tgtEl>
+                                          <p:spTgt spid="6"/>
+                                        </p:tgtEl>
+                                        <p:attrNameLst>
+                                          <p:attrName>style.visibility</p:attrName>
+                                        </p:attrNameLst>
+                                      </p:cBhvr>
+                                      <p:to>
+                                        <p:strVal val="visible"/>
+                                      </p:to>
+                                    </p:set>
+                                    <p:animEffect transition="in" filter="fade">
+                                      <p:cBhvr>
+                                        <p:cTn id="7" dur="500"/>
+                                        <p:tgtEl>
+                                          <p:spTgt spid="6"/>
+                                        </p:tgtEl>
+                                      </p:cBhvr>
+                                    </p:animEffect>
+                                  </p:childTnLst>
+                                </p:cTn>
+                              </p:par>
+                            </p:childTnLst>
+                          </p:cTn>
+                        </p:par>
+                      </p:childTnLst>
+                    </p:cTn>
+                  </p:par>
+                  <p:par>
+                    <p:cTn id="8" fill="hold">
+                      <p:stCondLst>
+                        <p:cond delay="indefinite"/>
+                      </p:stCondLst>
+                      <p:childTnLst>
+                        <p:par>
+                          <p:cTn id="9" fill="hold">
+                            <p:stCondLst>
+                              <p:cond delay="0"/>
+                            </p:stCondLst>
+                            <p:childTnLst>
+                              <p:par>
+                                <p:cTn id="10" presetID="10" presetClass="entr" presetSubtype="0" fill="hold" grpId="0" nodeType="clickEffect">
+                                  <p:stCondLst>
+                                    <p:cond delay="0"/>
+                                  </p:stCondLst>
+                                  <p:childTnLst>
+                                    <p:set>
+                                      <p:cBhvr>
+                                        <p:cTn id="11" dur="1" fill="hold">
+                                          <p:stCondLst>
+                                            <p:cond delay="0"/>
+                                          </p:stCondLst>
+                                        </p:cTn>
+                                        <p:tgtEl>
+                                          <p:spTgt spid="7"/>
+                                        </p:tgtEl>
+                                        <p:attrNameLst>
+                                          <p:attrName>style.visibility</p:attrName>
+                                        </p:attrNameLst>
+                                      </p:cBhvr>
+                                      <p:to>
+                                        <p:strVal val="visible"/>
+                                      </p:to>
+                                    </p:set>
+                                    <p:animEffect transition="in" filter="fade">
+                                      <p:cBhvr>
+                                        <p:cTn id="12" dur="500"/>
+                                        <p:tgtEl>
+                                          <p:spTgt spid="7"/>
+                                        </p:tgtEl>
+                                      </p:cBhvr>
+                                    </p:animEffect>
+                                  </p:childTnLst>
+                                </p:cTn>
+                              </p:par>
+                            </p:childTnLst>
+                          </p:cTn>
+                        </p:par>
+                      </p:childTnLst>
+                    </p:cTn>
+                  </p:par>
+                </p:childTnLst>
+              </p:cTn>
+              <p:prevCondLst>
+                <p:cond evt="onPrev" delay="0">
+                  <p:tgtEl>
+                    <p:sldTgt/>
+                  </p:tgtEl>
+                </p:cond>
+              </p:prevCondLst>
+              <p:nextCondLst>
+                <p:cond evt="onNext" delay="0">
+                  <p:tgtEl>
+                    <p:sldTgt/>
+                  </p:tgtEl>
+                </p:cond>
+              </p:nextCondLst>
+            </p:seq>
+          </p:childTnLst>
+        </p:cTn>
       </p:par>
     </p:tnLst>
+    <p:bldLst>
+      <p:bldP spid="6" grpId="0"/>
+      <p:bldP spid="7" grpId="0"/>
+    </p:bldLst>
   </p:timing>
 </p:sld>
 </file>
@@ -4763,6 +8396,1907 @@
       </p:grpSpPr>
       <p:sp>
         <p:nvSpPr>
+          <p:cNvPr id="2" name="标题 1"/>
+          <p:cNvSpPr>
+            <a:spLocks noGrp="1"/>
+          </p:cNvSpPr>
+          <p:nvPr>
+            <p:ph type="title"/>
+          </p:nvPr>
+        </p:nvSpPr>
+        <p:spPr/>
+        <p:txBody>
+          <a:bodyPr/>
+          <a:lstStyle/>
+          <a:p>
+            <a:r>
+              <a:rPr lang="zh-CN" altLang="en-US" dirty="0" smtClean="0"/>
+              <a:t>类结构图</a:t>
+            </a:r>
+            <a:endParaRPr lang="zh-CN" altLang="en-US" dirty="0"/>
+          </a:p>
+        </p:txBody>
+      </p:sp>
+      <p:sp>
+        <p:nvSpPr>
+          <p:cNvPr id="3" name="内容占位符 2"/>
+          <p:cNvSpPr>
+            <a:spLocks noGrp="1"/>
+          </p:cNvSpPr>
+          <p:nvPr>
+            <p:ph idx="1"/>
+          </p:nvPr>
+        </p:nvSpPr>
+        <p:spPr/>
+        <p:txBody>
+          <a:bodyPr/>
+          <a:lstStyle/>
+          <a:p>
+            <a:endParaRPr lang="zh-CN" altLang="en-US" dirty="0"/>
+          </a:p>
+        </p:txBody>
+      </p:sp>
+      <p:sp>
+        <p:nvSpPr>
+          <p:cNvPr id="4" name="日期占位符 3"/>
+          <p:cNvSpPr>
+            <a:spLocks noGrp="1"/>
+          </p:cNvSpPr>
+          <p:nvPr>
+            <p:ph type="dt" sz="half" idx="10"/>
+          </p:nvPr>
+        </p:nvSpPr>
+        <p:spPr/>
+        <p:txBody>
+          <a:bodyPr/>
+          <a:lstStyle/>
+          <a:p>
+            <a:pPr>
+              <a:defRPr/>
+            </a:pPr>
+            <a:fld id="{11369A63-9FDA-43D3-BAFD-C0424D6BD8A8}" type="datetime1">
+              <a:rPr lang="zh-CN" altLang="en-US" smtClean="0"/>
+              <a:pPr>
+                <a:defRPr/>
+              </a:pPr>
+              <a:t>2012/5/30</a:t>
+            </a:fld>
+            <a:endParaRPr lang="zh-CN" altLang="en-US" sz="1800">
+              <a:solidFill>
+                <a:srgbClr val="000000"/>
+              </a:solidFill>
+              <a:ea typeface="宋体" pitchFamily="2" charset="-122"/>
+            </a:endParaRPr>
+          </a:p>
+        </p:txBody>
+      </p:sp>
+      <p:pic>
+        <p:nvPicPr>
+          <p:cNvPr id="4098" name="Picture 2"/>
+          <p:cNvPicPr>
+            <a:picLocks noChangeAspect="1" noChangeArrowheads="1"/>
+          </p:cNvPicPr>
+          <p:nvPr/>
+        </p:nvPicPr>
+        <p:blipFill>
+          <a:blip r:embed="rId2">
+            <a:extLst>
+              <a:ext uri="{28A0092B-C50C-407E-A947-70E740481C1C}">
+                <a14:useLocalDpi xmlns:a14="http://schemas.microsoft.com/office/drawing/2010/main" val="0"/>
+              </a:ext>
+            </a:extLst>
+          </a:blip>
+          <a:srcRect/>
+          <a:stretch>
+            <a:fillRect/>
+          </a:stretch>
+        </p:blipFill>
+        <p:spPr bwMode="auto">
+          <a:xfrm>
+            <a:off x="2339752" y="1225961"/>
+            <a:ext cx="5808116" cy="4754551"/>
+          </a:xfrm>
+          <a:prstGeom prst="rect">
+            <a:avLst/>
+          </a:prstGeom>
+          <a:noFill/>
+          <a:ln>
+            <a:noFill/>
+          </a:ln>
+          <a:effectLst/>
+          <a:extLst>
+            <a:ext uri="{909E8E84-426E-40DD-AFC4-6F175D3DCCD1}">
+              <a14:hiddenFill xmlns:a14="http://schemas.microsoft.com/office/drawing/2010/main">
+                <a:solidFill>
+                  <a:schemeClr val="accent1"/>
+                </a:solidFill>
+              </a14:hiddenFill>
+            </a:ext>
+            <a:ext uri="{91240B29-F687-4F45-9708-019B960494DF}">
+              <a14:hiddenLine xmlns:a14="http://schemas.microsoft.com/office/drawing/2010/main" w="9525">
+                <a:solidFill>
+                  <a:schemeClr val="tx1"/>
+                </a:solidFill>
+                <a:miter lim="800000"/>
+                <a:headEnd/>
+                <a:tailEnd/>
+              </a14:hiddenLine>
+            </a:ext>
+            <a:ext uri="{AF507438-7753-43E0-B8FC-AC1667EBCBE1}">
+              <a14:hiddenEffects xmlns:a14="http://schemas.microsoft.com/office/drawing/2010/main">
+                <a:effectLst>
+                  <a:outerShdw dist="35921" dir="2700000" algn="ctr" rotWithShape="0">
+                    <a:schemeClr val="bg2"/>
+                  </a:outerShdw>
+                </a:effectLst>
+              </a14:hiddenEffects>
+            </a:ext>
+          </a:extLst>
+        </p:spPr>
+      </p:pic>
+      <p:sp>
+        <p:nvSpPr>
+          <p:cNvPr id="5" name="云形标注 4"/>
+          <p:cNvSpPr/>
+          <p:nvPr/>
+        </p:nvSpPr>
+        <p:spPr>
+          <a:xfrm>
+            <a:off x="1043608" y="2204864"/>
+            <a:ext cx="1296144" cy="792088"/>
+          </a:xfrm>
+          <a:prstGeom prst="cloudCallout">
+            <a:avLst>
+              <a:gd name="adj1" fmla="val 68611"/>
+              <a:gd name="adj2" fmla="val -87987"/>
+            </a:avLst>
+          </a:prstGeom>
+        </p:spPr>
+        <p:style>
+          <a:lnRef idx="1">
+            <a:schemeClr val="accent5"/>
+          </a:lnRef>
+          <a:fillRef idx="2">
+            <a:schemeClr val="accent5"/>
+          </a:fillRef>
+          <a:effectRef idx="1">
+            <a:schemeClr val="accent5"/>
+          </a:effectRef>
+          <a:fontRef idx="minor">
+            <a:schemeClr val="dk1"/>
+          </a:fontRef>
+        </p:style>
+        <p:txBody>
+          <a:bodyPr rtlCol="0" anchor="ctr"/>
+          <a:lstStyle/>
+          <a:p>
+            <a:pPr algn="ctr"/>
+            <a:r>
+              <a:rPr lang="zh-CN" altLang="en-US" dirty="0" smtClean="0"/>
+              <a:t>单例</a:t>
+            </a:r>
+            <a:endParaRPr lang="zh-CN" altLang="en-US" dirty="0"/>
+          </a:p>
+        </p:txBody>
+      </p:sp>
+      <p:sp>
+        <p:nvSpPr>
+          <p:cNvPr id="8" name="云形标注 7"/>
+          <p:cNvSpPr/>
+          <p:nvPr/>
+        </p:nvSpPr>
+        <p:spPr>
+          <a:xfrm>
+            <a:off x="871816" y="3748452"/>
+            <a:ext cx="1440160" cy="792088"/>
+          </a:xfrm>
+          <a:prstGeom prst="cloudCallout">
+            <a:avLst>
+              <a:gd name="adj1" fmla="val 70023"/>
+              <a:gd name="adj2" fmla="val 40922"/>
+            </a:avLst>
+          </a:prstGeom>
+        </p:spPr>
+        <p:style>
+          <a:lnRef idx="1">
+            <a:schemeClr val="accent5"/>
+          </a:lnRef>
+          <a:fillRef idx="2">
+            <a:schemeClr val="accent5"/>
+          </a:fillRef>
+          <a:effectRef idx="1">
+            <a:schemeClr val="accent5"/>
+          </a:effectRef>
+          <a:fontRef idx="minor">
+            <a:schemeClr val="dk1"/>
+          </a:fontRef>
+        </p:style>
+        <p:txBody>
+          <a:bodyPr rtlCol="0" anchor="ctr"/>
+          <a:lstStyle/>
+          <a:p>
+            <a:pPr algn="ctr"/>
+            <a:r>
+              <a:rPr lang="zh-CN" altLang="en-US" dirty="0" smtClean="0"/>
+              <a:t>类工厂</a:t>
+            </a:r>
+            <a:endParaRPr lang="zh-CN" altLang="en-US" dirty="0"/>
+          </a:p>
+        </p:txBody>
+      </p:sp>
+      <p:sp>
+        <p:nvSpPr>
+          <p:cNvPr id="9" name="云形标注 8"/>
+          <p:cNvSpPr/>
+          <p:nvPr/>
+        </p:nvSpPr>
+        <p:spPr>
+          <a:xfrm>
+            <a:off x="4067944" y="3057128"/>
+            <a:ext cx="1440160" cy="792088"/>
+          </a:xfrm>
+          <a:prstGeom prst="cloudCallout">
+            <a:avLst>
+              <a:gd name="adj1" fmla="val 63674"/>
+              <a:gd name="adj2" fmla="val -199582"/>
+            </a:avLst>
+          </a:prstGeom>
+        </p:spPr>
+        <p:style>
+          <a:lnRef idx="1">
+            <a:schemeClr val="accent5"/>
+          </a:lnRef>
+          <a:fillRef idx="2">
+            <a:schemeClr val="accent5"/>
+          </a:fillRef>
+          <a:effectRef idx="1">
+            <a:schemeClr val="accent5"/>
+          </a:effectRef>
+          <a:fontRef idx="minor">
+            <a:schemeClr val="dk1"/>
+          </a:fontRef>
+        </p:style>
+        <p:txBody>
+          <a:bodyPr rtlCol="0" anchor="ctr"/>
+          <a:lstStyle/>
+          <a:p>
+            <a:pPr algn="ctr"/>
+            <a:r>
+              <a:rPr lang="zh-CN" altLang="en-US" dirty="0"/>
+              <a:t>桥接</a:t>
+            </a:r>
+          </a:p>
+        </p:txBody>
+      </p:sp>
+    </p:spTree>
+    <p:extLst>
+      <p:ext uri="{BB962C8B-B14F-4D97-AF65-F5344CB8AC3E}">
+        <p14:creationId xmlns:p14="http://schemas.microsoft.com/office/powerpoint/2010/main" val="3958966271"/>
+      </p:ext>
+    </p:extLst>
+  </p:cSld>
+  <p:clrMapOvr>
+    <a:masterClrMapping/>
+  </p:clrMapOvr>
+  <p:timing>
+    <p:tnLst>
+      <p:par>
+        <p:cTn id="1" dur="indefinite" restart="never" nodeType="tmRoot">
+          <p:childTnLst>
+            <p:seq concurrent="1" nextAc="seek">
+              <p:cTn id="2" dur="indefinite" nodeType="mainSeq">
+                <p:childTnLst>
+                  <p:par>
+                    <p:cTn id="3" fill="hold">
+                      <p:stCondLst>
+                        <p:cond delay="indefinite"/>
+                      </p:stCondLst>
+                      <p:childTnLst>
+                        <p:par>
+                          <p:cTn id="4" fill="hold">
+                            <p:stCondLst>
+                              <p:cond delay="0"/>
+                            </p:stCondLst>
+                            <p:childTnLst>
+                              <p:par>
+                                <p:cTn id="5" presetID="42" presetClass="entr" presetSubtype="0" fill="hold" nodeType="clickEffect">
+                                  <p:stCondLst>
+                                    <p:cond delay="0"/>
+                                  </p:stCondLst>
+                                  <p:childTnLst>
+                                    <p:set>
+                                      <p:cBhvr>
+                                        <p:cTn id="6" dur="1" fill="hold">
+                                          <p:stCondLst>
+                                            <p:cond delay="0"/>
+                                          </p:stCondLst>
+                                        </p:cTn>
+                                        <p:tgtEl>
+                                          <p:spTgt spid="4098"/>
+                                        </p:tgtEl>
+                                        <p:attrNameLst>
+                                          <p:attrName>style.visibility</p:attrName>
+                                        </p:attrNameLst>
+                                      </p:cBhvr>
+                                      <p:to>
+                                        <p:strVal val="visible"/>
+                                      </p:to>
+                                    </p:set>
+                                    <p:animEffect transition="in" filter="fade">
+                                      <p:cBhvr>
+                                        <p:cTn id="7" dur="1000"/>
+                                        <p:tgtEl>
+                                          <p:spTgt spid="4098"/>
+                                        </p:tgtEl>
+                                      </p:cBhvr>
+                                    </p:animEffect>
+                                    <p:anim calcmode="lin" valueType="num">
+                                      <p:cBhvr>
+                                        <p:cTn id="8" dur="1000" fill="hold"/>
+                                        <p:tgtEl>
+                                          <p:spTgt spid="4098"/>
+                                        </p:tgtEl>
+                                        <p:attrNameLst>
+                                          <p:attrName>ppt_x</p:attrName>
+                                        </p:attrNameLst>
+                                      </p:cBhvr>
+                                      <p:tavLst>
+                                        <p:tav tm="0">
+                                          <p:val>
+                                            <p:strVal val="#ppt_x"/>
+                                          </p:val>
+                                        </p:tav>
+                                        <p:tav tm="100000">
+                                          <p:val>
+                                            <p:strVal val="#ppt_x"/>
+                                          </p:val>
+                                        </p:tav>
+                                      </p:tavLst>
+                                    </p:anim>
+                                    <p:anim calcmode="lin" valueType="num">
+                                      <p:cBhvr>
+                                        <p:cTn id="9" dur="1000" fill="hold"/>
+                                        <p:tgtEl>
+                                          <p:spTgt spid="4098"/>
+                                        </p:tgtEl>
+                                        <p:attrNameLst>
+                                          <p:attrName>ppt_y</p:attrName>
+                                        </p:attrNameLst>
+                                      </p:cBhvr>
+                                      <p:tavLst>
+                                        <p:tav tm="0">
+                                          <p:val>
+                                            <p:strVal val="#ppt_y+.1"/>
+                                          </p:val>
+                                        </p:tav>
+                                        <p:tav tm="100000">
+                                          <p:val>
+                                            <p:strVal val="#ppt_y"/>
+                                          </p:val>
+                                        </p:tav>
+                                      </p:tavLst>
+                                    </p:anim>
+                                  </p:childTnLst>
+                                </p:cTn>
+                              </p:par>
+                            </p:childTnLst>
+                          </p:cTn>
+                        </p:par>
+                      </p:childTnLst>
+                    </p:cTn>
+                  </p:par>
+                  <p:par>
+                    <p:cTn id="10" fill="hold">
+                      <p:stCondLst>
+                        <p:cond delay="indefinite"/>
+                      </p:stCondLst>
+                      <p:childTnLst>
+                        <p:par>
+                          <p:cTn id="11" fill="hold">
+                            <p:stCondLst>
+                              <p:cond delay="0"/>
+                            </p:stCondLst>
+                            <p:childTnLst>
+                              <p:par>
+                                <p:cTn id="12" presetID="10" presetClass="entr" presetSubtype="0" fill="hold" grpId="0" nodeType="clickEffect">
+                                  <p:stCondLst>
+                                    <p:cond delay="0"/>
+                                  </p:stCondLst>
+                                  <p:childTnLst>
+                                    <p:set>
+                                      <p:cBhvr>
+                                        <p:cTn id="13" dur="1" fill="hold">
+                                          <p:stCondLst>
+                                            <p:cond delay="0"/>
+                                          </p:stCondLst>
+                                        </p:cTn>
+                                        <p:tgtEl>
+                                          <p:spTgt spid="5"/>
+                                        </p:tgtEl>
+                                        <p:attrNameLst>
+                                          <p:attrName>style.visibility</p:attrName>
+                                        </p:attrNameLst>
+                                      </p:cBhvr>
+                                      <p:to>
+                                        <p:strVal val="visible"/>
+                                      </p:to>
+                                    </p:set>
+                                    <p:animEffect transition="in" filter="fade">
+                                      <p:cBhvr>
+                                        <p:cTn id="14" dur="500"/>
+                                        <p:tgtEl>
+                                          <p:spTgt spid="5"/>
+                                        </p:tgtEl>
+                                      </p:cBhvr>
+                                    </p:animEffect>
+                                  </p:childTnLst>
+                                </p:cTn>
+                              </p:par>
+                            </p:childTnLst>
+                          </p:cTn>
+                        </p:par>
+                      </p:childTnLst>
+                    </p:cTn>
+                  </p:par>
+                  <p:par>
+                    <p:cTn id="15" fill="hold">
+                      <p:stCondLst>
+                        <p:cond delay="indefinite"/>
+                      </p:stCondLst>
+                      <p:childTnLst>
+                        <p:par>
+                          <p:cTn id="16" fill="hold">
+                            <p:stCondLst>
+                              <p:cond delay="0"/>
+                            </p:stCondLst>
+                            <p:childTnLst>
+                              <p:par>
+                                <p:cTn id="17" presetID="10" presetClass="entr" presetSubtype="0" fill="hold" grpId="0" nodeType="clickEffect">
+                                  <p:stCondLst>
+                                    <p:cond delay="0"/>
+                                  </p:stCondLst>
+                                  <p:childTnLst>
+                                    <p:set>
+                                      <p:cBhvr>
+                                        <p:cTn id="18" dur="1" fill="hold">
+                                          <p:stCondLst>
+                                            <p:cond delay="0"/>
+                                          </p:stCondLst>
+                                        </p:cTn>
+                                        <p:tgtEl>
+                                          <p:spTgt spid="8"/>
+                                        </p:tgtEl>
+                                        <p:attrNameLst>
+                                          <p:attrName>style.visibility</p:attrName>
+                                        </p:attrNameLst>
+                                      </p:cBhvr>
+                                      <p:to>
+                                        <p:strVal val="visible"/>
+                                      </p:to>
+                                    </p:set>
+                                    <p:animEffect transition="in" filter="fade">
+                                      <p:cBhvr>
+                                        <p:cTn id="19" dur="500"/>
+                                        <p:tgtEl>
+                                          <p:spTgt spid="8"/>
+                                        </p:tgtEl>
+                                      </p:cBhvr>
+                                    </p:animEffect>
+                                  </p:childTnLst>
+                                </p:cTn>
+                              </p:par>
+                            </p:childTnLst>
+                          </p:cTn>
+                        </p:par>
+                      </p:childTnLst>
+                    </p:cTn>
+                  </p:par>
+                  <p:par>
+                    <p:cTn id="20" fill="hold">
+                      <p:stCondLst>
+                        <p:cond delay="indefinite"/>
+                      </p:stCondLst>
+                      <p:childTnLst>
+                        <p:par>
+                          <p:cTn id="21" fill="hold">
+                            <p:stCondLst>
+                              <p:cond delay="0"/>
+                            </p:stCondLst>
+                            <p:childTnLst>
+                              <p:par>
+                                <p:cTn id="22" presetID="10" presetClass="entr" presetSubtype="0" fill="hold" grpId="0" nodeType="clickEffect">
+                                  <p:stCondLst>
+                                    <p:cond delay="0"/>
+                                  </p:stCondLst>
+                                  <p:childTnLst>
+                                    <p:set>
+                                      <p:cBhvr>
+                                        <p:cTn id="23" dur="1" fill="hold">
+                                          <p:stCondLst>
+                                            <p:cond delay="0"/>
+                                          </p:stCondLst>
+                                        </p:cTn>
+                                        <p:tgtEl>
+                                          <p:spTgt spid="9"/>
+                                        </p:tgtEl>
+                                        <p:attrNameLst>
+                                          <p:attrName>style.visibility</p:attrName>
+                                        </p:attrNameLst>
+                                      </p:cBhvr>
+                                      <p:to>
+                                        <p:strVal val="visible"/>
+                                      </p:to>
+                                    </p:set>
+                                    <p:animEffect transition="in" filter="fade">
+                                      <p:cBhvr>
+                                        <p:cTn id="24" dur="500"/>
+                                        <p:tgtEl>
+                                          <p:spTgt spid="9"/>
+                                        </p:tgtEl>
+                                      </p:cBhvr>
+                                    </p:animEffect>
+                                  </p:childTnLst>
+                                </p:cTn>
+                              </p:par>
+                            </p:childTnLst>
+                          </p:cTn>
+                        </p:par>
+                      </p:childTnLst>
+                    </p:cTn>
+                  </p:par>
+                </p:childTnLst>
+              </p:cTn>
+              <p:prevCondLst>
+                <p:cond evt="onPrev" delay="0">
+                  <p:tgtEl>
+                    <p:sldTgt/>
+                  </p:tgtEl>
+                </p:cond>
+              </p:prevCondLst>
+              <p:nextCondLst>
+                <p:cond evt="onNext" delay="0">
+                  <p:tgtEl>
+                    <p:sldTgt/>
+                  </p:tgtEl>
+                </p:cond>
+              </p:nextCondLst>
+            </p:seq>
+          </p:childTnLst>
+        </p:cTn>
+      </p:par>
+    </p:tnLst>
+    <p:bldLst>
+      <p:bldP spid="5" grpId="0" animBg="1"/>
+      <p:bldP spid="8" grpId="0" animBg="1"/>
+      <p:bldP spid="9" grpId="0" animBg="1"/>
+    </p:bldLst>
+  </p:timing>
+</p:sld>
+</file>
+
+<file path=ppt/slides/slide13.xml><?xml version="1.0" encoding="utf-8"?>
+<p:sld xmlns:a="http://schemas.openxmlformats.org/drawingml/2006/main" xmlns:r="http://schemas.openxmlformats.org/officeDocument/2006/relationships" xmlns:p="http://schemas.openxmlformats.org/presentationml/2006/main">
+  <p:cSld>
+    <p:spTree>
+      <p:nvGrpSpPr>
+        <p:cNvPr id="1" name=""/>
+        <p:cNvGrpSpPr/>
+        <p:nvPr/>
+      </p:nvGrpSpPr>
+      <p:grpSpPr>
+        <a:xfrm>
+          <a:off x="0" y="0"/>
+          <a:ext cx="0" cy="0"/>
+          <a:chOff x="0" y="0"/>
+          <a:chExt cx="0" cy="0"/>
+        </a:xfrm>
+      </p:grpSpPr>
+      <p:sp>
+        <p:nvSpPr>
+          <p:cNvPr id="2" name="标题 1"/>
+          <p:cNvSpPr>
+            <a:spLocks noGrp="1"/>
+          </p:cNvSpPr>
+          <p:nvPr>
+            <p:ph type="title"/>
+          </p:nvPr>
+        </p:nvSpPr>
+        <p:spPr/>
+        <p:txBody>
+          <a:bodyPr/>
+          <a:lstStyle/>
+          <a:p>
+            <a:r>
+              <a:rPr lang="en-US" altLang="zh-CN" dirty="0" smtClean="0"/>
+              <a:t>Box.com</a:t>
+            </a:r>
+            <a:r>
+              <a:rPr lang="zh-CN" altLang="en-US" dirty="0" smtClean="0"/>
+              <a:t>的实现</a:t>
+            </a:r>
+            <a:endParaRPr lang="zh-CN" altLang="en-US" dirty="0"/>
+          </a:p>
+        </p:txBody>
+      </p:sp>
+      <p:sp>
+        <p:nvSpPr>
+          <p:cNvPr id="3" name="内容占位符 2"/>
+          <p:cNvSpPr>
+            <a:spLocks noGrp="1"/>
+          </p:cNvSpPr>
+          <p:nvPr>
+            <p:ph idx="1"/>
+          </p:nvPr>
+        </p:nvSpPr>
+        <p:spPr/>
+        <p:txBody>
+          <a:bodyPr/>
+          <a:lstStyle/>
+          <a:p>
+            <a:r>
+              <a:rPr lang="en-US" altLang="zh-CN" dirty="0" smtClean="0"/>
+              <a:t>ID </a:t>
+            </a:r>
+            <a:r>
+              <a:rPr lang="en-US" altLang="zh-CN" dirty="0" smtClean="0">
+                <a:sym typeface="Wingdings" pitchFamily="2" charset="2"/>
+              </a:rPr>
+              <a:t> </a:t>
+            </a:r>
+            <a:r>
+              <a:rPr lang="zh-CN" altLang="en-US" dirty="0" smtClean="0">
+                <a:sym typeface="Wingdings" pitchFamily="2" charset="2"/>
+              </a:rPr>
+              <a:t>路径</a:t>
+            </a:r>
+            <a:endParaRPr lang="zh-CN" altLang="en-US" dirty="0"/>
+          </a:p>
+        </p:txBody>
+      </p:sp>
+      <p:sp>
+        <p:nvSpPr>
+          <p:cNvPr id="4" name="日期占位符 3"/>
+          <p:cNvSpPr>
+            <a:spLocks noGrp="1"/>
+          </p:cNvSpPr>
+          <p:nvPr>
+            <p:ph type="dt" sz="half" idx="10"/>
+          </p:nvPr>
+        </p:nvSpPr>
+        <p:spPr/>
+        <p:txBody>
+          <a:bodyPr/>
+          <a:lstStyle/>
+          <a:p>
+            <a:pPr>
+              <a:defRPr/>
+            </a:pPr>
+            <a:fld id="{11369A63-9FDA-43D3-BAFD-C0424D6BD8A8}" type="datetime1">
+              <a:rPr lang="zh-CN" altLang="en-US" smtClean="0"/>
+              <a:pPr>
+                <a:defRPr/>
+              </a:pPr>
+              <a:t>2012/5/30</a:t>
+            </a:fld>
+            <a:endParaRPr lang="zh-CN" altLang="en-US" sz="1800">
+              <a:solidFill>
+                <a:srgbClr val="000000"/>
+              </a:solidFill>
+              <a:ea typeface="宋体" pitchFamily="2" charset="-122"/>
+            </a:endParaRPr>
+          </a:p>
+        </p:txBody>
+      </p:sp>
+      <p:pic>
+        <p:nvPicPr>
+          <p:cNvPr id="5122" name="Picture 2"/>
+          <p:cNvPicPr>
+            <a:picLocks noChangeAspect="1" noChangeArrowheads="1"/>
+          </p:cNvPicPr>
+          <p:nvPr/>
+        </p:nvPicPr>
+        <p:blipFill>
+          <a:blip r:embed="rId2">
+            <a:extLst>
+              <a:ext uri="{28A0092B-C50C-407E-A947-70E740481C1C}">
+                <a14:useLocalDpi xmlns:a14="http://schemas.microsoft.com/office/drawing/2010/main" val="0"/>
+              </a:ext>
+            </a:extLst>
+          </a:blip>
+          <a:srcRect/>
+          <a:stretch>
+            <a:fillRect/>
+          </a:stretch>
+        </p:blipFill>
+        <p:spPr bwMode="auto">
+          <a:xfrm>
+            <a:off x="3491880" y="1484784"/>
+            <a:ext cx="4608512" cy="4520451"/>
+          </a:xfrm>
+          <a:prstGeom prst="rect">
+            <a:avLst/>
+          </a:prstGeom>
+          <a:noFill/>
+          <a:ln>
+            <a:noFill/>
+          </a:ln>
+          <a:effectLst/>
+          <a:extLst>
+            <a:ext uri="{909E8E84-426E-40DD-AFC4-6F175D3DCCD1}">
+              <a14:hiddenFill xmlns:a14="http://schemas.microsoft.com/office/drawing/2010/main">
+                <a:solidFill>
+                  <a:schemeClr val="accent1"/>
+                </a:solidFill>
+              </a14:hiddenFill>
+            </a:ext>
+            <a:ext uri="{91240B29-F687-4F45-9708-019B960494DF}">
+              <a14:hiddenLine xmlns:a14="http://schemas.microsoft.com/office/drawing/2010/main" w="9525">
+                <a:solidFill>
+                  <a:schemeClr val="tx1"/>
+                </a:solidFill>
+                <a:miter lim="800000"/>
+                <a:headEnd/>
+                <a:tailEnd/>
+              </a14:hiddenLine>
+            </a:ext>
+            <a:ext uri="{AF507438-7753-43E0-B8FC-AC1667EBCBE1}">
+              <a14:hiddenEffects xmlns:a14="http://schemas.microsoft.com/office/drawing/2010/main">
+                <a:effectLst>
+                  <a:outerShdw dist="35921" dir="2700000" algn="ctr" rotWithShape="0">
+                    <a:schemeClr val="bg2"/>
+                  </a:outerShdw>
+                </a:effectLst>
+              </a14:hiddenEffects>
+            </a:ext>
+          </a:extLst>
+        </p:spPr>
+      </p:pic>
+      <p:sp>
+        <p:nvSpPr>
+          <p:cNvPr id="5" name="TextBox 4"/>
+          <p:cNvSpPr txBox="1"/>
+          <p:nvPr/>
+        </p:nvSpPr>
+        <p:spPr>
+          <a:xfrm>
+            <a:off x="899592" y="3284984"/>
+            <a:ext cx="2592288" cy="523220"/>
+          </a:xfrm>
+          <a:prstGeom prst="rect">
+            <a:avLst/>
+          </a:prstGeom>
+          <a:noFill/>
+        </p:spPr>
+        <p:txBody>
+          <a:bodyPr wrap="square" rtlCol="0">
+            <a:spAutoFit/>
+          </a:bodyPr>
+          <a:lstStyle/>
+          <a:p>
+            <a:r>
+              <a:rPr lang="zh-CN" altLang="en-US" sz="2800" dirty="0" smtClean="0">
+                <a:latin typeface="宋体" pitchFamily="2" charset="-122"/>
+                <a:ea typeface="宋体" pitchFamily="2" charset="-122"/>
+              </a:rPr>
+              <a:t>字典（多叉树）</a:t>
+            </a:r>
+            <a:endParaRPr lang="zh-CN" altLang="en-US" sz="2800" dirty="0">
+              <a:latin typeface="宋体" pitchFamily="2" charset="-122"/>
+              <a:ea typeface="宋体" pitchFamily="2" charset="-122"/>
+            </a:endParaRPr>
+          </a:p>
+        </p:txBody>
+      </p:sp>
+      <p:sp>
+        <p:nvSpPr>
+          <p:cNvPr id="6" name="右箭头 5"/>
+          <p:cNvSpPr/>
+          <p:nvPr/>
+        </p:nvSpPr>
+        <p:spPr>
+          <a:xfrm>
+            <a:off x="3275856" y="3429000"/>
+            <a:ext cx="576064" cy="316009"/>
+          </a:xfrm>
+          <a:prstGeom prst="rightArrow">
+            <a:avLst/>
+          </a:prstGeom>
+        </p:spPr>
+        <p:style>
+          <a:lnRef idx="1">
+            <a:schemeClr val="accent5"/>
+          </a:lnRef>
+          <a:fillRef idx="2">
+            <a:schemeClr val="accent5"/>
+          </a:fillRef>
+          <a:effectRef idx="1">
+            <a:schemeClr val="accent5"/>
+          </a:effectRef>
+          <a:fontRef idx="minor">
+            <a:schemeClr val="dk1"/>
+          </a:fontRef>
+        </p:style>
+        <p:txBody>
+          <a:bodyPr rtlCol="0" anchor="ctr"/>
+          <a:lstStyle/>
+          <a:p>
+            <a:pPr algn="ctr"/>
+            <a:endParaRPr lang="zh-CN" altLang="en-US"/>
+          </a:p>
+        </p:txBody>
+      </p:sp>
+    </p:spTree>
+    <p:extLst>
+      <p:ext uri="{BB962C8B-B14F-4D97-AF65-F5344CB8AC3E}">
+        <p14:creationId xmlns:p14="http://schemas.microsoft.com/office/powerpoint/2010/main" val="3917651312"/>
+      </p:ext>
+    </p:extLst>
+  </p:cSld>
+  <p:clrMapOvr>
+    <a:masterClrMapping/>
+  </p:clrMapOvr>
+  <p:timing>
+    <p:tnLst>
+      <p:par>
+        <p:cTn id="1" dur="indefinite" restart="never" nodeType="tmRoot">
+          <p:childTnLst>
+            <p:seq concurrent="1" nextAc="seek">
+              <p:cTn id="2" dur="indefinite" nodeType="mainSeq">
+                <p:childTnLst>
+                  <p:par>
+                    <p:cTn id="3" fill="hold">
+                      <p:stCondLst>
+                        <p:cond delay="indefinite"/>
+                      </p:stCondLst>
+                      <p:childTnLst>
+                        <p:par>
+                          <p:cTn id="4" fill="hold">
+                            <p:stCondLst>
+                              <p:cond delay="0"/>
+                            </p:stCondLst>
+                            <p:childTnLst>
+                              <p:par>
+                                <p:cTn id="5" presetID="10" presetClass="entr" presetSubtype="0" fill="hold" grpId="0" nodeType="clickEffect">
+                                  <p:stCondLst>
+                                    <p:cond delay="0"/>
+                                  </p:stCondLst>
+                                  <p:childTnLst>
+                                    <p:set>
+                                      <p:cBhvr>
+                                        <p:cTn id="6" dur="1" fill="hold">
+                                          <p:stCondLst>
+                                            <p:cond delay="0"/>
+                                          </p:stCondLst>
+                                        </p:cTn>
+                                        <p:tgtEl>
+                                          <p:spTgt spid="5"/>
+                                        </p:tgtEl>
+                                        <p:attrNameLst>
+                                          <p:attrName>style.visibility</p:attrName>
+                                        </p:attrNameLst>
+                                      </p:cBhvr>
+                                      <p:to>
+                                        <p:strVal val="visible"/>
+                                      </p:to>
+                                    </p:set>
+                                    <p:animEffect transition="in" filter="fade">
+                                      <p:cBhvr>
+                                        <p:cTn id="7" dur="500"/>
+                                        <p:tgtEl>
+                                          <p:spTgt spid="5"/>
+                                        </p:tgtEl>
+                                      </p:cBhvr>
+                                    </p:animEffect>
+                                  </p:childTnLst>
+                                </p:cTn>
+                              </p:par>
+                            </p:childTnLst>
+                          </p:cTn>
+                        </p:par>
+                      </p:childTnLst>
+                    </p:cTn>
+                  </p:par>
+                  <p:par>
+                    <p:cTn id="8" fill="hold">
+                      <p:stCondLst>
+                        <p:cond delay="indefinite"/>
+                      </p:stCondLst>
+                      <p:childTnLst>
+                        <p:par>
+                          <p:cTn id="9" fill="hold">
+                            <p:stCondLst>
+                              <p:cond delay="0"/>
+                            </p:stCondLst>
+                            <p:childTnLst>
+                              <p:par>
+                                <p:cTn id="10" presetID="10" presetClass="entr" presetSubtype="0" fill="hold" nodeType="clickEffect">
+                                  <p:stCondLst>
+                                    <p:cond delay="0"/>
+                                  </p:stCondLst>
+                                  <p:childTnLst>
+                                    <p:set>
+                                      <p:cBhvr>
+                                        <p:cTn id="11" dur="1" fill="hold">
+                                          <p:stCondLst>
+                                            <p:cond delay="0"/>
+                                          </p:stCondLst>
+                                        </p:cTn>
+                                        <p:tgtEl>
+                                          <p:spTgt spid="5122"/>
+                                        </p:tgtEl>
+                                        <p:attrNameLst>
+                                          <p:attrName>style.visibility</p:attrName>
+                                        </p:attrNameLst>
+                                      </p:cBhvr>
+                                      <p:to>
+                                        <p:strVal val="visible"/>
+                                      </p:to>
+                                    </p:set>
+                                    <p:animEffect transition="in" filter="fade">
+                                      <p:cBhvr>
+                                        <p:cTn id="12" dur="500"/>
+                                        <p:tgtEl>
+                                          <p:spTgt spid="5122"/>
+                                        </p:tgtEl>
+                                      </p:cBhvr>
+                                    </p:animEffect>
+                                  </p:childTnLst>
+                                </p:cTn>
+                              </p:par>
+                            </p:childTnLst>
+                          </p:cTn>
+                        </p:par>
+                      </p:childTnLst>
+                    </p:cTn>
+                  </p:par>
+                </p:childTnLst>
+              </p:cTn>
+              <p:prevCondLst>
+                <p:cond evt="onPrev" delay="0">
+                  <p:tgtEl>
+                    <p:sldTgt/>
+                  </p:tgtEl>
+                </p:cond>
+              </p:prevCondLst>
+              <p:nextCondLst>
+                <p:cond evt="onNext" delay="0">
+                  <p:tgtEl>
+                    <p:sldTgt/>
+                  </p:tgtEl>
+                </p:cond>
+              </p:nextCondLst>
+            </p:seq>
+          </p:childTnLst>
+        </p:cTn>
+      </p:par>
+    </p:tnLst>
+    <p:bldLst>
+      <p:bldP spid="5" grpId="0"/>
+    </p:bldLst>
+  </p:timing>
+</p:sld>
+</file>
+
+<file path=ppt/slides/slide14.xml><?xml version="1.0" encoding="utf-8"?>
+<p:sld xmlns:a="http://schemas.openxmlformats.org/drawingml/2006/main" xmlns:r="http://schemas.openxmlformats.org/officeDocument/2006/relationships" xmlns:p="http://schemas.openxmlformats.org/presentationml/2006/main">
+  <p:cSld>
+    <p:spTree>
+      <p:nvGrpSpPr>
+        <p:cNvPr id="1" name=""/>
+        <p:cNvGrpSpPr/>
+        <p:nvPr/>
+      </p:nvGrpSpPr>
+      <p:grpSpPr>
+        <a:xfrm>
+          <a:off x="0" y="0"/>
+          <a:ext cx="0" cy="0"/>
+          <a:chOff x="0" y="0"/>
+          <a:chExt cx="0" cy="0"/>
+        </a:xfrm>
+      </p:grpSpPr>
+      <p:sp>
+        <p:nvSpPr>
+          <p:cNvPr id="2" name="标题 1"/>
+          <p:cNvSpPr>
+            <a:spLocks noGrp="1"/>
+          </p:cNvSpPr>
+          <p:nvPr>
+            <p:ph type="title"/>
+          </p:nvPr>
+        </p:nvSpPr>
+        <p:spPr/>
+        <p:txBody>
+          <a:bodyPr/>
+          <a:lstStyle/>
+          <a:p>
+            <a:r>
+              <a:rPr lang="zh-CN" altLang="en-US" dirty="0" smtClean="0"/>
+              <a:t>下载进度条</a:t>
+            </a:r>
+            <a:endParaRPr lang="zh-CN" altLang="en-US" dirty="0"/>
+          </a:p>
+        </p:txBody>
+      </p:sp>
+      <p:sp>
+        <p:nvSpPr>
+          <p:cNvPr id="3" name="内容占位符 2"/>
+          <p:cNvSpPr>
+            <a:spLocks noGrp="1"/>
+          </p:cNvSpPr>
+          <p:nvPr>
+            <p:ph idx="1"/>
+          </p:nvPr>
+        </p:nvSpPr>
+        <p:spPr/>
+        <p:txBody>
+          <a:bodyPr/>
+          <a:lstStyle/>
+          <a:p>
+            <a:r>
+              <a:rPr lang="zh-CN" altLang="en-US" dirty="0"/>
+              <a:t>消</a:t>
+            </a:r>
+            <a:r>
+              <a:rPr lang="zh-CN" altLang="en-US" dirty="0" smtClean="0"/>
+              <a:t>息机制</a:t>
+            </a:r>
+            <a:endParaRPr lang="en-US" altLang="zh-CN" dirty="0" smtClean="0"/>
+          </a:p>
+        </p:txBody>
+      </p:sp>
+      <p:sp>
+        <p:nvSpPr>
+          <p:cNvPr id="4" name="日期占位符 3"/>
+          <p:cNvSpPr>
+            <a:spLocks noGrp="1"/>
+          </p:cNvSpPr>
+          <p:nvPr>
+            <p:ph type="dt" sz="half" idx="10"/>
+          </p:nvPr>
+        </p:nvSpPr>
+        <p:spPr/>
+        <p:txBody>
+          <a:bodyPr/>
+          <a:lstStyle/>
+          <a:p>
+            <a:pPr>
+              <a:defRPr/>
+            </a:pPr>
+            <a:fld id="{11369A63-9FDA-43D3-BAFD-C0424D6BD8A8}" type="datetime1">
+              <a:rPr lang="zh-CN" altLang="en-US" smtClean="0"/>
+              <a:pPr>
+                <a:defRPr/>
+              </a:pPr>
+              <a:t>2012/5/30</a:t>
+            </a:fld>
+            <a:endParaRPr lang="zh-CN" altLang="en-US" sz="1800">
+              <a:solidFill>
+                <a:srgbClr val="000000"/>
+              </a:solidFill>
+              <a:ea typeface="宋体" pitchFamily="2" charset="-122"/>
+            </a:endParaRPr>
+          </a:p>
+        </p:txBody>
+      </p:sp>
+      <p:sp>
+        <p:nvSpPr>
+          <p:cNvPr id="5" name="矩形 4"/>
+          <p:cNvSpPr/>
+          <p:nvPr/>
+        </p:nvSpPr>
+        <p:spPr>
+          <a:xfrm>
+            <a:off x="4283968" y="1196752"/>
+            <a:ext cx="2965692" cy="930837"/>
+          </a:xfrm>
+          <a:prstGeom prst="rect">
+            <a:avLst/>
+          </a:prstGeom>
+        </p:spPr>
+        <p:style>
+          <a:lnRef idx="1">
+            <a:schemeClr val="accent5"/>
+          </a:lnRef>
+          <a:fillRef idx="2">
+            <a:schemeClr val="accent5"/>
+          </a:fillRef>
+          <a:effectRef idx="1">
+            <a:schemeClr val="accent5"/>
+          </a:effectRef>
+          <a:fontRef idx="minor">
+            <a:schemeClr val="dk1"/>
+          </a:fontRef>
+        </p:style>
+        <p:txBody>
+          <a:bodyPr rtlCol="0" anchor="ctr">
+            <a:noAutofit/>
+          </a:bodyPr>
+          <a:lstStyle/>
+          <a:p>
+            <a:pPr algn="ctr"/>
+            <a:r>
+              <a:rPr lang="en-US" altLang="zh-CN" dirty="0" err="1" smtClean="0"/>
+              <a:t>HTDownloaderDelegate</a:t>
+            </a:r>
+            <a:endParaRPr lang="zh-CN" altLang="en-US" dirty="0"/>
+          </a:p>
+        </p:txBody>
+      </p:sp>
+      <p:sp>
+        <p:nvSpPr>
+          <p:cNvPr id="6" name="矩形 5"/>
+          <p:cNvSpPr/>
+          <p:nvPr/>
+        </p:nvSpPr>
+        <p:spPr>
+          <a:xfrm>
+            <a:off x="1763688" y="2564904"/>
+            <a:ext cx="3528392" cy="3384376"/>
+          </a:xfrm>
+          <a:prstGeom prst="rect">
+            <a:avLst/>
+          </a:prstGeom>
+        </p:spPr>
+        <p:style>
+          <a:lnRef idx="2">
+            <a:schemeClr val="dk1"/>
+          </a:lnRef>
+          <a:fillRef idx="1">
+            <a:schemeClr val="lt1"/>
+          </a:fillRef>
+          <a:effectRef idx="0">
+            <a:schemeClr val="dk1"/>
+          </a:effectRef>
+          <a:fontRef idx="minor">
+            <a:schemeClr val="dk1"/>
+          </a:fontRef>
+        </p:style>
+        <p:txBody>
+          <a:bodyPr rtlCol="0" anchor="ctr"/>
+          <a:lstStyle/>
+          <a:p>
+            <a:pPr algn="ctr"/>
+            <a:endParaRPr lang="zh-CN" altLang="en-US"/>
+          </a:p>
+        </p:txBody>
+      </p:sp>
+      <p:grpSp>
+        <p:nvGrpSpPr>
+          <p:cNvPr id="20" name="组合 19"/>
+          <p:cNvGrpSpPr/>
+          <p:nvPr/>
+        </p:nvGrpSpPr>
+        <p:grpSpPr>
+          <a:xfrm>
+            <a:off x="1979712" y="2852936"/>
+            <a:ext cx="936104" cy="2793899"/>
+            <a:chOff x="1979712" y="2852936"/>
+            <a:chExt cx="936104" cy="2793899"/>
+          </a:xfrm>
+        </p:grpSpPr>
+        <p:sp>
+          <p:nvSpPr>
+            <p:cNvPr id="7" name="矩形 6"/>
+            <p:cNvSpPr/>
+            <p:nvPr/>
+          </p:nvSpPr>
+          <p:spPr>
+            <a:xfrm>
+              <a:off x="1979712" y="2852936"/>
+              <a:ext cx="936104" cy="648072"/>
+            </a:xfrm>
+            <a:prstGeom prst="rect">
+              <a:avLst/>
+            </a:prstGeom>
+          </p:spPr>
+          <p:style>
+            <a:lnRef idx="2">
+              <a:schemeClr val="dk1"/>
+            </a:lnRef>
+            <a:fillRef idx="1">
+              <a:schemeClr val="lt1"/>
+            </a:fillRef>
+            <a:effectRef idx="0">
+              <a:schemeClr val="dk1"/>
+            </a:effectRef>
+            <a:fontRef idx="minor">
+              <a:schemeClr val="dk1"/>
+            </a:fontRef>
+          </p:style>
+          <p:txBody>
+            <a:bodyPr rtlCol="0" anchor="ctr"/>
+            <a:lstStyle/>
+            <a:p>
+              <a:pPr algn="ctr"/>
+              <a:endParaRPr lang="zh-CN" altLang="en-US"/>
+            </a:p>
+          </p:txBody>
+        </p:sp>
+        <p:sp>
+          <p:nvSpPr>
+            <p:cNvPr id="10" name="矩形 9"/>
+            <p:cNvSpPr/>
+            <p:nvPr/>
+          </p:nvSpPr>
+          <p:spPr>
+            <a:xfrm>
+              <a:off x="1979712" y="3933056"/>
+              <a:ext cx="936104" cy="648072"/>
+            </a:xfrm>
+            <a:prstGeom prst="rect">
+              <a:avLst/>
+            </a:prstGeom>
+          </p:spPr>
+          <p:style>
+            <a:lnRef idx="2">
+              <a:schemeClr val="dk1"/>
+            </a:lnRef>
+            <a:fillRef idx="1">
+              <a:schemeClr val="lt1"/>
+            </a:fillRef>
+            <a:effectRef idx="0">
+              <a:schemeClr val="dk1"/>
+            </a:effectRef>
+            <a:fontRef idx="minor">
+              <a:schemeClr val="dk1"/>
+            </a:fontRef>
+          </p:style>
+          <p:txBody>
+            <a:bodyPr rtlCol="0" anchor="ctr"/>
+            <a:lstStyle/>
+            <a:p>
+              <a:pPr algn="ctr"/>
+              <a:endParaRPr lang="zh-CN" altLang="en-US"/>
+            </a:p>
+          </p:txBody>
+        </p:sp>
+        <p:sp>
+          <p:nvSpPr>
+            <p:cNvPr id="12" name="矩形 11"/>
+            <p:cNvSpPr/>
+            <p:nvPr/>
+          </p:nvSpPr>
+          <p:spPr>
+            <a:xfrm>
+              <a:off x="1979712" y="4998763"/>
+              <a:ext cx="936104" cy="648072"/>
+            </a:xfrm>
+            <a:prstGeom prst="rect">
+              <a:avLst/>
+            </a:prstGeom>
+          </p:spPr>
+          <p:style>
+            <a:lnRef idx="2">
+              <a:schemeClr val="dk1"/>
+            </a:lnRef>
+            <a:fillRef idx="1">
+              <a:schemeClr val="lt1"/>
+            </a:fillRef>
+            <a:effectRef idx="0">
+              <a:schemeClr val="dk1"/>
+            </a:effectRef>
+            <a:fontRef idx="minor">
+              <a:schemeClr val="dk1"/>
+            </a:fontRef>
+          </p:style>
+          <p:txBody>
+            <a:bodyPr rtlCol="0" anchor="ctr"/>
+            <a:lstStyle/>
+            <a:p>
+              <a:pPr algn="ctr"/>
+              <a:endParaRPr lang="zh-CN" altLang="en-US"/>
+            </a:p>
+          </p:txBody>
+        </p:sp>
+      </p:grpSp>
+      <p:grpSp>
+        <p:nvGrpSpPr>
+          <p:cNvPr id="21" name="组合 20"/>
+          <p:cNvGrpSpPr/>
+          <p:nvPr/>
+        </p:nvGrpSpPr>
+        <p:grpSpPr>
+          <a:xfrm>
+            <a:off x="3068216" y="2852936"/>
+            <a:ext cx="936104" cy="2793899"/>
+            <a:chOff x="3068216" y="2852936"/>
+            <a:chExt cx="936104" cy="2793899"/>
+          </a:xfrm>
+        </p:grpSpPr>
+        <p:sp>
+          <p:nvSpPr>
+            <p:cNvPr id="14" name="矩形 13"/>
+            <p:cNvSpPr/>
+            <p:nvPr/>
+          </p:nvSpPr>
+          <p:spPr>
+            <a:xfrm>
+              <a:off x="3068216" y="2852936"/>
+              <a:ext cx="936104" cy="648072"/>
+            </a:xfrm>
+            <a:prstGeom prst="rect">
+              <a:avLst/>
+            </a:prstGeom>
+          </p:spPr>
+          <p:style>
+            <a:lnRef idx="2">
+              <a:schemeClr val="dk1"/>
+            </a:lnRef>
+            <a:fillRef idx="1">
+              <a:schemeClr val="lt1"/>
+            </a:fillRef>
+            <a:effectRef idx="0">
+              <a:schemeClr val="dk1"/>
+            </a:effectRef>
+            <a:fontRef idx="minor">
+              <a:schemeClr val="dk1"/>
+            </a:fontRef>
+          </p:style>
+          <p:txBody>
+            <a:bodyPr rtlCol="0" anchor="ctr"/>
+            <a:lstStyle/>
+            <a:p>
+              <a:pPr algn="ctr"/>
+              <a:endParaRPr lang="zh-CN" altLang="en-US"/>
+            </a:p>
+          </p:txBody>
+        </p:sp>
+        <p:sp>
+          <p:nvSpPr>
+            <p:cNvPr id="15" name="矩形 14"/>
+            <p:cNvSpPr/>
+            <p:nvPr/>
+          </p:nvSpPr>
+          <p:spPr>
+            <a:xfrm>
+              <a:off x="3068216" y="3933056"/>
+              <a:ext cx="936104" cy="648072"/>
+            </a:xfrm>
+            <a:prstGeom prst="rect">
+              <a:avLst/>
+            </a:prstGeom>
+          </p:spPr>
+          <p:style>
+            <a:lnRef idx="2">
+              <a:schemeClr val="dk1"/>
+            </a:lnRef>
+            <a:fillRef idx="1">
+              <a:schemeClr val="lt1"/>
+            </a:fillRef>
+            <a:effectRef idx="0">
+              <a:schemeClr val="dk1"/>
+            </a:effectRef>
+            <a:fontRef idx="minor">
+              <a:schemeClr val="dk1"/>
+            </a:fontRef>
+          </p:style>
+          <p:txBody>
+            <a:bodyPr rtlCol="0" anchor="ctr"/>
+            <a:lstStyle/>
+            <a:p>
+              <a:pPr algn="ctr"/>
+              <a:endParaRPr lang="zh-CN" altLang="en-US"/>
+            </a:p>
+          </p:txBody>
+        </p:sp>
+        <p:sp>
+          <p:nvSpPr>
+            <p:cNvPr id="16" name="矩形 15"/>
+            <p:cNvSpPr/>
+            <p:nvPr/>
+          </p:nvSpPr>
+          <p:spPr>
+            <a:xfrm>
+              <a:off x="3068216" y="4998763"/>
+              <a:ext cx="936104" cy="648072"/>
+            </a:xfrm>
+            <a:prstGeom prst="rect">
+              <a:avLst/>
+            </a:prstGeom>
+          </p:spPr>
+          <p:style>
+            <a:lnRef idx="2">
+              <a:schemeClr val="dk1"/>
+            </a:lnRef>
+            <a:fillRef idx="1">
+              <a:schemeClr val="lt1"/>
+            </a:fillRef>
+            <a:effectRef idx="0">
+              <a:schemeClr val="dk1"/>
+            </a:effectRef>
+            <a:fontRef idx="minor">
+              <a:schemeClr val="dk1"/>
+            </a:fontRef>
+          </p:style>
+          <p:txBody>
+            <a:bodyPr rtlCol="0" anchor="ctr"/>
+            <a:lstStyle/>
+            <a:p>
+              <a:pPr algn="ctr"/>
+              <a:endParaRPr lang="zh-CN" altLang="en-US"/>
+            </a:p>
+          </p:txBody>
+        </p:sp>
+      </p:grpSp>
+      <p:grpSp>
+        <p:nvGrpSpPr>
+          <p:cNvPr id="22" name="组合 21"/>
+          <p:cNvGrpSpPr/>
+          <p:nvPr/>
+        </p:nvGrpSpPr>
+        <p:grpSpPr>
+          <a:xfrm>
+            <a:off x="4139952" y="2852936"/>
+            <a:ext cx="936104" cy="2793899"/>
+            <a:chOff x="4139952" y="2852936"/>
+            <a:chExt cx="936104" cy="2793899"/>
+          </a:xfrm>
+        </p:grpSpPr>
+        <p:sp>
+          <p:nvSpPr>
+            <p:cNvPr id="17" name="矩形 16"/>
+            <p:cNvSpPr/>
+            <p:nvPr/>
+          </p:nvSpPr>
+          <p:spPr>
+            <a:xfrm>
+              <a:off x="4139952" y="2852936"/>
+              <a:ext cx="936104" cy="648072"/>
+            </a:xfrm>
+            <a:prstGeom prst="rect">
+              <a:avLst/>
+            </a:prstGeom>
+          </p:spPr>
+          <p:style>
+            <a:lnRef idx="2">
+              <a:schemeClr val="dk1"/>
+            </a:lnRef>
+            <a:fillRef idx="1">
+              <a:schemeClr val="lt1"/>
+            </a:fillRef>
+            <a:effectRef idx="0">
+              <a:schemeClr val="dk1"/>
+            </a:effectRef>
+            <a:fontRef idx="minor">
+              <a:schemeClr val="dk1"/>
+            </a:fontRef>
+          </p:style>
+          <p:txBody>
+            <a:bodyPr rtlCol="0" anchor="ctr"/>
+            <a:lstStyle/>
+            <a:p>
+              <a:pPr algn="ctr"/>
+              <a:endParaRPr lang="zh-CN" altLang="en-US"/>
+            </a:p>
+          </p:txBody>
+        </p:sp>
+        <p:sp>
+          <p:nvSpPr>
+            <p:cNvPr id="18" name="矩形 17"/>
+            <p:cNvSpPr/>
+            <p:nvPr/>
+          </p:nvSpPr>
+          <p:spPr>
+            <a:xfrm>
+              <a:off x="4139952" y="3933056"/>
+              <a:ext cx="936104" cy="648072"/>
+            </a:xfrm>
+            <a:prstGeom prst="rect">
+              <a:avLst/>
+            </a:prstGeom>
+          </p:spPr>
+          <p:style>
+            <a:lnRef idx="2">
+              <a:schemeClr val="dk1"/>
+            </a:lnRef>
+            <a:fillRef idx="1">
+              <a:schemeClr val="lt1"/>
+            </a:fillRef>
+            <a:effectRef idx="0">
+              <a:schemeClr val="dk1"/>
+            </a:effectRef>
+            <a:fontRef idx="minor">
+              <a:schemeClr val="dk1"/>
+            </a:fontRef>
+          </p:style>
+          <p:txBody>
+            <a:bodyPr rtlCol="0" anchor="ctr"/>
+            <a:lstStyle/>
+            <a:p>
+              <a:pPr algn="ctr"/>
+              <a:endParaRPr lang="zh-CN" altLang="en-US"/>
+            </a:p>
+          </p:txBody>
+        </p:sp>
+        <p:sp>
+          <p:nvSpPr>
+            <p:cNvPr id="19" name="矩形 18"/>
+            <p:cNvSpPr/>
+            <p:nvPr/>
+          </p:nvSpPr>
+          <p:spPr>
+            <a:xfrm>
+              <a:off x="4139952" y="4998763"/>
+              <a:ext cx="936104" cy="648072"/>
+            </a:xfrm>
+            <a:prstGeom prst="rect">
+              <a:avLst/>
+            </a:prstGeom>
+          </p:spPr>
+          <p:style>
+            <a:lnRef idx="2">
+              <a:schemeClr val="dk1"/>
+            </a:lnRef>
+            <a:fillRef idx="1">
+              <a:schemeClr val="lt1"/>
+            </a:fillRef>
+            <a:effectRef idx="0">
+              <a:schemeClr val="dk1"/>
+            </a:effectRef>
+            <a:fontRef idx="minor">
+              <a:schemeClr val="dk1"/>
+            </a:fontRef>
+          </p:style>
+          <p:txBody>
+            <a:bodyPr rtlCol="0" anchor="ctr"/>
+            <a:lstStyle/>
+            <a:p>
+              <a:pPr algn="ctr"/>
+              <a:endParaRPr lang="zh-CN" altLang="en-US"/>
+            </a:p>
+          </p:txBody>
+        </p:sp>
+      </p:grpSp>
+      <p:cxnSp>
+        <p:nvCxnSpPr>
+          <p:cNvPr id="28" name="直接箭头连接符 27"/>
+          <p:cNvCxnSpPr>
+            <a:stCxn id="5" idx="1"/>
+          </p:cNvCxnSpPr>
+          <p:nvPr/>
+        </p:nvCxnSpPr>
+        <p:spPr>
+          <a:xfrm flipH="1">
+            <a:off x="2447764" y="1662171"/>
+            <a:ext cx="1836204" cy="1454744"/>
+          </a:xfrm>
+          <a:prstGeom prst="straightConnector1">
+            <a:avLst/>
+          </a:prstGeom>
+          <a:ln w="41275" cmpd="sng">
+            <a:solidFill>
+              <a:schemeClr val="tx1"/>
+            </a:solidFill>
+            <a:tailEnd type="arrow"/>
+          </a:ln>
+        </p:spPr>
+        <p:style>
+          <a:lnRef idx="1">
+            <a:schemeClr val="accent1"/>
+          </a:lnRef>
+          <a:fillRef idx="0">
+            <a:schemeClr val="accent1"/>
+          </a:fillRef>
+          <a:effectRef idx="0">
+            <a:schemeClr val="accent1"/>
+          </a:effectRef>
+          <a:fontRef idx="minor">
+            <a:schemeClr val="tx1"/>
+          </a:fontRef>
+        </p:style>
+      </p:cxnSp>
+      <p:sp>
+        <p:nvSpPr>
+          <p:cNvPr id="30" name="TextBox 29"/>
+          <p:cNvSpPr txBox="1"/>
+          <p:nvPr/>
+        </p:nvSpPr>
+        <p:spPr>
+          <a:xfrm>
+            <a:off x="5868144" y="2852936"/>
+            <a:ext cx="2016224" cy="954107"/>
+          </a:xfrm>
+          <a:prstGeom prst="rect">
+            <a:avLst/>
+          </a:prstGeom>
+          <a:noFill/>
+        </p:spPr>
+        <p:txBody>
+          <a:bodyPr wrap="square" rtlCol="0">
+            <a:spAutoFit/>
+          </a:bodyPr>
+          <a:lstStyle/>
+          <a:p>
+            <a:r>
+              <a:rPr lang="en-US" altLang="zh-CN" sz="2800" dirty="0" smtClean="0"/>
+              <a:t>Grid </a:t>
+            </a:r>
+            <a:r>
+              <a:rPr lang="zh-CN" altLang="en-US" sz="2800" dirty="0" smtClean="0"/>
+              <a:t>重用，指针错误！</a:t>
+            </a:r>
+            <a:endParaRPr lang="zh-CN" altLang="en-US" sz="2800" dirty="0"/>
+          </a:p>
+        </p:txBody>
+      </p:sp>
+    </p:spTree>
+    <p:extLst>
+      <p:ext uri="{BB962C8B-B14F-4D97-AF65-F5344CB8AC3E}">
+        <p14:creationId xmlns:p14="http://schemas.microsoft.com/office/powerpoint/2010/main" val="2995407029"/>
+      </p:ext>
+    </p:extLst>
+  </p:cSld>
+  <p:clrMapOvr>
+    <a:masterClrMapping/>
+  </p:clrMapOvr>
+  <p:timing>
+    <p:tnLst>
+      <p:par>
+        <p:cTn id="1" dur="indefinite" restart="never" nodeType="tmRoot">
+          <p:childTnLst>
+            <p:seq concurrent="1" nextAc="seek">
+              <p:cTn id="2" dur="indefinite" nodeType="mainSeq">
+                <p:childTnLst>
+                  <p:par>
+                    <p:cTn id="3" fill="hold">
+                      <p:stCondLst>
+                        <p:cond delay="indefinite"/>
+                      </p:stCondLst>
+                      <p:childTnLst>
+                        <p:par>
+                          <p:cTn id="4" fill="hold">
+                            <p:stCondLst>
+                              <p:cond delay="0"/>
+                            </p:stCondLst>
+                            <p:childTnLst>
+                              <p:par>
+                                <p:cTn id="5" presetID="10" presetClass="entr" presetSubtype="0" fill="hold" grpId="0" nodeType="clickEffect">
+                                  <p:stCondLst>
+                                    <p:cond delay="0"/>
+                                  </p:stCondLst>
+                                  <p:childTnLst>
+                                    <p:set>
+                                      <p:cBhvr>
+                                        <p:cTn id="6" dur="1" fill="hold">
+                                          <p:stCondLst>
+                                            <p:cond delay="0"/>
+                                          </p:stCondLst>
+                                        </p:cTn>
+                                        <p:tgtEl>
+                                          <p:spTgt spid="30"/>
+                                        </p:tgtEl>
+                                        <p:attrNameLst>
+                                          <p:attrName>style.visibility</p:attrName>
+                                        </p:attrNameLst>
+                                      </p:cBhvr>
+                                      <p:to>
+                                        <p:strVal val="visible"/>
+                                      </p:to>
+                                    </p:set>
+                                    <p:animEffect transition="in" filter="fade">
+                                      <p:cBhvr>
+                                        <p:cTn id="7" dur="500"/>
+                                        <p:tgtEl>
+                                          <p:spTgt spid="30"/>
+                                        </p:tgtEl>
+                                      </p:cBhvr>
+                                    </p:animEffect>
+                                  </p:childTnLst>
+                                </p:cTn>
+                              </p:par>
+                            </p:childTnLst>
+                          </p:cTn>
+                        </p:par>
+                      </p:childTnLst>
+                    </p:cTn>
+                  </p:par>
+                </p:childTnLst>
+              </p:cTn>
+              <p:prevCondLst>
+                <p:cond evt="onPrev" delay="0">
+                  <p:tgtEl>
+                    <p:sldTgt/>
+                  </p:tgtEl>
+                </p:cond>
+              </p:prevCondLst>
+              <p:nextCondLst>
+                <p:cond evt="onNext" delay="0">
+                  <p:tgtEl>
+                    <p:sldTgt/>
+                  </p:tgtEl>
+                </p:cond>
+              </p:nextCondLst>
+            </p:seq>
+          </p:childTnLst>
+        </p:cTn>
+      </p:par>
+    </p:tnLst>
+    <p:bldLst>
+      <p:bldP spid="30" grpId="0"/>
+    </p:bldLst>
+  </p:timing>
+</p:sld>
+</file>
+
+<file path=ppt/slides/slide15.xml><?xml version="1.0" encoding="utf-8"?>
+<p:sld xmlns:a="http://schemas.openxmlformats.org/drawingml/2006/main" xmlns:r="http://schemas.openxmlformats.org/officeDocument/2006/relationships" xmlns:p="http://schemas.openxmlformats.org/presentationml/2006/main">
+  <p:cSld>
+    <p:spTree>
+      <p:nvGrpSpPr>
+        <p:cNvPr id="1" name=""/>
+        <p:cNvGrpSpPr/>
+        <p:nvPr/>
+      </p:nvGrpSpPr>
+      <p:grpSpPr>
+        <a:xfrm>
+          <a:off x="0" y="0"/>
+          <a:ext cx="0" cy="0"/>
+          <a:chOff x="0" y="0"/>
+          <a:chExt cx="0" cy="0"/>
+        </a:xfrm>
+      </p:grpSpPr>
+      <p:sp>
+        <p:nvSpPr>
+          <p:cNvPr id="2" name="标题 1"/>
+          <p:cNvSpPr>
+            <a:spLocks noGrp="1"/>
+          </p:cNvSpPr>
+          <p:nvPr>
+            <p:ph type="title"/>
+          </p:nvPr>
+        </p:nvSpPr>
+        <p:spPr/>
+        <p:txBody>
+          <a:bodyPr/>
+          <a:lstStyle/>
+          <a:p>
+            <a:r>
+              <a:rPr lang="zh-CN" altLang="en-US" dirty="0" smtClean="0"/>
+              <a:t>消息机制</a:t>
+            </a:r>
+            <a:endParaRPr lang="zh-CN" altLang="en-US" dirty="0"/>
+          </a:p>
+        </p:txBody>
+      </p:sp>
+      <p:sp>
+        <p:nvSpPr>
+          <p:cNvPr id="4" name="日期占位符 3"/>
+          <p:cNvSpPr>
+            <a:spLocks noGrp="1"/>
+          </p:cNvSpPr>
+          <p:nvPr>
+            <p:ph type="dt" sz="half" idx="10"/>
+          </p:nvPr>
+        </p:nvSpPr>
+        <p:spPr/>
+        <p:txBody>
+          <a:bodyPr/>
+          <a:lstStyle/>
+          <a:p>
+            <a:pPr>
+              <a:defRPr/>
+            </a:pPr>
+            <a:fld id="{11369A63-9FDA-43D3-BAFD-C0424D6BD8A8}" type="datetime1">
+              <a:rPr lang="zh-CN" altLang="en-US" smtClean="0"/>
+              <a:pPr>
+                <a:defRPr/>
+              </a:pPr>
+              <a:t>2012/5/30</a:t>
+            </a:fld>
+            <a:endParaRPr lang="zh-CN" altLang="en-US" sz="1800">
+              <a:solidFill>
+                <a:srgbClr val="000000"/>
+              </a:solidFill>
+              <a:ea typeface="宋体" pitchFamily="2" charset="-122"/>
+            </a:endParaRPr>
+          </a:p>
+        </p:txBody>
+      </p:sp>
+      <p:pic>
+        <p:nvPicPr>
+          <p:cNvPr id="5" name="Picture 2"/>
+          <p:cNvPicPr>
+            <a:picLocks noGrp="1" noChangeAspect="1" noChangeArrowheads="1"/>
+          </p:cNvPicPr>
+          <p:nvPr>
+            <p:ph idx="1"/>
+          </p:nvPr>
+        </p:nvPicPr>
+        <p:blipFill>
+          <a:blip r:embed="rId2">
+            <a:extLst>
+              <a:ext uri="{28A0092B-C50C-407E-A947-70E740481C1C}">
+                <a14:useLocalDpi xmlns:a14="http://schemas.microsoft.com/office/drawing/2010/main" val="0"/>
+              </a:ext>
+            </a:extLst>
+          </a:blip>
+          <a:srcRect/>
+          <a:stretch>
+            <a:fillRect/>
+          </a:stretch>
+        </p:blipFill>
+        <p:spPr bwMode="auto">
+          <a:xfrm>
+            <a:off x="1485720" y="1468438"/>
+            <a:ext cx="6058259" cy="4567237"/>
+          </a:xfrm>
+          <a:prstGeom prst="rect">
+            <a:avLst/>
+          </a:prstGeom>
+          <a:noFill/>
+          <a:ln>
+            <a:noFill/>
+          </a:ln>
+          <a:effectLst/>
+          <a:extLst>
+            <a:ext uri="{909E8E84-426E-40DD-AFC4-6F175D3DCCD1}">
+              <a14:hiddenFill xmlns:a14="http://schemas.microsoft.com/office/drawing/2010/main">
+                <a:solidFill>
+                  <a:schemeClr val="accent1"/>
+                </a:solidFill>
+              </a14:hiddenFill>
+            </a:ext>
+            <a:ext uri="{91240B29-F687-4F45-9708-019B960494DF}">
+              <a14:hiddenLine xmlns:a14="http://schemas.microsoft.com/office/drawing/2010/main" w="9525">
+                <a:solidFill>
+                  <a:schemeClr val="tx1"/>
+                </a:solidFill>
+                <a:miter lim="800000"/>
+                <a:headEnd/>
+                <a:tailEnd/>
+              </a14:hiddenLine>
+            </a:ext>
+            <a:ext uri="{AF507438-7753-43E0-B8FC-AC1667EBCBE1}">
+              <a14:hiddenEffects xmlns:a14="http://schemas.microsoft.com/office/drawing/2010/main">
+                <a:effectLst>
+                  <a:outerShdw dist="35921" dir="2700000" algn="ctr" rotWithShape="0">
+                    <a:schemeClr val="bg2"/>
+                  </a:outerShdw>
+                </a:effectLst>
+              </a14:hiddenEffects>
+            </a:ext>
+          </a:extLst>
+        </p:spPr>
+      </p:pic>
+    </p:spTree>
+    <p:extLst>
+      <p:ext uri="{BB962C8B-B14F-4D97-AF65-F5344CB8AC3E}">
+        <p14:creationId xmlns:p14="http://schemas.microsoft.com/office/powerpoint/2010/main" val="495112196"/>
+      </p:ext>
+    </p:extLst>
+  </p:cSld>
+  <p:clrMapOvr>
+    <a:masterClrMapping/>
+  </p:clrMapOvr>
+  <p:timing>
+    <p:tnLst>
+      <p:par>
+        <p:cTn id="1" dur="indefinite" restart="never" nodeType="tmRoot"/>
+      </p:par>
+    </p:tnLst>
+  </p:timing>
+</p:sld>
+</file>
+
+<file path=ppt/slides/slide16.xml><?xml version="1.0" encoding="utf-8"?>
+<p:sld xmlns:a="http://schemas.openxmlformats.org/drawingml/2006/main" xmlns:r="http://schemas.openxmlformats.org/officeDocument/2006/relationships" xmlns:p="http://schemas.openxmlformats.org/presentationml/2006/main">
+  <p:cSld>
+    <p:spTree>
+      <p:nvGrpSpPr>
+        <p:cNvPr id="1" name=""/>
+        <p:cNvGrpSpPr/>
+        <p:nvPr/>
+      </p:nvGrpSpPr>
+      <p:grpSpPr>
+        <a:xfrm>
+          <a:off x="0" y="0"/>
+          <a:ext cx="0" cy="0"/>
+          <a:chOff x="0" y="0"/>
+          <a:chExt cx="0" cy="0"/>
+        </a:xfrm>
+      </p:grpSpPr>
+      <p:sp>
+        <p:nvSpPr>
           <p:cNvPr id="8" name="标题 7"/>
           <p:cNvSpPr>
             <a:spLocks noGrp="1"/>
@@ -4932,7 +10466,7 @@
 </p:sld>
 </file>
 
-<file path=ppt/slides/slide13.xml><?xml version="1.0" encoding="utf-8"?>
+<file path=ppt/slides/slide17.xml><?xml version="1.0" encoding="utf-8"?>
 <p:sld xmlns:a="http://schemas.openxmlformats.org/drawingml/2006/main" xmlns:r="http://schemas.openxmlformats.org/officeDocument/2006/relationships" xmlns:p="http://schemas.openxmlformats.org/presentationml/2006/main">
   <p:cSld>
     <p:spTree>
@@ -5258,7 +10792,7 @@
 </p:sld>
 </file>
 
-<file path=ppt/slides/slide14.xml><?xml version="1.0" encoding="utf-8"?>
+<file path=ppt/slides/slide18.xml><?xml version="1.0" encoding="utf-8"?>
 <p:sld xmlns:a="http://schemas.openxmlformats.org/drawingml/2006/main" xmlns:r="http://schemas.openxmlformats.org/officeDocument/2006/relationships" xmlns:p="http://schemas.openxmlformats.org/presentationml/2006/main">
   <p:cSld>
     <p:spTree>
@@ -5442,7 +10976,7 @@
 </p:sld>
 </file>
 
-<file path=ppt/slides/slide15.xml><?xml version="1.0" encoding="utf-8"?>
+<file path=ppt/slides/slide19.xml><?xml version="1.0" encoding="utf-8"?>
 <p:sld xmlns:a="http://schemas.openxmlformats.org/drawingml/2006/main" xmlns:r="http://schemas.openxmlformats.org/officeDocument/2006/relationships" xmlns:p="http://schemas.openxmlformats.org/presentationml/2006/main">
   <p:cSld>
     <p:spTree>
@@ -5474,7 +11008,11 @@
           <a:bodyPr/>
           <a:lstStyle/>
           <a:p>
-            <a:endParaRPr lang="zh-CN" altLang="en-US"/>
+            <a:r>
+              <a:rPr lang="zh-CN" altLang="en-US" dirty="0" smtClean="0"/>
+              <a:t>现场演示</a:t>
+            </a:r>
+            <a:endParaRPr lang="zh-CN" altLang="en-US" dirty="0"/>
           </a:p>
         </p:txBody>
       </p:sp>
@@ -5551,217 +11089,6 @@
 </p:sld>
 </file>
 
-<file path=ppt/slides/slide16.xml><?xml version="1.0" encoding="utf-8"?>
-<p:sld xmlns:a="http://schemas.openxmlformats.org/drawingml/2006/main" xmlns:r="http://schemas.openxmlformats.org/officeDocument/2006/relationships" xmlns:p="http://schemas.openxmlformats.org/presentationml/2006/main">
-  <p:cSld>
-    <p:spTree>
-      <p:nvGrpSpPr>
-        <p:cNvPr id="1" name=""/>
-        <p:cNvGrpSpPr/>
-        <p:nvPr/>
-      </p:nvGrpSpPr>
-      <p:grpSpPr>
-        <a:xfrm>
-          <a:off x="0" y="0"/>
-          <a:ext cx="0" cy="0"/>
-          <a:chOff x="0" y="0"/>
-          <a:chExt cx="0" cy="0"/>
-        </a:xfrm>
-      </p:grpSpPr>
-      <p:sp>
-        <p:nvSpPr>
-          <p:cNvPr id="2" name="标题 1"/>
-          <p:cNvSpPr>
-            <a:spLocks noGrp="1"/>
-          </p:cNvSpPr>
-          <p:nvPr>
-            <p:ph type="title"/>
-          </p:nvPr>
-        </p:nvSpPr>
-        <p:spPr/>
-        <p:txBody>
-          <a:bodyPr/>
-          <a:lstStyle/>
-          <a:p>
-            <a:endParaRPr lang="zh-CN" altLang="en-US"/>
-          </a:p>
-        </p:txBody>
-      </p:sp>
-      <p:sp>
-        <p:nvSpPr>
-          <p:cNvPr id="3" name="内容占位符 2"/>
-          <p:cNvSpPr>
-            <a:spLocks noGrp="1"/>
-          </p:cNvSpPr>
-          <p:nvPr>
-            <p:ph idx="1"/>
-          </p:nvPr>
-        </p:nvSpPr>
-        <p:spPr/>
-        <p:txBody>
-          <a:bodyPr/>
-          <a:lstStyle/>
-          <a:p>
-            <a:endParaRPr lang="zh-CN" altLang="en-US"/>
-          </a:p>
-        </p:txBody>
-      </p:sp>
-      <p:sp>
-        <p:nvSpPr>
-          <p:cNvPr id="4" name="日期占位符 3"/>
-          <p:cNvSpPr>
-            <a:spLocks noGrp="1"/>
-          </p:cNvSpPr>
-          <p:nvPr>
-            <p:ph type="dt" sz="half" idx="10"/>
-          </p:nvPr>
-        </p:nvSpPr>
-        <p:spPr/>
-        <p:txBody>
-          <a:bodyPr/>
-          <a:lstStyle/>
-          <a:p>
-            <a:pPr>
-              <a:defRPr/>
-            </a:pPr>
-            <a:fld id="{11369A63-9FDA-43D3-BAFD-C0424D6BD8A8}" type="datetime1">
-              <a:rPr lang="zh-CN" altLang="en-US" smtClean="0"/>
-              <a:pPr>
-                <a:defRPr/>
-              </a:pPr>
-              <a:t>2012/5/29</a:t>
-            </a:fld>
-            <a:endParaRPr lang="zh-CN" altLang="en-US" sz="1800">
-              <a:solidFill>
-                <a:srgbClr val="000000"/>
-              </a:solidFill>
-              <a:ea typeface="宋体" pitchFamily="2" charset="-122"/>
-            </a:endParaRPr>
-          </a:p>
-        </p:txBody>
-      </p:sp>
-    </p:spTree>
-    <p:extLst>
-      <p:ext uri="{BB962C8B-B14F-4D97-AF65-F5344CB8AC3E}">
-        <p14:creationId xmlns:p14="http://schemas.microsoft.com/office/powerpoint/2010/main" val="3422216722"/>
-      </p:ext>
-    </p:extLst>
-  </p:cSld>
-  <p:clrMapOvr>
-    <a:masterClrMapping/>
-  </p:clrMapOvr>
-  <p:timing>
-    <p:tnLst>
-      <p:par>
-        <p:cTn id="1" dur="indefinite" restart="never" nodeType="tmRoot"/>
-      </p:par>
-    </p:tnLst>
-  </p:timing>
-</p:sld>
-</file>
-
-<file path=ppt/slides/slide17.xml><?xml version="1.0" encoding="utf-8"?>
-<p:sld xmlns:a="http://schemas.openxmlformats.org/drawingml/2006/main" xmlns:r="http://schemas.openxmlformats.org/officeDocument/2006/relationships" xmlns:p="http://schemas.openxmlformats.org/presentationml/2006/main">
-  <p:cSld>
-    <p:spTree>
-      <p:nvGrpSpPr>
-        <p:cNvPr id="1" name=""/>
-        <p:cNvGrpSpPr/>
-        <p:nvPr/>
-      </p:nvGrpSpPr>
-      <p:grpSpPr>
-        <a:xfrm>
-          <a:off x="0" y="0"/>
-          <a:ext cx="0" cy="0"/>
-          <a:chOff x="0" y="0"/>
-          <a:chExt cx="0" cy="0"/>
-        </a:xfrm>
-      </p:grpSpPr>
-      <p:sp>
-        <p:nvSpPr>
-          <p:cNvPr id="2" name="标题 1"/>
-          <p:cNvSpPr>
-            <a:spLocks noGrp="1"/>
-          </p:cNvSpPr>
-          <p:nvPr>
-            <p:ph type="title"/>
-          </p:nvPr>
-        </p:nvSpPr>
-        <p:spPr/>
-        <p:txBody>
-          <a:bodyPr/>
-          <a:lstStyle/>
-          <a:p>
-            <a:endParaRPr lang="zh-CN" altLang="en-US"/>
-          </a:p>
-        </p:txBody>
-      </p:sp>
-      <p:sp>
-        <p:nvSpPr>
-          <p:cNvPr id="3" name="内容占位符 2"/>
-          <p:cNvSpPr>
-            <a:spLocks noGrp="1"/>
-          </p:cNvSpPr>
-          <p:nvPr>
-            <p:ph idx="1"/>
-          </p:nvPr>
-        </p:nvSpPr>
-        <p:spPr/>
-        <p:txBody>
-          <a:bodyPr/>
-          <a:lstStyle/>
-          <a:p>
-            <a:endParaRPr lang="zh-CN" altLang="en-US"/>
-          </a:p>
-        </p:txBody>
-      </p:sp>
-      <p:sp>
-        <p:nvSpPr>
-          <p:cNvPr id="4" name="日期占位符 3"/>
-          <p:cNvSpPr>
-            <a:spLocks noGrp="1"/>
-          </p:cNvSpPr>
-          <p:nvPr>
-            <p:ph type="dt" sz="half" idx="10"/>
-          </p:nvPr>
-        </p:nvSpPr>
-        <p:spPr/>
-        <p:txBody>
-          <a:bodyPr/>
-          <a:lstStyle/>
-          <a:p>
-            <a:pPr>
-              <a:defRPr/>
-            </a:pPr>
-            <a:fld id="{11369A63-9FDA-43D3-BAFD-C0424D6BD8A8}" type="datetime1">
-              <a:rPr lang="zh-CN" altLang="en-US" smtClean="0"/>
-              <a:pPr>
-                <a:defRPr/>
-              </a:pPr>
-              <a:t>2012/5/29</a:t>
-            </a:fld>
-            <a:endParaRPr lang="zh-CN" altLang="en-US" sz="1800">
-              <a:solidFill>
-                <a:srgbClr val="000000"/>
-              </a:solidFill>
-              <a:ea typeface="宋体" pitchFamily="2" charset="-122"/>
-            </a:endParaRPr>
-          </a:p>
-        </p:txBody>
-      </p:sp>
-    </p:spTree>
-    <p:extLst>
-      <p:ext uri="{BB962C8B-B14F-4D97-AF65-F5344CB8AC3E}">
-        <p14:creationId xmlns:p14="http://schemas.microsoft.com/office/powerpoint/2010/main" val="356176762"/>
-      </p:ext>
-    </p:extLst>
-  </p:cSld>
-  <p:clrMapOvr>
-    <a:masterClrMapping/>
-  </p:clrMapOvr>
-</p:sld>
-</file>
-
 <file path=ppt/slides/slide2.xml><?xml version="1.0" encoding="utf-8"?>
 <p:sld xmlns:a="http://schemas.openxmlformats.org/drawingml/2006/main" xmlns:r="http://schemas.openxmlformats.org/officeDocument/2006/relationships" xmlns:p="http://schemas.openxmlformats.org/presentationml/2006/main">
   <p:cSld>
@@ -5918,6 +11245,146 @@
     <p:extLst>
       <p:ext uri="{BB962C8B-B14F-4D97-AF65-F5344CB8AC3E}">
         <p14:creationId xmlns:p14="http://schemas.microsoft.com/office/powerpoint/2010/main" val="3559784781"/>
+      </p:ext>
+    </p:extLst>
+  </p:cSld>
+  <p:clrMapOvr>
+    <a:masterClrMapping/>
+  </p:clrMapOvr>
+  <p:timing>
+    <p:tnLst>
+      <p:par>
+        <p:cTn id="1" dur="indefinite" restart="never" nodeType="tmRoot"/>
+      </p:par>
+    </p:tnLst>
+  </p:timing>
+</p:sld>
+</file>
+
+<file path=ppt/slides/slide20.xml><?xml version="1.0" encoding="utf-8"?>
+<p:sld xmlns:a="http://schemas.openxmlformats.org/drawingml/2006/main" xmlns:r="http://schemas.openxmlformats.org/officeDocument/2006/relationships" xmlns:p="http://schemas.openxmlformats.org/presentationml/2006/main">
+  <p:cSld>
+    <p:spTree>
+      <p:nvGrpSpPr>
+        <p:cNvPr id="1" name=""/>
+        <p:cNvGrpSpPr/>
+        <p:nvPr/>
+      </p:nvGrpSpPr>
+      <p:grpSpPr>
+        <a:xfrm>
+          <a:off x="0" y="0"/>
+          <a:ext cx="0" cy="0"/>
+          <a:chOff x="0" y="0"/>
+          <a:chExt cx="0" cy="0"/>
+        </a:xfrm>
+      </p:grpSpPr>
+      <p:sp>
+        <p:nvSpPr>
+          <p:cNvPr id="5" name="标题 4"/>
+          <p:cNvSpPr>
+            <a:spLocks noGrp="1"/>
+          </p:cNvSpPr>
+          <p:nvPr>
+            <p:ph type="ctrTitle"/>
+          </p:nvPr>
+        </p:nvSpPr>
+        <p:spPr/>
+        <p:txBody>
+          <a:bodyPr/>
+          <a:lstStyle/>
+          <a:p>
+            <a:pPr algn="ctr"/>
+            <a:r>
+              <a:rPr lang="zh-CN" altLang="en-US" sz="6000" dirty="0" smtClean="0"/>
+              <a:t>谢谢</a:t>
+            </a:r>
+            <a:r>
+              <a:rPr lang="zh-CN" altLang="en-US" sz="6000" dirty="0"/>
+              <a:t>！</a:t>
+            </a:r>
+          </a:p>
+        </p:txBody>
+      </p:sp>
+      <p:sp>
+        <p:nvSpPr>
+          <p:cNvPr id="6" name="副标题 5"/>
+          <p:cNvSpPr>
+            <a:spLocks noGrp="1"/>
+          </p:cNvSpPr>
+          <p:nvPr>
+            <p:ph type="subTitle" idx="1"/>
+          </p:nvPr>
+        </p:nvSpPr>
+        <p:spPr/>
+        <p:txBody>
+          <a:bodyPr/>
+          <a:lstStyle/>
+          <a:p>
+            <a:r>
+              <a:rPr lang="zh-CN" altLang="en-US" dirty="0" smtClean="0"/>
+              <a:t>软件工程</a:t>
+            </a:r>
+            <a:r>
+              <a:rPr lang="en-US" altLang="zh-CN" dirty="0" smtClean="0"/>
+              <a:t>0802 </a:t>
+            </a:r>
+            <a:r>
+              <a:rPr lang="zh-CN" altLang="en-US" dirty="0" smtClean="0"/>
+              <a:t>谭歆</a:t>
+            </a:r>
+            <a:endParaRPr lang="en-US" altLang="zh-CN" dirty="0" smtClean="0"/>
+          </a:p>
+          <a:p>
+            <a:r>
+              <a:rPr lang="zh-CN" altLang="en-US" dirty="0"/>
+              <a:t>指</a:t>
+            </a:r>
+            <a:r>
+              <a:rPr lang="zh-CN" altLang="en-US" dirty="0" smtClean="0"/>
+              <a:t>导老师 蔡亮</a:t>
+            </a:r>
+            <a:endParaRPr lang="zh-CN" altLang="en-US" dirty="0"/>
+          </a:p>
+        </p:txBody>
+      </p:sp>
+      <p:sp>
+        <p:nvSpPr>
+          <p:cNvPr id="4" name="日期占位符 3"/>
+          <p:cNvSpPr>
+            <a:spLocks noGrp="1"/>
+          </p:cNvSpPr>
+          <p:nvPr>
+            <p:ph type="dt" sz="half" idx="10"/>
+          </p:nvPr>
+        </p:nvSpPr>
+        <p:spPr/>
+        <p:txBody>
+          <a:bodyPr/>
+          <a:lstStyle/>
+          <a:p>
+            <a:pPr>
+              <a:defRPr/>
+            </a:pPr>
+            <a:fld id="{11369A63-9FDA-43D3-BAFD-C0424D6BD8A8}" type="datetime1">
+              <a:rPr lang="zh-CN" altLang="en-US" smtClean="0"/>
+              <a:pPr>
+                <a:defRPr/>
+              </a:pPr>
+              <a:t>2012/5/29</a:t>
+            </a:fld>
+            <a:endParaRPr lang="zh-CN" altLang="en-US" sz="1800">
+              <a:solidFill>
+                <a:srgbClr val="000000"/>
+              </a:solidFill>
+              <a:ea typeface="宋体" pitchFamily="2" charset="-122"/>
+            </a:endParaRPr>
+          </a:p>
+        </p:txBody>
+      </p:sp>
+    </p:spTree>
+    <p:extLst>
+      <p:ext uri="{BB962C8B-B14F-4D97-AF65-F5344CB8AC3E}">
+        <p14:creationId xmlns:p14="http://schemas.microsoft.com/office/powerpoint/2010/main" val="3422216722"/>
       </p:ext>
     </p:extLst>
   </p:cSld>
@@ -8801,4 +14268,289 @@
   <a:objectDefaults/>
   <a:extraClrSchemeLst/>
 </a:theme>
+</file>
+
+<file path=ppt/theme/theme2.xml><?xml version="1.0" encoding="utf-8"?>
+<a:theme xmlns:a="http://schemas.openxmlformats.org/drawingml/2006/main" name="Office 主题​​">
+  <a:themeElements>
+    <a:clrScheme name="Office">
+      <a:dk1>
+        <a:sysClr val="windowText" lastClr="000000"/>
+      </a:dk1>
+      <a:lt1>
+        <a:sysClr val="window" lastClr="FFFFFF"/>
+      </a:lt1>
+      <a:dk2>
+        <a:srgbClr val="1F497D"/>
+      </a:dk2>
+      <a:lt2>
+        <a:srgbClr val="EEECE1"/>
+      </a:lt2>
+      <a:accent1>
+        <a:srgbClr val="4F81BD"/>
+      </a:accent1>
+      <a:accent2>
+        <a:srgbClr val="C0504D"/>
+      </a:accent2>
+      <a:accent3>
+        <a:srgbClr val="9BBB59"/>
+      </a:accent3>
+      <a:accent4>
+        <a:srgbClr val="8064A2"/>
+      </a:accent4>
+      <a:accent5>
+        <a:srgbClr val="4BACC6"/>
+      </a:accent5>
+      <a:accent6>
+        <a:srgbClr val="F79646"/>
+      </a:accent6>
+      <a:hlink>
+        <a:srgbClr val="0000FF"/>
+      </a:hlink>
+      <a:folHlink>
+        <a:srgbClr val="800080"/>
+      </a:folHlink>
+    </a:clrScheme>
+    <a:fontScheme name="Office">
+      <a:majorFont>
+        <a:latin typeface="Calibri"/>
+        <a:ea typeface=""/>
+        <a:cs typeface=""/>
+        <a:font script="Jpan" typeface="ＭＳ Ｐゴシック"/>
+        <a:font script="Hang" typeface="맑은 고딕"/>
+        <a:font script="Hans" typeface="宋体"/>
+        <a:font script="Hant" typeface="新細明體"/>
+        <a:font script="Arab" typeface="Times New Roman"/>
+        <a:font script="Hebr" typeface="Times New Roman"/>
+        <a:font script="Thai" typeface="Angsana New"/>
+        <a:font script="Ethi" typeface="Nyala"/>
+        <a:font script="Beng" typeface="Vrinda"/>
+        <a:font script="Gujr" typeface="Shruti"/>
+        <a:font script="Khmr" typeface="MoolBoran"/>
+        <a:font script="Knda" typeface="Tunga"/>
+        <a:font script="Guru" typeface="Raavi"/>
+        <a:font script="Cans" typeface="Euphemia"/>
+        <a:font script="Cher" typeface="Plantagenet Cherokee"/>
+        <a:font script="Yiii" typeface="Microsoft Yi Baiti"/>
+        <a:font script="Tibt" typeface="Microsoft Himalaya"/>
+        <a:font script="Thaa" typeface="MV Boli"/>
+        <a:font script="Deva" typeface="Mangal"/>
+        <a:font script="Telu" typeface="Gautami"/>
+        <a:font script="Taml" typeface="Latha"/>
+        <a:font script="Syrc" typeface="Estrangelo Edessa"/>
+        <a:font script="Orya" typeface="Kalinga"/>
+        <a:font script="Mlym" typeface="Kartika"/>
+        <a:font script="Laoo" typeface="DokChampa"/>
+        <a:font script="Sinh" typeface="Iskoola Pota"/>
+        <a:font script="Mong" typeface="Mongolian Baiti"/>
+        <a:font script="Viet" typeface="Times New Roman"/>
+        <a:font script="Uigh" typeface="Microsoft Uighur"/>
+        <a:font script="Geor" typeface="Sylfaen"/>
+      </a:majorFont>
+      <a:minorFont>
+        <a:latin typeface="Calibri"/>
+        <a:ea typeface=""/>
+        <a:cs typeface=""/>
+        <a:font script="Jpan" typeface="ＭＳ Ｐゴシック"/>
+        <a:font script="Hang" typeface="맑은 고딕"/>
+        <a:font script="Hans" typeface="宋体"/>
+        <a:font script="Hant" typeface="新細明體"/>
+        <a:font script="Arab" typeface="Arial"/>
+        <a:font script="Hebr" typeface="Arial"/>
+        <a:font script="Thai" typeface="Cordia New"/>
+        <a:font script="Ethi" typeface="Nyala"/>
+        <a:font script="Beng" typeface="Vrinda"/>
+        <a:font script="Gujr" typeface="Shruti"/>
+        <a:font script="Khmr" typeface="DaunPenh"/>
+        <a:font script="Knda" typeface="Tunga"/>
+        <a:font script="Guru" typeface="Raavi"/>
+        <a:font script="Cans" typeface="Euphemia"/>
+        <a:font script="Cher" typeface="Plantagenet Cherokee"/>
+        <a:font script="Yiii" typeface="Microsoft Yi Baiti"/>
+        <a:font script="Tibt" typeface="Microsoft Himalaya"/>
+        <a:font script="Thaa" typeface="MV Boli"/>
+        <a:font script="Deva" typeface="Mangal"/>
+        <a:font script="Telu" typeface="Gautami"/>
+        <a:font script="Taml" typeface="Latha"/>
+        <a:font script="Syrc" typeface="Estrangelo Edessa"/>
+        <a:font script="Orya" typeface="Kalinga"/>
+        <a:font script="Mlym" typeface="Kartika"/>
+        <a:font script="Laoo" typeface="DokChampa"/>
+        <a:font script="Sinh" typeface="Iskoola Pota"/>
+        <a:font script="Mong" typeface="Mongolian Baiti"/>
+        <a:font script="Viet" typeface="Arial"/>
+        <a:font script="Uigh" typeface="Microsoft Uighur"/>
+        <a:font script="Geor" typeface="Sylfaen"/>
+      </a:minorFont>
+    </a:fontScheme>
+    <a:fmtScheme name="Office">
+      <a:fillStyleLst>
+        <a:solidFill>
+          <a:schemeClr val="phClr"/>
+        </a:solidFill>
+        <a:gradFill rotWithShape="1">
+          <a:gsLst>
+            <a:gs pos="0">
+              <a:schemeClr val="phClr">
+                <a:tint val="50000"/>
+                <a:satMod val="300000"/>
+              </a:schemeClr>
+            </a:gs>
+            <a:gs pos="35000">
+              <a:schemeClr val="phClr">
+                <a:tint val="37000"/>
+                <a:satMod val="300000"/>
+              </a:schemeClr>
+            </a:gs>
+            <a:gs pos="100000">
+              <a:schemeClr val="phClr">
+                <a:tint val="15000"/>
+                <a:satMod val="350000"/>
+              </a:schemeClr>
+            </a:gs>
+          </a:gsLst>
+          <a:lin ang="16200000" scaled="1"/>
+        </a:gradFill>
+        <a:gradFill rotWithShape="1">
+          <a:gsLst>
+            <a:gs pos="0">
+              <a:schemeClr val="phClr">
+                <a:shade val="51000"/>
+                <a:satMod val="130000"/>
+              </a:schemeClr>
+            </a:gs>
+            <a:gs pos="80000">
+              <a:schemeClr val="phClr">
+                <a:shade val="93000"/>
+                <a:satMod val="130000"/>
+              </a:schemeClr>
+            </a:gs>
+            <a:gs pos="100000">
+              <a:schemeClr val="phClr">
+                <a:shade val="94000"/>
+                <a:satMod val="135000"/>
+              </a:schemeClr>
+            </a:gs>
+          </a:gsLst>
+          <a:lin ang="16200000" scaled="0"/>
+        </a:gradFill>
+      </a:fillStyleLst>
+      <a:lnStyleLst>
+        <a:ln w="9525" cap="flat" cmpd="sng" algn="ctr">
+          <a:solidFill>
+            <a:schemeClr val="phClr">
+              <a:shade val="95000"/>
+              <a:satMod val="105000"/>
+            </a:schemeClr>
+          </a:solidFill>
+          <a:prstDash val="solid"/>
+        </a:ln>
+        <a:ln w="25400" cap="flat" cmpd="sng" algn="ctr">
+          <a:solidFill>
+            <a:schemeClr val="phClr"/>
+          </a:solidFill>
+          <a:prstDash val="solid"/>
+        </a:ln>
+        <a:ln w="38100" cap="flat" cmpd="sng" algn="ctr">
+          <a:solidFill>
+            <a:schemeClr val="phClr"/>
+          </a:solidFill>
+          <a:prstDash val="solid"/>
+        </a:ln>
+      </a:lnStyleLst>
+      <a:effectStyleLst>
+        <a:effectStyle>
+          <a:effectLst>
+            <a:outerShdw blurRad="40000" dist="20000" dir="5400000" rotWithShape="0">
+              <a:srgbClr val="000000">
+                <a:alpha val="38000"/>
+              </a:srgbClr>
+            </a:outerShdw>
+          </a:effectLst>
+        </a:effectStyle>
+        <a:effectStyle>
+          <a:effectLst>
+            <a:outerShdw blurRad="40000" dist="23000" dir="5400000" rotWithShape="0">
+              <a:srgbClr val="000000">
+                <a:alpha val="35000"/>
+              </a:srgbClr>
+            </a:outerShdw>
+          </a:effectLst>
+        </a:effectStyle>
+        <a:effectStyle>
+          <a:effectLst>
+            <a:outerShdw blurRad="40000" dist="23000" dir="5400000" rotWithShape="0">
+              <a:srgbClr val="000000">
+                <a:alpha val="35000"/>
+              </a:srgbClr>
+            </a:outerShdw>
+          </a:effectLst>
+          <a:scene3d>
+            <a:camera prst="orthographicFront">
+              <a:rot lat="0" lon="0" rev="0"/>
+            </a:camera>
+            <a:lightRig rig="threePt" dir="t">
+              <a:rot lat="0" lon="0" rev="1200000"/>
+            </a:lightRig>
+          </a:scene3d>
+          <a:sp3d>
+            <a:bevelT w="63500" h="25400"/>
+          </a:sp3d>
+        </a:effectStyle>
+      </a:effectStyleLst>
+      <a:bgFillStyleLst>
+        <a:solidFill>
+          <a:schemeClr val="phClr"/>
+        </a:solidFill>
+        <a:gradFill rotWithShape="1">
+          <a:gsLst>
+            <a:gs pos="0">
+              <a:schemeClr val="phClr">
+                <a:tint val="40000"/>
+                <a:satMod val="350000"/>
+              </a:schemeClr>
+            </a:gs>
+            <a:gs pos="40000">
+              <a:schemeClr val="phClr">
+                <a:tint val="45000"/>
+                <a:shade val="99000"/>
+                <a:satMod val="350000"/>
+              </a:schemeClr>
+            </a:gs>
+            <a:gs pos="100000">
+              <a:schemeClr val="phClr">
+                <a:shade val="20000"/>
+                <a:satMod val="255000"/>
+              </a:schemeClr>
+            </a:gs>
+          </a:gsLst>
+          <a:path path="circle">
+            <a:fillToRect l="50000" t="-80000" r="50000" b="180000"/>
+          </a:path>
+        </a:gradFill>
+        <a:gradFill rotWithShape="1">
+          <a:gsLst>
+            <a:gs pos="0">
+              <a:schemeClr val="phClr">
+                <a:tint val="80000"/>
+                <a:satMod val="300000"/>
+              </a:schemeClr>
+            </a:gs>
+            <a:gs pos="100000">
+              <a:schemeClr val="phClr">
+                <a:shade val="30000"/>
+                <a:satMod val="200000"/>
+              </a:schemeClr>
+            </a:gs>
+          </a:gsLst>
+          <a:path path="circle">
+            <a:fillToRect l="50000" t="50000" r="50000" b="50000"/>
+          </a:path>
+        </a:gradFill>
+      </a:bgFillStyleLst>
+    </a:fmtScheme>
+  </a:themeElements>
+  <a:objectDefaults/>
+  <a:extraClrSchemeLst/>
+</a:theme>
 </file>
--- a/work/毕业设计_答辩.pptx
+++ b/work/毕业设计_答辩.pptx
@@ -1049,6 +1049,13 @@
         </dgm:presLayoutVars>
       </dgm:prSet>
       <dgm:spPr/>
+      <dgm:t>
+        <a:bodyPr/>
+        <a:lstStyle/>
+        <a:p>
+          <a:endParaRPr lang="zh-CN" altLang="en-US"/>
+        </a:p>
+      </dgm:t>
     </dgm:pt>
     <dgm:pt modelId="{FC21FBBD-0DD6-47D0-BA06-271A6E68EB20}" type="pres">
       <dgm:prSet presAssocID="{8A78FA57-2B7C-4A81-919C-D6755B390708}" presName="root1" presStyleCnt="0"/>
@@ -1076,10 +1083,24 @@
     <dgm:pt modelId="{64F3AE0A-13C1-4D20-864F-3BDDA29B4084}" type="pres">
       <dgm:prSet presAssocID="{3D7A4725-4D8A-43BE-B03C-605769A2DBC4}" presName="conn2-1" presStyleLbl="parChTrans1D2" presStyleIdx="0" presStyleCnt="3"/>
       <dgm:spPr/>
+      <dgm:t>
+        <a:bodyPr/>
+        <a:lstStyle/>
+        <a:p>
+          <a:endParaRPr lang="zh-CN" altLang="en-US"/>
+        </a:p>
+      </dgm:t>
     </dgm:pt>
     <dgm:pt modelId="{90ACF624-0AB9-44CE-B13A-1C57C0BB4218}" type="pres">
       <dgm:prSet presAssocID="{3D7A4725-4D8A-43BE-B03C-605769A2DBC4}" presName="connTx" presStyleLbl="parChTrans1D2" presStyleIdx="0" presStyleCnt="3"/>
       <dgm:spPr/>
+      <dgm:t>
+        <a:bodyPr/>
+        <a:lstStyle/>
+        <a:p>
+          <a:endParaRPr lang="zh-CN" altLang="en-US"/>
+        </a:p>
+      </dgm:t>
     </dgm:pt>
     <dgm:pt modelId="{0A13067E-E203-4CF9-B1C9-7FC33E01C007}" type="pres">
       <dgm:prSet presAssocID="{2115AA11-4E84-4BF0-A6C8-3EE71802A5D2}" presName="root2" presStyleCnt="0"/>
@@ -1092,6 +1113,13 @@
         </dgm:presLayoutVars>
       </dgm:prSet>
       <dgm:spPr/>
+      <dgm:t>
+        <a:bodyPr/>
+        <a:lstStyle/>
+        <a:p>
+          <a:endParaRPr lang="zh-CN" altLang="en-US"/>
+        </a:p>
+      </dgm:t>
     </dgm:pt>
     <dgm:pt modelId="{9AB2E784-0366-43D6-865B-FB3319DCCB55}" type="pres">
       <dgm:prSet presAssocID="{2115AA11-4E84-4BF0-A6C8-3EE71802A5D2}" presName="level3hierChild" presStyleCnt="0"/>
@@ -1100,10 +1128,24 @@
     <dgm:pt modelId="{1AAB01F9-99AE-493C-BEDD-F0A0D16CFF6F}" type="pres">
       <dgm:prSet presAssocID="{82ED300F-4774-479D-9122-D180B42D177D}" presName="conn2-1" presStyleLbl="parChTrans1D2" presStyleIdx="1" presStyleCnt="3"/>
       <dgm:spPr/>
+      <dgm:t>
+        <a:bodyPr/>
+        <a:lstStyle/>
+        <a:p>
+          <a:endParaRPr lang="zh-CN" altLang="en-US"/>
+        </a:p>
+      </dgm:t>
     </dgm:pt>
     <dgm:pt modelId="{BCD8C9EB-F33F-4E57-BB89-7B4BA27C6B4A}" type="pres">
       <dgm:prSet presAssocID="{82ED300F-4774-479D-9122-D180B42D177D}" presName="connTx" presStyleLbl="parChTrans1D2" presStyleIdx="1" presStyleCnt="3"/>
       <dgm:spPr/>
+      <dgm:t>
+        <a:bodyPr/>
+        <a:lstStyle/>
+        <a:p>
+          <a:endParaRPr lang="zh-CN" altLang="en-US"/>
+        </a:p>
+      </dgm:t>
     </dgm:pt>
     <dgm:pt modelId="{10235DC9-509F-4229-9CAF-B43357AD8E16}" type="pres">
       <dgm:prSet presAssocID="{F1BF5AEA-A7C4-4C1D-BED0-F1D4C5D50B23}" presName="root2" presStyleCnt="0"/>
@@ -1116,6 +1158,13 @@
         </dgm:presLayoutVars>
       </dgm:prSet>
       <dgm:spPr/>
+      <dgm:t>
+        <a:bodyPr/>
+        <a:lstStyle/>
+        <a:p>
+          <a:endParaRPr lang="zh-CN" altLang="en-US"/>
+        </a:p>
+      </dgm:t>
     </dgm:pt>
     <dgm:pt modelId="{6A64F653-7300-40E1-85C0-37D950297332}" type="pres">
       <dgm:prSet presAssocID="{F1BF5AEA-A7C4-4C1D-BED0-F1D4C5D50B23}" presName="level3hierChild" presStyleCnt="0"/>
@@ -1124,10 +1173,24 @@
     <dgm:pt modelId="{AE798C4C-9F9F-4931-AD15-9A60700CACA1}" type="pres">
       <dgm:prSet presAssocID="{683B1C4D-6EDA-42F2-B18D-A50A98AA894F}" presName="conn2-1" presStyleLbl="parChTrans1D2" presStyleIdx="2" presStyleCnt="3"/>
       <dgm:spPr/>
+      <dgm:t>
+        <a:bodyPr/>
+        <a:lstStyle/>
+        <a:p>
+          <a:endParaRPr lang="zh-CN" altLang="en-US"/>
+        </a:p>
+      </dgm:t>
     </dgm:pt>
     <dgm:pt modelId="{BD3AB2A2-9C91-4E66-AF6D-9EA8D5064B77}" type="pres">
       <dgm:prSet presAssocID="{683B1C4D-6EDA-42F2-B18D-A50A98AA894F}" presName="connTx" presStyleLbl="parChTrans1D2" presStyleIdx="2" presStyleCnt="3"/>
       <dgm:spPr/>
+      <dgm:t>
+        <a:bodyPr/>
+        <a:lstStyle/>
+        <a:p>
+          <a:endParaRPr lang="zh-CN" altLang="en-US"/>
+        </a:p>
+      </dgm:t>
     </dgm:pt>
     <dgm:pt modelId="{7CC669C4-CAFE-46DD-BFFD-C13E20FE390D}" type="pres">
       <dgm:prSet presAssocID="{FD07DFDD-F916-46A7-9EA7-07F06687C158}" presName="root2" presStyleCnt="0"/>
@@ -1140,6 +1203,13 @@
         </dgm:presLayoutVars>
       </dgm:prSet>
       <dgm:spPr/>
+      <dgm:t>
+        <a:bodyPr/>
+        <a:lstStyle/>
+        <a:p>
+          <a:endParaRPr lang="zh-CN" altLang="en-US"/>
+        </a:p>
+      </dgm:t>
     </dgm:pt>
     <dgm:pt modelId="{540D261F-2243-43E5-BFF9-962C57C28F94}" type="pres">
       <dgm:prSet presAssocID="{FD07DFDD-F916-46A7-9EA7-07F06687C158}" presName="level3hierChild" presStyleCnt="0"/>
@@ -1147,20 +1217,20 @@
     </dgm:pt>
   </dgm:ptLst>
   <dgm:cxnLst>
-    <dgm:cxn modelId="{F1A984BB-EEC5-460C-A25D-0B78096781AF}" type="presOf" srcId="{3D7A4725-4D8A-43BE-B03C-605769A2DBC4}" destId="{90ACF624-0AB9-44CE-B13A-1C57C0BB4218}" srcOrd="1" destOrd="0" presId="urn:microsoft.com/office/officeart/2008/layout/HorizontalMultiLevelHierarchy"/>
-    <dgm:cxn modelId="{0B4D7A74-9422-4D8A-B177-0E2E4F4A05E3}" type="presOf" srcId="{683B1C4D-6EDA-42F2-B18D-A50A98AA894F}" destId="{BD3AB2A2-9C91-4E66-AF6D-9EA8D5064B77}" srcOrd="1" destOrd="0" presId="urn:microsoft.com/office/officeart/2008/layout/HorizontalMultiLevelHierarchy"/>
+    <dgm:cxn modelId="{9C519BE2-FAE7-41E5-8736-A1CDA959959C}" type="presOf" srcId="{82ED300F-4774-479D-9122-D180B42D177D}" destId="{BCD8C9EB-F33F-4E57-BB89-7B4BA27C6B4A}" srcOrd="1" destOrd="0" presId="urn:microsoft.com/office/officeart/2008/layout/HorizontalMultiLevelHierarchy"/>
+    <dgm:cxn modelId="{348A474B-3165-4406-91C7-19FD51B87622}" type="presOf" srcId="{683B1C4D-6EDA-42F2-B18D-A50A98AA894F}" destId="{AE798C4C-9F9F-4931-AD15-9A60700CACA1}" srcOrd="0" destOrd="0" presId="urn:microsoft.com/office/officeart/2008/layout/HorizontalMultiLevelHierarchy"/>
     <dgm:cxn modelId="{0B05A10A-BDA4-42B2-97A8-E40345253B6D}" type="presOf" srcId="{FD07DFDD-F916-46A7-9EA7-07F06687C158}" destId="{155FF5B8-AE10-47EA-AEBC-77816C771805}" srcOrd="0" destOrd="0" presId="urn:microsoft.com/office/officeart/2008/layout/HorizontalMultiLevelHierarchy"/>
-    <dgm:cxn modelId="{767DF905-E20E-47AF-8DFE-F3FDA19C5ADB}" srcId="{C3771B84-95C2-4F15-9D0D-C15C84A1E355}" destId="{8A78FA57-2B7C-4A81-919C-D6755B390708}" srcOrd="0" destOrd="0" parTransId="{B76281F3-35F4-4C07-B4BB-68990A6F2CE2}" sibTransId="{9A7CFCBE-FC65-447E-88DA-E467C5133DFC}"/>
+    <dgm:cxn modelId="{E1912F14-DB88-4452-8041-FAE781FD95A1}" type="presOf" srcId="{2115AA11-4E84-4BF0-A6C8-3EE71802A5D2}" destId="{F15B5FCB-6F19-4F46-A7ED-2EFDA6FACCB5}" srcOrd="0" destOrd="0" presId="urn:microsoft.com/office/officeart/2008/layout/HorizontalMultiLevelHierarchy"/>
     <dgm:cxn modelId="{B245FF4F-9D54-489C-A7C7-BEB11D4C01F1}" srcId="{8A78FA57-2B7C-4A81-919C-D6755B390708}" destId="{FD07DFDD-F916-46A7-9EA7-07F06687C158}" srcOrd="2" destOrd="0" parTransId="{683B1C4D-6EDA-42F2-B18D-A50A98AA894F}" sibTransId="{2FFB04E7-92B5-4108-9546-CA460FDF8990}"/>
     <dgm:cxn modelId="{556AD9E8-0C26-452C-B691-70B028D00519}" type="presOf" srcId="{8A78FA57-2B7C-4A81-919C-D6755B390708}" destId="{DABE7DC3-E876-457D-8BAE-3E20B9A53583}" srcOrd="0" destOrd="0" presId="urn:microsoft.com/office/officeart/2008/layout/HorizontalMultiLevelHierarchy"/>
+    <dgm:cxn modelId="{F1A984BB-EEC5-460C-A25D-0B78096781AF}" type="presOf" srcId="{3D7A4725-4D8A-43BE-B03C-605769A2DBC4}" destId="{90ACF624-0AB9-44CE-B13A-1C57C0BB4218}" srcOrd="1" destOrd="0" presId="urn:microsoft.com/office/officeart/2008/layout/HorizontalMultiLevelHierarchy"/>
+    <dgm:cxn modelId="{B941D928-EB2B-4771-A86E-662EF2779996}" srcId="{8A78FA57-2B7C-4A81-919C-D6755B390708}" destId="{F1BF5AEA-A7C4-4C1D-BED0-F1D4C5D50B23}" srcOrd="1" destOrd="0" parTransId="{82ED300F-4774-479D-9122-D180B42D177D}" sibTransId="{C49CAF99-5313-41D6-81CF-D70763E61B0A}"/>
+    <dgm:cxn modelId="{16F51A0D-E5AE-4C44-8047-7355D181860F}" srcId="{8A78FA57-2B7C-4A81-919C-D6755B390708}" destId="{2115AA11-4E84-4BF0-A6C8-3EE71802A5D2}" srcOrd="0" destOrd="0" parTransId="{3D7A4725-4D8A-43BE-B03C-605769A2DBC4}" sibTransId="{C8864554-391D-4BB1-994D-C9F884B2460F}"/>
+    <dgm:cxn modelId="{767DF905-E20E-47AF-8DFE-F3FDA19C5ADB}" srcId="{C3771B84-95C2-4F15-9D0D-C15C84A1E355}" destId="{8A78FA57-2B7C-4A81-919C-D6755B390708}" srcOrd="0" destOrd="0" parTransId="{B76281F3-35F4-4C07-B4BB-68990A6F2CE2}" sibTransId="{9A7CFCBE-FC65-447E-88DA-E467C5133DFC}"/>
+    <dgm:cxn modelId="{1D25ED14-2C74-4438-8524-FD7FE621A4CF}" type="presOf" srcId="{C3771B84-95C2-4F15-9D0D-C15C84A1E355}" destId="{A5E803C9-FFF1-4AA7-B635-B101B534B6FD}" srcOrd="0" destOrd="0" presId="urn:microsoft.com/office/officeart/2008/layout/HorizontalMultiLevelHierarchy"/>
     <dgm:cxn modelId="{C34A50EF-8275-481B-A4C3-2A43542AE0E6}" type="presOf" srcId="{F1BF5AEA-A7C4-4C1D-BED0-F1D4C5D50B23}" destId="{045E24E4-A665-4EAD-834D-EB7CDE5E1C76}" srcOrd="0" destOrd="0" presId="urn:microsoft.com/office/officeart/2008/layout/HorizontalMultiLevelHierarchy"/>
-    <dgm:cxn modelId="{B941D928-EB2B-4771-A86E-662EF2779996}" srcId="{8A78FA57-2B7C-4A81-919C-D6755B390708}" destId="{F1BF5AEA-A7C4-4C1D-BED0-F1D4C5D50B23}" srcOrd="1" destOrd="0" parTransId="{82ED300F-4774-479D-9122-D180B42D177D}" sibTransId="{C49CAF99-5313-41D6-81CF-D70763E61B0A}"/>
-    <dgm:cxn modelId="{1D25ED14-2C74-4438-8524-FD7FE621A4CF}" type="presOf" srcId="{C3771B84-95C2-4F15-9D0D-C15C84A1E355}" destId="{A5E803C9-FFF1-4AA7-B635-B101B534B6FD}" srcOrd="0" destOrd="0" presId="urn:microsoft.com/office/officeart/2008/layout/HorizontalMultiLevelHierarchy"/>
-    <dgm:cxn modelId="{9C519BE2-FAE7-41E5-8736-A1CDA959959C}" type="presOf" srcId="{82ED300F-4774-479D-9122-D180B42D177D}" destId="{BCD8C9EB-F33F-4E57-BB89-7B4BA27C6B4A}" srcOrd="1" destOrd="0" presId="urn:microsoft.com/office/officeart/2008/layout/HorizontalMultiLevelHierarchy"/>
-    <dgm:cxn modelId="{348A474B-3165-4406-91C7-19FD51B87622}" type="presOf" srcId="{683B1C4D-6EDA-42F2-B18D-A50A98AA894F}" destId="{AE798C4C-9F9F-4931-AD15-9A60700CACA1}" srcOrd="0" destOrd="0" presId="urn:microsoft.com/office/officeart/2008/layout/HorizontalMultiLevelHierarchy"/>
+    <dgm:cxn modelId="{0B4D7A74-9422-4D8A-B177-0E2E4F4A05E3}" type="presOf" srcId="{683B1C4D-6EDA-42F2-B18D-A50A98AA894F}" destId="{BD3AB2A2-9C91-4E66-AF6D-9EA8D5064B77}" srcOrd="1" destOrd="0" presId="urn:microsoft.com/office/officeart/2008/layout/HorizontalMultiLevelHierarchy"/>
     <dgm:cxn modelId="{C6305E66-9F0E-4EDD-9E15-238B31F7F611}" type="presOf" srcId="{3D7A4725-4D8A-43BE-B03C-605769A2DBC4}" destId="{64F3AE0A-13C1-4D20-864F-3BDDA29B4084}" srcOrd="0" destOrd="0" presId="urn:microsoft.com/office/officeart/2008/layout/HorizontalMultiLevelHierarchy"/>
-    <dgm:cxn modelId="{16F51A0D-E5AE-4C44-8047-7355D181860F}" srcId="{8A78FA57-2B7C-4A81-919C-D6755B390708}" destId="{2115AA11-4E84-4BF0-A6C8-3EE71802A5D2}" srcOrd="0" destOrd="0" parTransId="{3D7A4725-4D8A-43BE-B03C-605769A2DBC4}" sibTransId="{C8864554-391D-4BB1-994D-C9F884B2460F}"/>
-    <dgm:cxn modelId="{E1912F14-DB88-4452-8041-FAE781FD95A1}" type="presOf" srcId="{2115AA11-4E84-4BF0-A6C8-3EE71802A5D2}" destId="{F15B5FCB-6F19-4F46-A7ED-2EFDA6FACCB5}" srcOrd="0" destOrd="0" presId="urn:microsoft.com/office/officeart/2008/layout/HorizontalMultiLevelHierarchy"/>
     <dgm:cxn modelId="{05A5B4A7-B7E2-4BBB-B8F4-A058DCCC05C9}" type="presOf" srcId="{82ED300F-4774-479D-9122-D180B42D177D}" destId="{1AAB01F9-99AE-493C-BEDD-F0A0D16CFF6F}" srcOrd="0" destOrd="0" presId="urn:microsoft.com/office/officeart/2008/layout/HorizontalMultiLevelHierarchy"/>
     <dgm:cxn modelId="{FFCBB8E3-5D00-4E6A-8603-C63BFA6AFD35}" type="presParOf" srcId="{A5E803C9-FFF1-4AA7-B635-B101B534B6FD}" destId="{FC21FBBD-0DD6-47D0-BA06-271A6E68EB20}" srcOrd="0" destOrd="0" presId="urn:microsoft.com/office/officeart/2008/layout/HorizontalMultiLevelHierarchy"/>
     <dgm:cxn modelId="{55E3A560-8895-465D-87CC-0692138EA0ED}" type="presParOf" srcId="{FC21FBBD-0DD6-47D0-BA06-271A6E68EB20}" destId="{DABE7DC3-E876-457D-8BAE-3E20B9A53583}" srcOrd="0" destOrd="0" presId="urn:microsoft.com/office/officeart/2008/layout/HorizontalMultiLevelHierarchy"/>
@@ -3199,7 +3269,7 @@
           <a:p>
             <a:fld id="{99BD05F2-0D36-452A-A4D7-FB9260DC9BFB}" type="datetimeFigureOut">
               <a:rPr lang="zh-CN" altLang="en-US" smtClean="0"/>
-              <a:t>2012/5/30</a:t>
+              <a:t>2012/6/2</a:t>
             </a:fld>
             <a:endParaRPr lang="zh-CN" altLang="en-US"/>
           </a:p>
@@ -3704,7 +3774,7 @@
               <a:pPr>
                 <a:defRPr/>
               </a:pPr>
-              <a:t>2012/5/29</a:t>
+              <a:t>2012/6/2</a:t>
             </a:fld>
             <a:endParaRPr lang="zh-CN" altLang="en-US" sz="1800">
               <a:solidFill>
@@ -3915,7 +3985,7 @@
               <a:pPr>
                 <a:defRPr/>
               </a:pPr>
-              <a:t>2012/5/29</a:t>
+              <a:t>2012/6/2</a:t>
             </a:fld>
             <a:endParaRPr lang="zh-CN" altLang="en-US" sz="1800">
               <a:solidFill>
@@ -4136,7 +4206,7 @@
               <a:pPr>
                 <a:defRPr/>
               </a:pPr>
-              <a:t>2012/5/29</a:t>
+              <a:t>2012/6/2</a:t>
             </a:fld>
             <a:endParaRPr lang="zh-CN" altLang="en-US" sz="1800">
               <a:solidFill>
@@ -4300,7 +4370,7 @@
               <a:pPr>
                 <a:defRPr/>
               </a:pPr>
-              <a:t>2012/5/29</a:t>
+              <a:t>2012/6/2</a:t>
             </a:fld>
             <a:endParaRPr lang="zh-CN" altLang="en-US" sz="1800">
               <a:solidFill>
@@ -4511,7 +4581,7 @@
               <a:pPr>
                 <a:defRPr/>
               </a:pPr>
-              <a:t>2012/5/29</a:t>
+              <a:t>2012/6/2</a:t>
             </a:fld>
             <a:endParaRPr lang="zh-CN" altLang="en-US" sz="1800">
               <a:solidFill>
@@ -4744,7 +4814,7 @@
               <a:pPr>
                 <a:defRPr/>
               </a:pPr>
-              <a:t>2012/5/29</a:t>
+              <a:t>2012/6/2</a:t>
             </a:fld>
             <a:endParaRPr lang="zh-CN" altLang="en-US" sz="1800">
               <a:solidFill>
@@ -5073,7 +5143,7 @@
               <a:pPr>
                 <a:defRPr/>
               </a:pPr>
-              <a:t>2012/5/29</a:t>
+              <a:t>2012/6/2</a:t>
             </a:fld>
             <a:endParaRPr lang="zh-CN" altLang="en-US" sz="1800">
               <a:solidFill>
@@ -5541,7 +5611,7 @@
               <a:pPr>
                 <a:defRPr/>
               </a:pPr>
-              <a:t>2012/5/29</a:t>
+              <a:t>2012/6/2</a:t>
             </a:fld>
             <a:endParaRPr lang="zh-CN" altLang="en-US" sz="1800">
               <a:solidFill>
@@ -5700,7 +5770,7 @@
               <a:pPr>
                 <a:defRPr/>
               </a:pPr>
-              <a:t>2012/5/29</a:t>
+              <a:t>2012/6/2</a:t>
             </a:fld>
             <a:endParaRPr lang="zh-CN" altLang="en-US" sz="1800">
               <a:solidFill>
@@ -5836,7 +5906,7 @@
               <a:pPr>
                 <a:defRPr/>
               </a:pPr>
-              <a:t>2012/5/29</a:t>
+              <a:t>2012/6/2</a:t>
             </a:fld>
             <a:endParaRPr lang="zh-CN" altLang="en-US" sz="1800">
               <a:solidFill>
@@ -6154,7 +6224,7 @@
               <a:pPr>
                 <a:defRPr/>
               </a:pPr>
-              <a:t>2012/5/29</a:t>
+              <a:t>2012/6/2</a:t>
             </a:fld>
             <a:endParaRPr lang="zh-CN" altLang="en-US" sz="1800">
               <a:solidFill>
@@ -6451,7 +6521,7 @@
               <a:pPr>
                 <a:defRPr/>
               </a:pPr>
-              <a:t>2012/5/29</a:t>
+              <a:t>2012/6/2</a:t>
             </a:fld>
             <a:endParaRPr lang="zh-CN" altLang="en-US" sz="1800">
               <a:solidFill>
@@ -6686,7 +6756,7 @@
                 </a:spcAft>
                 <a:defRPr/>
               </a:pPr>
-              <a:t>2012/5/29</a:t>
+              <a:t>2012/6/2</a:t>
             </a:fld>
             <a:endParaRPr lang="zh-CN" altLang="en-US">
               <a:ea typeface="宋体" pitchFamily="2" charset="-122"/>
@@ -7793,7 +7863,7 @@
               <a:pPr>
                 <a:defRPr/>
               </a:pPr>
-              <a:t>2012/5/29</a:t>
+              <a:t>2012/6/2</a:t>
             </a:fld>
             <a:endParaRPr lang="zh-CN" altLang="en-US" sz="1800">
               <a:solidFill>
@@ -8153,7 +8223,7 @@
               <a:pPr>
                 <a:defRPr/>
               </a:pPr>
-              <a:t>2012/5/30</a:t>
+              <a:t>2012/6/2</a:t>
             </a:fld>
             <a:endParaRPr lang="zh-CN" altLang="en-US" sz="1800">
               <a:solidFill>
@@ -8459,7 +8529,7 @@
               <a:pPr>
                 <a:defRPr/>
               </a:pPr>
-              <a:t>2012/5/30</a:t>
+              <a:t>2012/6/2</a:t>
             </a:fld>
             <a:endParaRPr lang="zh-CN" altLang="en-US" sz="1800">
               <a:solidFill>
@@ -9076,7 +9146,7 @@
               <a:pPr>
                 <a:defRPr/>
               </a:pPr>
-              <a:t>2012/5/30</a:t>
+              <a:t>2012/6/2</a:t>
             </a:fld>
             <a:endParaRPr lang="zh-CN" altLang="en-US" sz="1800">
               <a:solidFill>
@@ -9222,6 +9292,36 @@
           <a:p>
             <a:pPr algn="ctr"/>
             <a:endParaRPr lang="zh-CN" altLang="en-US"/>
+          </a:p>
+        </p:txBody>
+      </p:sp>
+      <p:sp>
+        <p:nvSpPr>
+          <p:cNvPr id="7" name="TextBox 6"/>
+          <p:cNvSpPr txBox="1"/>
+          <p:nvPr/>
+        </p:nvSpPr>
+        <p:spPr>
+          <a:xfrm>
+            <a:off x="1256968" y="4941168"/>
+            <a:ext cx="4395152" cy="523220"/>
+          </a:xfrm>
+          <a:prstGeom prst="rect">
+            <a:avLst/>
+          </a:prstGeom>
+          <a:noFill/>
+        </p:spPr>
+        <p:txBody>
+          <a:bodyPr wrap="square" rtlCol="0">
+            <a:spAutoFit/>
+          </a:bodyPr>
+          <a:lstStyle/>
+          <a:p>
+            <a:r>
+              <a:rPr lang="en-US" altLang="zh-CN" sz="2800" dirty="0" smtClean="0"/>
+              <a:t>/folder2/folder3/file3</a:t>
+            </a:r>
+            <a:endParaRPr lang="zh-CN" altLang="en-US" sz="2800" dirty="0"/>
           </a:p>
         </p:txBody>
       </p:sp>
@@ -9349,6 +9449,59 @@
                       </p:childTnLst>
                     </p:cTn>
                   </p:par>
+                  <p:par>
+                    <p:cTn id="13" fill="hold">
+                      <p:stCondLst>
+                        <p:cond delay="indefinite"/>
+                      </p:stCondLst>
+                      <p:childTnLst>
+                        <p:par>
+                          <p:cTn id="14" fill="hold">
+                            <p:stCondLst>
+                              <p:cond delay="0"/>
+                            </p:stCondLst>
+                            <p:childTnLst>
+                              <p:par>
+                                <p:cTn id="15" presetID="10" presetClass="entr" presetSubtype="0" fill="hold" grpId="0" nodeType="clickEffect">
+                                  <p:stCondLst>
+                                    <p:cond delay="0"/>
+                                  </p:stCondLst>
+                                  <p:childTnLst>
+                                    <p:set>
+                                      <p:cBhvr>
+                                        <p:cTn id="16" dur="1" fill="hold">
+                                          <p:stCondLst>
+                                            <p:cond delay="0"/>
+                                          </p:stCondLst>
+                                        </p:cTn>
+                                        <p:tgtEl>
+                                          <p:spTgt spid="7"/>
+                                        </p:tgtEl>
+                                        <p:attrNameLst>
+                                          <p:attrName>style.visibility</p:attrName>
+                                        </p:attrNameLst>
+                                      </p:cBhvr>
+                                      <p:to>
+                                        <p:strVal val="visible"/>
+                                      </p:to>
+                                    </p:set>
+                                    <p:animEffect transition="in" filter="fade">
+                                      <p:cBhvr>
+                                        <p:cTn id="17" dur="500"/>
+                                        <p:tgtEl>
+                                          <p:spTgt spid="7"/>
+                                        </p:tgtEl>
+                                      </p:cBhvr>
+                                    </p:animEffect>
+                                  </p:childTnLst>
+                                </p:cTn>
+                              </p:par>
+                            </p:childTnLst>
+                          </p:cTn>
+                        </p:par>
+                      </p:childTnLst>
+                    </p:cTn>
+                  </p:par>
                 </p:childTnLst>
               </p:cTn>
               <p:prevCondLst>
@@ -9372,6 +9525,7 @@
     </p:tnLst>
     <p:bldLst>
       <p:bldP spid="5" grpId="0"/>
+      <p:bldP spid="7" grpId="0"/>
     </p:bldLst>
   </p:timing>
 </p:sld>
@@ -9467,7 +9621,7 @@
               <a:pPr>
                 <a:defRPr/>
               </a:pPr>
-              <a:t>2012/5/30</a:t>
+              <a:t>2012/6/2</a:t>
             </a:fld>
             <a:endParaRPr lang="zh-CN" altLang="en-US" sz="1800">
               <a:solidFill>
@@ -10019,6 +10173,44 @@
           </a:p>
         </p:txBody>
       </p:sp>
+      <p:sp>
+        <p:nvSpPr>
+          <p:cNvPr id="8" name="圆角矩形 7"/>
+          <p:cNvSpPr/>
+          <p:nvPr/>
+        </p:nvSpPr>
+        <p:spPr>
+          <a:xfrm>
+            <a:off x="2051720" y="3329989"/>
+            <a:ext cx="792088" cy="45719"/>
+          </a:xfrm>
+          <a:prstGeom prst="roundRect">
+            <a:avLst/>
+          </a:prstGeom>
+        </p:spPr>
+        <p:style>
+          <a:lnRef idx="1">
+            <a:schemeClr val="accent1"/>
+          </a:lnRef>
+          <a:fillRef idx="2">
+            <a:schemeClr val="accent1"/>
+          </a:fillRef>
+          <a:effectRef idx="1">
+            <a:schemeClr val="accent1"/>
+          </a:effectRef>
+          <a:fontRef idx="minor">
+            <a:schemeClr val="dk1"/>
+          </a:fontRef>
+        </p:style>
+        <p:txBody>
+          <a:bodyPr rtlCol="0" anchor="ctr"/>
+          <a:lstStyle/>
+          <a:p>
+            <a:pPr algn="ctr"/>
+            <a:endParaRPr lang="zh-CN" altLang="en-US"/>
+          </a:p>
+        </p:txBody>
+      </p:sp>
     </p:spTree>
     <p:extLst>
       <p:ext uri="{BB962C8B-B14F-4D97-AF65-F5344CB8AC3E}">
@@ -10181,7 +10373,7 @@
               <a:pPr>
                 <a:defRPr/>
               </a:pPr>
-              <a:t>2012/5/30</a:t>
+              <a:t>2012/6/2</a:t>
             </a:fld>
             <a:endParaRPr lang="zh-CN" altLang="en-US" sz="1800">
               <a:solidFill>
@@ -10389,15 +10581,7 @@
                   <a:schemeClr val="accent1"/>
                 </a:solidFill>
               </a:rPr>
-              <a:t>设</a:t>
-            </a:r>
-            <a:r>
-              <a:rPr lang="zh-CN" altLang="en-US" b="1" dirty="0">
-                <a:solidFill>
-                  <a:schemeClr val="accent1"/>
-                </a:solidFill>
-              </a:rPr>
-              <a:t>计亮点</a:t>
+              <a:t>设计亮点</a:t>
             </a:r>
             <a:endParaRPr lang="en-US" altLang="zh-CN" b="1" dirty="0">
               <a:solidFill>
@@ -10440,7 +10624,7 @@
             <a:fld id="{5D94B634-8826-444B-9C1B-A7D7EF79C640}" type="datetime1">
               <a:rPr lang="zh-CN" altLang="en-US" smtClean="0"/>
               <a:pPr/>
-              <a:t>2012/5/29</a:t>
+              <a:t>2012/6/2</a:t>
             </a:fld>
             <a:endParaRPr lang="zh-CN" altLang="en-US" smtClean="0"/>
           </a:p>
@@ -10557,7 +10741,7 @@
               <a:pPr>
                 <a:defRPr/>
               </a:pPr>
-              <a:t>2012/5/29</a:t>
+              <a:t>2012/6/2</a:t>
             </a:fld>
             <a:endParaRPr lang="zh-CN" altLang="en-US" sz="1800">
               <a:solidFill>
@@ -10568,8 +10752,8 @@
           </a:p>
         </p:txBody>
       </p:sp>
-      <mc:AlternateContent xmlns:mc="http://schemas.openxmlformats.org/markup-compatibility/2006">
-        <mc:Choice xmlns:a14="http://schemas.microsoft.com/office/drawing/2010/main" Requires="a14">
+      <mc:AlternateContent xmlns:mc="http://schemas.openxmlformats.org/markup-compatibility/2006" xmlns:a14="http://schemas.microsoft.com/office/drawing/2010/main">
+        <mc:Choice Requires="a14">
           <p:sp>
             <p:nvSpPr>
               <p:cNvPr id="5" name="矩形 4"/>
@@ -10654,7 +10838,7 @@
             </p:txBody>
           </p:sp>
         </mc:Choice>
-        <mc:Fallback>
+        <mc:Fallback xmlns="">
           <p:sp>
             <p:nvSpPr>
               <p:cNvPr id="5" name="矩形 4"/>
@@ -10914,21 +11098,8 @@
                   <a:schemeClr val="accent1"/>
                 </a:solidFill>
               </a:rPr>
-              <a:t>成</a:t>
-            </a:r>
-            <a:r>
-              <a:rPr lang="zh-CN" altLang="en-US" b="1" dirty="0">
-                <a:solidFill>
-                  <a:schemeClr val="accent1"/>
-                </a:solidFill>
-              </a:rPr>
-              <a:t>果展示</a:t>
-            </a:r>
-            <a:endParaRPr lang="zh-CN" altLang="en-US" b="1" dirty="0">
-              <a:solidFill>
-                <a:schemeClr val="accent1"/>
-              </a:solidFill>
-            </a:endParaRPr>
+              <a:t>成果展示</a:t>
+            </a:r>
           </a:p>
         </p:txBody>
       </p:sp>
@@ -10950,7 +11121,7 @@
             <a:fld id="{5D94B634-8826-444B-9C1B-A7D7EF79C640}" type="datetime1">
               <a:rPr lang="zh-CN" altLang="en-US" smtClean="0"/>
               <a:pPr/>
-              <a:t>2012/5/29</a:t>
+              <a:t>2012/6/2</a:t>
             </a:fld>
             <a:endParaRPr lang="zh-CN" altLang="en-US" smtClean="0"/>
           </a:p>
@@ -11018,25 +11189,6 @@
       </p:sp>
       <p:sp>
         <p:nvSpPr>
-          <p:cNvPr id="3" name="内容占位符 2"/>
-          <p:cNvSpPr>
-            <a:spLocks noGrp="1"/>
-          </p:cNvSpPr>
-          <p:nvPr>
-            <p:ph idx="1"/>
-          </p:nvPr>
-        </p:nvSpPr>
-        <p:spPr/>
-        <p:txBody>
-          <a:bodyPr/>
-          <a:lstStyle/>
-          <a:p>
-            <a:endParaRPr lang="zh-CN" altLang="en-US"/>
-          </a:p>
-        </p:txBody>
-      </p:sp>
-      <p:sp>
-        <p:nvSpPr>
           <p:cNvPr id="4" name="日期占位符 3"/>
           <p:cNvSpPr>
             <a:spLocks noGrp="1"/>
@@ -11058,7 +11210,7 @@
               <a:pPr>
                 <a:defRPr/>
               </a:pPr>
-              <a:t>2012/5/29</a:t>
+              <a:t>2012/6/2</a:t>
             </a:fld>
             <a:endParaRPr lang="zh-CN" altLang="en-US" sz="1800">
               <a:solidFill>
@@ -11235,7 +11387,7 @@
             <a:fld id="{5D94B634-8826-444B-9C1B-A7D7EF79C640}" type="datetime1">
               <a:rPr lang="zh-CN" altLang="en-US" smtClean="0"/>
               <a:pPr/>
-              <a:t>2012/5/29</a:t>
+              <a:t>2012/6/2</a:t>
             </a:fld>
             <a:endParaRPr lang="zh-CN" altLang="en-US" smtClean="0"/>
           </a:p>
@@ -11370,7 +11522,7 @@
               <a:pPr>
                 <a:defRPr/>
               </a:pPr>
-              <a:t>2012/5/29</a:t>
+              <a:t>2012/6/2</a:t>
             </a:fld>
             <a:endParaRPr lang="zh-CN" altLang="en-US" sz="1800">
               <a:solidFill>
@@ -11555,7 +11707,7 @@
             <a:fld id="{5D94B634-8826-444B-9C1B-A7D7EF79C640}" type="datetime1">
               <a:rPr lang="zh-CN" altLang="en-US" smtClean="0"/>
               <a:pPr/>
-              <a:t>2012/5/29</a:t>
+              <a:t>2012/6/2</a:t>
             </a:fld>
             <a:endParaRPr lang="zh-CN" altLang="en-US" smtClean="0"/>
           </a:p>
@@ -12115,7 +12267,7 @@
               <a:pPr>
                 <a:defRPr/>
               </a:pPr>
-              <a:t>2012/5/29</a:t>
+              <a:t>2012/6/2</a:t>
             </a:fld>
             <a:endParaRPr lang="zh-CN" altLang="en-US" sz="1800">
               <a:solidFill>
@@ -12765,15 +12917,7 @@
                   <a:schemeClr val="accent1"/>
                 </a:solidFill>
               </a:rPr>
-              <a:t>系</a:t>
-            </a:r>
-            <a:r>
-              <a:rPr lang="zh-CN" altLang="en-US" b="1" dirty="0">
-                <a:solidFill>
-                  <a:schemeClr val="accent1"/>
-                </a:solidFill>
-              </a:rPr>
-              <a:t>统架构</a:t>
+              <a:t>系统架构</a:t>
             </a:r>
             <a:endParaRPr lang="en-US" altLang="zh-CN" b="1" dirty="0">
               <a:solidFill>
@@ -12846,7 +12990,7 @@
             <a:fld id="{5D94B634-8826-444B-9C1B-A7D7EF79C640}" type="datetime1">
               <a:rPr lang="zh-CN" altLang="en-US" smtClean="0"/>
               <a:pPr/>
-              <a:t>2012/5/29</a:t>
+              <a:t>2012/6/2</a:t>
             </a:fld>
             <a:endParaRPr lang="zh-CN" altLang="en-US" smtClean="0"/>
           </a:p>
@@ -12935,7 +13079,7 @@
               <a:pPr>
                 <a:defRPr/>
               </a:pPr>
-              <a:t>2012/5/29</a:t>
+              <a:t>2012/6/2</a:t>
             </a:fld>
             <a:endParaRPr lang="zh-CN" altLang="en-US" sz="1800">
               <a:solidFill>
@@ -12969,7 +13113,7 @@
         </p:blipFill>
         <p:spPr bwMode="auto">
           <a:xfrm>
-            <a:off x="3815916" y="1412776"/>
+            <a:off x="2339752" y="1462686"/>
             <a:ext cx="4392488" cy="4507601"/>
           </a:xfrm>
           <a:prstGeom prst="rect">
@@ -13122,15 +13266,7 @@
                   <a:schemeClr val="accent1"/>
                 </a:solidFill>
               </a:rPr>
-              <a:t>项</a:t>
-            </a:r>
-            <a:r>
-              <a:rPr lang="zh-CN" altLang="en-US" b="1" dirty="0">
-                <a:solidFill>
-                  <a:schemeClr val="accent1"/>
-                </a:solidFill>
-              </a:rPr>
-              <a:t>目难点</a:t>
+              <a:t>项目难点</a:t>
             </a:r>
             <a:endParaRPr lang="en-US" altLang="zh-CN" b="1" dirty="0">
               <a:solidFill>
@@ -13188,7 +13324,7 @@
             <a:fld id="{5D94B634-8826-444B-9C1B-A7D7EF79C640}" type="datetime1">
               <a:rPr lang="zh-CN" altLang="en-US" smtClean="0"/>
               <a:pPr/>
-              <a:t>2012/5/29</a:t>
+              <a:t>2012/6/2</a:t>
             </a:fld>
             <a:endParaRPr lang="zh-CN" altLang="en-US" smtClean="0"/>
           </a:p>
@@ -13318,7 +13454,7 @@
               <a:pPr>
                 <a:defRPr/>
               </a:pPr>
-              <a:t>2012/5/29</a:t>
+              <a:t>2012/6/2</a:t>
             </a:fld>
             <a:endParaRPr lang="zh-CN" altLang="en-US" sz="1800">
               <a:solidFill>
@@ -13445,7 +13581,7 @@
               <a:pPr>
                 <a:defRPr/>
               </a:pPr>
-              <a:t>2012/5/29</a:t>
+              <a:t>2012/6/2</a:t>
             </a:fld>
             <a:endParaRPr lang="zh-CN" altLang="en-US" sz="1800">
               <a:solidFill>

--- a/work/毕业设计_答辩.pptx
+++ b/work/毕业设计_答辩.pptx
@@ -3269,7 +3269,7 @@
           <a:p>
             <a:fld id="{99BD05F2-0D36-452A-A4D7-FB9260DC9BFB}" type="datetimeFigureOut">
               <a:rPr lang="zh-CN" altLang="en-US" smtClean="0"/>
-              <a:t>2012/6/2</a:t>
+              <a:t>2012/6/4</a:t>
             </a:fld>
             <a:endParaRPr lang="zh-CN" altLang="en-US"/>
           </a:p>
@@ -3774,7 +3774,7 @@
               <a:pPr>
                 <a:defRPr/>
               </a:pPr>
-              <a:t>2012/6/2</a:t>
+              <a:t>2012/6/4</a:t>
             </a:fld>
             <a:endParaRPr lang="zh-CN" altLang="en-US" sz="1800">
               <a:solidFill>
@@ -3985,7 +3985,7 @@
               <a:pPr>
                 <a:defRPr/>
               </a:pPr>
-              <a:t>2012/6/2</a:t>
+              <a:t>2012/6/4</a:t>
             </a:fld>
             <a:endParaRPr lang="zh-CN" altLang="en-US" sz="1800">
               <a:solidFill>
@@ -4206,7 +4206,7 @@
               <a:pPr>
                 <a:defRPr/>
               </a:pPr>
-              <a:t>2012/6/2</a:t>
+              <a:t>2012/6/4</a:t>
             </a:fld>
             <a:endParaRPr lang="zh-CN" altLang="en-US" sz="1800">
               <a:solidFill>
@@ -4370,7 +4370,7 @@
               <a:pPr>
                 <a:defRPr/>
               </a:pPr>
-              <a:t>2012/6/2</a:t>
+              <a:t>2012/6/4</a:t>
             </a:fld>
             <a:endParaRPr lang="zh-CN" altLang="en-US" sz="1800">
               <a:solidFill>
@@ -4581,7 +4581,7 @@
               <a:pPr>
                 <a:defRPr/>
               </a:pPr>
-              <a:t>2012/6/2</a:t>
+              <a:t>2012/6/4</a:t>
             </a:fld>
             <a:endParaRPr lang="zh-CN" altLang="en-US" sz="1800">
               <a:solidFill>
@@ -4814,7 +4814,7 @@
               <a:pPr>
                 <a:defRPr/>
               </a:pPr>
-              <a:t>2012/6/2</a:t>
+              <a:t>2012/6/4</a:t>
             </a:fld>
             <a:endParaRPr lang="zh-CN" altLang="en-US" sz="1800">
               <a:solidFill>
@@ -5143,7 +5143,7 @@
               <a:pPr>
                 <a:defRPr/>
               </a:pPr>
-              <a:t>2012/6/2</a:t>
+              <a:t>2012/6/4</a:t>
             </a:fld>
             <a:endParaRPr lang="zh-CN" altLang="en-US" sz="1800">
               <a:solidFill>
@@ -5611,7 +5611,7 @@
               <a:pPr>
                 <a:defRPr/>
               </a:pPr>
-              <a:t>2012/6/2</a:t>
+              <a:t>2012/6/4</a:t>
             </a:fld>
             <a:endParaRPr lang="zh-CN" altLang="en-US" sz="1800">
               <a:solidFill>
@@ -5770,7 +5770,7 @@
               <a:pPr>
                 <a:defRPr/>
               </a:pPr>
-              <a:t>2012/6/2</a:t>
+              <a:t>2012/6/4</a:t>
             </a:fld>
             <a:endParaRPr lang="zh-CN" altLang="en-US" sz="1800">
               <a:solidFill>
@@ -5906,7 +5906,7 @@
               <a:pPr>
                 <a:defRPr/>
               </a:pPr>
-              <a:t>2012/6/2</a:t>
+              <a:t>2012/6/4</a:t>
             </a:fld>
             <a:endParaRPr lang="zh-CN" altLang="en-US" sz="1800">
               <a:solidFill>
@@ -6224,7 +6224,7 @@
               <a:pPr>
                 <a:defRPr/>
               </a:pPr>
-              <a:t>2012/6/2</a:t>
+              <a:t>2012/6/4</a:t>
             </a:fld>
             <a:endParaRPr lang="zh-CN" altLang="en-US" sz="1800">
               <a:solidFill>
@@ -6521,7 +6521,7 @@
               <a:pPr>
                 <a:defRPr/>
               </a:pPr>
-              <a:t>2012/6/2</a:t>
+              <a:t>2012/6/4</a:t>
             </a:fld>
             <a:endParaRPr lang="zh-CN" altLang="en-US" sz="1800">
               <a:solidFill>
@@ -6756,7 +6756,7 @@
                 </a:spcAft>
                 <a:defRPr/>
               </a:pPr>
-              <a:t>2012/6/2</a:t>
+              <a:t>2012/6/4</a:t>
             </a:fld>
             <a:endParaRPr lang="zh-CN" altLang="en-US">
               <a:ea typeface="宋体" pitchFamily="2" charset="-122"/>
@@ -7863,7 +7863,7 @@
               <a:pPr>
                 <a:defRPr/>
               </a:pPr>
-              <a:t>2012/6/2</a:t>
+              <a:t>2012/6/4</a:t>
             </a:fld>
             <a:endParaRPr lang="zh-CN" altLang="en-US" sz="1800">
               <a:solidFill>
@@ -8223,7 +8223,7 @@
               <a:pPr>
                 <a:defRPr/>
               </a:pPr>
-              <a:t>2012/6/2</a:t>
+              <a:t>2012/6/4</a:t>
             </a:fld>
             <a:endParaRPr lang="zh-CN" altLang="en-US" sz="1800">
               <a:solidFill>
@@ -8529,7 +8529,7 @@
               <a:pPr>
                 <a:defRPr/>
               </a:pPr>
-              <a:t>2012/6/2</a:t>
+              <a:t>2012/6/4</a:t>
             </a:fld>
             <a:endParaRPr lang="zh-CN" altLang="en-US" sz="1800">
               <a:solidFill>
@@ -9146,7 +9146,7 @@
               <a:pPr>
                 <a:defRPr/>
               </a:pPr>
-              <a:t>2012/6/2</a:t>
+              <a:t>2012/6/4</a:t>
             </a:fld>
             <a:endParaRPr lang="zh-CN" altLang="en-US" sz="1800">
               <a:solidFill>
@@ -9621,7 +9621,7 @@
               <a:pPr>
                 <a:defRPr/>
               </a:pPr>
-              <a:t>2012/6/2</a:t>
+              <a:t>2012/6/4</a:t>
             </a:fld>
             <a:endParaRPr lang="zh-CN" altLang="en-US" sz="1800">
               <a:solidFill>
@@ -10373,7 +10373,7 @@
               <a:pPr>
                 <a:defRPr/>
               </a:pPr>
-              <a:t>2012/6/2</a:t>
+              <a:t>2012/6/4</a:t>
             </a:fld>
             <a:endParaRPr lang="zh-CN" altLang="en-US" sz="1800">
               <a:solidFill>
@@ -10624,7 +10624,7 @@
             <a:fld id="{5D94B634-8826-444B-9C1B-A7D7EF79C640}" type="datetime1">
               <a:rPr lang="zh-CN" altLang="en-US" smtClean="0"/>
               <a:pPr/>
-              <a:t>2012/6/2</a:t>
+              <a:t>2012/6/4</a:t>
             </a:fld>
             <a:endParaRPr lang="zh-CN" altLang="en-US" smtClean="0"/>
           </a:p>
@@ -10741,7 +10741,7 @@
               <a:pPr>
                 <a:defRPr/>
               </a:pPr>
-              <a:t>2012/6/2</a:t>
+              <a:t>2012/6/4</a:t>
             </a:fld>
             <a:endParaRPr lang="zh-CN" altLang="en-US" sz="1800">
               <a:solidFill>
@@ -11121,7 +11121,7 @@
             <a:fld id="{5D94B634-8826-444B-9C1B-A7D7EF79C640}" type="datetime1">
               <a:rPr lang="zh-CN" altLang="en-US" smtClean="0"/>
               <a:pPr/>
-              <a:t>2012/6/2</a:t>
+              <a:t>2012/6/4</a:t>
             </a:fld>
             <a:endParaRPr lang="zh-CN" altLang="en-US" smtClean="0"/>
           </a:p>
@@ -11210,7 +11210,7 @@
               <a:pPr>
                 <a:defRPr/>
               </a:pPr>
-              <a:t>2012/6/2</a:t>
+              <a:t>2012/6/4</a:t>
             </a:fld>
             <a:endParaRPr lang="zh-CN" altLang="en-US" sz="1800">
               <a:solidFill>
@@ -11387,7 +11387,7 @@
             <a:fld id="{5D94B634-8826-444B-9C1B-A7D7EF79C640}" type="datetime1">
               <a:rPr lang="zh-CN" altLang="en-US" smtClean="0"/>
               <a:pPr/>
-              <a:t>2012/6/2</a:t>
+              <a:t>2012/6/4</a:t>
             </a:fld>
             <a:endParaRPr lang="zh-CN" altLang="en-US" smtClean="0"/>
           </a:p>
@@ -11522,7 +11522,7 @@
               <a:pPr>
                 <a:defRPr/>
               </a:pPr>
-              <a:t>2012/6/2</a:t>
+              <a:t>2012/6/4</a:t>
             </a:fld>
             <a:endParaRPr lang="zh-CN" altLang="en-US" sz="1800">
               <a:solidFill>
@@ -11707,7 +11707,7 @@
             <a:fld id="{5D94B634-8826-444B-9C1B-A7D7EF79C640}" type="datetime1">
               <a:rPr lang="zh-CN" altLang="en-US" smtClean="0"/>
               <a:pPr/>
-              <a:t>2012/6/2</a:t>
+              <a:t>2012/6/4</a:t>
             </a:fld>
             <a:endParaRPr lang="zh-CN" altLang="en-US" smtClean="0"/>
           </a:p>
@@ -12267,7 +12267,7 @@
               <a:pPr>
                 <a:defRPr/>
               </a:pPr>
-              <a:t>2012/6/2</a:t>
+              <a:t>2012/6/4</a:t>
             </a:fld>
             <a:endParaRPr lang="zh-CN" altLang="en-US" sz="1800">
               <a:solidFill>
@@ -12990,7 +12990,7 @@
             <a:fld id="{5D94B634-8826-444B-9C1B-A7D7EF79C640}" type="datetime1">
               <a:rPr lang="zh-CN" altLang="en-US" smtClean="0"/>
               <a:pPr/>
-              <a:t>2012/6/2</a:t>
+              <a:t>2012/6/4</a:t>
             </a:fld>
             <a:endParaRPr lang="zh-CN" altLang="en-US" smtClean="0"/>
           </a:p>
@@ -13079,7 +13079,7 @@
               <a:pPr>
                 <a:defRPr/>
               </a:pPr>
-              <a:t>2012/6/2</a:t>
+              <a:t>2012/6/4</a:t>
             </a:fld>
             <a:endParaRPr lang="zh-CN" altLang="en-US" sz="1800">
               <a:solidFill>
@@ -13324,7 +13324,7 @@
             <a:fld id="{5D94B634-8826-444B-9C1B-A7D7EF79C640}" type="datetime1">
               <a:rPr lang="zh-CN" altLang="en-US" smtClean="0"/>
               <a:pPr/>
-              <a:t>2012/6/2</a:t>
+              <a:t>2012/6/4</a:t>
             </a:fld>
             <a:endParaRPr lang="zh-CN" altLang="en-US" smtClean="0"/>
           </a:p>
@@ -13454,7 +13454,7 @@
               <a:pPr>
                 <a:defRPr/>
               </a:pPr>
-              <a:t>2012/6/2</a:t>
+              <a:t>2012/6/4</a:t>
             </a:fld>
             <a:endParaRPr lang="zh-CN" altLang="en-US" sz="1800">
               <a:solidFill>
@@ -13581,7 +13581,7 @@
               <a:pPr>
                 <a:defRPr/>
               </a:pPr>
-              <a:t>2012/6/2</a:t>
+              <a:t>2012/6/4</a:t>
             </a:fld>
             <a:endParaRPr lang="zh-CN" altLang="en-US" sz="1800">
               <a:solidFill>

--- a/work/毕业设计_答辩.pptx
+++ b/work/毕业设计_答辩.pptx
@@ -5,29 +5,30 @@
     <p:sldMasterId id="2147483661" r:id="rId1"/>
   </p:sldMasterIdLst>
   <p:notesMasterIdLst>
-    <p:notesMasterId r:id="rId22"/>
+    <p:notesMasterId r:id="rId23"/>
   </p:notesMasterIdLst>
   <p:sldIdLst>
     <p:sldId id="258" r:id="rId2"/>
     <p:sldId id="259" r:id="rId3"/>
     <p:sldId id="263" r:id="rId4"/>
-    <p:sldId id="268" r:id="rId5"/>
-    <p:sldId id="264" r:id="rId6"/>
-    <p:sldId id="269" r:id="rId7"/>
-    <p:sldId id="265" r:id="rId8"/>
-    <p:sldId id="270" r:id="rId9"/>
-    <p:sldId id="271" r:id="rId10"/>
-    <p:sldId id="273" r:id="rId11"/>
-    <p:sldId id="274" r:id="rId12"/>
-    <p:sldId id="275" r:id="rId13"/>
-    <p:sldId id="276" r:id="rId14"/>
-    <p:sldId id="277" r:id="rId15"/>
-    <p:sldId id="278" r:id="rId16"/>
-    <p:sldId id="266" r:id="rId17"/>
-    <p:sldId id="272" r:id="rId18"/>
-    <p:sldId id="267" r:id="rId19"/>
-    <p:sldId id="260" r:id="rId20"/>
-    <p:sldId id="261" r:id="rId21"/>
+    <p:sldId id="279" r:id="rId5"/>
+    <p:sldId id="268" r:id="rId6"/>
+    <p:sldId id="264" r:id="rId7"/>
+    <p:sldId id="269" r:id="rId8"/>
+    <p:sldId id="265" r:id="rId9"/>
+    <p:sldId id="270" r:id="rId10"/>
+    <p:sldId id="271" r:id="rId11"/>
+    <p:sldId id="273" r:id="rId12"/>
+    <p:sldId id="274" r:id="rId13"/>
+    <p:sldId id="275" r:id="rId14"/>
+    <p:sldId id="276" r:id="rId15"/>
+    <p:sldId id="277" r:id="rId16"/>
+    <p:sldId id="278" r:id="rId17"/>
+    <p:sldId id="266" r:id="rId18"/>
+    <p:sldId id="272" r:id="rId19"/>
+    <p:sldId id="267" r:id="rId20"/>
+    <p:sldId id="260" r:id="rId21"/>
+    <p:sldId id="261" r:id="rId22"/>
   </p:sldIdLst>
   <p:sldSz cx="9144000" cy="6858000" type="screen4x3"/>
   <p:notesSz cx="6858000" cy="9144000"/>
@@ -3269,7 +3270,7 @@
           <a:p>
             <a:fld id="{99BD05F2-0D36-452A-A4D7-FB9260DC9BFB}" type="datetimeFigureOut">
               <a:rPr lang="zh-CN" altLang="en-US" smtClean="0"/>
-              <a:t>2012/6/4</a:t>
+              <a:t>2012/6/7</a:t>
             </a:fld>
             <a:endParaRPr lang="zh-CN" altLang="en-US"/>
           </a:p>
@@ -3618,7 +3619,7 @@
           <a:p>
             <a:fld id="{D3AEAA03-8AC9-44A6-AD9F-4DE470113ACE}" type="slidenum">
               <a:rPr lang="zh-CN" altLang="en-US" smtClean="0"/>
-              <a:t>11</a:t>
+              <a:t>12</a:t>
             </a:fld>
             <a:endParaRPr lang="zh-CN" altLang="en-US"/>
           </a:p>
@@ -3774,7 +3775,7 @@
               <a:pPr>
                 <a:defRPr/>
               </a:pPr>
-              <a:t>2012/6/4</a:t>
+              <a:t>2012/6/7</a:t>
             </a:fld>
             <a:endParaRPr lang="zh-CN" altLang="en-US" sz="1800">
               <a:solidFill>
@@ -3985,7 +3986,7 @@
               <a:pPr>
                 <a:defRPr/>
               </a:pPr>
-              <a:t>2012/6/4</a:t>
+              <a:t>2012/6/7</a:t>
             </a:fld>
             <a:endParaRPr lang="zh-CN" altLang="en-US" sz="1800">
               <a:solidFill>
@@ -4206,7 +4207,7 @@
               <a:pPr>
                 <a:defRPr/>
               </a:pPr>
-              <a:t>2012/6/4</a:t>
+              <a:t>2012/6/7</a:t>
             </a:fld>
             <a:endParaRPr lang="zh-CN" altLang="en-US" sz="1800">
               <a:solidFill>
@@ -4370,7 +4371,7 @@
               <a:pPr>
                 <a:defRPr/>
               </a:pPr>
-              <a:t>2012/6/4</a:t>
+              <a:t>2012/6/7</a:t>
             </a:fld>
             <a:endParaRPr lang="zh-CN" altLang="en-US" sz="1800">
               <a:solidFill>
@@ -4581,7 +4582,7 @@
               <a:pPr>
                 <a:defRPr/>
               </a:pPr>
-              <a:t>2012/6/4</a:t>
+              <a:t>2012/6/7</a:t>
             </a:fld>
             <a:endParaRPr lang="zh-CN" altLang="en-US" sz="1800">
               <a:solidFill>
@@ -4814,7 +4815,7 @@
               <a:pPr>
                 <a:defRPr/>
               </a:pPr>
-              <a:t>2012/6/4</a:t>
+              <a:t>2012/6/7</a:t>
             </a:fld>
             <a:endParaRPr lang="zh-CN" altLang="en-US" sz="1800">
               <a:solidFill>
@@ -5143,7 +5144,7 @@
               <a:pPr>
                 <a:defRPr/>
               </a:pPr>
-              <a:t>2012/6/4</a:t>
+              <a:t>2012/6/7</a:t>
             </a:fld>
             <a:endParaRPr lang="zh-CN" altLang="en-US" sz="1800">
               <a:solidFill>
@@ -5611,7 +5612,7 @@
               <a:pPr>
                 <a:defRPr/>
               </a:pPr>
-              <a:t>2012/6/4</a:t>
+              <a:t>2012/6/7</a:t>
             </a:fld>
             <a:endParaRPr lang="zh-CN" altLang="en-US" sz="1800">
               <a:solidFill>
@@ -5770,7 +5771,7 @@
               <a:pPr>
                 <a:defRPr/>
               </a:pPr>
-              <a:t>2012/6/4</a:t>
+              <a:t>2012/6/7</a:t>
             </a:fld>
             <a:endParaRPr lang="zh-CN" altLang="en-US" sz="1800">
               <a:solidFill>
@@ -5906,7 +5907,7 @@
               <a:pPr>
                 <a:defRPr/>
               </a:pPr>
-              <a:t>2012/6/4</a:t>
+              <a:t>2012/6/7</a:t>
             </a:fld>
             <a:endParaRPr lang="zh-CN" altLang="en-US" sz="1800">
               <a:solidFill>
@@ -6224,7 +6225,7 @@
               <a:pPr>
                 <a:defRPr/>
               </a:pPr>
-              <a:t>2012/6/4</a:t>
+              <a:t>2012/6/7</a:t>
             </a:fld>
             <a:endParaRPr lang="zh-CN" altLang="en-US" sz="1800">
               <a:solidFill>
@@ -6521,7 +6522,7 @@
               <a:pPr>
                 <a:defRPr/>
               </a:pPr>
-              <a:t>2012/6/4</a:t>
+              <a:t>2012/6/7</a:t>
             </a:fld>
             <a:endParaRPr lang="zh-CN" altLang="en-US" sz="1800">
               <a:solidFill>
@@ -6756,7 +6757,7 @@
                 </a:spcAft>
                 <a:defRPr/>
               </a:pPr>
-              <a:t>2012/6/4</a:t>
+              <a:t>2012/6/7</a:t>
             </a:fld>
             <a:endParaRPr lang="zh-CN" altLang="en-US">
               <a:ea typeface="宋体" pitchFamily="2" charset="-122"/>
@@ -7789,7 +7790,7 @@
           <a:p>
             <a:r>
               <a:rPr lang="zh-CN" altLang="en-US" dirty="0" smtClean="0"/>
-              <a:t>桥接设计模式</a:t>
+              <a:t>预览图</a:t>
             </a:r>
             <a:endParaRPr lang="zh-CN" altLang="en-US" dirty="0"/>
           </a:p>
@@ -7812,29 +7813,17 @@
           <a:p>
             <a:r>
               <a:rPr lang="en-US" altLang="zh-CN" dirty="0" smtClean="0"/>
-              <a:t>Box.com </a:t>
-            </a:r>
-            <a:r>
-              <a:rPr lang="zh-CN" altLang="en-US" dirty="0" smtClean="0"/>
-              <a:t>的下载实现，文件</a:t>
+              <a:t>PDF</a:t>
+            </a:r>
+          </a:p>
+          <a:p>
+            <a:r>
+              <a:rPr lang="en-US" altLang="zh-CN" dirty="0" err="1" smtClean="0"/>
+              <a:t>Doc,xls,ppt</a:t>
             </a:r>
             <a:r>
               <a:rPr lang="en-US" altLang="zh-CN" dirty="0" smtClean="0"/>
-              <a:t>ID</a:t>
-            </a:r>
-          </a:p>
-          <a:p>
-            <a:r>
-              <a:rPr lang="en-US" altLang="zh-CN" dirty="0" err="1" smtClean="0"/>
-              <a:t>Dropbox</a:t>
-            </a:r>
-            <a:r>
-              <a:rPr lang="en-US" altLang="zh-CN" dirty="0" smtClean="0"/>
-              <a:t> </a:t>
-            </a:r>
-            <a:r>
-              <a:rPr lang="zh-CN" altLang="en-US" dirty="0" smtClean="0"/>
-              <a:t>文件路径</a:t>
+              <a:t> ?</a:t>
             </a:r>
             <a:endParaRPr lang="zh-CN" altLang="en-US" dirty="0"/>
           </a:p>
@@ -7863,7 +7852,715 @@
               <a:pPr>
                 <a:defRPr/>
               </a:pPr>
-              <a:t>2012/6/4</a:t>
+              <a:t>2012/6/7</a:t>
+            </a:fld>
+            <a:endParaRPr lang="zh-CN" altLang="en-US" sz="1800">
+              <a:solidFill>
+                <a:srgbClr val="000000"/>
+              </a:solidFill>
+              <a:ea typeface="宋体" pitchFamily="2" charset="-122"/>
+            </a:endParaRPr>
+          </a:p>
+        </p:txBody>
+      </p:sp>
+      <p:pic>
+        <p:nvPicPr>
+          <p:cNvPr id="3074" name="Picture 2"/>
+          <p:cNvPicPr>
+            <a:picLocks noChangeAspect="1" noChangeArrowheads="1"/>
+          </p:cNvPicPr>
+          <p:nvPr/>
+        </p:nvPicPr>
+        <p:blipFill>
+          <a:blip r:embed="rId2">
+            <a:extLst>
+              <a:ext uri="{28A0092B-C50C-407E-A947-70E740481C1C}">
+                <a14:useLocalDpi xmlns:a14="http://schemas.microsoft.com/office/drawing/2010/main" val="0"/>
+              </a:ext>
+            </a:extLst>
+          </a:blip>
+          <a:srcRect/>
+          <a:stretch>
+            <a:fillRect/>
+          </a:stretch>
+        </p:blipFill>
+        <p:spPr bwMode="auto">
+          <a:xfrm>
+            <a:off x="4067944" y="1286538"/>
+            <a:ext cx="4159086" cy="4661832"/>
+          </a:xfrm>
+          <a:prstGeom prst="rect">
+            <a:avLst/>
+          </a:prstGeom>
+          <a:noFill/>
+          <a:ln>
+            <a:noFill/>
+          </a:ln>
+          <a:effectLst/>
+          <a:extLst>
+            <a:ext uri="{909E8E84-426E-40DD-AFC4-6F175D3DCCD1}">
+              <a14:hiddenFill xmlns:a14="http://schemas.microsoft.com/office/drawing/2010/main">
+                <a:solidFill>
+                  <a:schemeClr val="accent1"/>
+                </a:solidFill>
+              </a14:hiddenFill>
+            </a:ext>
+            <a:ext uri="{91240B29-F687-4F45-9708-019B960494DF}">
+              <a14:hiddenLine xmlns:a14="http://schemas.microsoft.com/office/drawing/2010/main" w="9525">
+                <a:solidFill>
+                  <a:schemeClr val="tx1"/>
+                </a:solidFill>
+                <a:miter lim="800000"/>
+                <a:headEnd/>
+                <a:tailEnd/>
+              </a14:hiddenLine>
+            </a:ext>
+            <a:ext uri="{AF507438-7753-43E0-B8FC-AC1667EBCBE1}">
+              <a14:hiddenEffects xmlns:a14="http://schemas.microsoft.com/office/drawing/2010/main">
+                <a:effectLst>
+                  <a:outerShdw dist="35921" dir="2700000" algn="ctr" rotWithShape="0">
+                    <a:schemeClr val="bg2"/>
+                  </a:outerShdw>
+                </a:effectLst>
+              </a14:hiddenEffects>
+            </a:ext>
+          </a:extLst>
+        </p:spPr>
+      </p:pic>
+      <p:sp>
+        <p:nvSpPr>
+          <p:cNvPr id="5" name="椭圆 4"/>
+          <p:cNvSpPr/>
+          <p:nvPr/>
+        </p:nvSpPr>
+        <p:spPr>
+          <a:xfrm>
+            <a:off x="4067944" y="3140968"/>
+            <a:ext cx="1368152" cy="792088"/>
+          </a:xfrm>
+          <a:prstGeom prst="ellipse">
+            <a:avLst/>
+          </a:prstGeom>
+          <a:gradFill>
+            <a:gsLst>
+              <a:gs pos="0">
+                <a:schemeClr val="accent2">
+                  <a:tint val="50000"/>
+                  <a:satMod val="300000"/>
+                  <a:alpha val="14000"/>
+                </a:schemeClr>
+              </a:gs>
+              <a:gs pos="100000">
+                <a:schemeClr val="accent2">
+                  <a:tint val="37000"/>
+                  <a:satMod val="300000"/>
+                  <a:alpha val="10000"/>
+                  <a:lumMod val="90000"/>
+                  <a:lumOff val="10000"/>
+                </a:schemeClr>
+              </a:gs>
+              <a:gs pos="100000">
+                <a:schemeClr val="accent2">
+                  <a:tint val="15000"/>
+                  <a:satMod val="350000"/>
+                </a:schemeClr>
+              </a:gs>
+            </a:gsLst>
+          </a:gradFill>
+        </p:spPr>
+        <p:style>
+          <a:lnRef idx="1">
+            <a:schemeClr val="accent2"/>
+          </a:lnRef>
+          <a:fillRef idx="2">
+            <a:schemeClr val="accent2"/>
+          </a:fillRef>
+          <a:effectRef idx="1">
+            <a:schemeClr val="accent2"/>
+          </a:effectRef>
+          <a:fontRef idx="minor">
+            <a:schemeClr val="dk1"/>
+          </a:fontRef>
+        </p:style>
+        <p:txBody>
+          <a:bodyPr rtlCol="0" anchor="ctr"/>
+          <a:lstStyle/>
+          <a:p>
+            <a:pPr algn="ctr"/>
+            <a:endParaRPr lang="zh-CN" altLang="en-US"/>
+          </a:p>
+        </p:txBody>
+      </p:sp>
+      <p:pic>
+        <p:nvPicPr>
+          <p:cNvPr id="3075" name="Picture 3"/>
+          <p:cNvPicPr>
+            <a:picLocks noChangeAspect="1" noChangeArrowheads="1"/>
+          </p:cNvPicPr>
+          <p:nvPr/>
+        </p:nvPicPr>
+        <p:blipFill>
+          <a:blip r:embed="rId3">
+            <a:extLst>
+              <a:ext uri="{28A0092B-C50C-407E-A947-70E740481C1C}">
+                <a14:useLocalDpi xmlns:a14="http://schemas.microsoft.com/office/drawing/2010/main" val="0"/>
+              </a:ext>
+            </a:extLst>
+          </a:blip>
+          <a:srcRect/>
+          <a:stretch>
+            <a:fillRect/>
+          </a:stretch>
+        </p:blipFill>
+        <p:spPr bwMode="auto">
+          <a:xfrm>
+            <a:off x="755576" y="3249216"/>
+            <a:ext cx="3312368" cy="2423442"/>
+          </a:xfrm>
+          <a:prstGeom prst="rect">
+            <a:avLst/>
+          </a:prstGeom>
+          <a:noFill/>
+          <a:ln>
+            <a:noFill/>
+          </a:ln>
+          <a:effectLst/>
+          <a:extLst>
+            <a:ext uri="{909E8E84-426E-40DD-AFC4-6F175D3DCCD1}">
+              <a14:hiddenFill xmlns:a14="http://schemas.microsoft.com/office/drawing/2010/main">
+                <a:solidFill>
+                  <a:schemeClr val="accent1"/>
+                </a:solidFill>
+              </a14:hiddenFill>
+            </a:ext>
+            <a:ext uri="{91240B29-F687-4F45-9708-019B960494DF}">
+              <a14:hiddenLine xmlns:a14="http://schemas.microsoft.com/office/drawing/2010/main" w="9525">
+                <a:solidFill>
+                  <a:schemeClr val="tx1"/>
+                </a:solidFill>
+                <a:miter lim="800000"/>
+                <a:headEnd/>
+                <a:tailEnd/>
+              </a14:hiddenLine>
+            </a:ext>
+            <a:ext uri="{AF507438-7753-43E0-B8FC-AC1667EBCBE1}">
+              <a14:hiddenEffects xmlns:a14="http://schemas.microsoft.com/office/drawing/2010/main">
+                <a:effectLst>
+                  <a:outerShdw dist="35921" dir="2700000" algn="ctr" rotWithShape="0">
+                    <a:schemeClr val="bg2"/>
+                  </a:outerShdw>
+                </a:effectLst>
+              </a14:hiddenEffects>
+            </a:ext>
+          </a:extLst>
+        </p:spPr>
+      </p:pic>
+    </p:spTree>
+    <p:extLst>
+      <p:ext uri="{BB962C8B-B14F-4D97-AF65-F5344CB8AC3E}">
+        <p14:creationId xmlns:p14="http://schemas.microsoft.com/office/powerpoint/2010/main" val="1141786042"/>
+      </p:ext>
+    </p:extLst>
+  </p:cSld>
+  <p:clrMapOvr>
+    <a:masterClrMapping/>
+  </p:clrMapOvr>
+  <p:timing>
+    <p:tnLst>
+      <p:par>
+        <p:cTn id="1" dur="indefinite" restart="never" nodeType="tmRoot">
+          <p:childTnLst>
+            <p:seq concurrent="1" nextAc="seek">
+              <p:cTn id="2" dur="indefinite" nodeType="mainSeq">
+                <p:childTnLst>
+                  <p:par>
+                    <p:cTn id="3" fill="hold">
+                      <p:stCondLst>
+                        <p:cond delay="indefinite"/>
+                      </p:stCondLst>
+                      <p:childTnLst>
+                        <p:par>
+                          <p:cTn id="4" fill="hold">
+                            <p:stCondLst>
+                              <p:cond delay="0"/>
+                            </p:stCondLst>
+                            <p:childTnLst>
+                              <p:par>
+                                <p:cTn id="5" presetID="10" presetClass="entr" presetSubtype="0" fill="hold" grpId="0" nodeType="clickEffect">
+                                  <p:stCondLst>
+                                    <p:cond delay="0"/>
+                                  </p:stCondLst>
+                                  <p:childTnLst>
+                                    <p:set>
+                                      <p:cBhvr>
+                                        <p:cTn id="6" dur="1" fill="hold">
+                                          <p:stCondLst>
+                                            <p:cond delay="0"/>
+                                          </p:stCondLst>
+                                        </p:cTn>
+                                        <p:tgtEl>
+                                          <p:spTgt spid="3">
+                                            <p:txEl>
+                                              <p:pRg st="0" end="0"/>
+                                            </p:txEl>
+                                          </p:spTgt>
+                                        </p:tgtEl>
+                                        <p:attrNameLst>
+                                          <p:attrName>style.visibility</p:attrName>
+                                        </p:attrNameLst>
+                                      </p:cBhvr>
+                                      <p:to>
+                                        <p:strVal val="visible"/>
+                                      </p:to>
+                                    </p:set>
+                                    <p:animEffect transition="in" filter="fade">
+                                      <p:cBhvr>
+                                        <p:cTn id="7" dur="500"/>
+                                        <p:tgtEl>
+                                          <p:spTgt spid="3">
+                                            <p:txEl>
+                                              <p:pRg st="0" end="0"/>
+                                            </p:txEl>
+                                          </p:spTgt>
+                                        </p:tgtEl>
+                                      </p:cBhvr>
+                                    </p:animEffect>
+                                  </p:childTnLst>
+                                </p:cTn>
+                              </p:par>
+                            </p:childTnLst>
+                          </p:cTn>
+                        </p:par>
+                      </p:childTnLst>
+                    </p:cTn>
+                  </p:par>
+                  <p:par>
+                    <p:cTn id="8" fill="hold">
+                      <p:stCondLst>
+                        <p:cond delay="indefinite"/>
+                      </p:stCondLst>
+                      <p:childTnLst>
+                        <p:par>
+                          <p:cTn id="9" fill="hold">
+                            <p:stCondLst>
+                              <p:cond delay="0"/>
+                            </p:stCondLst>
+                            <p:childTnLst>
+                              <p:par>
+                                <p:cTn id="10" presetID="10" presetClass="entr" presetSubtype="0" fill="hold" grpId="0" nodeType="clickEffect">
+                                  <p:stCondLst>
+                                    <p:cond delay="0"/>
+                                  </p:stCondLst>
+                                  <p:childTnLst>
+                                    <p:set>
+                                      <p:cBhvr>
+                                        <p:cTn id="11" dur="1" fill="hold">
+                                          <p:stCondLst>
+                                            <p:cond delay="0"/>
+                                          </p:stCondLst>
+                                        </p:cTn>
+                                        <p:tgtEl>
+                                          <p:spTgt spid="3">
+                                            <p:txEl>
+                                              <p:pRg st="1" end="1"/>
+                                            </p:txEl>
+                                          </p:spTgt>
+                                        </p:tgtEl>
+                                        <p:attrNameLst>
+                                          <p:attrName>style.visibility</p:attrName>
+                                        </p:attrNameLst>
+                                      </p:cBhvr>
+                                      <p:to>
+                                        <p:strVal val="visible"/>
+                                      </p:to>
+                                    </p:set>
+                                    <p:animEffect transition="in" filter="fade">
+                                      <p:cBhvr>
+                                        <p:cTn id="12" dur="500"/>
+                                        <p:tgtEl>
+                                          <p:spTgt spid="3">
+                                            <p:txEl>
+                                              <p:pRg st="1" end="1"/>
+                                            </p:txEl>
+                                          </p:spTgt>
+                                        </p:tgtEl>
+                                      </p:cBhvr>
+                                    </p:animEffect>
+                                  </p:childTnLst>
+                                </p:cTn>
+                              </p:par>
+                            </p:childTnLst>
+                          </p:cTn>
+                        </p:par>
+                      </p:childTnLst>
+                    </p:cTn>
+                  </p:par>
+                  <p:par>
+                    <p:cTn id="13" fill="hold">
+                      <p:stCondLst>
+                        <p:cond delay="indefinite"/>
+                      </p:stCondLst>
+                      <p:childTnLst>
+                        <p:par>
+                          <p:cTn id="14" fill="hold">
+                            <p:stCondLst>
+                              <p:cond delay="0"/>
+                            </p:stCondLst>
+                            <p:childTnLst>
+                              <p:par>
+                                <p:cTn id="15" presetID="31" presetClass="entr" presetSubtype="0" fill="hold" nodeType="clickEffect">
+                                  <p:stCondLst>
+                                    <p:cond delay="0"/>
+                                  </p:stCondLst>
+                                  <p:childTnLst>
+                                    <p:set>
+                                      <p:cBhvr>
+                                        <p:cTn id="16" dur="1" fill="hold">
+                                          <p:stCondLst>
+                                            <p:cond delay="0"/>
+                                          </p:stCondLst>
+                                        </p:cTn>
+                                        <p:tgtEl>
+                                          <p:spTgt spid="3074"/>
+                                        </p:tgtEl>
+                                        <p:attrNameLst>
+                                          <p:attrName>style.visibility</p:attrName>
+                                        </p:attrNameLst>
+                                      </p:cBhvr>
+                                      <p:to>
+                                        <p:strVal val="visible"/>
+                                      </p:to>
+                                    </p:set>
+                                    <p:anim calcmode="lin" valueType="num">
+                                      <p:cBhvr>
+                                        <p:cTn id="17" dur="1000" fill="hold"/>
+                                        <p:tgtEl>
+                                          <p:spTgt spid="3074"/>
+                                        </p:tgtEl>
+                                        <p:attrNameLst>
+                                          <p:attrName>ppt_w</p:attrName>
+                                        </p:attrNameLst>
+                                      </p:cBhvr>
+                                      <p:tavLst>
+                                        <p:tav tm="0">
+                                          <p:val>
+                                            <p:fltVal val="0"/>
+                                          </p:val>
+                                        </p:tav>
+                                        <p:tav tm="100000">
+                                          <p:val>
+                                            <p:strVal val="#ppt_w"/>
+                                          </p:val>
+                                        </p:tav>
+                                      </p:tavLst>
+                                    </p:anim>
+                                    <p:anim calcmode="lin" valueType="num">
+                                      <p:cBhvr>
+                                        <p:cTn id="18" dur="1000" fill="hold"/>
+                                        <p:tgtEl>
+                                          <p:spTgt spid="3074"/>
+                                        </p:tgtEl>
+                                        <p:attrNameLst>
+                                          <p:attrName>ppt_h</p:attrName>
+                                        </p:attrNameLst>
+                                      </p:cBhvr>
+                                      <p:tavLst>
+                                        <p:tav tm="0">
+                                          <p:val>
+                                            <p:fltVal val="0"/>
+                                          </p:val>
+                                        </p:tav>
+                                        <p:tav tm="100000">
+                                          <p:val>
+                                            <p:strVal val="#ppt_h"/>
+                                          </p:val>
+                                        </p:tav>
+                                      </p:tavLst>
+                                    </p:anim>
+                                    <p:anim calcmode="lin" valueType="num">
+                                      <p:cBhvr>
+                                        <p:cTn id="19" dur="1000" fill="hold"/>
+                                        <p:tgtEl>
+                                          <p:spTgt spid="3074"/>
+                                        </p:tgtEl>
+                                        <p:attrNameLst>
+                                          <p:attrName>style.rotation</p:attrName>
+                                        </p:attrNameLst>
+                                      </p:cBhvr>
+                                      <p:tavLst>
+                                        <p:tav tm="0">
+                                          <p:val>
+                                            <p:fltVal val="90"/>
+                                          </p:val>
+                                        </p:tav>
+                                        <p:tav tm="100000">
+                                          <p:val>
+                                            <p:fltVal val="0"/>
+                                          </p:val>
+                                        </p:tav>
+                                      </p:tavLst>
+                                    </p:anim>
+                                    <p:animEffect transition="in" filter="fade">
+                                      <p:cBhvr>
+                                        <p:cTn id="20" dur="1000"/>
+                                        <p:tgtEl>
+                                          <p:spTgt spid="3074"/>
+                                        </p:tgtEl>
+                                      </p:cBhvr>
+                                    </p:animEffect>
+                                  </p:childTnLst>
+                                </p:cTn>
+                              </p:par>
+                            </p:childTnLst>
+                          </p:cTn>
+                        </p:par>
+                      </p:childTnLst>
+                    </p:cTn>
+                  </p:par>
+                  <p:par>
+                    <p:cTn id="21" fill="hold">
+                      <p:stCondLst>
+                        <p:cond delay="indefinite"/>
+                      </p:stCondLst>
+                      <p:childTnLst>
+                        <p:par>
+                          <p:cTn id="22" fill="hold">
+                            <p:stCondLst>
+                              <p:cond delay="0"/>
+                            </p:stCondLst>
+                            <p:childTnLst>
+                              <p:par>
+                                <p:cTn id="23" presetID="10" presetClass="entr" presetSubtype="0" fill="hold" grpId="0" nodeType="clickEffect">
+                                  <p:stCondLst>
+                                    <p:cond delay="0"/>
+                                  </p:stCondLst>
+                                  <p:childTnLst>
+                                    <p:set>
+                                      <p:cBhvr>
+                                        <p:cTn id="24" dur="1" fill="hold">
+                                          <p:stCondLst>
+                                            <p:cond delay="0"/>
+                                          </p:stCondLst>
+                                        </p:cTn>
+                                        <p:tgtEl>
+                                          <p:spTgt spid="5"/>
+                                        </p:tgtEl>
+                                        <p:attrNameLst>
+                                          <p:attrName>style.visibility</p:attrName>
+                                        </p:attrNameLst>
+                                      </p:cBhvr>
+                                      <p:to>
+                                        <p:strVal val="visible"/>
+                                      </p:to>
+                                    </p:set>
+                                    <p:animEffect transition="in" filter="fade">
+                                      <p:cBhvr>
+                                        <p:cTn id="25" dur="500"/>
+                                        <p:tgtEl>
+                                          <p:spTgt spid="5"/>
+                                        </p:tgtEl>
+                                      </p:cBhvr>
+                                    </p:animEffect>
+                                  </p:childTnLst>
+                                </p:cTn>
+                              </p:par>
+                            </p:childTnLst>
+                          </p:cTn>
+                        </p:par>
+                      </p:childTnLst>
+                    </p:cTn>
+                  </p:par>
+                  <p:par>
+                    <p:cTn id="26" fill="hold">
+                      <p:stCondLst>
+                        <p:cond delay="indefinite"/>
+                      </p:stCondLst>
+                      <p:childTnLst>
+                        <p:par>
+                          <p:cTn id="27" fill="hold">
+                            <p:stCondLst>
+                              <p:cond delay="0"/>
+                            </p:stCondLst>
+                            <p:childTnLst>
+                              <p:par>
+                                <p:cTn id="28" presetID="10" presetClass="entr" presetSubtype="0" fill="hold" nodeType="clickEffect">
+                                  <p:stCondLst>
+                                    <p:cond delay="0"/>
+                                  </p:stCondLst>
+                                  <p:childTnLst>
+                                    <p:set>
+                                      <p:cBhvr>
+                                        <p:cTn id="29" dur="1" fill="hold">
+                                          <p:stCondLst>
+                                            <p:cond delay="0"/>
+                                          </p:stCondLst>
+                                        </p:cTn>
+                                        <p:tgtEl>
+                                          <p:spTgt spid="3075"/>
+                                        </p:tgtEl>
+                                        <p:attrNameLst>
+                                          <p:attrName>style.visibility</p:attrName>
+                                        </p:attrNameLst>
+                                      </p:cBhvr>
+                                      <p:to>
+                                        <p:strVal val="visible"/>
+                                      </p:to>
+                                    </p:set>
+                                    <p:animEffect transition="in" filter="fade">
+                                      <p:cBhvr>
+                                        <p:cTn id="30" dur="500"/>
+                                        <p:tgtEl>
+                                          <p:spTgt spid="3075"/>
+                                        </p:tgtEl>
+                                      </p:cBhvr>
+                                    </p:animEffect>
+                                  </p:childTnLst>
+                                </p:cTn>
+                              </p:par>
+                            </p:childTnLst>
+                          </p:cTn>
+                        </p:par>
+                      </p:childTnLst>
+                    </p:cTn>
+                  </p:par>
+                </p:childTnLst>
+              </p:cTn>
+              <p:prevCondLst>
+                <p:cond evt="onPrev" delay="0">
+                  <p:tgtEl>
+                    <p:sldTgt/>
+                  </p:tgtEl>
+                </p:cond>
+              </p:prevCondLst>
+              <p:nextCondLst>
+                <p:cond evt="onNext" delay="0">
+                  <p:tgtEl>
+                    <p:sldTgt/>
+                  </p:tgtEl>
+                </p:cond>
+              </p:nextCondLst>
+            </p:seq>
+          </p:childTnLst>
+        </p:cTn>
+      </p:par>
+    </p:tnLst>
+    <p:bldLst>
+      <p:bldP spid="3" grpId="0" build="p"/>
+      <p:bldP spid="5" grpId="0" animBg="1"/>
+    </p:bldLst>
+  </p:timing>
+</p:sld>
+</file>
+
+<file path=ppt/slides/slide11.xml><?xml version="1.0" encoding="utf-8"?>
+<p:sld xmlns:a="http://schemas.openxmlformats.org/drawingml/2006/main" xmlns:r="http://schemas.openxmlformats.org/officeDocument/2006/relationships" xmlns:p="http://schemas.openxmlformats.org/presentationml/2006/main">
+  <p:cSld>
+    <p:spTree>
+      <p:nvGrpSpPr>
+        <p:cNvPr id="1" name=""/>
+        <p:cNvGrpSpPr/>
+        <p:nvPr/>
+      </p:nvGrpSpPr>
+      <p:grpSpPr>
+        <a:xfrm>
+          <a:off x="0" y="0"/>
+          <a:ext cx="0" cy="0"/>
+          <a:chOff x="0" y="0"/>
+          <a:chExt cx="0" cy="0"/>
+        </a:xfrm>
+      </p:grpSpPr>
+      <p:sp>
+        <p:nvSpPr>
+          <p:cNvPr id="2" name="标题 1"/>
+          <p:cNvSpPr>
+            <a:spLocks noGrp="1"/>
+          </p:cNvSpPr>
+          <p:nvPr>
+            <p:ph type="title"/>
+          </p:nvPr>
+        </p:nvSpPr>
+        <p:spPr/>
+        <p:txBody>
+          <a:bodyPr/>
+          <a:lstStyle/>
+          <a:p>
+            <a:r>
+              <a:rPr lang="zh-CN" altLang="en-US" dirty="0" smtClean="0"/>
+              <a:t>桥接设计模式</a:t>
+            </a:r>
+            <a:endParaRPr lang="zh-CN" altLang="en-US" dirty="0"/>
+          </a:p>
+        </p:txBody>
+      </p:sp>
+      <p:sp>
+        <p:nvSpPr>
+          <p:cNvPr id="3" name="内容占位符 2"/>
+          <p:cNvSpPr>
+            <a:spLocks noGrp="1"/>
+          </p:cNvSpPr>
+          <p:nvPr>
+            <p:ph idx="1"/>
+          </p:nvPr>
+        </p:nvSpPr>
+        <p:spPr/>
+        <p:txBody>
+          <a:bodyPr/>
+          <a:lstStyle/>
+          <a:p>
+            <a:r>
+              <a:rPr lang="en-US" altLang="zh-CN" dirty="0" smtClean="0"/>
+              <a:t>Box.com </a:t>
+            </a:r>
+            <a:r>
+              <a:rPr lang="zh-CN" altLang="en-US" dirty="0" smtClean="0"/>
+              <a:t>的下载实现，文件</a:t>
+            </a:r>
+            <a:r>
+              <a:rPr lang="en-US" altLang="zh-CN" dirty="0" smtClean="0"/>
+              <a:t>ID</a:t>
+            </a:r>
+          </a:p>
+          <a:p>
+            <a:r>
+              <a:rPr lang="en-US" altLang="zh-CN" dirty="0" err="1" smtClean="0"/>
+              <a:t>Dropbox</a:t>
+            </a:r>
+            <a:r>
+              <a:rPr lang="en-US" altLang="zh-CN" dirty="0" smtClean="0"/>
+              <a:t> </a:t>
+            </a:r>
+            <a:r>
+              <a:rPr lang="zh-CN" altLang="en-US" dirty="0" smtClean="0"/>
+              <a:t>文件路径</a:t>
+            </a:r>
+            <a:endParaRPr lang="zh-CN" altLang="en-US" dirty="0"/>
+          </a:p>
+        </p:txBody>
+      </p:sp>
+      <p:sp>
+        <p:nvSpPr>
+          <p:cNvPr id="4" name="日期占位符 3"/>
+          <p:cNvSpPr>
+            <a:spLocks noGrp="1"/>
+          </p:cNvSpPr>
+          <p:nvPr>
+            <p:ph type="dt" sz="half" idx="10"/>
+          </p:nvPr>
+        </p:nvSpPr>
+        <p:spPr/>
+        <p:txBody>
+          <a:bodyPr/>
+          <a:lstStyle/>
+          <a:p>
+            <a:pPr>
+              <a:defRPr/>
+            </a:pPr>
+            <a:fld id="{11369A63-9FDA-43D3-BAFD-C0424D6BD8A8}" type="datetime1">
+              <a:rPr lang="zh-CN" altLang="en-US" smtClean="0"/>
+              <a:pPr>
+                <a:defRPr/>
+              </a:pPr>
+              <a:t>2012/6/7</a:t>
             </a:fld>
             <a:endParaRPr lang="zh-CN" altLang="en-US" sz="1800">
               <a:solidFill>
@@ -8135,7 +8832,7 @@
 </p:sld>
 </file>
 
-<file path=ppt/slides/slide11.xml><?xml version="1.0" encoding="utf-8"?>
+<file path=ppt/slides/slide12.xml><?xml version="1.0" encoding="utf-8"?>
 <p:sld xmlns:a="http://schemas.openxmlformats.org/drawingml/2006/main" xmlns:r="http://schemas.openxmlformats.org/officeDocument/2006/relationships" xmlns:p="http://schemas.openxmlformats.org/presentationml/2006/main">
   <p:cSld>
     <p:spTree>
@@ -8223,7 +8920,7 @@
               <a:pPr>
                 <a:defRPr/>
               </a:pPr>
-              <a:t>2012/6/4</a:t>
+              <a:t>2012/6/7</a:t>
             </a:fld>
             <a:endParaRPr lang="zh-CN" altLang="en-US" sz="1800">
               <a:solidFill>
@@ -8447,7 +9144,7 @@
 </p:sld>
 </file>
 
-<file path=ppt/slides/slide12.xml><?xml version="1.0" encoding="utf-8"?>
+<file path=ppt/slides/slide13.xml><?xml version="1.0" encoding="utf-8"?>
 <p:sld xmlns:a="http://schemas.openxmlformats.org/drawingml/2006/main" xmlns:r="http://schemas.openxmlformats.org/officeDocument/2006/relationships" xmlns:p="http://schemas.openxmlformats.org/presentationml/2006/main">
   <p:cSld>
     <p:spTree>
@@ -8529,7 +9226,7 @@
               <a:pPr>
                 <a:defRPr/>
               </a:pPr>
-              <a:t>2012/6/4</a:t>
+              <a:t>2012/6/7</a:t>
             </a:fld>
             <a:endParaRPr lang="zh-CN" altLang="en-US" sz="1800">
               <a:solidFill>
@@ -9044,7 +9741,7 @@
 </p:sld>
 </file>
 
-<file path=ppt/slides/slide13.xml><?xml version="1.0" encoding="utf-8"?>
+<file path=ppt/slides/slide14.xml><?xml version="1.0" encoding="utf-8"?>
 <p:sld xmlns:a="http://schemas.openxmlformats.org/drawingml/2006/main" xmlns:r="http://schemas.openxmlformats.org/officeDocument/2006/relationships" xmlns:p="http://schemas.openxmlformats.org/presentationml/2006/main">
   <p:cSld>
     <p:spTree>
@@ -9146,7 +9843,7 @@
               <a:pPr>
                 <a:defRPr/>
               </a:pPr>
-              <a:t>2012/6/4</a:t>
+              <a:t>2012/6/7</a:t>
             </a:fld>
             <a:endParaRPr lang="zh-CN" altLang="en-US" sz="1800">
               <a:solidFill>
@@ -9531,7 +10228,7 @@
 </p:sld>
 </file>
 
-<file path=ppt/slides/slide14.xml><?xml version="1.0" encoding="utf-8"?>
+<file path=ppt/slides/slide15.xml><?xml version="1.0" encoding="utf-8"?>
 <p:sld xmlns:a="http://schemas.openxmlformats.org/drawingml/2006/main" xmlns:r="http://schemas.openxmlformats.org/officeDocument/2006/relationships" xmlns:p="http://schemas.openxmlformats.org/presentationml/2006/main">
   <p:cSld>
     <p:spTree>
@@ -9621,7 +10318,7 @@
               <a:pPr>
                 <a:defRPr/>
               </a:pPr>
-              <a:t>2012/6/4</a:t>
+              <a:t>2012/6/7</a:t>
             </a:fld>
             <a:endParaRPr lang="zh-CN" altLang="en-US" sz="1800">
               <a:solidFill>
@@ -10310,7 +11007,7 @@
 </p:sld>
 </file>
 
-<file path=ppt/slides/slide15.xml><?xml version="1.0" encoding="utf-8"?>
+<file path=ppt/slides/slide16.xml><?xml version="1.0" encoding="utf-8"?>
 <p:sld xmlns:a="http://schemas.openxmlformats.org/drawingml/2006/main" xmlns:r="http://schemas.openxmlformats.org/officeDocument/2006/relationships" xmlns:p="http://schemas.openxmlformats.org/presentationml/2006/main">
   <p:cSld>
     <p:spTree>
@@ -10373,7 +11070,7 @@
               <a:pPr>
                 <a:defRPr/>
               </a:pPr>
-              <a:t>2012/6/4</a:t>
+              <a:t>2012/6/7</a:t>
             </a:fld>
             <a:endParaRPr lang="zh-CN" altLang="en-US" sz="1800">
               <a:solidFill>
@@ -10470,7 +11167,7 @@
 </p:sld>
 </file>
 
-<file path=ppt/slides/slide16.xml><?xml version="1.0" encoding="utf-8"?>
+<file path=ppt/slides/slide17.xml><?xml version="1.0" encoding="utf-8"?>
 <p:sld xmlns:a="http://schemas.openxmlformats.org/drawingml/2006/main" xmlns:r="http://schemas.openxmlformats.org/officeDocument/2006/relationships" xmlns:p="http://schemas.openxmlformats.org/presentationml/2006/main">
   <p:cSld>
     <p:spTree>
@@ -10624,7 +11321,7 @@
             <a:fld id="{5D94B634-8826-444B-9C1B-A7D7EF79C640}" type="datetime1">
               <a:rPr lang="zh-CN" altLang="en-US" smtClean="0"/>
               <a:pPr/>
-              <a:t>2012/6/4</a:t>
+              <a:t>2012/6/7</a:t>
             </a:fld>
             <a:endParaRPr lang="zh-CN" altLang="en-US" smtClean="0"/>
           </a:p>
@@ -10650,7 +11347,7 @@
 </p:sld>
 </file>
 
-<file path=ppt/slides/slide17.xml><?xml version="1.0" encoding="utf-8"?>
+<file path=ppt/slides/slide18.xml><?xml version="1.0" encoding="utf-8"?>
 <p:sld xmlns:a="http://schemas.openxmlformats.org/drawingml/2006/main" xmlns:r="http://schemas.openxmlformats.org/officeDocument/2006/relationships" xmlns:p="http://schemas.openxmlformats.org/presentationml/2006/main">
   <p:cSld>
     <p:spTree>
@@ -10741,7 +11438,7 @@
               <a:pPr>
                 <a:defRPr/>
               </a:pPr>
-              <a:t>2012/6/4</a:t>
+              <a:t>2012/6/7</a:t>
             </a:fld>
             <a:endParaRPr lang="zh-CN" altLang="en-US" sz="1800">
               <a:solidFill>
@@ -10976,177 +11673,6 @@
 </p:sld>
 </file>
 
-<file path=ppt/slides/slide18.xml><?xml version="1.0" encoding="utf-8"?>
-<p:sld xmlns:a="http://schemas.openxmlformats.org/drawingml/2006/main" xmlns:r="http://schemas.openxmlformats.org/officeDocument/2006/relationships" xmlns:p="http://schemas.openxmlformats.org/presentationml/2006/main">
-  <p:cSld>
-    <p:spTree>
-      <p:nvGrpSpPr>
-        <p:cNvPr id="1" name=""/>
-        <p:cNvGrpSpPr/>
-        <p:nvPr/>
-      </p:nvGrpSpPr>
-      <p:grpSpPr>
-        <a:xfrm>
-          <a:off x="0" y="0"/>
-          <a:ext cx="0" cy="0"/>
-          <a:chOff x="0" y="0"/>
-          <a:chExt cx="0" cy="0"/>
-        </a:xfrm>
-      </p:grpSpPr>
-      <p:sp>
-        <p:nvSpPr>
-          <p:cNvPr id="8" name="标题 7"/>
-          <p:cNvSpPr>
-            <a:spLocks noGrp="1"/>
-          </p:cNvSpPr>
-          <p:nvPr>
-            <p:ph type="title"/>
-          </p:nvPr>
-        </p:nvSpPr>
-        <p:spPr/>
-        <p:txBody>
-          <a:bodyPr/>
-          <a:lstStyle/>
-          <a:p>
-            <a:pPr algn="ctr"/>
-            <a:r>
-              <a:rPr lang="zh-CN" altLang="en-US" dirty="0" smtClean="0"/>
-              <a:t>目录</a:t>
-            </a:r>
-            <a:endParaRPr lang="zh-CN" altLang="en-US" dirty="0"/>
-          </a:p>
-        </p:txBody>
-      </p:sp>
-      <p:sp>
-        <p:nvSpPr>
-          <p:cNvPr id="9" name="内容占位符 8"/>
-          <p:cNvSpPr>
-            <a:spLocks noGrp="1"/>
-          </p:cNvSpPr>
-          <p:nvPr>
-            <p:ph idx="1"/>
-          </p:nvPr>
-        </p:nvSpPr>
-        <p:spPr/>
-        <p:txBody>
-          <a:bodyPr/>
-          <a:lstStyle/>
-          <a:p>
-            <a:pPr marL="514350" indent="-514350">
-              <a:buFont typeface="+mj-ea"/>
-              <a:buAutoNum type="circleNumDbPlain"/>
-            </a:pPr>
-            <a:r>
-              <a:rPr lang="zh-CN" altLang="en-US" dirty="0" smtClean="0"/>
-              <a:t>项目简介</a:t>
-            </a:r>
-            <a:endParaRPr lang="en-US" altLang="zh-CN" dirty="0" smtClean="0"/>
-          </a:p>
-          <a:p>
-            <a:pPr marL="514350" indent="-514350">
-              <a:buFont typeface="+mj-ea"/>
-              <a:buAutoNum type="circleNumDbPlain"/>
-            </a:pPr>
-            <a:r>
-              <a:rPr lang="zh-CN" altLang="en-US" dirty="0"/>
-              <a:t>系</a:t>
-            </a:r>
-            <a:r>
-              <a:rPr lang="zh-CN" altLang="en-US" dirty="0" smtClean="0"/>
-              <a:t>统架构</a:t>
-            </a:r>
-            <a:endParaRPr lang="en-US" altLang="zh-CN" dirty="0" smtClean="0"/>
-          </a:p>
-          <a:p>
-            <a:pPr marL="514350" indent="-514350">
-              <a:buFont typeface="+mj-ea"/>
-              <a:buAutoNum type="circleNumDbPlain"/>
-            </a:pPr>
-            <a:r>
-              <a:rPr lang="zh-CN" altLang="en-US" dirty="0"/>
-              <a:t>项</a:t>
-            </a:r>
-            <a:r>
-              <a:rPr lang="zh-CN" altLang="en-US" dirty="0" smtClean="0"/>
-              <a:t>目难点</a:t>
-            </a:r>
-            <a:endParaRPr lang="en-US" altLang="zh-CN" dirty="0" smtClean="0"/>
-          </a:p>
-          <a:p>
-            <a:pPr marL="514350" indent="-514350">
-              <a:buFont typeface="+mj-ea"/>
-              <a:buAutoNum type="circleNumDbPlain"/>
-            </a:pPr>
-            <a:r>
-              <a:rPr lang="zh-CN" altLang="en-US" dirty="0"/>
-              <a:t>设</a:t>
-            </a:r>
-            <a:r>
-              <a:rPr lang="zh-CN" altLang="en-US" dirty="0" smtClean="0"/>
-              <a:t>计亮点</a:t>
-            </a:r>
-            <a:endParaRPr lang="en-US" altLang="zh-CN" dirty="0" smtClean="0"/>
-          </a:p>
-          <a:p>
-            <a:pPr marL="514350" indent="-514350">
-              <a:buFont typeface="+mj-ea"/>
-              <a:buAutoNum type="circleNumDbPlain"/>
-            </a:pPr>
-            <a:r>
-              <a:rPr lang="zh-CN" altLang="en-US" b="1" dirty="0">
-                <a:solidFill>
-                  <a:schemeClr val="accent1"/>
-                </a:solidFill>
-              </a:rPr>
-              <a:t>成果展示</a:t>
-            </a:r>
-          </a:p>
-        </p:txBody>
-      </p:sp>
-      <p:sp>
-        <p:nvSpPr>
-          <p:cNvPr id="16386" name="日期占位符 3"/>
-          <p:cNvSpPr>
-            <a:spLocks noGrp="1"/>
-          </p:cNvSpPr>
-          <p:nvPr>
-            <p:ph type="dt" sz="half" idx="10"/>
-          </p:nvPr>
-        </p:nvSpPr>
-        <p:spPr/>
-        <p:txBody>
-          <a:bodyPr/>
-          <a:lstStyle/>
-          <a:p>
-            <a:fld id="{5D94B634-8826-444B-9C1B-A7D7EF79C640}" type="datetime1">
-              <a:rPr lang="zh-CN" altLang="en-US" smtClean="0"/>
-              <a:pPr/>
-              <a:t>2012/6/4</a:t>
-            </a:fld>
-            <a:endParaRPr lang="zh-CN" altLang="en-US" smtClean="0"/>
-          </a:p>
-        </p:txBody>
-      </p:sp>
-    </p:spTree>
-    <p:extLst>
-      <p:ext uri="{BB962C8B-B14F-4D97-AF65-F5344CB8AC3E}">
-        <p14:creationId xmlns:p14="http://schemas.microsoft.com/office/powerpoint/2010/main" val="1761490325"/>
-      </p:ext>
-    </p:extLst>
-  </p:cSld>
-  <p:clrMapOvr>
-    <a:masterClrMapping/>
-  </p:clrMapOvr>
-  <p:timing>
-    <p:tnLst>
-      <p:par>
-        <p:cTn id="1" dur="indefinite" restart="never" nodeType="tmRoot"/>
-      </p:par>
-    </p:tnLst>
-  </p:timing>
-</p:sld>
-</file>
-
 <file path=ppt/slides/slide19.xml><?xml version="1.0" encoding="utf-8"?>
 <p:sld xmlns:a="http://schemas.openxmlformats.org/drawingml/2006/main" xmlns:r="http://schemas.openxmlformats.org/officeDocument/2006/relationships" xmlns:p="http://schemas.openxmlformats.org/presentationml/2006/main">
   <p:cSld>
@@ -11166,7 +11692,7 @@
       </p:grpSpPr>
       <p:sp>
         <p:nvSpPr>
-          <p:cNvPr id="2" name="标题 1"/>
+          <p:cNvPr id="8" name="标题 7"/>
           <p:cNvSpPr>
             <a:spLocks noGrp="1"/>
           </p:cNvSpPr>
@@ -11179,9 +11705,10 @@
           <a:bodyPr/>
           <a:lstStyle/>
           <a:p>
+            <a:pPr algn="ctr"/>
             <a:r>
               <a:rPr lang="zh-CN" altLang="en-US" dirty="0" smtClean="0"/>
-              <a:t>现场演示</a:t>
+              <a:t>目录</a:t>
             </a:r>
             <a:endParaRPr lang="zh-CN" altLang="en-US" dirty="0"/>
           </a:p>
@@ -11189,7 +11716,93 @@
       </p:sp>
       <p:sp>
         <p:nvSpPr>
-          <p:cNvPr id="4" name="日期占位符 3"/>
+          <p:cNvPr id="9" name="内容占位符 8"/>
+          <p:cNvSpPr>
+            <a:spLocks noGrp="1"/>
+          </p:cNvSpPr>
+          <p:nvPr>
+            <p:ph idx="1"/>
+          </p:nvPr>
+        </p:nvSpPr>
+        <p:spPr/>
+        <p:txBody>
+          <a:bodyPr/>
+          <a:lstStyle/>
+          <a:p>
+            <a:pPr marL="514350" indent="-514350">
+              <a:buFont typeface="+mj-ea"/>
+              <a:buAutoNum type="circleNumDbPlain"/>
+            </a:pPr>
+            <a:r>
+              <a:rPr lang="zh-CN" altLang="en-US" dirty="0" smtClean="0"/>
+              <a:t>项目简介</a:t>
+            </a:r>
+            <a:endParaRPr lang="en-US" altLang="zh-CN" dirty="0" smtClean="0"/>
+          </a:p>
+          <a:p>
+            <a:pPr marL="514350" indent="-514350">
+              <a:buFont typeface="+mj-ea"/>
+              <a:buAutoNum type="circleNumDbPlain"/>
+            </a:pPr>
+            <a:r>
+              <a:rPr lang="zh-CN" altLang="en-US" dirty="0"/>
+              <a:t>系</a:t>
+            </a:r>
+            <a:r>
+              <a:rPr lang="zh-CN" altLang="en-US" dirty="0" smtClean="0"/>
+              <a:t>统架构</a:t>
+            </a:r>
+            <a:endParaRPr lang="en-US" altLang="zh-CN" dirty="0" smtClean="0"/>
+          </a:p>
+          <a:p>
+            <a:pPr marL="514350" indent="-514350">
+              <a:buFont typeface="+mj-ea"/>
+              <a:buAutoNum type="circleNumDbPlain"/>
+            </a:pPr>
+            <a:r>
+              <a:rPr lang="zh-CN" altLang="en-US" dirty="0"/>
+              <a:t>项</a:t>
+            </a:r>
+            <a:r>
+              <a:rPr lang="zh-CN" altLang="en-US" dirty="0" smtClean="0"/>
+              <a:t>目难点</a:t>
+            </a:r>
+            <a:endParaRPr lang="en-US" altLang="zh-CN" dirty="0" smtClean="0"/>
+          </a:p>
+          <a:p>
+            <a:pPr marL="514350" indent="-514350">
+              <a:buFont typeface="+mj-ea"/>
+              <a:buAutoNum type="circleNumDbPlain"/>
+            </a:pPr>
+            <a:r>
+              <a:rPr lang="zh-CN" altLang="en-US" dirty="0"/>
+              <a:t>设</a:t>
+            </a:r>
+            <a:r>
+              <a:rPr lang="zh-CN" altLang="en-US" dirty="0" smtClean="0"/>
+              <a:t>计亮点</a:t>
+            </a:r>
+            <a:endParaRPr lang="en-US" altLang="zh-CN" dirty="0" smtClean="0"/>
+          </a:p>
+          <a:p>
+            <a:pPr marL="514350" indent="-514350">
+              <a:buFont typeface="+mj-ea"/>
+              <a:buAutoNum type="circleNumDbPlain"/>
+            </a:pPr>
+            <a:r>
+              <a:rPr lang="zh-CN" altLang="en-US" b="1" dirty="0">
+                <a:solidFill>
+                  <a:schemeClr val="accent1"/>
+                </a:solidFill>
+              </a:rPr>
+              <a:t>成果展示</a:t>
+            </a:r>
+          </a:p>
+        </p:txBody>
+      </p:sp>
+      <p:sp>
+        <p:nvSpPr>
+          <p:cNvPr id="16386" name="日期占位符 3"/>
           <p:cNvSpPr>
             <a:spLocks noGrp="1"/>
           </p:cNvSpPr>
@@ -11202,29 +11815,19 @@
           <a:bodyPr/>
           <a:lstStyle/>
           <a:p>
-            <a:pPr>
-              <a:defRPr/>
-            </a:pPr>
-            <a:fld id="{11369A63-9FDA-43D3-BAFD-C0424D6BD8A8}" type="datetime1">
+            <a:fld id="{5D94B634-8826-444B-9C1B-A7D7EF79C640}" type="datetime1">
               <a:rPr lang="zh-CN" altLang="en-US" smtClean="0"/>
-              <a:pPr>
-                <a:defRPr/>
-              </a:pPr>
-              <a:t>2012/6/4</a:t>
+              <a:pPr/>
+              <a:t>2012/6/7</a:t>
             </a:fld>
-            <a:endParaRPr lang="zh-CN" altLang="en-US" sz="1800">
-              <a:solidFill>
-                <a:srgbClr val="000000"/>
-              </a:solidFill>
-              <a:ea typeface="宋体" pitchFamily="2" charset="-122"/>
-            </a:endParaRPr>
+            <a:endParaRPr lang="zh-CN" altLang="en-US" smtClean="0"/>
           </a:p>
         </p:txBody>
       </p:sp>
     </p:spTree>
     <p:extLst>
       <p:ext uri="{BB962C8B-B14F-4D97-AF65-F5344CB8AC3E}">
-        <p14:creationId xmlns:p14="http://schemas.microsoft.com/office/powerpoint/2010/main" val="3258863957"/>
+        <p14:creationId xmlns:p14="http://schemas.microsoft.com/office/powerpoint/2010/main" val="1761490325"/>
       </p:ext>
     </p:extLst>
   </p:cSld>
@@ -11387,7 +11990,7 @@
             <a:fld id="{5D94B634-8826-444B-9C1B-A7D7EF79C640}" type="datetime1">
               <a:rPr lang="zh-CN" altLang="en-US" smtClean="0"/>
               <a:pPr/>
-              <a:t>2012/6/4</a:t>
+              <a:t>2012/6/7</a:t>
             </a:fld>
             <a:endParaRPr lang="zh-CN" altLang="en-US" smtClean="0"/>
           </a:p>
@@ -11432,12 +12035,12 @@
       </p:grpSpPr>
       <p:sp>
         <p:nvSpPr>
-          <p:cNvPr id="5" name="标题 4"/>
+          <p:cNvPr id="2" name="标题 1"/>
           <p:cNvSpPr>
             <a:spLocks noGrp="1"/>
           </p:cNvSpPr>
           <p:nvPr>
-            <p:ph type="ctrTitle"/>
+            <p:ph type="title"/>
           </p:nvPr>
         </p:nvSpPr>
         <p:spPr/>
@@ -11445,55 +12048,9 @@
           <a:bodyPr/>
           <a:lstStyle/>
           <a:p>
-            <a:pPr algn="ctr"/>
-            <a:r>
-              <a:rPr lang="zh-CN" altLang="en-US" sz="6000" dirty="0" smtClean="0"/>
-              <a:t>谢谢</a:t>
-            </a:r>
-            <a:r>
-              <a:rPr lang="zh-CN" altLang="en-US" sz="6000" dirty="0"/>
-              <a:t>！</a:t>
-            </a:r>
-          </a:p>
-        </p:txBody>
-      </p:sp>
-      <p:sp>
-        <p:nvSpPr>
-          <p:cNvPr id="6" name="副标题 5"/>
-          <p:cNvSpPr>
-            <a:spLocks noGrp="1"/>
-          </p:cNvSpPr>
-          <p:nvPr>
-            <p:ph type="subTitle" idx="1"/>
-          </p:nvPr>
-        </p:nvSpPr>
-        <p:spPr/>
-        <p:txBody>
-          <a:bodyPr/>
-          <a:lstStyle/>
-          <a:p>
             <a:r>
               <a:rPr lang="zh-CN" altLang="en-US" dirty="0" smtClean="0"/>
-              <a:t>软件工程</a:t>
-            </a:r>
-            <a:r>
-              <a:rPr lang="en-US" altLang="zh-CN" dirty="0" smtClean="0"/>
-              <a:t>0802 </a:t>
-            </a:r>
-            <a:r>
-              <a:rPr lang="zh-CN" altLang="en-US" dirty="0" smtClean="0"/>
-              <a:t>谭歆</a:t>
-            </a:r>
-            <a:endParaRPr lang="en-US" altLang="zh-CN" dirty="0" smtClean="0"/>
-          </a:p>
-          <a:p>
-            <a:r>
-              <a:rPr lang="zh-CN" altLang="en-US" dirty="0"/>
-              <a:t>指</a:t>
-            </a:r>
-            <a:r>
-              <a:rPr lang="zh-CN" altLang="en-US" dirty="0" smtClean="0"/>
-              <a:t>导老师 蔡亮</a:t>
+              <a:t>现场演示</a:t>
             </a:r>
             <a:endParaRPr lang="zh-CN" altLang="en-US" dirty="0"/>
           </a:p>
@@ -11522,7 +12079,147 @@
               <a:pPr>
                 <a:defRPr/>
               </a:pPr>
-              <a:t>2012/6/4</a:t>
+              <a:t>2012/6/7</a:t>
+            </a:fld>
+            <a:endParaRPr lang="zh-CN" altLang="en-US" sz="1800">
+              <a:solidFill>
+                <a:srgbClr val="000000"/>
+              </a:solidFill>
+              <a:ea typeface="宋体" pitchFamily="2" charset="-122"/>
+            </a:endParaRPr>
+          </a:p>
+        </p:txBody>
+      </p:sp>
+    </p:spTree>
+    <p:extLst>
+      <p:ext uri="{BB962C8B-B14F-4D97-AF65-F5344CB8AC3E}">
+        <p14:creationId xmlns:p14="http://schemas.microsoft.com/office/powerpoint/2010/main" val="3258863957"/>
+      </p:ext>
+    </p:extLst>
+  </p:cSld>
+  <p:clrMapOvr>
+    <a:masterClrMapping/>
+  </p:clrMapOvr>
+  <p:timing>
+    <p:tnLst>
+      <p:par>
+        <p:cTn id="1" dur="indefinite" restart="never" nodeType="tmRoot"/>
+      </p:par>
+    </p:tnLst>
+  </p:timing>
+</p:sld>
+</file>
+
+<file path=ppt/slides/slide21.xml><?xml version="1.0" encoding="utf-8"?>
+<p:sld xmlns:a="http://schemas.openxmlformats.org/drawingml/2006/main" xmlns:r="http://schemas.openxmlformats.org/officeDocument/2006/relationships" xmlns:p="http://schemas.openxmlformats.org/presentationml/2006/main">
+  <p:cSld>
+    <p:spTree>
+      <p:nvGrpSpPr>
+        <p:cNvPr id="1" name=""/>
+        <p:cNvGrpSpPr/>
+        <p:nvPr/>
+      </p:nvGrpSpPr>
+      <p:grpSpPr>
+        <a:xfrm>
+          <a:off x="0" y="0"/>
+          <a:ext cx="0" cy="0"/>
+          <a:chOff x="0" y="0"/>
+          <a:chExt cx="0" cy="0"/>
+        </a:xfrm>
+      </p:grpSpPr>
+      <p:sp>
+        <p:nvSpPr>
+          <p:cNvPr id="5" name="标题 4"/>
+          <p:cNvSpPr>
+            <a:spLocks noGrp="1"/>
+          </p:cNvSpPr>
+          <p:nvPr>
+            <p:ph type="ctrTitle"/>
+          </p:nvPr>
+        </p:nvSpPr>
+        <p:spPr/>
+        <p:txBody>
+          <a:bodyPr/>
+          <a:lstStyle/>
+          <a:p>
+            <a:pPr algn="ctr"/>
+            <a:r>
+              <a:rPr lang="zh-CN" altLang="en-US" sz="6000" dirty="0" smtClean="0"/>
+              <a:t>谢谢</a:t>
+            </a:r>
+            <a:r>
+              <a:rPr lang="zh-CN" altLang="en-US" sz="6000" dirty="0"/>
+              <a:t>！</a:t>
+            </a:r>
+          </a:p>
+        </p:txBody>
+      </p:sp>
+      <p:sp>
+        <p:nvSpPr>
+          <p:cNvPr id="6" name="副标题 5"/>
+          <p:cNvSpPr>
+            <a:spLocks noGrp="1"/>
+          </p:cNvSpPr>
+          <p:nvPr>
+            <p:ph type="subTitle" idx="1"/>
+          </p:nvPr>
+        </p:nvSpPr>
+        <p:spPr/>
+        <p:txBody>
+          <a:bodyPr/>
+          <a:lstStyle/>
+          <a:p>
+            <a:r>
+              <a:rPr lang="zh-CN" altLang="en-US" dirty="0" smtClean="0"/>
+              <a:t>软件工程</a:t>
+            </a:r>
+            <a:r>
+              <a:rPr lang="en-US" altLang="zh-CN" dirty="0" smtClean="0"/>
+              <a:t>0802 </a:t>
+            </a:r>
+            <a:r>
+              <a:rPr lang="zh-CN" altLang="en-US" dirty="0" smtClean="0"/>
+              <a:t>谭歆</a:t>
+            </a:r>
+            <a:endParaRPr lang="en-US" altLang="zh-CN" dirty="0" smtClean="0"/>
+          </a:p>
+          <a:p>
+            <a:r>
+              <a:rPr lang="zh-CN" altLang="en-US" dirty="0"/>
+              <a:t>指</a:t>
+            </a:r>
+            <a:r>
+              <a:rPr lang="zh-CN" altLang="en-US" dirty="0" smtClean="0"/>
+              <a:t>导老师 蔡亮</a:t>
+            </a:r>
+            <a:endParaRPr lang="zh-CN" altLang="en-US" dirty="0"/>
+          </a:p>
+        </p:txBody>
+      </p:sp>
+      <p:sp>
+        <p:nvSpPr>
+          <p:cNvPr id="4" name="日期占位符 3"/>
+          <p:cNvSpPr>
+            <a:spLocks noGrp="1"/>
+          </p:cNvSpPr>
+          <p:nvPr>
+            <p:ph type="dt" sz="half" idx="10"/>
+          </p:nvPr>
+        </p:nvSpPr>
+        <p:spPr/>
+        <p:txBody>
+          <a:bodyPr/>
+          <a:lstStyle/>
+          <a:p>
+            <a:pPr>
+              <a:defRPr/>
+            </a:pPr>
+            <a:fld id="{11369A63-9FDA-43D3-BAFD-C0424D6BD8A8}" type="datetime1">
+              <a:rPr lang="zh-CN" altLang="en-US" smtClean="0"/>
+              <a:pPr>
+                <a:defRPr/>
+              </a:pPr>
+              <a:t>2012/6/7</a:t>
             </a:fld>
             <a:endParaRPr lang="zh-CN" altLang="en-US" sz="1800">
               <a:solidFill>
@@ -11707,7 +12404,7 @@
             <a:fld id="{5D94B634-8826-444B-9C1B-A7D7EF79C640}" type="datetime1">
               <a:rPr lang="zh-CN" altLang="en-US" smtClean="0"/>
               <a:pPr/>
-              <a:t>2012/6/4</a:t>
+              <a:t>2012/6/7</a:t>
             </a:fld>
             <a:endParaRPr lang="zh-CN" altLang="en-US" smtClean="0"/>
           </a:p>
@@ -11734,6 +12431,134 @@
 </file>
 
 <file path=ppt/slides/slide4.xml><?xml version="1.0" encoding="utf-8"?>
+<p:sld xmlns:a="http://schemas.openxmlformats.org/drawingml/2006/main" xmlns:r="http://schemas.openxmlformats.org/officeDocument/2006/relationships" xmlns:p="http://schemas.openxmlformats.org/presentationml/2006/main">
+  <p:cSld>
+    <p:spTree>
+      <p:nvGrpSpPr>
+        <p:cNvPr id="1" name=""/>
+        <p:cNvGrpSpPr/>
+        <p:nvPr/>
+      </p:nvGrpSpPr>
+      <p:grpSpPr>
+        <a:xfrm>
+          <a:off x="0" y="0"/>
+          <a:ext cx="0" cy="0"/>
+          <a:chOff x="0" y="0"/>
+          <a:chExt cx="0" cy="0"/>
+        </a:xfrm>
+      </p:grpSpPr>
+      <p:sp>
+        <p:nvSpPr>
+          <p:cNvPr id="2" name="标题 1"/>
+          <p:cNvSpPr>
+            <a:spLocks noGrp="1"/>
+          </p:cNvSpPr>
+          <p:nvPr>
+            <p:ph type="title"/>
+          </p:nvPr>
+        </p:nvSpPr>
+        <p:spPr/>
+        <p:txBody>
+          <a:bodyPr/>
+          <a:lstStyle/>
+          <a:p>
+            <a:r>
+              <a:rPr lang="zh-CN" altLang="en-US" dirty="0"/>
+              <a:t>项</a:t>
+            </a:r>
+            <a:r>
+              <a:rPr lang="zh-CN" altLang="en-US" dirty="0" smtClean="0"/>
+              <a:t>目背景</a:t>
+            </a:r>
+            <a:endParaRPr lang="zh-CN" altLang="en-US" dirty="0"/>
+          </a:p>
+        </p:txBody>
+      </p:sp>
+      <p:sp>
+        <p:nvSpPr>
+          <p:cNvPr id="3" name="内容占位符 2"/>
+          <p:cNvSpPr>
+            <a:spLocks noGrp="1"/>
+          </p:cNvSpPr>
+          <p:nvPr>
+            <p:ph idx="1"/>
+          </p:nvPr>
+        </p:nvSpPr>
+        <p:spPr/>
+        <p:txBody>
+          <a:bodyPr/>
+          <a:lstStyle/>
+          <a:p>
+            <a:r>
+              <a:rPr lang="zh-CN" altLang="en-US" sz="2000" dirty="0" smtClean="0"/>
+              <a:t>随着技术的不懈进步，你与你的客户，竞争对手及行业相关的交流和共享的信息正以令人振奋的新方式扩展。同时由于信息的格式多种多样，来源之广，更新之频繁，销售与市场营销人员越来越难以跟踪和管理如此多的信息。</a:t>
+            </a:r>
+            <a:endParaRPr lang="en-US" altLang="zh-CN" sz="2000" dirty="0"/>
+          </a:p>
+          <a:p>
+            <a:r>
+              <a:rPr lang="zh-CN" altLang="en-US" sz="2000" dirty="0" smtClean="0"/>
+              <a:t>鉴于这种需求，你将如何随时随地地轻松访问与组织相关信</a:t>
+            </a:r>
+            <a:r>
+              <a:rPr lang="zh-CN" altLang="en-US" sz="2000" smtClean="0"/>
+              <a:t>息？</a:t>
+            </a:r>
+            <a:endParaRPr lang="en-US" altLang="zh-CN" sz="2000" dirty="0"/>
+          </a:p>
+          <a:p>
+            <a:endParaRPr lang="zh-CN" altLang="en-US" dirty="0"/>
+          </a:p>
+        </p:txBody>
+      </p:sp>
+      <p:sp>
+        <p:nvSpPr>
+          <p:cNvPr id="4" name="日期占位符 3"/>
+          <p:cNvSpPr>
+            <a:spLocks noGrp="1"/>
+          </p:cNvSpPr>
+          <p:nvPr>
+            <p:ph type="dt" sz="half" idx="10"/>
+          </p:nvPr>
+        </p:nvSpPr>
+        <p:spPr/>
+        <p:txBody>
+          <a:bodyPr/>
+          <a:lstStyle/>
+          <a:p>
+            <a:pPr>
+              <a:defRPr/>
+            </a:pPr>
+            <a:fld id="{11369A63-9FDA-43D3-BAFD-C0424D6BD8A8}" type="datetime1">
+              <a:rPr lang="zh-CN" altLang="en-US" smtClean="0"/>
+              <a:pPr>
+                <a:defRPr/>
+              </a:pPr>
+              <a:t>2012/6/7</a:t>
+            </a:fld>
+            <a:endParaRPr lang="zh-CN" altLang="en-US" sz="1800">
+              <a:solidFill>
+                <a:srgbClr val="000000"/>
+              </a:solidFill>
+              <a:ea typeface="宋体" pitchFamily="2" charset="-122"/>
+            </a:endParaRPr>
+          </a:p>
+        </p:txBody>
+      </p:sp>
+    </p:spTree>
+    <p:extLst>
+      <p:ext uri="{BB962C8B-B14F-4D97-AF65-F5344CB8AC3E}">
+        <p14:creationId xmlns:p14="http://schemas.microsoft.com/office/powerpoint/2010/main" val="2021242063"/>
+      </p:ext>
+    </p:extLst>
+  </p:cSld>
+  <p:clrMapOvr>
+    <a:masterClrMapping/>
+  </p:clrMapOvr>
+</p:sld>
+</file>
+
+<file path=ppt/slides/slide5.xml><?xml version="1.0" encoding="utf-8"?>
 <p:sld xmlns:a="http://schemas.openxmlformats.org/drawingml/2006/main" xmlns:r="http://schemas.openxmlformats.org/officeDocument/2006/relationships" xmlns:p="http://schemas.openxmlformats.org/presentationml/2006/main">
   <p:cSld>
     <p:spTree>
@@ -12267,7 +13092,7 @@
               <a:pPr>
                 <a:defRPr/>
               </a:pPr>
-              <a:t>2012/6/4</a:t>
+              <a:t>2012/6/7</a:t>
             </a:fld>
             <a:endParaRPr lang="zh-CN" altLang="en-US" sz="1800">
               <a:solidFill>
@@ -12840,7 +13665,7 @@
 </p:sld>
 </file>
 
-<file path=ppt/slides/slide5.xml><?xml version="1.0" encoding="utf-8"?>
+<file path=ppt/slides/slide6.xml><?xml version="1.0" encoding="utf-8"?>
 <p:sld xmlns:a="http://schemas.openxmlformats.org/drawingml/2006/main" xmlns:r="http://schemas.openxmlformats.org/officeDocument/2006/relationships" xmlns:p="http://schemas.openxmlformats.org/presentationml/2006/main">
   <p:cSld>
     <p:spTree>
@@ -12990,7 +13815,7 @@
             <a:fld id="{5D94B634-8826-444B-9C1B-A7D7EF79C640}" type="datetime1">
               <a:rPr lang="zh-CN" altLang="en-US" smtClean="0"/>
               <a:pPr/>
-              <a:t>2012/6/4</a:t>
+              <a:t>2012/6/7</a:t>
             </a:fld>
             <a:endParaRPr lang="zh-CN" altLang="en-US" smtClean="0"/>
           </a:p>
@@ -13016,7 +13841,7 @@
 </p:sld>
 </file>
 
-<file path=ppt/slides/slide6.xml><?xml version="1.0" encoding="utf-8"?>
+<file path=ppt/slides/slide7.xml><?xml version="1.0" encoding="utf-8"?>
 <p:sld xmlns:a="http://schemas.openxmlformats.org/drawingml/2006/main" xmlns:r="http://schemas.openxmlformats.org/officeDocument/2006/relationships" xmlns:p="http://schemas.openxmlformats.org/presentationml/2006/main">
   <p:cSld>
     <p:spTree>
@@ -13079,7 +13904,7 @@
               <a:pPr>
                 <a:defRPr/>
               </a:pPr>
-              <a:t>2012/6/4</a:t>
+              <a:t>2012/6/7</a:t>
             </a:fld>
             <a:endParaRPr lang="zh-CN" altLang="en-US" sz="1800">
               <a:solidFill>
@@ -13174,182 +13999,6 @@
 </p:sld>
 </file>
 
-<file path=ppt/slides/slide7.xml><?xml version="1.0" encoding="utf-8"?>
-<p:sld xmlns:a="http://schemas.openxmlformats.org/drawingml/2006/main" xmlns:r="http://schemas.openxmlformats.org/officeDocument/2006/relationships" xmlns:p="http://schemas.openxmlformats.org/presentationml/2006/main">
-  <p:cSld>
-    <p:spTree>
-      <p:nvGrpSpPr>
-        <p:cNvPr id="1" name=""/>
-        <p:cNvGrpSpPr/>
-        <p:nvPr/>
-      </p:nvGrpSpPr>
-      <p:grpSpPr>
-        <a:xfrm>
-          <a:off x="0" y="0"/>
-          <a:ext cx="0" cy="0"/>
-          <a:chOff x="0" y="0"/>
-          <a:chExt cx="0" cy="0"/>
-        </a:xfrm>
-      </p:grpSpPr>
-      <p:sp>
-        <p:nvSpPr>
-          <p:cNvPr id="8" name="标题 7"/>
-          <p:cNvSpPr>
-            <a:spLocks noGrp="1"/>
-          </p:cNvSpPr>
-          <p:nvPr>
-            <p:ph type="title"/>
-          </p:nvPr>
-        </p:nvSpPr>
-        <p:spPr/>
-        <p:txBody>
-          <a:bodyPr/>
-          <a:lstStyle/>
-          <a:p>
-            <a:pPr algn="ctr"/>
-            <a:r>
-              <a:rPr lang="zh-CN" altLang="en-US" dirty="0" smtClean="0"/>
-              <a:t>目录</a:t>
-            </a:r>
-            <a:endParaRPr lang="zh-CN" altLang="en-US" dirty="0"/>
-          </a:p>
-        </p:txBody>
-      </p:sp>
-      <p:sp>
-        <p:nvSpPr>
-          <p:cNvPr id="9" name="内容占位符 8"/>
-          <p:cNvSpPr>
-            <a:spLocks noGrp="1"/>
-          </p:cNvSpPr>
-          <p:nvPr>
-            <p:ph idx="1"/>
-          </p:nvPr>
-        </p:nvSpPr>
-        <p:spPr/>
-        <p:txBody>
-          <a:bodyPr/>
-          <a:lstStyle/>
-          <a:p>
-            <a:pPr marL="514350" indent="-514350">
-              <a:buFont typeface="+mj-ea"/>
-              <a:buAutoNum type="circleNumDbPlain"/>
-            </a:pPr>
-            <a:r>
-              <a:rPr lang="zh-CN" altLang="en-US" dirty="0" smtClean="0"/>
-              <a:t>项目简介</a:t>
-            </a:r>
-            <a:endParaRPr lang="en-US" altLang="zh-CN" dirty="0" smtClean="0"/>
-          </a:p>
-          <a:p>
-            <a:pPr marL="514350" indent="-514350">
-              <a:buFont typeface="+mj-ea"/>
-              <a:buAutoNum type="circleNumDbPlain"/>
-            </a:pPr>
-            <a:r>
-              <a:rPr lang="zh-CN" altLang="en-US" dirty="0"/>
-              <a:t>系</a:t>
-            </a:r>
-            <a:r>
-              <a:rPr lang="zh-CN" altLang="en-US" dirty="0" smtClean="0"/>
-              <a:t>统架构</a:t>
-            </a:r>
-            <a:endParaRPr lang="en-US" altLang="zh-CN" dirty="0" smtClean="0"/>
-          </a:p>
-          <a:p>
-            <a:pPr marL="514350" indent="-514350">
-              <a:buFont typeface="+mj-ea"/>
-              <a:buAutoNum type="circleNumDbPlain"/>
-            </a:pPr>
-            <a:r>
-              <a:rPr lang="zh-CN" altLang="en-US" b="1" dirty="0">
-                <a:solidFill>
-                  <a:schemeClr val="accent1"/>
-                </a:solidFill>
-              </a:rPr>
-              <a:t>项目难点</a:t>
-            </a:r>
-            <a:endParaRPr lang="en-US" altLang="zh-CN" b="1" dirty="0">
-              <a:solidFill>
-                <a:schemeClr val="accent1"/>
-              </a:solidFill>
-            </a:endParaRPr>
-          </a:p>
-          <a:p>
-            <a:pPr marL="514350" indent="-514350">
-              <a:buFont typeface="+mj-ea"/>
-              <a:buAutoNum type="circleNumDbPlain"/>
-            </a:pPr>
-            <a:r>
-              <a:rPr lang="zh-CN" altLang="en-US" dirty="0"/>
-              <a:t>设</a:t>
-            </a:r>
-            <a:r>
-              <a:rPr lang="zh-CN" altLang="en-US" dirty="0" smtClean="0"/>
-              <a:t>计亮点</a:t>
-            </a:r>
-            <a:endParaRPr lang="en-US" altLang="zh-CN" dirty="0" smtClean="0"/>
-          </a:p>
-          <a:p>
-            <a:pPr marL="514350" indent="-514350">
-              <a:buFont typeface="+mj-ea"/>
-              <a:buAutoNum type="circleNumDbPlain"/>
-            </a:pPr>
-            <a:r>
-              <a:rPr lang="zh-CN" altLang="en-US" dirty="0"/>
-              <a:t>成</a:t>
-            </a:r>
-            <a:r>
-              <a:rPr lang="zh-CN" altLang="en-US" dirty="0" smtClean="0"/>
-              <a:t>果展示</a:t>
-            </a:r>
-            <a:endParaRPr lang="zh-CN" altLang="en-US" dirty="0"/>
-          </a:p>
-        </p:txBody>
-      </p:sp>
-      <p:sp>
-        <p:nvSpPr>
-          <p:cNvPr id="16386" name="日期占位符 3"/>
-          <p:cNvSpPr>
-            <a:spLocks noGrp="1"/>
-          </p:cNvSpPr>
-          <p:nvPr>
-            <p:ph type="dt" sz="half" idx="10"/>
-          </p:nvPr>
-        </p:nvSpPr>
-        <p:spPr/>
-        <p:txBody>
-          <a:bodyPr/>
-          <a:lstStyle/>
-          <a:p>
-            <a:fld id="{5D94B634-8826-444B-9C1B-A7D7EF79C640}" type="datetime1">
-              <a:rPr lang="zh-CN" altLang="en-US" smtClean="0"/>
-              <a:pPr/>
-              <a:t>2012/6/4</a:t>
-            </a:fld>
-            <a:endParaRPr lang="zh-CN" altLang="en-US" smtClean="0"/>
-          </a:p>
-        </p:txBody>
-      </p:sp>
-    </p:spTree>
-    <p:extLst>
-      <p:ext uri="{BB962C8B-B14F-4D97-AF65-F5344CB8AC3E}">
-        <p14:creationId xmlns:p14="http://schemas.microsoft.com/office/powerpoint/2010/main" val="1761490325"/>
-      </p:ext>
-    </p:extLst>
-  </p:cSld>
-  <p:clrMapOvr>
-    <a:masterClrMapping/>
-  </p:clrMapOvr>
-  <p:timing>
-    <p:tnLst>
-      <p:par>
-        <p:cTn id="1" dur="indefinite" restart="never" nodeType="tmRoot"/>
-      </p:par>
-    </p:tnLst>
-  </p:timing>
-</p:sld>
-</file>
-
 <file path=ppt/slides/slide8.xml><?xml version="1.0" encoding="utf-8"?>
 <p:sld xmlns:a="http://schemas.openxmlformats.org/drawingml/2006/main" xmlns:r="http://schemas.openxmlformats.org/officeDocument/2006/relationships" xmlns:p="http://schemas.openxmlformats.org/presentationml/2006/main">
   <p:cSld>
@@ -13369,7 +14018,7 @@
       </p:grpSpPr>
       <p:sp>
         <p:nvSpPr>
-          <p:cNvPr id="2" name="标题 1"/>
+          <p:cNvPr id="8" name="标题 7"/>
           <p:cNvSpPr>
             <a:spLocks noGrp="1"/>
           </p:cNvSpPr>
@@ -13382,9 +14031,10 @@
           <a:bodyPr/>
           <a:lstStyle/>
           <a:p>
+            <a:pPr algn="ctr"/>
             <a:r>
               <a:rPr lang="zh-CN" altLang="en-US" dirty="0" smtClean="0"/>
-              <a:t>项目难点</a:t>
+              <a:t>目录</a:t>
             </a:r>
             <a:endParaRPr lang="zh-CN" altLang="en-US" dirty="0"/>
           </a:p>
@@ -13392,7 +14042,7 @@
       </p:sp>
       <p:sp>
         <p:nvSpPr>
-          <p:cNvPr id="3" name="内容占位符 2"/>
+          <p:cNvPr id="9" name="内容占位符 8"/>
           <p:cNvSpPr>
             <a:spLocks noGrp="1"/>
           </p:cNvSpPr>
@@ -13405,27 +14055,77 @@
           <a:bodyPr/>
           <a:lstStyle/>
           <a:p>
+            <a:pPr marL="514350" indent="-514350">
+              <a:buFont typeface="+mj-ea"/>
+              <a:buAutoNum type="circleNumDbPlain"/>
+            </a:pPr>
+            <a:r>
+              <a:rPr lang="zh-CN" altLang="en-US" dirty="0" smtClean="0"/>
+              <a:t>项目简介</a:t>
+            </a:r>
+            <a:endParaRPr lang="en-US" altLang="zh-CN" dirty="0" smtClean="0"/>
+          </a:p>
+          <a:p>
+            <a:pPr marL="514350" indent="-514350">
+              <a:buFont typeface="+mj-ea"/>
+              <a:buAutoNum type="circleNumDbPlain"/>
+            </a:pPr>
             <a:r>
               <a:rPr lang="zh-CN" altLang="en-US" dirty="0"/>
-              <a:t>预</a:t>
+              <a:t>系</a:t>
             </a:r>
             <a:r>
               <a:rPr lang="zh-CN" altLang="en-US" dirty="0" smtClean="0"/>
-              <a:t>览图生成（缓存）</a:t>
+              <a:t>统架构</a:t>
             </a:r>
             <a:endParaRPr lang="en-US" altLang="zh-CN" dirty="0" smtClean="0"/>
           </a:p>
           <a:p>
+            <a:pPr marL="514350" indent="-514350">
+              <a:buFont typeface="+mj-ea"/>
+              <a:buAutoNum type="circleNumDbPlain"/>
+            </a:pPr>
+            <a:r>
+              <a:rPr lang="zh-CN" altLang="en-US" b="1" dirty="0">
+                <a:solidFill>
+                  <a:schemeClr val="accent1"/>
+                </a:solidFill>
+              </a:rPr>
+              <a:t>项目难点</a:t>
+            </a:r>
+            <a:endParaRPr lang="en-US" altLang="zh-CN" b="1" dirty="0">
+              <a:solidFill>
+                <a:schemeClr val="accent1"/>
+              </a:solidFill>
+            </a:endParaRPr>
+          </a:p>
+          <a:p>
+            <a:pPr marL="514350" indent="-514350">
+              <a:buFont typeface="+mj-ea"/>
+              <a:buAutoNum type="circleNumDbPlain"/>
+            </a:pPr>
+            <a:r>
+              <a:rPr lang="zh-CN" altLang="en-US" dirty="0"/>
+              <a:t>设</a:t>
+            </a:r>
             <a:r>
               <a:rPr lang="zh-CN" altLang="en-US" dirty="0" smtClean="0"/>
-              <a:t>多云存储的支持（桥接模式）</a:t>
+              <a:t>计亮点</a:t>
             </a:r>
             <a:endParaRPr lang="en-US" altLang="zh-CN" dirty="0" smtClean="0"/>
           </a:p>
           <a:p>
+            <a:pPr marL="514350" indent="-514350">
+              <a:buFont typeface="+mj-ea"/>
+              <a:buAutoNum type="circleNumDbPlain"/>
+            </a:pPr>
+            <a:r>
+              <a:rPr lang="zh-CN" altLang="en-US" dirty="0"/>
+              <a:t>成</a:t>
+            </a:r>
             <a:r>
               <a:rPr lang="zh-CN" altLang="en-US" dirty="0" smtClean="0"/>
-              <a:t>多线程下载及进度条（消息机制）</a:t>
+              <a:t>果展示</a:t>
             </a:r>
             <a:endParaRPr lang="zh-CN" altLang="en-US" dirty="0"/>
           </a:p>
@@ -13433,7 +14133,7 @@
       </p:sp>
       <p:sp>
         <p:nvSpPr>
-          <p:cNvPr id="4" name="日期占位符 3"/>
+          <p:cNvPr id="16386" name="日期占位符 3"/>
           <p:cNvSpPr>
             <a:spLocks noGrp="1"/>
           </p:cNvSpPr>
@@ -13446,29 +14146,19 @@
           <a:bodyPr/>
           <a:lstStyle/>
           <a:p>
-            <a:pPr>
-              <a:defRPr/>
-            </a:pPr>
-            <a:fld id="{11369A63-9FDA-43D3-BAFD-C0424D6BD8A8}" type="datetime1">
+            <a:fld id="{5D94B634-8826-444B-9C1B-A7D7EF79C640}" type="datetime1">
               <a:rPr lang="zh-CN" altLang="en-US" smtClean="0"/>
-              <a:pPr>
-                <a:defRPr/>
-              </a:pPr>
-              <a:t>2012/6/4</a:t>
+              <a:pPr/>
+              <a:t>2012/6/7</a:t>
             </a:fld>
-            <a:endParaRPr lang="zh-CN" altLang="en-US" sz="1800">
-              <a:solidFill>
-                <a:srgbClr val="000000"/>
-              </a:solidFill>
-              <a:ea typeface="宋体" pitchFamily="2" charset="-122"/>
-            </a:endParaRPr>
+            <a:endParaRPr lang="zh-CN" altLang="en-US" smtClean="0"/>
           </a:p>
         </p:txBody>
       </p:sp>
     </p:spTree>
     <p:extLst>
       <p:ext uri="{BB962C8B-B14F-4D97-AF65-F5344CB8AC3E}">
-        <p14:creationId xmlns:p14="http://schemas.microsoft.com/office/powerpoint/2010/main" val="4073711161"/>
+        <p14:creationId xmlns:p14="http://schemas.microsoft.com/office/powerpoint/2010/main" val="1761490325"/>
       </p:ext>
     </p:extLst>
   </p:cSld>
@@ -13519,7 +14209,7 @@
           <a:p>
             <a:r>
               <a:rPr lang="zh-CN" altLang="en-US" dirty="0" smtClean="0"/>
-              <a:t>预览图</a:t>
+              <a:t>项目难点</a:t>
             </a:r>
             <a:endParaRPr lang="zh-CN" altLang="en-US" dirty="0"/>
           </a:p>
@@ -13541,18 +14231,26 @@
           <a:lstStyle/>
           <a:p>
             <a:r>
-              <a:rPr lang="en-US" altLang="zh-CN" dirty="0" smtClean="0"/>
-              <a:t>PDF</a:t>
-            </a:r>
-          </a:p>
-          <a:p>
-            <a:r>
-              <a:rPr lang="en-US" altLang="zh-CN" dirty="0" err="1" smtClean="0"/>
-              <a:t>Doc,xls,ppt</a:t>
-            </a:r>
-            <a:r>
-              <a:rPr lang="en-US" altLang="zh-CN" dirty="0" smtClean="0"/>
-              <a:t> ?</a:t>
+              <a:rPr lang="zh-CN" altLang="en-US" dirty="0"/>
+              <a:t>预</a:t>
+            </a:r>
+            <a:r>
+              <a:rPr lang="zh-CN" altLang="en-US" dirty="0" smtClean="0"/>
+              <a:t>览图生成（缓存）</a:t>
+            </a:r>
+            <a:endParaRPr lang="en-US" altLang="zh-CN" dirty="0" smtClean="0"/>
+          </a:p>
+          <a:p>
+            <a:r>
+              <a:rPr lang="zh-CN" altLang="en-US" dirty="0" smtClean="0"/>
+              <a:t>多云存储的支持（桥接模式）</a:t>
+            </a:r>
+            <a:endParaRPr lang="en-US" altLang="zh-CN" dirty="0" smtClean="0"/>
+          </a:p>
+          <a:p>
+            <a:r>
+              <a:rPr lang="zh-CN" altLang="en-US" dirty="0" smtClean="0"/>
+              <a:t>多线程下载及进度条（消息机制）</a:t>
             </a:r>
             <a:endParaRPr lang="zh-CN" altLang="en-US" dirty="0"/>
           </a:p>
@@ -13581,7 +14279,7 @@
               <a:pPr>
                 <a:defRPr/>
               </a:pPr>
-              <a:t>2012/6/4</a:t>
+              <a:t>2012/6/7</a:t>
             </a:fld>
             <a:endParaRPr lang="zh-CN" altLang="en-US" sz="1800">
               <a:solidFill>
@@ -13592,202 +14290,10 @@
           </a:p>
         </p:txBody>
       </p:sp>
-      <p:pic>
-        <p:nvPicPr>
-          <p:cNvPr id="3074" name="Picture 2"/>
-          <p:cNvPicPr>
-            <a:picLocks noChangeAspect="1" noChangeArrowheads="1"/>
-          </p:cNvPicPr>
-          <p:nvPr/>
-        </p:nvPicPr>
-        <p:blipFill>
-          <a:blip r:embed="rId2">
-            <a:extLst>
-              <a:ext uri="{28A0092B-C50C-407E-A947-70E740481C1C}">
-                <a14:useLocalDpi xmlns:a14="http://schemas.microsoft.com/office/drawing/2010/main" val="0"/>
-              </a:ext>
-            </a:extLst>
-          </a:blip>
-          <a:srcRect/>
-          <a:stretch>
-            <a:fillRect/>
-          </a:stretch>
-        </p:blipFill>
-        <p:spPr bwMode="auto">
-          <a:xfrm>
-            <a:off x="4067944" y="1286538"/>
-            <a:ext cx="4159086" cy="4661832"/>
-          </a:xfrm>
-          <a:prstGeom prst="rect">
-            <a:avLst/>
-          </a:prstGeom>
-          <a:noFill/>
-          <a:ln>
-            <a:noFill/>
-          </a:ln>
-          <a:effectLst/>
-          <a:extLst>
-            <a:ext uri="{909E8E84-426E-40DD-AFC4-6F175D3DCCD1}">
-              <a14:hiddenFill xmlns:a14="http://schemas.microsoft.com/office/drawing/2010/main">
-                <a:solidFill>
-                  <a:schemeClr val="accent1"/>
-                </a:solidFill>
-              </a14:hiddenFill>
-            </a:ext>
-            <a:ext uri="{91240B29-F687-4F45-9708-019B960494DF}">
-              <a14:hiddenLine xmlns:a14="http://schemas.microsoft.com/office/drawing/2010/main" w="9525">
-                <a:solidFill>
-                  <a:schemeClr val="tx1"/>
-                </a:solidFill>
-                <a:miter lim="800000"/>
-                <a:headEnd/>
-                <a:tailEnd/>
-              </a14:hiddenLine>
-            </a:ext>
-            <a:ext uri="{AF507438-7753-43E0-B8FC-AC1667EBCBE1}">
-              <a14:hiddenEffects xmlns:a14="http://schemas.microsoft.com/office/drawing/2010/main">
-                <a:effectLst>
-                  <a:outerShdw dist="35921" dir="2700000" algn="ctr" rotWithShape="0">
-                    <a:schemeClr val="bg2"/>
-                  </a:outerShdw>
-                </a:effectLst>
-              </a14:hiddenEffects>
-            </a:ext>
-          </a:extLst>
-        </p:spPr>
-      </p:pic>
-      <p:sp>
-        <p:nvSpPr>
-          <p:cNvPr id="5" name="椭圆 4"/>
-          <p:cNvSpPr/>
-          <p:nvPr/>
-        </p:nvSpPr>
-        <p:spPr>
-          <a:xfrm>
-            <a:off x="4067944" y="3140968"/>
-            <a:ext cx="1368152" cy="792088"/>
-          </a:xfrm>
-          <a:prstGeom prst="ellipse">
-            <a:avLst/>
-          </a:prstGeom>
-          <a:gradFill>
-            <a:gsLst>
-              <a:gs pos="0">
-                <a:schemeClr val="accent2">
-                  <a:tint val="50000"/>
-                  <a:satMod val="300000"/>
-                  <a:alpha val="14000"/>
-                </a:schemeClr>
-              </a:gs>
-              <a:gs pos="100000">
-                <a:schemeClr val="accent2">
-                  <a:tint val="37000"/>
-                  <a:satMod val="300000"/>
-                  <a:alpha val="10000"/>
-                  <a:lumMod val="90000"/>
-                  <a:lumOff val="10000"/>
-                </a:schemeClr>
-              </a:gs>
-              <a:gs pos="100000">
-                <a:schemeClr val="accent2">
-                  <a:tint val="15000"/>
-                  <a:satMod val="350000"/>
-                </a:schemeClr>
-              </a:gs>
-            </a:gsLst>
-          </a:gradFill>
-        </p:spPr>
-        <p:style>
-          <a:lnRef idx="1">
-            <a:schemeClr val="accent2"/>
-          </a:lnRef>
-          <a:fillRef idx="2">
-            <a:schemeClr val="accent2"/>
-          </a:fillRef>
-          <a:effectRef idx="1">
-            <a:schemeClr val="accent2"/>
-          </a:effectRef>
-          <a:fontRef idx="minor">
-            <a:schemeClr val="dk1"/>
-          </a:fontRef>
-        </p:style>
-        <p:txBody>
-          <a:bodyPr rtlCol="0" anchor="ctr"/>
-          <a:lstStyle/>
-          <a:p>
-            <a:pPr algn="ctr"/>
-            <a:endParaRPr lang="zh-CN" altLang="en-US"/>
-          </a:p>
-        </p:txBody>
-      </p:sp>
-      <p:pic>
-        <p:nvPicPr>
-          <p:cNvPr id="3075" name="Picture 3"/>
-          <p:cNvPicPr>
-            <a:picLocks noChangeAspect="1" noChangeArrowheads="1"/>
-          </p:cNvPicPr>
-          <p:nvPr/>
-        </p:nvPicPr>
-        <p:blipFill>
-          <a:blip r:embed="rId3">
-            <a:extLst>
-              <a:ext uri="{28A0092B-C50C-407E-A947-70E740481C1C}">
-                <a14:useLocalDpi xmlns:a14="http://schemas.microsoft.com/office/drawing/2010/main" val="0"/>
-              </a:ext>
-            </a:extLst>
-          </a:blip>
-          <a:srcRect/>
-          <a:stretch>
-            <a:fillRect/>
-          </a:stretch>
-        </p:blipFill>
-        <p:spPr bwMode="auto">
-          <a:xfrm>
-            <a:off x="755576" y="3249216"/>
-            <a:ext cx="3312368" cy="2423442"/>
-          </a:xfrm>
-          <a:prstGeom prst="rect">
-            <a:avLst/>
-          </a:prstGeom>
-          <a:noFill/>
-          <a:ln>
-            <a:noFill/>
-          </a:ln>
-          <a:effectLst/>
-          <a:extLst>
-            <a:ext uri="{909E8E84-426E-40DD-AFC4-6F175D3DCCD1}">
-              <a14:hiddenFill xmlns:a14="http://schemas.microsoft.com/office/drawing/2010/main">
-                <a:solidFill>
-                  <a:schemeClr val="accent1"/>
-                </a:solidFill>
-              </a14:hiddenFill>
-            </a:ext>
-            <a:ext uri="{91240B29-F687-4F45-9708-019B960494DF}">
-              <a14:hiddenLine xmlns:a14="http://schemas.microsoft.com/office/drawing/2010/main" w="9525">
-                <a:solidFill>
-                  <a:schemeClr val="tx1"/>
-                </a:solidFill>
-                <a:miter lim="800000"/>
-                <a:headEnd/>
-                <a:tailEnd/>
-              </a14:hiddenLine>
-            </a:ext>
-            <a:ext uri="{AF507438-7753-43E0-B8FC-AC1667EBCBE1}">
-              <a14:hiddenEffects xmlns:a14="http://schemas.microsoft.com/office/drawing/2010/main">
-                <a:effectLst>
-                  <a:outerShdw dist="35921" dir="2700000" algn="ctr" rotWithShape="0">
-                    <a:schemeClr val="bg2"/>
-                  </a:outerShdw>
-                </a:effectLst>
-              </a14:hiddenEffects>
-            </a:ext>
-          </a:extLst>
-        </p:spPr>
-      </p:pic>
     </p:spTree>
     <p:extLst>
       <p:ext uri="{BB962C8B-B14F-4D97-AF65-F5344CB8AC3E}">
-        <p14:creationId xmlns:p14="http://schemas.microsoft.com/office/powerpoint/2010/main" val="1141786042"/>
+        <p14:creationId xmlns:p14="http://schemas.microsoft.com/office/powerpoint/2010/main" val="4073711161"/>
       </p:ext>
     </p:extLst>
   </p:cSld>
@@ -13797,386 +14303,9 @@
   <p:timing>
     <p:tnLst>
       <p:par>
-        <p:cTn id="1" dur="indefinite" restart="never" nodeType="tmRoot">
-          <p:childTnLst>
-            <p:seq concurrent="1" nextAc="seek">
-              <p:cTn id="2" dur="indefinite" nodeType="mainSeq">
-                <p:childTnLst>
-                  <p:par>
-                    <p:cTn id="3" fill="hold">
-                      <p:stCondLst>
-                        <p:cond delay="indefinite"/>
-                      </p:stCondLst>
-                      <p:childTnLst>
-                        <p:par>
-                          <p:cTn id="4" fill="hold">
-                            <p:stCondLst>
-                              <p:cond delay="0"/>
-                            </p:stCondLst>
-                            <p:childTnLst>
-                              <p:par>
-                                <p:cTn id="5" presetID="10" presetClass="entr" presetSubtype="0" fill="hold" grpId="0" nodeType="clickEffect">
-                                  <p:stCondLst>
-                                    <p:cond delay="0"/>
-                                  </p:stCondLst>
-                                  <p:childTnLst>
-                                    <p:set>
-                                      <p:cBhvr>
-                                        <p:cTn id="6" dur="1" fill="hold">
-                                          <p:stCondLst>
-                                            <p:cond delay="0"/>
-                                          </p:stCondLst>
-                                        </p:cTn>
-                                        <p:tgtEl>
-                                          <p:spTgt spid="3">
-                                            <p:txEl>
-                                              <p:pRg st="0" end="0"/>
-                                            </p:txEl>
-                                          </p:spTgt>
-                                        </p:tgtEl>
-                                        <p:attrNameLst>
-                                          <p:attrName>style.visibility</p:attrName>
-                                        </p:attrNameLst>
-                                      </p:cBhvr>
-                                      <p:to>
-                                        <p:strVal val="visible"/>
-                                      </p:to>
-                                    </p:set>
-                                    <p:animEffect transition="in" filter="fade">
-                                      <p:cBhvr>
-                                        <p:cTn id="7" dur="500"/>
-                                        <p:tgtEl>
-                                          <p:spTgt spid="3">
-                                            <p:txEl>
-                                              <p:pRg st="0" end="0"/>
-                                            </p:txEl>
-                                          </p:spTgt>
-                                        </p:tgtEl>
-                                      </p:cBhvr>
-                                    </p:animEffect>
-                                  </p:childTnLst>
-                                </p:cTn>
-                              </p:par>
-                            </p:childTnLst>
-                          </p:cTn>
-                        </p:par>
-                      </p:childTnLst>
-                    </p:cTn>
-                  </p:par>
-                  <p:par>
-                    <p:cTn id="8" fill="hold">
-                      <p:stCondLst>
-                        <p:cond delay="indefinite"/>
-                      </p:stCondLst>
-                      <p:childTnLst>
-                        <p:par>
-                          <p:cTn id="9" fill="hold">
-                            <p:stCondLst>
-                              <p:cond delay="0"/>
-                            </p:stCondLst>
-                            <p:childTnLst>
-                              <p:par>
-                                <p:cTn id="10" presetID="10" presetClass="entr" presetSubtype="0" fill="hold" grpId="0" nodeType="clickEffect">
-                                  <p:stCondLst>
-                                    <p:cond delay="0"/>
-                                  </p:stCondLst>
-                                  <p:childTnLst>
-                                    <p:set>
-                                      <p:cBhvr>
-                                        <p:cTn id="11" dur="1" fill="hold">
-                                          <p:stCondLst>
-                                            <p:cond delay="0"/>
-                                          </p:stCondLst>
-                                        </p:cTn>
-                                        <p:tgtEl>
-                                          <p:spTgt spid="3">
-                                            <p:txEl>
-                                              <p:pRg st="1" end="1"/>
-                                            </p:txEl>
-                                          </p:spTgt>
-                                        </p:tgtEl>
-                                        <p:attrNameLst>
-                                          <p:attrName>style.visibility</p:attrName>
-                                        </p:attrNameLst>
-                                      </p:cBhvr>
-                                      <p:to>
-                                        <p:strVal val="visible"/>
-                                      </p:to>
-                                    </p:set>
-                                    <p:animEffect transition="in" filter="fade">
-                                      <p:cBhvr>
-                                        <p:cTn id="12" dur="500"/>
-                                        <p:tgtEl>
-                                          <p:spTgt spid="3">
-                                            <p:txEl>
-                                              <p:pRg st="1" end="1"/>
-                                            </p:txEl>
-                                          </p:spTgt>
-                                        </p:tgtEl>
-                                      </p:cBhvr>
-                                    </p:animEffect>
-                                  </p:childTnLst>
-                                </p:cTn>
-                              </p:par>
-                            </p:childTnLst>
-                          </p:cTn>
-                        </p:par>
-                      </p:childTnLst>
-                    </p:cTn>
-                  </p:par>
-                  <p:par>
-                    <p:cTn id="13" fill="hold">
-                      <p:stCondLst>
-                        <p:cond delay="indefinite"/>
-                      </p:stCondLst>
-                      <p:childTnLst>
-                        <p:par>
-                          <p:cTn id="14" fill="hold">
-                            <p:stCondLst>
-                              <p:cond delay="0"/>
-                            </p:stCondLst>
-                            <p:childTnLst>
-                              <p:par>
-                                <p:cTn id="15" presetID="31" presetClass="entr" presetSubtype="0" fill="hold" nodeType="clickEffect">
-                                  <p:stCondLst>
-                                    <p:cond delay="0"/>
-                                  </p:stCondLst>
-                                  <p:childTnLst>
-                                    <p:set>
-                                      <p:cBhvr>
-                                        <p:cTn id="16" dur="1" fill="hold">
-                                          <p:stCondLst>
-                                            <p:cond delay="0"/>
-                                          </p:stCondLst>
-                                        </p:cTn>
-                                        <p:tgtEl>
-                                          <p:spTgt spid="3074"/>
-                                        </p:tgtEl>
-                                        <p:attrNameLst>
-                                          <p:attrName>style.visibility</p:attrName>
-                                        </p:attrNameLst>
-                                      </p:cBhvr>
-                                      <p:to>
-                                        <p:strVal val="visible"/>
-                                      </p:to>
-                                    </p:set>
-                                    <p:anim calcmode="lin" valueType="num">
-                                      <p:cBhvr>
-                                        <p:cTn id="17" dur="1000" fill="hold"/>
-                                        <p:tgtEl>
-                                          <p:spTgt spid="3074"/>
-                                        </p:tgtEl>
-                                        <p:attrNameLst>
-                                          <p:attrName>ppt_w</p:attrName>
-                                        </p:attrNameLst>
-                                      </p:cBhvr>
-                                      <p:tavLst>
-                                        <p:tav tm="0">
-                                          <p:val>
-                                            <p:fltVal val="0"/>
-                                          </p:val>
-                                        </p:tav>
-                                        <p:tav tm="100000">
-                                          <p:val>
-                                            <p:strVal val="#ppt_w"/>
-                                          </p:val>
-                                        </p:tav>
-                                      </p:tavLst>
-                                    </p:anim>
-                                    <p:anim calcmode="lin" valueType="num">
-                                      <p:cBhvr>
-                                        <p:cTn id="18" dur="1000" fill="hold"/>
-                                        <p:tgtEl>
-                                          <p:spTgt spid="3074"/>
-                                        </p:tgtEl>
-                                        <p:attrNameLst>
-                                          <p:attrName>ppt_h</p:attrName>
-                                        </p:attrNameLst>
-                                      </p:cBhvr>
-                                      <p:tavLst>
-                                        <p:tav tm="0">
-                                          <p:val>
-                                            <p:fltVal val="0"/>
-                                          </p:val>
-                                        </p:tav>
-                                        <p:tav tm="100000">
-                                          <p:val>
-                                            <p:strVal val="#ppt_h"/>
-                                          </p:val>
-                                        </p:tav>
-                                      </p:tavLst>
-                                    </p:anim>
-                                    <p:anim calcmode="lin" valueType="num">
-                                      <p:cBhvr>
-                                        <p:cTn id="19" dur="1000" fill="hold"/>
-                                        <p:tgtEl>
-                                          <p:spTgt spid="3074"/>
-                                        </p:tgtEl>
-                                        <p:attrNameLst>
-                                          <p:attrName>style.rotation</p:attrName>
-                                        </p:attrNameLst>
-                                      </p:cBhvr>
-                                      <p:tavLst>
-                                        <p:tav tm="0">
-                                          <p:val>
-                                            <p:fltVal val="90"/>
-                                          </p:val>
-                                        </p:tav>
-                                        <p:tav tm="100000">
-                                          <p:val>
-                                            <p:fltVal val="0"/>
-                                          </p:val>
-                                        </p:tav>
-                                      </p:tavLst>
-                                    </p:anim>
-                                    <p:animEffect transition="in" filter="fade">
-                                      <p:cBhvr>
-                                        <p:cTn id="20" dur="1000"/>
-                                        <p:tgtEl>
-                                          <p:spTgt spid="3074"/>
-                                        </p:tgtEl>
-                                      </p:cBhvr>
-                                    </p:animEffect>
-                                  </p:childTnLst>
-                                </p:cTn>
-                              </p:par>
-                            </p:childTnLst>
-                          </p:cTn>
-                        </p:par>
-                      </p:childTnLst>
-                    </p:cTn>
-                  </p:par>
-                  <p:par>
-                    <p:cTn id="21" fill="hold">
-                      <p:stCondLst>
-                        <p:cond delay="indefinite"/>
-                      </p:stCondLst>
-                      <p:childTnLst>
-                        <p:par>
-                          <p:cTn id="22" fill="hold">
-                            <p:stCondLst>
-                              <p:cond delay="0"/>
-                            </p:stCondLst>
-                            <p:childTnLst>
-                              <p:par>
-                                <p:cTn id="23" presetID="10" presetClass="entr" presetSubtype="0" fill="hold" grpId="0" nodeType="clickEffect">
-                                  <p:stCondLst>
-                                    <p:cond delay="0"/>
-                                  </p:stCondLst>
-                                  <p:childTnLst>
-                                    <p:set>
-                                      <p:cBhvr>
-                                        <p:cTn id="24" dur="1" fill="hold">
-                                          <p:stCondLst>
-                                            <p:cond delay="0"/>
-                                          </p:stCondLst>
-                                        </p:cTn>
-                                        <p:tgtEl>
-                                          <p:spTgt spid="5"/>
-                                        </p:tgtEl>
-                                        <p:attrNameLst>
-                                          <p:attrName>style.visibility</p:attrName>
-                                        </p:attrNameLst>
-                                      </p:cBhvr>
-                                      <p:to>
-                                        <p:strVal val="visible"/>
-                                      </p:to>
-                                    </p:set>
-                                    <p:animEffect transition="in" filter="fade">
-                                      <p:cBhvr>
-                                        <p:cTn id="25" dur="500"/>
-                                        <p:tgtEl>
-                                          <p:spTgt spid="5"/>
-                                        </p:tgtEl>
-                                      </p:cBhvr>
-                                    </p:animEffect>
-                                  </p:childTnLst>
-                                </p:cTn>
-                              </p:par>
-                            </p:childTnLst>
-                          </p:cTn>
-                        </p:par>
-                      </p:childTnLst>
-                    </p:cTn>
-                  </p:par>
-                  <p:par>
-                    <p:cTn id="26" fill="hold">
-                      <p:stCondLst>
-                        <p:cond delay="indefinite"/>
-                      </p:stCondLst>
-                      <p:childTnLst>
-                        <p:par>
-                          <p:cTn id="27" fill="hold">
-                            <p:stCondLst>
-                              <p:cond delay="0"/>
-                            </p:stCondLst>
-                            <p:childTnLst>
-                              <p:par>
-                                <p:cTn id="28" presetID="10" presetClass="entr" presetSubtype="0" fill="hold" nodeType="clickEffect">
-                                  <p:stCondLst>
-                                    <p:cond delay="0"/>
-                                  </p:stCondLst>
-                                  <p:childTnLst>
-                                    <p:set>
-                                      <p:cBhvr>
-                                        <p:cTn id="29" dur="1" fill="hold">
-                                          <p:stCondLst>
-                                            <p:cond delay="0"/>
-                                          </p:stCondLst>
-                                        </p:cTn>
-                                        <p:tgtEl>
-                                          <p:spTgt spid="3075"/>
-                                        </p:tgtEl>
-                                        <p:attrNameLst>
-                                          <p:attrName>style.visibility</p:attrName>
-                                        </p:attrNameLst>
-                                      </p:cBhvr>
-                                      <p:to>
-                                        <p:strVal val="visible"/>
-                                      </p:to>
-                                    </p:set>
-                                    <p:animEffect transition="in" filter="fade">
-                                      <p:cBhvr>
-                                        <p:cTn id="30" dur="500"/>
-                                        <p:tgtEl>
-                                          <p:spTgt spid="3075"/>
-                                        </p:tgtEl>
-                                      </p:cBhvr>
-                                    </p:animEffect>
-                                  </p:childTnLst>
-                                </p:cTn>
-                              </p:par>
-                            </p:childTnLst>
-                          </p:cTn>
-                        </p:par>
-                      </p:childTnLst>
-                    </p:cTn>
-                  </p:par>
-                </p:childTnLst>
-              </p:cTn>
-              <p:prevCondLst>
-                <p:cond evt="onPrev" delay="0">
-                  <p:tgtEl>
-                    <p:sldTgt/>
-                  </p:tgtEl>
-                </p:cond>
-              </p:prevCondLst>
-              <p:nextCondLst>
-                <p:cond evt="onNext" delay="0">
-                  <p:tgtEl>
-                    <p:sldTgt/>
-                  </p:tgtEl>
-                </p:cond>
-              </p:nextCondLst>
-            </p:seq>
-          </p:childTnLst>
-        </p:cTn>
+        <p:cTn id="1" dur="indefinite" restart="never" nodeType="tmRoot"/>
       </p:par>
     </p:tnLst>
-    <p:bldLst>
-      <p:bldP spid="3" grpId="0" build="p"/>
-      <p:bldP spid="5" grpId="0" animBg="1"/>
-    </p:bldLst>
   </p:timing>
 </p:sld>
 </file>

--- a/work/毕业设计_答辩.pptx
+++ b/work/毕业设计_答辩.pptx
@@ -5,7 +5,7 @@
     <p:sldMasterId id="2147483661" r:id="rId1"/>
   </p:sldMasterIdLst>
   <p:notesMasterIdLst>
-    <p:notesMasterId r:id="rId23"/>
+    <p:notesMasterId r:id="rId26"/>
   </p:notesMasterIdLst>
   <p:sldIdLst>
     <p:sldId id="258" r:id="rId2"/>
@@ -13,22 +13,25 @@
     <p:sldId id="263" r:id="rId4"/>
     <p:sldId id="279" r:id="rId5"/>
     <p:sldId id="268" r:id="rId6"/>
-    <p:sldId id="264" r:id="rId7"/>
-    <p:sldId id="269" r:id="rId8"/>
-    <p:sldId id="265" r:id="rId9"/>
-    <p:sldId id="270" r:id="rId10"/>
-    <p:sldId id="271" r:id="rId11"/>
-    <p:sldId id="273" r:id="rId12"/>
-    <p:sldId id="274" r:id="rId13"/>
-    <p:sldId id="275" r:id="rId14"/>
-    <p:sldId id="276" r:id="rId15"/>
-    <p:sldId id="277" r:id="rId16"/>
-    <p:sldId id="278" r:id="rId17"/>
-    <p:sldId id="266" r:id="rId18"/>
-    <p:sldId id="272" r:id="rId19"/>
-    <p:sldId id="267" r:id="rId20"/>
-    <p:sldId id="260" r:id="rId21"/>
-    <p:sldId id="261" r:id="rId22"/>
+    <p:sldId id="280" r:id="rId7"/>
+    <p:sldId id="281" r:id="rId8"/>
+    <p:sldId id="264" r:id="rId9"/>
+    <p:sldId id="269" r:id="rId10"/>
+    <p:sldId id="282" r:id="rId11"/>
+    <p:sldId id="265" r:id="rId12"/>
+    <p:sldId id="270" r:id="rId13"/>
+    <p:sldId id="271" r:id="rId14"/>
+    <p:sldId id="273" r:id="rId15"/>
+    <p:sldId id="274" r:id="rId16"/>
+    <p:sldId id="275" r:id="rId17"/>
+    <p:sldId id="276" r:id="rId18"/>
+    <p:sldId id="277" r:id="rId19"/>
+    <p:sldId id="278" r:id="rId20"/>
+    <p:sldId id="266" r:id="rId21"/>
+    <p:sldId id="272" r:id="rId22"/>
+    <p:sldId id="267" r:id="rId23"/>
+    <p:sldId id="260" r:id="rId24"/>
+    <p:sldId id="261" r:id="rId25"/>
   </p:sldIdLst>
   <p:sldSz cx="9144000" cy="6858000" type="screen4x3"/>
   <p:notesSz cx="6858000" cy="9144000"/>
@@ -3619,7 +3622,7 @@
           <a:p>
             <a:fld id="{D3AEAA03-8AC9-44A6-AD9F-4DE470113ACE}" type="slidenum">
               <a:rPr lang="zh-CN" altLang="en-US" smtClean="0"/>
-              <a:t>12</a:t>
+              <a:t>15</a:t>
             </a:fld>
             <a:endParaRPr lang="zh-CN" altLang="en-US"/>
           </a:p>
@@ -7757,6 +7760,483 @@
 </file>
 
 <file path=ppt/slides/slide10.xml><?xml version="1.0" encoding="utf-8"?>
+<p:sld xmlns:a="http://schemas.openxmlformats.org/drawingml/2006/main" xmlns:r="http://schemas.openxmlformats.org/officeDocument/2006/relationships" xmlns:p="http://schemas.openxmlformats.org/presentationml/2006/main">
+  <p:cSld>
+    <p:spTree>
+      <p:nvGrpSpPr>
+        <p:cNvPr id="1" name=""/>
+        <p:cNvGrpSpPr/>
+        <p:nvPr/>
+      </p:nvGrpSpPr>
+      <p:grpSpPr>
+        <a:xfrm>
+          <a:off x="0" y="0"/>
+          <a:ext cx="0" cy="0"/>
+          <a:chOff x="0" y="0"/>
+          <a:chExt cx="0" cy="0"/>
+        </a:xfrm>
+      </p:grpSpPr>
+      <p:sp>
+        <p:nvSpPr>
+          <p:cNvPr id="2" name="标题 1"/>
+          <p:cNvSpPr>
+            <a:spLocks noGrp="1"/>
+          </p:cNvSpPr>
+          <p:nvPr>
+            <p:ph type="title"/>
+          </p:nvPr>
+        </p:nvSpPr>
+        <p:spPr/>
+        <p:txBody>
+          <a:bodyPr/>
+          <a:lstStyle/>
+          <a:p>
+            <a:r>
+              <a:rPr lang="zh-CN" altLang="en-US" dirty="0" smtClean="0"/>
+              <a:t>产品</a:t>
+            </a:r>
+            <a:r>
+              <a:rPr lang="zh-CN" altLang="en-US" smtClean="0"/>
+              <a:t>界面</a:t>
+            </a:r>
+            <a:endParaRPr lang="zh-CN" altLang="en-US" dirty="0"/>
+          </a:p>
+        </p:txBody>
+      </p:sp>
+      <p:sp>
+        <p:nvSpPr>
+          <p:cNvPr id="4" name="日期占位符 3"/>
+          <p:cNvSpPr>
+            <a:spLocks noGrp="1"/>
+          </p:cNvSpPr>
+          <p:nvPr>
+            <p:ph type="dt" sz="half" idx="10"/>
+          </p:nvPr>
+        </p:nvSpPr>
+        <p:spPr/>
+        <p:txBody>
+          <a:bodyPr/>
+          <a:lstStyle/>
+          <a:p>
+            <a:pPr>
+              <a:defRPr/>
+            </a:pPr>
+            <a:fld id="{11369A63-9FDA-43D3-BAFD-C0424D6BD8A8}" type="datetime1">
+              <a:rPr lang="zh-CN" altLang="en-US" smtClean="0"/>
+              <a:pPr>
+                <a:defRPr/>
+              </a:pPr>
+              <a:t>2012/6/7</a:t>
+            </a:fld>
+            <a:endParaRPr lang="zh-CN" altLang="en-US" sz="1800">
+              <a:solidFill>
+                <a:srgbClr val="000000"/>
+              </a:solidFill>
+              <a:ea typeface="宋体" pitchFamily="2" charset="-122"/>
+            </a:endParaRPr>
+          </a:p>
+        </p:txBody>
+      </p:sp>
+      <p:pic>
+        <p:nvPicPr>
+          <p:cNvPr id="2050" name="Picture 2"/>
+          <p:cNvPicPr>
+            <a:picLocks noChangeAspect="1" noChangeArrowheads="1"/>
+          </p:cNvPicPr>
+          <p:nvPr/>
+        </p:nvPicPr>
+        <p:blipFill>
+          <a:blip r:embed="rId2">
+            <a:extLst>
+              <a:ext uri="{28A0092B-C50C-407E-A947-70E740481C1C}">
+                <a14:useLocalDpi xmlns:a14="http://schemas.microsoft.com/office/drawing/2010/main" val="0"/>
+              </a:ext>
+            </a:extLst>
+          </a:blip>
+          <a:srcRect/>
+          <a:stretch>
+            <a:fillRect/>
+          </a:stretch>
+        </p:blipFill>
+        <p:spPr bwMode="auto">
+          <a:xfrm>
+            <a:off x="1259632" y="1556792"/>
+            <a:ext cx="6408712" cy="4295623"/>
+          </a:xfrm>
+          <a:prstGeom prst="rect">
+            <a:avLst/>
+          </a:prstGeom>
+          <a:noFill/>
+          <a:ln>
+            <a:noFill/>
+          </a:ln>
+          <a:effectLst/>
+          <a:extLst>
+            <a:ext uri="{909E8E84-426E-40DD-AFC4-6F175D3DCCD1}">
+              <a14:hiddenFill xmlns:a14="http://schemas.microsoft.com/office/drawing/2010/main">
+                <a:solidFill>
+                  <a:schemeClr val="accent1"/>
+                </a:solidFill>
+              </a14:hiddenFill>
+            </a:ext>
+            <a:ext uri="{91240B29-F687-4F45-9708-019B960494DF}">
+              <a14:hiddenLine xmlns:a14="http://schemas.microsoft.com/office/drawing/2010/main" w="9525">
+                <a:solidFill>
+                  <a:schemeClr val="tx1"/>
+                </a:solidFill>
+                <a:miter lim="800000"/>
+                <a:headEnd/>
+                <a:tailEnd/>
+              </a14:hiddenLine>
+            </a:ext>
+            <a:ext uri="{AF507438-7753-43E0-B8FC-AC1667EBCBE1}">
+              <a14:hiddenEffects xmlns:a14="http://schemas.microsoft.com/office/drawing/2010/main">
+                <a:effectLst>
+                  <a:outerShdw dist="35921" dir="2700000" algn="ctr" rotWithShape="0">
+                    <a:schemeClr val="bg2"/>
+                  </a:outerShdw>
+                </a:effectLst>
+              </a14:hiddenEffects>
+            </a:ext>
+          </a:extLst>
+        </p:spPr>
+      </p:pic>
+    </p:spTree>
+    <p:extLst>
+      <p:ext uri="{BB962C8B-B14F-4D97-AF65-F5344CB8AC3E}">
+        <p14:creationId xmlns:p14="http://schemas.microsoft.com/office/powerpoint/2010/main" val="1985081629"/>
+      </p:ext>
+    </p:extLst>
+  </p:cSld>
+  <p:clrMapOvr>
+    <a:masterClrMapping/>
+  </p:clrMapOvr>
+  <p:timing>
+    <p:tnLst>
+      <p:par>
+        <p:cTn id="1" dur="indefinite" restart="never" nodeType="tmRoot"/>
+      </p:par>
+    </p:tnLst>
+  </p:timing>
+</p:sld>
+</file>
+
+<file path=ppt/slides/slide11.xml><?xml version="1.0" encoding="utf-8"?>
+<p:sld xmlns:a="http://schemas.openxmlformats.org/drawingml/2006/main" xmlns:r="http://schemas.openxmlformats.org/officeDocument/2006/relationships" xmlns:p="http://schemas.openxmlformats.org/presentationml/2006/main">
+  <p:cSld>
+    <p:spTree>
+      <p:nvGrpSpPr>
+        <p:cNvPr id="1" name=""/>
+        <p:cNvGrpSpPr/>
+        <p:nvPr/>
+      </p:nvGrpSpPr>
+      <p:grpSpPr>
+        <a:xfrm>
+          <a:off x="0" y="0"/>
+          <a:ext cx="0" cy="0"/>
+          <a:chOff x="0" y="0"/>
+          <a:chExt cx="0" cy="0"/>
+        </a:xfrm>
+      </p:grpSpPr>
+      <p:sp>
+        <p:nvSpPr>
+          <p:cNvPr id="8" name="标题 7"/>
+          <p:cNvSpPr>
+            <a:spLocks noGrp="1"/>
+          </p:cNvSpPr>
+          <p:nvPr>
+            <p:ph type="title"/>
+          </p:nvPr>
+        </p:nvSpPr>
+        <p:spPr/>
+        <p:txBody>
+          <a:bodyPr/>
+          <a:lstStyle/>
+          <a:p>
+            <a:pPr algn="ctr"/>
+            <a:r>
+              <a:rPr lang="zh-CN" altLang="en-US" dirty="0" smtClean="0"/>
+              <a:t>目录</a:t>
+            </a:r>
+            <a:endParaRPr lang="zh-CN" altLang="en-US" dirty="0"/>
+          </a:p>
+        </p:txBody>
+      </p:sp>
+      <p:sp>
+        <p:nvSpPr>
+          <p:cNvPr id="9" name="内容占位符 8"/>
+          <p:cNvSpPr>
+            <a:spLocks noGrp="1"/>
+          </p:cNvSpPr>
+          <p:nvPr>
+            <p:ph idx="1"/>
+          </p:nvPr>
+        </p:nvSpPr>
+        <p:spPr/>
+        <p:txBody>
+          <a:bodyPr/>
+          <a:lstStyle/>
+          <a:p>
+            <a:pPr marL="514350" indent="-514350">
+              <a:buFont typeface="+mj-ea"/>
+              <a:buAutoNum type="circleNumDbPlain"/>
+            </a:pPr>
+            <a:r>
+              <a:rPr lang="zh-CN" altLang="en-US" dirty="0" smtClean="0"/>
+              <a:t>项目简介</a:t>
+            </a:r>
+            <a:endParaRPr lang="en-US" altLang="zh-CN" dirty="0" smtClean="0"/>
+          </a:p>
+          <a:p>
+            <a:pPr marL="514350" indent="-514350">
+              <a:buFont typeface="+mj-ea"/>
+              <a:buAutoNum type="circleNumDbPlain"/>
+            </a:pPr>
+            <a:r>
+              <a:rPr lang="zh-CN" altLang="en-US" dirty="0"/>
+              <a:t>系</a:t>
+            </a:r>
+            <a:r>
+              <a:rPr lang="zh-CN" altLang="en-US" dirty="0" smtClean="0"/>
+              <a:t>统架</a:t>
+            </a:r>
+            <a:r>
+              <a:rPr lang="zh-CN" altLang="en-US" dirty="0"/>
+              <a:t>构与设计</a:t>
+            </a:r>
+            <a:endParaRPr lang="en-US" altLang="zh-CN" dirty="0" smtClean="0"/>
+          </a:p>
+          <a:p>
+            <a:pPr marL="514350" indent="-514350">
+              <a:buFont typeface="+mj-ea"/>
+              <a:buAutoNum type="circleNumDbPlain"/>
+            </a:pPr>
+            <a:r>
+              <a:rPr lang="zh-CN" altLang="en-US" b="1" dirty="0">
+                <a:solidFill>
+                  <a:schemeClr val="accent1"/>
+                </a:solidFill>
+              </a:rPr>
+              <a:t>项目难点</a:t>
+            </a:r>
+            <a:endParaRPr lang="en-US" altLang="zh-CN" b="1" dirty="0">
+              <a:solidFill>
+                <a:schemeClr val="accent1"/>
+              </a:solidFill>
+            </a:endParaRPr>
+          </a:p>
+          <a:p>
+            <a:pPr marL="514350" indent="-514350">
+              <a:buFont typeface="+mj-ea"/>
+              <a:buAutoNum type="circleNumDbPlain"/>
+            </a:pPr>
+            <a:r>
+              <a:rPr lang="zh-CN" altLang="en-US" dirty="0"/>
+              <a:t>设</a:t>
+            </a:r>
+            <a:r>
+              <a:rPr lang="zh-CN" altLang="en-US" dirty="0" smtClean="0"/>
+              <a:t>计亮点</a:t>
+            </a:r>
+            <a:endParaRPr lang="en-US" altLang="zh-CN" dirty="0" smtClean="0"/>
+          </a:p>
+          <a:p>
+            <a:pPr marL="514350" indent="-514350">
+              <a:buFont typeface="+mj-ea"/>
+              <a:buAutoNum type="circleNumDbPlain"/>
+            </a:pPr>
+            <a:r>
+              <a:rPr lang="zh-CN" altLang="en-US" dirty="0"/>
+              <a:t>成</a:t>
+            </a:r>
+            <a:r>
+              <a:rPr lang="zh-CN" altLang="en-US" dirty="0" smtClean="0"/>
+              <a:t>果展示</a:t>
+            </a:r>
+            <a:endParaRPr lang="zh-CN" altLang="en-US" dirty="0"/>
+          </a:p>
+        </p:txBody>
+      </p:sp>
+      <p:sp>
+        <p:nvSpPr>
+          <p:cNvPr id="16386" name="日期占位符 3"/>
+          <p:cNvSpPr>
+            <a:spLocks noGrp="1"/>
+          </p:cNvSpPr>
+          <p:nvPr>
+            <p:ph type="dt" sz="half" idx="10"/>
+          </p:nvPr>
+        </p:nvSpPr>
+        <p:spPr/>
+        <p:txBody>
+          <a:bodyPr/>
+          <a:lstStyle/>
+          <a:p>
+            <a:fld id="{5D94B634-8826-444B-9C1B-A7D7EF79C640}" type="datetime1">
+              <a:rPr lang="zh-CN" altLang="en-US" smtClean="0"/>
+              <a:pPr/>
+              <a:t>2012/6/7</a:t>
+            </a:fld>
+            <a:endParaRPr lang="zh-CN" altLang="en-US" smtClean="0"/>
+          </a:p>
+        </p:txBody>
+      </p:sp>
+    </p:spTree>
+    <p:extLst>
+      <p:ext uri="{BB962C8B-B14F-4D97-AF65-F5344CB8AC3E}">
+        <p14:creationId xmlns:p14="http://schemas.microsoft.com/office/powerpoint/2010/main" val="1761490325"/>
+      </p:ext>
+    </p:extLst>
+  </p:cSld>
+  <p:clrMapOvr>
+    <a:masterClrMapping/>
+  </p:clrMapOvr>
+  <p:timing>
+    <p:tnLst>
+      <p:par>
+        <p:cTn id="1" dur="indefinite" restart="never" nodeType="tmRoot"/>
+      </p:par>
+    </p:tnLst>
+  </p:timing>
+</p:sld>
+</file>
+
+<file path=ppt/slides/slide12.xml><?xml version="1.0" encoding="utf-8"?>
+<p:sld xmlns:a="http://schemas.openxmlformats.org/drawingml/2006/main" xmlns:r="http://schemas.openxmlformats.org/officeDocument/2006/relationships" xmlns:p="http://schemas.openxmlformats.org/presentationml/2006/main">
+  <p:cSld>
+    <p:spTree>
+      <p:nvGrpSpPr>
+        <p:cNvPr id="1" name=""/>
+        <p:cNvGrpSpPr/>
+        <p:nvPr/>
+      </p:nvGrpSpPr>
+      <p:grpSpPr>
+        <a:xfrm>
+          <a:off x="0" y="0"/>
+          <a:ext cx="0" cy="0"/>
+          <a:chOff x="0" y="0"/>
+          <a:chExt cx="0" cy="0"/>
+        </a:xfrm>
+      </p:grpSpPr>
+      <p:sp>
+        <p:nvSpPr>
+          <p:cNvPr id="2" name="标题 1"/>
+          <p:cNvSpPr>
+            <a:spLocks noGrp="1"/>
+          </p:cNvSpPr>
+          <p:nvPr>
+            <p:ph type="title"/>
+          </p:nvPr>
+        </p:nvSpPr>
+        <p:spPr/>
+        <p:txBody>
+          <a:bodyPr/>
+          <a:lstStyle/>
+          <a:p>
+            <a:r>
+              <a:rPr lang="zh-CN" altLang="en-US" dirty="0" smtClean="0"/>
+              <a:t>项目难点</a:t>
+            </a:r>
+            <a:endParaRPr lang="zh-CN" altLang="en-US" dirty="0"/>
+          </a:p>
+        </p:txBody>
+      </p:sp>
+      <p:sp>
+        <p:nvSpPr>
+          <p:cNvPr id="3" name="内容占位符 2"/>
+          <p:cNvSpPr>
+            <a:spLocks noGrp="1"/>
+          </p:cNvSpPr>
+          <p:nvPr>
+            <p:ph idx="1"/>
+          </p:nvPr>
+        </p:nvSpPr>
+        <p:spPr/>
+        <p:txBody>
+          <a:bodyPr/>
+          <a:lstStyle/>
+          <a:p>
+            <a:r>
+              <a:rPr lang="zh-CN" altLang="en-US" dirty="0"/>
+              <a:t>预</a:t>
+            </a:r>
+            <a:r>
+              <a:rPr lang="zh-CN" altLang="en-US" dirty="0" smtClean="0"/>
+              <a:t>览图生成（缓存）</a:t>
+            </a:r>
+            <a:endParaRPr lang="en-US" altLang="zh-CN" dirty="0" smtClean="0"/>
+          </a:p>
+          <a:p>
+            <a:r>
+              <a:rPr lang="zh-CN" altLang="en-US" dirty="0" smtClean="0"/>
+              <a:t>多云存储的支持（桥接模式）</a:t>
+            </a:r>
+            <a:endParaRPr lang="en-US" altLang="zh-CN" dirty="0" smtClean="0"/>
+          </a:p>
+          <a:p>
+            <a:r>
+              <a:rPr lang="zh-CN" altLang="en-US" dirty="0" smtClean="0"/>
+              <a:t>多线程下载及进度条（消息机制）</a:t>
+            </a:r>
+            <a:endParaRPr lang="zh-CN" altLang="en-US" dirty="0"/>
+          </a:p>
+        </p:txBody>
+      </p:sp>
+      <p:sp>
+        <p:nvSpPr>
+          <p:cNvPr id="4" name="日期占位符 3"/>
+          <p:cNvSpPr>
+            <a:spLocks noGrp="1"/>
+          </p:cNvSpPr>
+          <p:nvPr>
+            <p:ph type="dt" sz="half" idx="10"/>
+          </p:nvPr>
+        </p:nvSpPr>
+        <p:spPr/>
+        <p:txBody>
+          <a:bodyPr/>
+          <a:lstStyle/>
+          <a:p>
+            <a:pPr>
+              <a:defRPr/>
+            </a:pPr>
+            <a:fld id="{11369A63-9FDA-43D3-BAFD-C0424D6BD8A8}" type="datetime1">
+              <a:rPr lang="zh-CN" altLang="en-US" smtClean="0"/>
+              <a:pPr>
+                <a:defRPr/>
+              </a:pPr>
+              <a:t>2012/6/7</a:t>
+            </a:fld>
+            <a:endParaRPr lang="zh-CN" altLang="en-US" sz="1800">
+              <a:solidFill>
+                <a:srgbClr val="000000"/>
+              </a:solidFill>
+              <a:ea typeface="宋体" pitchFamily="2" charset="-122"/>
+            </a:endParaRPr>
+          </a:p>
+        </p:txBody>
+      </p:sp>
+    </p:spTree>
+    <p:extLst>
+      <p:ext uri="{BB962C8B-B14F-4D97-AF65-F5344CB8AC3E}">
+        <p14:creationId xmlns:p14="http://schemas.microsoft.com/office/powerpoint/2010/main" val="4073711161"/>
+      </p:ext>
+    </p:extLst>
+  </p:cSld>
+  <p:clrMapOvr>
+    <a:masterClrMapping/>
+  </p:clrMapOvr>
+  <p:timing>
+    <p:tnLst>
+      <p:par>
+        <p:cTn id="1" dur="indefinite" restart="never" nodeType="tmRoot"/>
+      </p:par>
+    </p:tnLst>
+  </p:timing>
+</p:sld>
+</file>
+
+<file path=ppt/slides/slide13.xml><?xml version="1.0" encoding="utf-8"?>
 <p:sld xmlns:a="http://schemas.openxmlformats.org/drawingml/2006/main" xmlns:r="http://schemas.openxmlformats.org/officeDocument/2006/relationships" xmlns:p="http://schemas.openxmlformats.org/presentationml/2006/main">
   <p:cSld>
     <p:spTree>
@@ -8452,7 +8932,7 @@
 </p:sld>
 </file>
 
-<file path=ppt/slides/slide11.xml><?xml version="1.0" encoding="utf-8"?>
+<file path=ppt/slides/slide14.xml><?xml version="1.0" encoding="utf-8"?>
 <p:sld xmlns:a="http://schemas.openxmlformats.org/drawingml/2006/main" xmlns:r="http://schemas.openxmlformats.org/officeDocument/2006/relationships" xmlns:p="http://schemas.openxmlformats.org/presentationml/2006/main">
   <p:cSld>
     <p:spTree>
@@ -8832,7 +9312,7 @@
 </p:sld>
 </file>
 
-<file path=ppt/slides/slide12.xml><?xml version="1.0" encoding="utf-8"?>
+<file path=ppt/slides/slide15.xml><?xml version="1.0" encoding="utf-8"?>
 <p:sld xmlns:a="http://schemas.openxmlformats.org/drawingml/2006/main" xmlns:r="http://schemas.openxmlformats.org/officeDocument/2006/relationships" xmlns:p="http://schemas.openxmlformats.org/presentationml/2006/main">
   <p:cSld>
     <p:spTree>
@@ -9144,7 +9624,7 @@
 </p:sld>
 </file>
 
-<file path=ppt/slides/slide13.xml><?xml version="1.0" encoding="utf-8"?>
+<file path=ppt/slides/slide16.xml><?xml version="1.0" encoding="utf-8"?>
 <p:sld xmlns:a="http://schemas.openxmlformats.org/drawingml/2006/main" xmlns:r="http://schemas.openxmlformats.org/officeDocument/2006/relationships" xmlns:p="http://schemas.openxmlformats.org/presentationml/2006/main">
   <p:cSld>
     <p:spTree>
@@ -9741,7 +10221,7 @@
 </p:sld>
 </file>
 
-<file path=ppt/slides/slide14.xml><?xml version="1.0" encoding="utf-8"?>
+<file path=ppt/slides/slide17.xml><?xml version="1.0" encoding="utf-8"?>
 <p:sld xmlns:a="http://schemas.openxmlformats.org/drawingml/2006/main" xmlns:r="http://schemas.openxmlformats.org/officeDocument/2006/relationships" xmlns:p="http://schemas.openxmlformats.org/presentationml/2006/main">
   <p:cSld>
     <p:spTree>
@@ -10228,7 +10708,7 @@
 </p:sld>
 </file>
 
-<file path=ppt/slides/slide15.xml><?xml version="1.0" encoding="utf-8"?>
+<file path=ppt/slides/slide18.xml><?xml version="1.0" encoding="utf-8"?>
 <p:sld xmlns:a="http://schemas.openxmlformats.org/drawingml/2006/main" xmlns:r="http://schemas.openxmlformats.org/officeDocument/2006/relationships" xmlns:p="http://schemas.openxmlformats.org/presentationml/2006/main">
   <p:cSld>
     <p:spTree>
@@ -11007,7 +11487,7 @@
 </p:sld>
 </file>
 
-<file path=ppt/slides/slide16.xml><?xml version="1.0" encoding="utf-8"?>
+<file path=ppt/slides/slide19.xml><?xml version="1.0" encoding="utf-8"?>
 <p:sld xmlns:a="http://schemas.openxmlformats.org/drawingml/2006/main" xmlns:r="http://schemas.openxmlformats.org/officeDocument/2006/relationships" xmlns:p="http://schemas.openxmlformats.org/presentationml/2006/main">
   <p:cSld>
     <p:spTree>
@@ -11167,7 +11647,7 @@
 </p:sld>
 </file>
 
-<file path=ppt/slides/slide17.xml><?xml version="1.0" encoding="utf-8"?>
+<file path=ppt/slides/slide2.xml><?xml version="1.0" encoding="utf-8"?>
 <p:sld xmlns:a="http://schemas.openxmlformats.org/drawingml/2006/main" xmlns:r="http://schemas.openxmlformats.org/officeDocument/2006/relationships" xmlns:p="http://schemas.openxmlformats.org/presentationml/2006/main">
   <p:cSld>
     <p:spTree>
@@ -11244,7 +11724,187 @@
             </a:r>
             <a:r>
               <a:rPr lang="zh-CN" altLang="en-US" dirty="0" smtClean="0"/>
-              <a:t>统架构</a:t>
+              <a:t>统架</a:t>
+            </a:r>
+            <a:r>
+              <a:rPr lang="zh-CN" altLang="en-US" dirty="0" smtClean="0"/>
+              <a:t>构与设计</a:t>
+            </a:r>
+            <a:endParaRPr lang="en-US" altLang="zh-CN" dirty="0" smtClean="0"/>
+          </a:p>
+          <a:p>
+            <a:pPr marL="514350" indent="-514350">
+              <a:buFont typeface="+mj-ea"/>
+              <a:buAutoNum type="circleNumDbPlain"/>
+            </a:pPr>
+            <a:r>
+              <a:rPr lang="zh-CN" altLang="en-US" dirty="0"/>
+              <a:t>项</a:t>
+            </a:r>
+            <a:r>
+              <a:rPr lang="zh-CN" altLang="en-US" dirty="0" smtClean="0"/>
+              <a:t>目难点</a:t>
+            </a:r>
+            <a:endParaRPr lang="en-US" altLang="zh-CN" dirty="0" smtClean="0"/>
+          </a:p>
+          <a:p>
+            <a:pPr marL="514350" indent="-514350">
+              <a:buFont typeface="+mj-ea"/>
+              <a:buAutoNum type="circleNumDbPlain"/>
+            </a:pPr>
+            <a:r>
+              <a:rPr lang="zh-CN" altLang="en-US" dirty="0"/>
+              <a:t>设</a:t>
+            </a:r>
+            <a:r>
+              <a:rPr lang="zh-CN" altLang="en-US" dirty="0" smtClean="0"/>
+              <a:t>计亮点</a:t>
+            </a:r>
+            <a:endParaRPr lang="en-US" altLang="zh-CN" dirty="0" smtClean="0"/>
+          </a:p>
+          <a:p>
+            <a:pPr marL="514350" indent="-514350">
+              <a:buFont typeface="+mj-ea"/>
+              <a:buAutoNum type="circleNumDbPlain"/>
+            </a:pPr>
+            <a:r>
+              <a:rPr lang="zh-CN" altLang="en-US" dirty="0"/>
+              <a:t>成</a:t>
+            </a:r>
+            <a:r>
+              <a:rPr lang="zh-CN" altLang="en-US" dirty="0" smtClean="0"/>
+              <a:t>果展示</a:t>
+            </a:r>
+            <a:endParaRPr lang="zh-CN" altLang="en-US" dirty="0"/>
+          </a:p>
+        </p:txBody>
+      </p:sp>
+      <p:sp>
+        <p:nvSpPr>
+          <p:cNvPr id="16386" name="日期占位符 3"/>
+          <p:cNvSpPr>
+            <a:spLocks noGrp="1"/>
+          </p:cNvSpPr>
+          <p:nvPr>
+            <p:ph type="dt" sz="half" idx="10"/>
+          </p:nvPr>
+        </p:nvSpPr>
+        <p:spPr/>
+        <p:txBody>
+          <a:bodyPr/>
+          <a:lstStyle/>
+          <a:p>
+            <a:fld id="{5D94B634-8826-444B-9C1B-A7D7EF79C640}" type="datetime1">
+              <a:rPr lang="zh-CN" altLang="en-US" smtClean="0"/>
+              <a:pPr/>
+              <a:t>2012/6/7</a:t>
+            </a:fld>
+            <a:endParaRPr lang="zh-CN" altLang="en-US" smtClean="0"/>
+          </a:p>
+        </p:txBody>
+      </p:sp>
+    </p:spTree>
+    <p:extLst>
+      <p:ext uri="{BB962C8B-B14F-4D97-AF65-F5344CB8AC3E}">
+        <p14:creationId xmlns:p14="http://schemas.microsoft.com/office/powerpoint/2010/main" val="3559784781"/>
+      </p:ext>
+    </p:extLst>
+  </p:cSld>
+  <p:clrMapOvr>
+    <a:masterClrMapping/>
+  </p:clrMapOvr>
+  <p:timing>
+    <p:tnLst>
+      <p:par>
+        <p:cTn id="1" dur="indefinite" restart="never" nodeType="tmRoot"/>
+      </p:par>
+    </p:tnLst>
+  </p:timing>
+</p:sld>
+</file>
+
+<file path=ppt/slides/slide20.xml><?xml version="1.0" encoding="utf-8"?>
+<p:sld xmlns:a="http://schemas.openxmlformats.org/drawingml/2006/main" xmlns:r="http://schemas.openxmlformats.org/officeDocument/2006/relationships" xmlns:p="http://schemas.openxmlformats.org/presentationml/2006/main">
+  <p:cSld>
+    <p:spTree>
+      <p:nvGrpSpPr>
+        <p:cNvPr id="1" name=""/>
+        <p:cNvGrpSpPr/>
+        <p:nvPr/>
+      </p:nvGrpSpPr>
+      <p:grpSpPr>
+        <a:xfrm>
+          <a:off x="0" y="0"/>
+          <a:ext cx="0" cy="0"/>
+          <a:chOff x="0" y="0"/>
+          <a:chExt cx="0" cy="0"/>
+        </a:xfrm>
+      </p:grpSpPr>
+      <p:sp>
+        <p:nvSpPr>
+          <p:cNvPr id="8" name="标题 7"/>
+          <p:cNvSpPr>
+            <a:spLocks noGrp="1"/>
+          </p:cNvSpPr>
+          <p:nvPr>
+            <p:ph type="title"/>
+          </p:nvPr>
+        </p:nvSpPr>
+        <p:spPr/>
+        <p:txBody>
+          <a:bodyPr/>
+          <a:lstStyle/>
+          <a:p>
+            <a:pPr algn="ctr"/>
+            <a:r>
+              <a:rPr lang="zh-CN" altLang="en-US" dirty="0" smtClean="0"/>
+              <a:t>目录</a:t>
+            </a:r>
+            <a:endParaRPr lang="zh-CN" altLang="en-US" dirty="0"/>
+          </a:p>
+        </p:txBody>
+      </p:sp>
+      <p:sp>
+        <p:nvSpPr>
+          <p:cNvPr id="9" name="内容占位符 8"/>
+          <p:cNvSpPr>
+            <a:spLocks noGrp="1"/>
+          </p:cNvSpPr>
+          <p:nvPr>
+            <p:ph idx="1"/>
+          </p:nvPr>
+        </p:nvSpPr>
+        <p:spPr/>
+        <p:txBody>
+          <a:bodyPr/>
+          <a:lstStyle/>
+          <a:p>
+            <a:pPr marL="514350" indent="-514350">
+              <a:buFont typeface="+mj-ea"/>
+              <a:buAutoNum type="circleNumDbPlain"/>
+            </a:pPr>
+            <a:r>
+              <a:rPr lang="zh-CN" altLang="en-US" dirty="0" smtClean="0"/>
+              <a:t>项目简介</a:t>
+            </a:r>
+            <a:endParaRPr lang="en-US" altLang="zh-CN" dirty="0" smtClean="0"/>
+          </a:p>
+          <a:p>
+            <a:pPr marL="514350" indent="-514350">
+              <a:buFont typeface="+mj-ea"/>
+              <a:buAutoNum type="circleNumDbPlain"/>
+            </a:pPr>
+            <a:r>
+              <a:rPr lang="zh-CN" altLang="en-US" dirty="0"/>
+              <a:t>系</a:t>
+            </a:r>
+            <a:r>
+              <a:rPr lang="zh-CN" altLang="en-US" dirty="0" smtClean="0"/>
+              <a:t>统架</a:t>
+            </a:r>
+            <a:r>
+              <a:rPr lang="zh-CN" altLang="en-US" dirty="0"/>
+              <a:t>构与设计</a:t>
             </a:r>
             <a:endParaRPr lang="en-US" altLang="zh-CN" dirty="0" smtClean="0"/>
           </a:p>
@@ -11347,7 +12007,7 @@
 </p:sld>
 </file>
 
-<file path=ppt/slides/slide18.xml><?xml version="1.0" encoding="utf-8"?>
+<file path=ppt/slides/slide21.xml><?xml version="1.0" encoding="utf-8"?>
 <p:sld xmlns:a="http://schemas.openxmlformats.org/drawingml/2006/main" xmlns:r="http://schemas.openxmlformats.org/officeDocument/2006/relationships" xmlns:p="http://schemas.openxmlformats.org/presentationml/2006/main">
   <p:cSld>
     <p:spTree>
@@ -11673,7 +12333,7 @@
 </p:sld>
 </file>
 
-<file path=ppt/slides/slide19.xml><?xml version="1.0" encoding="utf-8"?>
+<file path=ppt/slides/slide22.xml><?xml version="1.0" encoding="utf-8"?>
 <p:sld xmlns:a="http://schemas.openxmlformats.org/drawingml/2006/main" xmlns:r="http://schemas.openxmlformats.org/officeDocument/2006/relationships" xmlns:p="http://schemas.openxmlformats.org/presentationml/2006/main">
   <p:cSld>
     <p:spTree>
@@ -11750,7 +12410,11 @@
             </a:r>
             <a:r>
               <a:rPr lang="zh-CN" altLang="en-US" dirty="0" smtClean="0"/>
-              <a:t>统架构</a:t>
+              <a:t>统架</a:t>
+            </a:r>
+            <a:r>
+              <a:rPr lang="zh-CN" altLang="en-US" dirty="0"/>
+              <a:t>构与设计</a:t>
             </a:r>
             <a:endParaRPr lang="en-US" altLang="zh-CN" dirty="0" smtClean="0"/>
           </a:p>
@@ -11844,179 +12508,7 @@
 </p:sld>
 </file>
 
-<file path=ppt/slides/slide2.xml><?xml version="1.0" encoding="utf-8"?>
-<p:sld xmlns:a="http://schemas.openxmlformats.org/drawingml/2006/main" xmlns:r="http://schemas.openxmlformats.org/officeDocument/2006/relationships" xmlns:p="http://schemas.openxmlformats.org/presentationml/2006/main">
-  <p:cSld>
-    <p:spTree>
-      <p:nvGrpSpPr>
-        <p:cNvPr id="1" name=""/>
-        <p:cNvGrpSpPr/>
-        <p:nvPr/>
-      </p:nvGrpSpPr>
-      <p:grpSpPr>
-        <a:xfrm>
-          <a:off x="0" y="0"/>
-          <a:ext cx="0" cy="0"/>
-          <a:chOff x="0" y="0"/>
-          <a:chExt cx="0" cy="0"/>
-        </a:xfrm>
-      </p:grpSpPr>
-      <p:sp>
-        <p:nvSpPr>
-          <p:cNvPr id="8" name="标题 7"/>
-          <p:cNvSpPr>
-            <a:spLocks noGrp="1"/>
-          </p:cNvSpPr>
-          <p:nvPr>
-            <p:ph type="title"/>
-          </p:nvPr>
-        </p:nvSpPr>
-        <p:spPr/>
-        <p:txBody>
-          <a:bodyPr/>
-          <a:lstStyle/>
-          <a:p>
-            <a:pPr algn="ctr"/>
-            <a:r>
-              <a:rPr lang="zh-CN" altLang="en-US" dirty="0" smtClean="0"/>
-              <a:t>目录</a:t>
-            </a:r>
-            <a:endParaRPr lang="zh-CN" altLang="en-US" dirty="0"/>
-          </a:p>
-        </p:txBody>
-      </p:sp>
-      <p:sp>
-        <p:nvSpPr>
-          <p:cNvPr id="9" name="内容占位符 8"/>
-          <p:cNvSpPr>
-            <a:spLocks noGrp="1"/>
-          </p:cNvSpPr>
-          <p:nvPr>
-            <p:ph idx="1"/>
-          </p:nvPr>
-        </p:nvSpPr>
-        <p:spPr/>
-        <p:txBody>
-          <a:bodyPr/>
-          <a:lstStyle/>
-          <a:p>
-            <a:pPr marL="514350" indent="-514350">
-              <a:buFont typeface="+mj-ea"/>
-              <a:buAutoNum type="circleNumDbPlain"/>
-            </a:pPr>
-            <a:r>
-              <a:rPr lang="zh-CN" altLang="en-US" dirty="0" smtClean="0"/>
-              <a:t>项目简介</a:t>
-            </a:r>
-            <a:endParaRPr lang="en-US" altLang="zh-CN" dirty="0" smtClean="0"/>
-          </a:p>
-          <a:p>
-            <a:pPr marL="514350" indent="-514350">
-              <a:buFont typeface="+mj-ea"/>
-              <a:buAutoNum type="circleNumDbPlain"/>
-            </a:pPr>
-            <a:r>
-              <a:rPr lang="zh-CN" altLang="en-US" dirty="0"/>
-              <a:t>系</a:t>
-            </a:r>
-            <a:r>
-              <a:rPr lang="zh-CN" altLang="en-US" dirty="0" smtClean="0"/>
-              <a:t>统架构</a:t>
-            </a:r>
-            <a:endParaRPr lang="en-US" altLang="zh-CN" dirty="0" smtClean="0"/>
-          </a:p>
-          <a:p>
-            <a:pPr marL="514350" indent="-514350">
-              <a:buFont typeface="+mj-ea"/>
-              <a:buAutoNum type="circleNumDbPlain"/>
-            </a:pPr>
-            <a:r>
-              <a:rPr lang="zh-CN" altLang="en-US" dirty="0"/>
-              <a:t>项</a:t>
-            </a:r>
-            <a:r>
-              <a:rPr lang="zh-CN" altLang="en-US" dirty="0" smtClean="0"/>
-              <a:t>目难点</a:t>
-            </a:r>
-            <a:endParaRPr lang="en-US" altLang="zh-CN" dirty="0" smtClean="0"/>
-          </a:p>
-          <a:p>
-            <a:pPr marL="514350" indent="-514350">
-              <a:buFont typeface="+mj-ea"/>
-              <a:buAutoNum type="circleNumDbPlain"/>
-            </a:pPr>
-            <a:r>
-              <a:rPr lang="zh-CN" altLang="en-US" dirty="0"/>
-              <a:t>设</a:t>
-            </a:r>
-            <a:r>
-              <a:rPr lang="zh-CN" altLang="en-US" dirty="0" smtClean="0"/>
-              <a:t>计亮点</a:t>
-            </a:r>
-            <a:endParaRPr lang="en-US" altLang="zh-CN" dirty="0" smtClean="0"/>
-          </a:p>
-          <a:p>
-            <a:pPr marL="514350" indent="-514350">
-              <a:buFont typeface="+mj-ea"/>
-              <a:buAutoNum type="circleNumDbPlain"/>
-            </a:pPr>
-            <a:r>
-              <a:rPr lang="zh-CN" altLang="en-US" dirty="0"/>
-              <a:t>成</a:t>
-            </a:r>
-            <a:r>
-              <a:rPr lang="zh-CN" altLang="en-US" dirty="0" smtClean="0"/>
-              <a:t>果展示</a:t>
-            </a:r>
-            <a:endParaRPr lang="zh-CN" altLang="en-US" dirty="0"/>
-          </a:p>
-        </p:txBody>
-      </p:sp>
-      <p:sp>
-        <p:nvSpPr>
-          <p:cNvPr id="16386" name="日期占位符 3"/>
-          <p:cNvSpPr>
-            <a:spLocks noGrp="1"/>
-          </p:cNvSpPr>
-          <p:nvPr>
-            <p:ph type="dt" sz="half" idx="10"/>
-          </p:nvPr>
-        </p:nvSpPr>
-        <p:spPr/>
-        <p:txBody>
-          <a:bodyPr/>
-          <a:lstStyle/>
-          <a:p>
-            <a:fld id="{5D94B634-8826-444B-9C1B-A7D7EF79C640}" type="datetime1">
-              <a:rPr lang="zh-CN" altLang="en-US" smtClean="0"/>
-              <a:pPr/>
-              <a:t>2012/6/7</a:t>
-            </a:fld>
-            <a:endParaRPr lang="zh-CN" altLang="en-US" smtClean="0"/>
-          </a:p>
-        </p:txBody>
-      </p:sp>
-    </p:spTree>
-    <p:extLst>
-      <p:ext uri="{BB962C8B-B14F-4D97-AF65-F5344CB8AC3E}">
-        <p14:creationId xmlns:p14="http://schemas.microsoft.com/office/powerpoint/2010/main" val="3559784781"/>
-      </p:ext>
-    </p:extLst>
-  </p:cSld>
-  <p:clrMapOvr>
-    <a:masterClrMapping/>
-  </p:clrMapOvr>
-  <p:timing>
-    <p:tnLst>
-      <p:par>
-        <p:cTn id="1" dur="indefinite" restart="never" nodeType="tmRoot"/>
-      </p:par>
-    </p:tnLst>
-  </p:timing>
-</p:sld>
-</file>
-
-<file path=ppt/slides/slide20.xml><?xml version="1.0" encoding="utf-8"?>
+<file path=ppt/slides/slide23.xml><?xml version="1.0" encoding="utf-8"?>
 <p:sld xmlns:a="http://schemas.openxmlformats.org/drawingml/2006/main" xmlns:r="http://schemas.openxmlformats.org/officeDocument/2006/relationships" xmlns:p="http://schemas.openxmlformats.org/presentationml/2006/main">
   <p:cSld>
     <p:spTree>
@@ -12110,7 +12602,7 @@
 </p:sld>
 </file>
 
-<file path=ppt/slides/slide21.xml><?xml version="1.0" encoding="utf-8"?>
+<file path=ppt/slides/slide24.xml><?xml version="1.0" encoding="utf-8"?>
 <p:sld xmlns:a="http://schemas.openxmlformats.org/drawingml/2006/main" xmlns:r="http://schemas.openxmlformats.org/officeDocument/2006/relationships" xmlns:p="http://schemas.openxmlformats.org/presentationml/2006/main">
   <p:cSld>
     <p:spTree>
@@ -12335,7 +12827,11 @@
             </a:r>
             <a:r>
               <a:rPr lang="zh-CN" altLang="en-US" dirty="0" smtClean="0"/>
-              <a:t>统架构</a:t>
+              <a:t>统架</a:t>
+            </a:r>
+            <a:r>
+              <a:rPr lang="zh-CN" altLang="en-US" dirty="0"/>
+              <a:t>构与设计</a:t>
             </a:r>
             <a:endParaRPr lang="en-US" altLang="zh-CN" dirty="0" smtClean="0"/>
           </a:p>
@@ -12490,21 +12986,17 @@
           <a:lstStyle/>
           <a:p>
             <a:r>
-              <a:rPr lang="zh-CN" altLang="en-US" sz="2000" dirty="0" smtClean="0"/>
+              <a:rPr lang="zh-CN" altLang="en-US" sz="2400" dirty="0" smtClean="0"/>
               <a:t>随着技术的不懈进步，你与你的客户，竞争对手及行业相关的交流和共享的信息正以令人振奋的新方式扩展。同时由于信息的格式多种多样，来源之广，更新之频繁，销售与市场营销人员越来越难以跟踪和管理如此多的信息。</a:t>
             </a:r>
-            <a:endParaRPr lang="en-US" altLang="zh-CN" sz="2000" dirty="0"/>
-          </a:p>
-          <a:p>
-            <a:r>
-              <a:rPr lang="zh-CN" altLang="en-US" sz="2000" dirty="0" smtClean="0"/>
-              <a:t>鉴于这种需求，你将如何随时随地地轻松访问与组织相关信</a:t>
-            </a:r>
-            <a:r>
-              <a:rPr lang="zh-CN" altLang="en-US" sz="2000" smtClean="0"/>
-              <a:t>息？</a:t>
-            </a:r>
-            <a:endParaRPr lang="en-US" altLang="zh-CN" sz="2000" dirty="0"/>
+            <a:endParaRPr lang="en-US" altLang="zh-CN" sz="2400" dirty="0"/>
+          </a:p>
+          <a:p>
+            <a:r>
+              <a:rPr lang="zh-CN" altLang="en-US" sz="2400" dirty="0" smtClean="0"/>
+              <a:t>鉴于这种需求，你将如何随时随地地轻松访问与组织相关信息？</a:t>
+            </a:r>
+            <a:endParaRPr lang="en-US" altLang="zh-CN" sz="2400" dirty="0"/>
           </a:p>
           <a:p>
             <a:endParaRPr lang="zh-CN" altLang="en-US" dirty="0"/>
@@ -12555,6 +13047,13 @@
   <p:clrMapOvr>
     <a:masterClrMapping/>
   </p:clrMapOvr>
+  <p:timing>
+    <p:tnLst>
+      <p:par>
+        <p:cTn id="1" dur="indefinite" restart="never" nodeType="tmRoot"/>
+      </p:par>
+    </p:tnLst>
+  </p:timing>
 </p:sld>
 </file>
 
@@ -13684,7 +14183,7 @@
       </p:grpSpPr>
       <p:sp>
         <p:nvSpPr>
-          <p:cNvPr id="8" name="标题 7"/>
+          <p:cNvPr id="2" name="标题 1"/>
           <p:cNvSpPr>
             <a:spLocks noGrp="1"/>
           </p:cNvSpPr>
@@ -13697,109 +14196,46 @@
           <a:bodyPr/>
           <a:lstStyle/>
           <a:p>
-            <a:pPr algn="ctr"/>
             <a:r>
               <a:rPr lang="zh-CN" altLang="en-US" dirty="0" smtClean="0"/>
-              <a:t>目录</a:t>
+              <a:t>系统用例</a:t>
             </a:r>
             <a:endParaRPr lang="zh-CN" altLang="en-US" dirty="0"/>
           </a:p>
         </p:txBody>
       </p:sp>
-      <p:sp>
-        <p:nvSpPr>
-          <p:cNvPr id="9" name="内容占位符 8"/>
-          <p:cNvSpPr>
-            <a:spLocks noGrp="1"/>
-          </p:cNvSpPr>
+      <p:pic>
+        <p:nvPicPr>
+          <p:cNvPr id="5" name="内容占位符 4" descr="屏幕剪辑"/>
+          <p:cNvPicPr>
+            <a:picLocks noGrp="1" noChangeAspect="1"/>
+          </p:cNvPicPr>
           <p:nvPr>
             <p:ph idx="1"/>
           </p:nvPr>
-        </p:nvSpPr>
-        <p:spPr/>
-        <p:txBody>
-          <a:bodyPr/>
-          <a:lstStyle/>
-          <a:p>
-            <a:pPr marL="514350" indent="-514350">
-              <a:buFont typeface="+mj-ea"/>
-              <a:buAutoNum type="circleNumDbPlain"/>
-            </a:pPr>
-            <a:r>
-              <a:rPr lang="zh-CN" altLang="en-US" dirty="0" smtClean="0"/>
-              <a:t>项目简介</a:t>
-            </a:r>
-            <a:endParaRPr lang="en-US" altLang="zh-CN" dirty="0" smtClean="0"/>
-          </a:p>
-          <a:p>
-            <a:pPr marL="514350" indent="-514350">
-              <a:buFont typeface="+mj-ea"/>
-              <a:buAutoNum type="circleNumDbPlain"/>
-            </a:pPr>
-            <a:r>
-              <a:rPr lang="zh-CN" altLang="en-US" b="1" dirty="0">
-                <a:solidFill>
-                  <a:schemeClr val="accent1"/>
-                </a:solidFill>
-              </a:rPr>
-              <a:t>系统架构</a:t>
-            </a:r>
-            <a:endParaRPr lang="en-US" altLang="zh-CN" b="1" dirty="0">
-              <a:solidFill>
-                <a:schemeClr val="accent1"/>
-              </a:solidFill>
-            </a:endParaRPr>
-          </a:p>
-          <a:p>
-            <a:pPr marL="514350" indent="-514350">
-              <a:buFont typeface="+mj-ea"/>
-              <a:buAutoNum type="circleNumDbPlain"/>
-            </a:pPr>
-            <a:r>
-              <a:rPr lang="zh-CN" altLang="en-US" dirty="0"/>
-              <a:t>项</a:t>
-            </a:r>
-            <a:r>
-              <a:rPr lang="zh-CN" altLang="en-US" dirty="0" smtClean="0"/>
-              <a:t>目难点</a:t>
-            </a:r>
-            <a:endParaRPr lang="en-US" altLang="zh-CN" dirty="0" smtClean="0"/>
-          </a:p>
-          <a:p>
-            <a:pPr marL="514350" indent="-514350">
-              <a:buFont typeface="+mj-ea"/>
-              <a:buAutoNum type="circleNumDbPlain"/>
-            </a:pPr>
-            <a:r>
-              <a:rPr lang="zh-CN" altLang="en-US" dirty="0"/>
-              <a:t>设</a:t>
-            </a:r>
-            <a:r>
-              <a:rPr lang="zh-CN" altLang="en-US" dirty="0" smtClean="0"/>
-              <a:t>计亮点</a:t>
-            </a:r>
-            <a:endParaRPr lang="en-US" altLang="zh-CN" dirty="0" smtClean="0"/>
-          </a:p>
-          <a:p>
-            <a:pPr marL="514350" indent="-514350">
-              <a:buFont typeface="+mj-ea"/>
-              <a:buAutoNum type="circleNumDbPlain"/>
-            </a:pPr>
-            <a:r>
-              <a:rPr lang="zh-CN" altLang="en-US" dirty="0"/>
-              <a:t>成</a:t>
-            </a:r>
-            <a:r>
-              <a:rPr lang="zh-CN" altLang="en-US" dirty="0" smtClean="0"/>
-              <a:t>果展示</a:t>
-            </a:r>
-            <a:endParaRPr lang="zh-CN" altLang="en-US" dirty="0"/>
-          </a:p>
-        </p:txBody>
-      </p:sp>
-      <p:sp>
-        <p:nvSpPr>
-          <p:cNvPr id="16386" name="日期占位符 3"/>
+        </p:nvPicPr>
+        <p:blipFill>
+          <a:blip r:embed="rId2">
+            <a:extLst>
+              <a:ext uri="{28A0092B-C50C-407E-A947-70E740481C1C}">
+                <a14:useLocalDpi xmlns:a14="http://schemas.microsoft.com/office/drawing/2010/main" val="0"/>
+              </a:ext>
+            </a:extLst>
+          </a:blip>
+          <a:stretch>
+            <a:fillRect/>
+          </a:stretch>
+        </p:blipFill>
+        <p:spPr>
+          <a:xfrm>
+            <a:off x="2123728" y="1412776"/>
+            <a:ext cx="4581486" cy="4567237"/>
+          </a:xfrm>
+        </p:spPr>
+      </p:pic>
+      <p:sp>
+        <p:nvSpPr>
+          <p:cNvPr id="4" name="日期占位符 3"/>
           <p:cNvSpPr>
             <a:spLocks noGrp="1"/>
           </p:cNvSpPr>
@@ -13812,19 +14248,29 @@
           <a:bodyPr/>
           <a:lstStyle/>
           <a:p>
-            <a:fld id="{5D94B634-8826-444B-9C1B-A7D7EF79C640}" type="datetime1">
+            <a:pPr>
+              <a:defRPr/>
+            </a:pPr>
+            <a:fld id="{11369A63-9FDA-43D3-BAFD-C0424D6BD8A8}" type="datetime1">
               <a:rPr lang="zh-CN" altLang="en-US" smtClean="0"/>
-              <a:pPr/>
+              <a:pPr>
+                <a:defRPr/>
+              </a:pPr>
               <a:t>2012/6/7</a:t>
             </a:fld>
-            <a:endParaRPr lang="zh-CN" altLang="en-US" smtClean="0"/>
+            <a:endParaRPr lang="zh-CN" altLang="en-US" sz="1800">
+              <a:solidFill>
+                <a:srgbClr val="000000"/>
+              </a:solidFill>
+              <a:ea typeface="宋体" pitchFamily="2" charset="-122"/>
+            </a:endParaRPr>
           </a:p>
         </p:txBody>
       </p:sp>
     </p:spTree>
     <p:extLst>
       <p:ext uri="{BB962C8B-B14F-4D97-AF65-F5344CB8AC3E}">
-        <p14:creationId xmlns:p14="http://schemas.microsoft.com/office/powerpoint/2010/main" val="1761490325"/>
+        <p14:creationId xmlns:p14="http://schemas.microsoft.com/office/powerpoint/2010/main" val="1931818461"/>
       </p:ext>
     </p:extLst>
   </p:cSld>
@@ -13875,7 +14321,530 @@
           <a:p>
             <a:r>
               <a:rPr lang="zh-CN" altLang="en-US" dirty="0" smtClean="0"/>
-              <a:t>系统架构</a:t>
+              <a:t>功能特点</a:t>
+            </a:r>
+            <a:endParaRPr lang="zh-CN" altLang="en-US" dirty="0"/>
+          </a:p>
+        </p:txBody>
+      </p:sp>
+      <p:graphicFrame>
+        <p:nvGraphicFramePr>
+          <p:cNvPr id="5" name="内容占位符 4"/>
+          <p:cNvGraphicFramePr>
+            <a:graphicFrameLocks noGrp="1"/>
+          </p:cNvGraphicFramePr>
+          <p:nvPr>
+            <p:ph idx="1"/>
+            <p:extLst>
+              <p:ext uri="{D42A27DB-BD31-4B8C-83A1-F6EECF244321}">
+                <p14:modId xmlns:p14="http://schemas.microsoft.com/office/powerpoint/2010/main" val="2199549881"/>
+              </p:ext>
+            </p:extLst>
+          </p:nvPr>
+        </p:nvGraphicFramePr>
+        <p:xfrm>
+          <a:off x="827584" y="2348882"/>
+          <a:ext cx="7416824" cy="2729094"/>
+        </p:xfrm>
+        <a:graphic>
+          <a:graphicData uri="http://schemas.openxmlformats.org/drawingml/2006/table">
+            <a:tbl>
+              <a:tblPr bandRow="1">
+                <a:tableStyleId>{5C22544A-7EE6-4342-B048-85BDC9FD1C3A}</a:tableStyleId>
+              </a:tblPr>
+              <a:tblGrid>
+                <a:gridCol w="1483365"/>
+                <a:gridCol w="5933459"/>
+              </a:tblGrid>
+              <a:tr h="454849">
+                <a:tc>
+                  <a:txBody>
+                    <a:bodyPr/>
+                    <a:lstStyle/>
+                    <a:p>
+                      <a:r>
+                        <a:rPr lang="zh-CN" altLang="en-US" dirty="0" smtClean="0"/>
+                        <a:t>便捷的导航</a:t>
+                      </a:r>
+                      <a:endParaRPr lang="zh-CN" altLang="en-US" dirty="0"/>
+                    </a:p>
+                  </a:txBody>
+                  <a:tcPr/>
+                </a:tc>
+                <a:tc>
+                  <a:txBody>
+                    <a:bodyPr/>
+                    <a:lstStyle/>
+                    <a:p>
+                      <a:r>
+                        <a:rPr lang="zh-CN" altLang="en-US" dirty="0" smtClean="0"/>
+                        <a:t>程序主窗体左边四个标签，方便切换</a:t>
+                      </a:r>
+                      <a:endParaRPr lang="zh-CN" altLang="en-US" dirty="0"/>
+                    </a:p>
+                  </a:txBody>
+                  <a:tcPr/>
+                </a:tc>
+              </a:tr>
+              <a:tr h="454849">
+                <a:tc>
+                  <a:txBody>
+                    <a:bodyPr/>
+                    <a:lstStyle/>
+                    <a:p>
+                      <a:r>
+                        <a:rPr lang="zh-CN" altLang="en-US" dirty="0" smtClean="0"/>
+                        <a:t>多媒体支持</a:t>
+                      </a:r>
+                      <a:endParaRPr lang="zh-CN" altLang="en-US" dirty="0"/>
+                    </a:p>
+                  </a:txBody>
+                  <a:tcPr/>
+                </a:tc>
+                <a:tc>
+                  <a:txBody>
+                    <a:bodyPr/>
+                    <a:lstStyle/>
+                    <a:p>
+                      <a:r>
+                        <a:rPr lang="zh-CN" altLang="en-US" dirty="0" smtClean="0"/>
+                        <a:t>不仅能无障碍查看富文本文档，也支持</a:t>
+                      </a:r>
+                      <a:r>
+                        <a:rPr lang="en-US" altLang="zh-CN" dirty="0" smtClean="0"/>
+                        <a:t>MP4</a:t>
+                      </a:r>
+                      <a:r>
+                        <a:rPr lang="zh-CN" altLang="en-US" dirty="0" smtClean="0"/>
+                        <a:t>等视音频文件</a:t>
+                      </a:r>
+                      <a:endParaRPr lang="zh-CN" altLang="en-US" dirty="0"/>
+                    </a:p>
+                  </a:txBody>
+                  <a:tcPr/>
+                </a:tc>
+              </a:tr>
+              <a:tr h="454849">
+                <a:tc>
+                  <a:txBody>
+                    <a:bodyPr/>
+                    <a:lstStyle/>
+                    <a:p>
+                      <a:r>
+                        <a:rPr lang="zh-CN" altLang="en-US" dirty="0" smtClean="0"/>
+                        <a:t>云存储集成</a:t>
+                      </a:r>
+                      <a:endParaRPr lang="zh-CN" altLang="en-US" dirty="0"/>
+                    </a:p>
+                  </a:txBody>
+                  <a:tcPr/>
+                </a:tc>
+                <a:tc>
+                  <a:txBody>
+                    <a:bodyPr/>
+                    <a:lstStyle/>
+                    <a:p>
+                      <a:r>
+                        <a:rPr lang="zh-CN" altLang="en-US" dirty="0" smtClean="0"/>
+                        <a:t>程序集成了多个主流云存储服务，用户可以自由选择</a:t>
+                      </a:r>
+                      <a:endParaRPr lang="zh-CN" altLang="en-US" dirty="0"/>
+                    </a:p>
+                  </a:txBody>
+                  <a:tcPr/>
+                </a:tc>
+              </a:tr>
+              <a:tr h="454849">
+                <a:tc>
+                  <a:txBody>
+                    <a:bodyPr/>
+                    <a:lstStyle/>
+                    <a:p>
+                      <a:r>
+                        <a:rPr lang="en-US" altLang="zh-CN" dirty="0" smtClean="0"/>
+                        <a:t>RSS</a:t>
+                      </a:r>
+                      <a:r>
+                        <a:rPr lang="zh-CN" altLang="en-US" dirty="0" smtClean="0"/>
+                        <a:t>阅读器</a:t>
+                      </a:r>
+                      <a:endParaRPr lang="zh-CN" altLang="en-US" dirty="0"/>
+                    </a:p>
+                  </a:txBody>
+                  <a:tcPr/>
+                </a:tc>
+                <a:tc>
+                  <a:txBody>
+                    <a:bodyPr/>
+                    <a:lstStyle/>
+                    <a:p>
+                      <a:r>
+                        <a:rPr lang="zh-CN" altLang="en-US" dirty="0" smtClean="0"/>
+                        <a:t>程序包含</a:t>
+                      </a:r>
+                      <a:r>
+                        <a:rPr lang="en-US" altLang="zh-CN" dirty="0" smtClean="0"/>
+                        <a:t>10</a:t>
+                      </a:r>
+                      <a:r>
+                        <a:rPr lang="zh-CN" altLang="en-US" dirty="0" smtClean="0"/>
+                        <a:t>多条定制的商业</a:t>
+                      </a:r>
+                      <a:r>
+                        <a:rPr lang="en-US" altLang="zh-CN" dirty="0" smtClean="0"/>
+                        <a:t>RSS</a:t>
+                      </a:r>
+                      <a:r>
+                        <a:rPr lang="zh-CN" altLang="en-US" dirty="0" smtClean="0"/>
+                        <a:t>源，及时获取有用信息</a:t>
+                      </a:r>
+                      <a:endParaRPr lang="zh-CN" altLang="en-US" dirty="0"/>
+                    </a:p>
+                  </a:txBody>
+                  <a:tcPr/>
+                </a:tc>
+              </a:tr>
+              <a:tr h="454849">
+                <a:tc>
+                  <a:txBody>
+                    <a:bodyPr/>
+                    <a:lstStyle/>
+                    <a:p>
+                      <a:r>
+                        <a:rPr lang="zh-CN" altLang="en-US" dirty="0" smtClean="0"/>
+                        <a:t>笔记与心得</a:t>
+                      </a:r>
+                      <a:endParaRPr lang="zh-CN" altLang="en-US" dirty="0"/>
+                    </a:p>
+                  </a:txBody>
+                  <a:tcPr/>
+                </a:tc>
+                <a:tc>
+                  <a:txBody>
+                    <a:bodyPr/>
+                    <a:lstStyle/>
+                    <a:p>
+                      <a:r>
+                        <a:rPr lang="zh-CN" altLang="en-US" dirty="0" smtClean="0"/>
+                        <a:t>用户可以无限添加自己的笔记，并与服务器同步</a:t>
+                      </a:r>
+                      <a:endParaRPr lang="zh-CN" altLang="en-US" dirty="0"/>
+                    </a:p>
+                  </a:txBody>
+                  <a:tcPr/>
+                </a:tc>
+              </a:tr>
+              <a:tr h="454849">
+                <a:tc>
+                  <a:txBody>
+                    <a:bodyPr/>
+                    <a:lstStyle/>
+                    <a:p>
+                      <a:r>
+                        <a:rPr lang="zh-CN" altLang="en-US" dirty="0" smtClean="0"/>
+                        <a:t>信息的共享</a:t>
+                      </a:r>
+                      <a:endParaRPr lang="zh-CN" altLang="en-US" dirty="0"/>
+                    </a:p>
+                  </a:txBody>
+                  <a:tcPr/>
+                </a:tc>
+                <a:tc>
+                  <a:txBody>
+                    <a:bodyPr/>
+                    <a:lstStyle/>
+                    <a:p>
+                      <a:r>
+                        <a:rPr lang="zh-CN" altLang="en-US" dirty="0" smtClean="0"/>
+                        <a:t>文档可以随时邮件发送给他人</a:t>
+                      </a:r>
+                      <a:endParaRPr lang="zh-CN" altLang="en-US" dirty="0"/>
+                    </a:p>
+                  </a:txBody>
+                  <a:tcPr/>
+                </a:tc>
+              </a:tr>
+            </a:tbl>
+          </a:graphicData>
+        </a:graphic>
+      </p:graphicFrame>
+      <p:sp>
+        <p:nvSpPr>
+          <p:cNvPr id="4" name="日期占位符 3"/>
+          <p:cNvSpPr>
+            <a:spLocks noGrp="1"/>
+          </p:cNvSpPr>
+          <p:nvPr>
+            <p:ph type="dt" sz="half" idx="10"/>
+          </p:nvPr>
+        </p:nvSpPr>
+        <p:spPr/>
+        <p:txBody>
+          <a:bodyPr/>
+          <a:lstStyle/>
+          <a:p>
+            <a:pPr>
+              <a:defRPr/>
+            </a:pPr>
+            <a:fld id="{11369A63-9FDA-43D3-BAFD-C0424D6BD8A8}" type="datetime1">
+              <a:rPr lang="zh-CN" altLang="en-US" smtClean="0"/>
+              <a:pPr>
+                <a:defRPr/>
+              </a:pPr>
+              <a:t>2012/6/7</a:t>
+            </a:fld>
+            <a:endParaRPr lang="zh-CN" altLang="en-US" sz="1800">
+              <a:solidFill>
+                <a:srgbClr val="000000"/>
+              </a:solidFill>
+              <a:ea typeface="宋体" pitchFamily="2" charset="-122"/>
+            </a:endParaRPr>
+          </a:p>
+        </p:txBody>
+      </p:sp>
+    </p:spTree>
+    <p:extLst>
+      <p:ext uri="{BB962C8B-B14F-4D97-AF65-F5344CB8AC3E}">
+        <p14:creationId xmlns:p14="http://schemas.microsoft.com/office/powerpoint/2010/main" val="2339950426"/>
+      </p:ext>
+    </p:extLst>
+  </p:cSld>
+  <p:clrMapOvr>
+    <a:masterClrMapping/>
+  </p:clrMapOvr>
+  <p:timing>
+    <p:tnLst>
+      <p:par>
+        <p:cTn id="1" dur="indefinite" restart="never" nodeType="tmRoot"/>
+      </p:par>
+    </p:tnLst>
+  </p:timing>
+</p:sld>
+</file>
+
+<file path=ppt/slides/slide8.xml><?xml version="1.0" encoding="utf-8"?>
+<p:sld xmlns:a="http://schemas.openxmlformats.org/drawingml/2006/main" xmlns:r="http://schemas.openxmlformats.org/officeDocument/2006/relationships" xmlns:p="http://schemas.openxmlformats.org/presentationml/2006/main">
+  <p:cSld>
+    <p:spTree>
+      <p:nvGrpSpPr>
+        <p:cNvPr id="1" name=""/>
+        <p:cNvGrpSpPr/>
+        <p:nvPr/>
+      </p:nvGrpSpPr>
+      <p:grpSpPr>
+        <a:xfrm>
+          <a:off x="0" y="0"/>
+          <a:ext cx="0" cy="0"/>
+          <a:chOff x="0" y="0"/>
+          <a:chExt cx="0" cy="0"/>
+        </a:xfrm>
+      </p:grpSpPr>
+      <p:sp>
+        <p:nvSpPr>
+          <p:cNvPr id="8" name="标题 7"/>
+          <p:cNvSpPr>
+            <a:spLocks noGrp="1"/>
+          </p:cNvSpPr>
+          <p:nvPr>
+            <p:ph type="title"/>
+          </p:nvPr>
+        </p:nvSpPr>
+        <p:spPr/>
+        <p:txBody>
+          <a:bodyPr/>
+          <a:lstStyle/>
+          <a:p>
+            <a:pPr algn="ctr"/>
+            <a:r>
+              <a:rPr lang="zh-CN" altLang="en-US" dirty="0" smtClean="0"/>
+              <a:t>目录</a:t>
+            </a:r>
+            <a:endParaRPr lang="zh-CN" altLang="en-US" dirty="0"/>
+          </a:p>
+        </p:txBody>
+      </p:sp>
+      <p:sp>
+        <p:nvSpPr>
+          <p:cNvPr id="9" name="内容占位符 8"/>
+          <p:cNvSpPr>
+            <a:spLocks noGrp="1"/>
+          </p:cNvSpPr>
+          <p:nvPr>
+            <p:ph idx="1"/>
+          </p:nvPr>
+        </p:nvSpPr>
+        <p:spPr/>
+        <p:txBody>
+          <a:bodyPr/>
+          <a:lstStyle/>
+          <a:p>
+            <a:pPr marL="514350" indent="-514350">
+              <a:buFont typeface="+mj-ea"/>
+              <a:buAutoNum type="circleNumDbPlain"/>
+            </a:pPr>
+            <a:r>
+              <a:rPr lang="zh-CN" altLang="en-US" dirty="0" smtClean="0"/>
+              <a:t>项目简介</a:t>
+            </a:r>
+            <a:endParaRPr lang="en-US" altLang="zh-CN" dirty="0" smtClean="0"/>
+          </a:p>
+          <a:p>
+            <a:pPr marL="514350" indent="-514350">
+              <a:buFont typeface="+mj-ea"/>
+              <a:buAutoNum type="circleNumDbPlain"/>
+            </a:pPr>
+            <a:r>
+              <a:rPr lang="zh-CN" altLang="en-US" b="1" dirty="0">
+                <a:solidFill>
+                  <a:schemeClr val="accent1"/>
+                </a:solidFill>
+              </a:rPr>
+              <a:t>系统架</a:t>
+            </a:r>
+            <a:r>
+              <a:rPr lang="zh-CN" altLang="en-US" b="1" dirty="0">
+                <a:solidFill>
+                  <a:schemeClr val="accent1"/>
+                </a:solidFill>
+              </a:rPr>
+              <a:t>构与设计</a:t>
+            </a:r>
+            <a:endParaRPr lang="en-US" altLang="zh-CN" b="1" dirty="0">
+              <a:solidFill>
+                <a:schemeClr val="accent1"/>
+              </a:solidFill>
+            </a:endParaRPr>
+          </a:p>
+          <a:p>
+            <a:pPr marL="514350" indent="-514350">
+              <a:buFont typeface="+mj-ea"/>
+              <a:buAutoNum type="circleNumDbPlain"/>
+            </a:pPr>
+            <a:r>
+              <a:rPr lang="zh-CN" altLang="en-US" dirty="0"/>
+              <a:t>项</a:t>
+            </a:r>
+            <a:r>
+              <a:rPr lang="zh-CN" altLang="en-US" dirty="0" smtClean="0"/>
+              <a:t>目难点</a:t>
+            </a:r>
+            <a:endParaRPr lang="en-US" altLang="zh-CN" dirty="0" smtClean="0"/>
+          </a:p>
+          <a:p>
+            <a:pPr marL="514350" indent="-514350">
+              <a:buFont typeface="+mj-ea"/>
+              <a:buAutoNum type="circleNumDbPlain"/>
+            </a:pPr>
+            <a:r>
+              <a:rPr lang="zh-CN" altLang="en-US" dirty="0"/>
+              <a:t>设</a:t>
+            </a:r>
+            <a:r>
+              <a:rPr lang="zh-CN" altLang="en-US" dirty="0" smtClean="0"/>
+              <a:t>计亮点</a:t>
+            </a:r>
+            <a:endParaRPr lang="en-US" altLang="zh-CN" dirty="0" smtClean="0"/>
+          </a:p>
+          <a:p>
+            <a:pPr marL="514350" indent="-514350">
+              <a:buFont typeface="+mj-ea"/>
+              <a:buAutoNum type="circleNumDbPlain"/>
+            </a:pPr>
+            <a:r>
+              <a:rPr lang="zh-CN" altLang="en-US" dirty="0"/>
+              <a:t>成</a:t>
+            </a:r>
+            <a:r>
+              <a:rPr lang="zh-CN" altLang="en-US" dirty="0" smtClean="0"/>
+              <a:t>果展示</a:t>
+            </a:r>
+            <a:endParaRPr lang="zh-CN" altLang="en-US" dirty="0"/>
+          </a:p>
+        </p:txBody>
+      </p:sp>
+      <p:sp>
+        <p:nvSpPr>
+          <p:cNvPr id="16386" name="日期占位符 3"/>
+          <p:cNvSpPr>
+            <a:spLocks noGrp="1"/>
+          </p:cNvSpPr>
+          <p:nvPr>
+            <p:ph type="dt" sz="half" idx="10"/>
+          </p:nvPr>
+        </p:nvSpPr>
+        <p:spPr/>
+        <p:txBody>
+          <a:bodyPr/>
+          <a:lstStyle/>
+          <a:p>
+            <a:fld id="{5D94B634-8826-444B-9C1B-A7D7EF79C640}" type="datetime1">
+              <a:rPr lang="zh-CN" altLang="en-US" smtClean="0"/>
+              <a:pPr/>
+              <a:t>2012/6/7</a:t>
+            </a:fld>
+            <a:endParaRPr lang="zh-CN" altLang="en-US" smtClean="0"/>
+          </a:p>
+        </p:txBody>
+      </p:sp>
+    </p:spTree>
+    <p:extLst>
+      <p:ext uri="{BB962C8B-B14F-4D97-AF65-F5344CB8AC3E}">
+        <p14:creationId xmlns:p14="http://schemas.microsoft.com/office/powerpoint/2010/main" val="1761490325"/>
+      </p:ext>
+    </p:extLst>
+  </p:cSld>
+  <p:clrMapOvr>
+    <a:masterClrMapping/>
+  </p:clrMapOvr>
+  <p:timing>
+    <p:tnLst>
+      <p:par>
+        <p:cTn id="1" dur="indefinite" restart="never" nodeType="tmRoot"/>
+      </p:par>
+    </p:tnLst>
+  </p:timing>
+</p:sld>
+</file>
+
+<file path=ppt/slides/slide9.xml><?xml version="1.0" encoding="utf-8"?>
+<p:sld xmlns:a="http://schemas.openxmlformats.org/drawingml/2006/main" xmlns:r="http://schemas.openxmlformats.org/officeDocument/2006/relationships" xmlns:p="http://schemas.openxmlformats.org/presentationml/2006/main">
+  <p:cSld>
+    <p:spTree>
+      <p:nvGrpSpPr>
+        <p:cNvPr id="1" name=""/>
+        <p:cNvGrpSpPr/>
+        <p:nvPr/>
+      </p:nvGrpSpPr>
+      <p:grpSpPr>
+        <a:xfrm>
+          <a:off x="0" y="0"/>
+          <a:ext cx="0" cy="0"/>
+          <a:chOff x="0" y="0"/>
+          <a:chExt cx="0" cy="0"/>
+        </a:xfrm>
+      </p:grpSpPr>
+      <p:sp>
+        <p:nvSpPr>
+          <p:cNvPr id="2" name="标题 1"/>
+          <p:cNvSpPr>
+            <a:spLocks noGrp="1"/>
+          </p:cNvSpPr>
+          <p:nvPr>
+            <p:ph type="title"/>
+          </p:nvPr>
+        </p:nvSpPr>
+        <p:spPr/>
+        <p:txBody>
+          <a:bodyPr/>
+          <a:lstStyle/>
+          <a:p>
+            <a:r>
+              <a:rPr lang="zh-CN" altLang="en-US" dirty="0" smtClean="0"/>
+              <a:t>系统架</a:t>
+            </a:r>
+            <a:r>
+              <a:rPr lang="zh-CN" altLang="en-US" dirty="0"/>
+              <a:t>构与设计</a:t>
             </a:r>
             <a:endParaRPr lang="zh-CN" altLang="en-US" dirty="0"/>
           </a:p>
@@ -13983,317 +14952,6 @@
     <p:extLst>
       <p:ext uri="{BB962C8B-B14F-4D97-AF65-F5344CB8AC3E}">
         <p14:creationId xmlns:p14="http://schemas.microsoft.com/office/powerpoint/2010/main" val="1328816616"/>
-      </p:ext>
-    </p:extLst>
-  </p:cSld>
-  <p:clrMapOvr>
-    <a:masterClrMapping/>
-  </p:clrMapOvr>
-  <p:timing>
-    <p:tnLst>
-      <p:par>
-        <p:cTn id="1" dur="indefinite" restart="never" nodeType="tmRoot"/>
-      </p:par>
-    </p:tnLst>
-  </p:timing>
-</p:sld>
-</file>
-
-<file path=ppt/slides/slide8.xml><?xml version="1.0" encoding="utf-8"?>
-<p:sld xmlns:a="http://schemas.openxmlformats.org/drawingml/2006/main" xmlns:r="http://schemas.openxmlformats.org/officeDocument/2006/relationships" xmlns:p="http://schemas.openxmlformats.org/presentationml/2006/main">
-  <p:cSld>
-    <p:spTree>
-      <p:nvGrpSpPr>
-        <p:cNvPr id="1" name=""/>
-        <p:cNvGrpSpPr/>
-        <p:nvPr/>
-      </p:nvGrpSpPr>
-      <p:grpSpPr>
-        <a:xfrm>
-          <a:off x="0" y="0"/>
-          <a:ext cx="0" cy="0"/>
-          <a:chOff x="0" y="0"/>
-          <a:chExt cx="0" cy="0"/>
-        </a:xfrm>
-      </p:grpSpPr>
-      <p:sp>
-        <p:nvSpPr>
-          <p:cNvPr id="8" name="标题 7"/>
-          <p:cNvSpPr>
-            <a:spLocks noGrp="1"/>
-          </p:cNvSpPr>
-          <p:nvPr>
-            <p:ph type="title"/>
-          </p:nvPr>
-        </p:nvSpPr>
-        <p:spPr/>
-        <p:txBody>
-          <a:bodyPr/>
-          <a:lstStyle/>
-          <a:p>
-            <a:pPr algn="ctr"/>
-            <a:r>
-              <a:rPr lang="zh-CN" altLang="en-US" dirty="0" smtClean="0"/>
-              <a:t>目录</a:t>
-            </a:r>
-            <a:endParaRPr lang="zh-CN" altLang="en-US" dirty="0"/>
-          </a:p>
-        </p:txBody>
-      </p:sp>
-      <p:sp>
-        <p:nvSpPr>
-          <p:cNvPr id="9" name="内容占位符 8"/>
-          <p:cNvSpPr>
-            <a:spLocks noGrp="1"/>
-          </p:cNvSpPr>
-          <p:nvPr>
-            <p:ph idx="1"/>
-          </p:nvPr>
-        </p:nvSpPr>
-        <p:spPr/>
-        <p:txBody>
-          <a:bodyPr/>
-          <a:lstStyle/>
-          <a:p>
-            <a:pPr marL="514350" indent="-514350">
-              <a:buFont typeface="+mj-ea"/>
-              <a:buAutoNum type="circleNumDbPlain"/>
-            </a:pPr>
-            <a:r>
-              <a:rPr lang="zh-CN" altLang="en-US" dirty="0" smtClean="0"/>
-              <a:t>项目简介</a:t>
-            </a:r>
-            <a:endParaRPr lang="en-US" altLang="zh-CN" dirty="0" smtClean="0"/>
-          </a:p>
-          <a:p>
-            <a:pPr marL="514350" indent="-514350">
-              <a:buFont typeface="+mj-ea"/>
-              <a:buAutoNum type="circleNumDbPlain"/>
-            </a:pPr>
-            <a:r>
-              <a:rPr lang="zh-CN" altLang="en-US" dirty="0"/>
-              <a:t>系</a:t>
-            </a:r>
-            <a:r>
-              <a:rPr lang="zh-CN" altLang="en-US" dirty="0" smtClean="0"/>
-              <a:t>统架构</a:t>
-            </a:r>
-            <a:endParaRPr lang="en-US" altLang="zh-CN" dirty="0" smtClean="0"/>
-          </a:p>
-          <a:p>
-            <a:pPr marL="514350" indent="-514350">
-              <a:buFont typeface="+mj-ea"/>
-              <a:buAutoNum type="circleNumDbPlain"/>
-            </a:pPr>
-            <a:r>
-              <a:rPr lang="zh-CN" altLang="en-US" b="1" dirty="0">
-                <a:solidFill>
-                  <a:schemeClr val="accent1"/>
-                </a:solidFill>
-              </a:rPr>
-              <a:t>项目难点</a:t>
-            </a:r>
-            <a:endParaRPr lang="en-US" altLang="zh-CN" b="1" dirty="0">
-              <a:solidFill>
-                <a:schemeClr val="accent1"/>
-              </a:solidFill>
-            </a:endParaRPr>
-          </a:p>
-          <a:p>
-            <a:pPr marL="514350" indent="-514350">
-              <a:buFont typeface="+mj-ea"/>
-              <a:buAutoNum type="circleNumDbPlain"/>
-            </a:pPr>
-            <a:r>
-              <a:rPr lang="zh-CN" altLang="en-US" dirty="0"/>
-              <a:t>设</a:t>
-            </a:r>
-            <a:r>
-              <a:rPr lang="zh-CN" altLang="en-US" dirty="0" smtClean="0"/>
-              <a:t>计亮点</a:t>
-            </a:r>
-            <a:endParaRPr lang="en-US" altLang="zh-CN" dirty="0" smtClean="0"/>
-          </a:p>
-          <a:p>
-            <a:pPr marL="514350" indent="-514350">
-              <a:buFont typeface="+mj-ea"/>
-              <a:buAutoNum type="circleNumDbPlain"/>
-            </a:pPr>
-            <a:r>
-              <a:rPr lang="zh-CN" altLang="en-US" dirty="0"/>
-              <a:t>成</a:t>
-            </a:r>
-            <a:r>
-              <a:rPr lang="zh-CN" altLang="en-US" dirty="0" smtClean="0"/>
-              <a:t>果展示</a:t>
-            </a:r>
-            <a:endParaRPr lang="zh-CN" altLang="en-US" dirty="0"/>
-          </a:p>
-        </p:txBody>
-      </p:sp>
-      <p:sp>
-        <p:nvSpPr>
-          <p:cNvPr id="16386" name="日期占位符 3"/>
-          <p:cNvSpPr>
-            <a:spLocks noGrp="1"/>
-          </p:cNvSpPr>
-          <p:nvPr>
-            <p:ph type="dt" sz="half" idx="10"/>
-          </p:nvPr>
-        </p:nvSpPr>
-        <p:spPr/>
-        <p:txBody>
-          <a:bodyPr/>
-          <a:lstStyle/>
-          <a:p>
-            <a:fld id="{5D94B634-8826-444B-9C1B-A7D7EF79C640}" type="datetime1">
-              <a:rPr lang="zh-CN" altLang="en-US" smtClean="0"/>
-              <a:pPr/>
-              <a:t>2012/6/7</a:t>
-            </a:fld>
-            <a:endParaRPr lang="zh-CN" altLang="en-US" smtClean="0"/>
-          </a:p>
-        </p:txBody>
-      </p:sp>
-    </p:spTree>
-    <p:extLst>
-      <p:ext uri="{BB962C8B-B14F-4D97-AF65-F5344CB8AC3E}">
-        <p14:creationId xmlns:p14="http://schemas.microsoft.com/office/powerpoint/2010/main" val="1761490325"/>
-      </p:ext>
-    </p:extLst>
-  </p:cSld>
-  <p:clrMapOvr>
-    <a:masterClrMapping/>
-  </p:clrMapOvr>
-  <p:timing>
-    <p:tnLst>
-      <p:par>
-        <p:cTn id="1" dur="indefinite" restart="never" nodeType="tmRoot"/>
-      </p:par>
-    </p:tnLst>
-  </p:timing>
-</p:sld>
-</file>
-
-<file path=ppt/slides/slide9.xml><?xml version="1.0" encoding="utf-8"?>
-<p:sld xmlns:a="http://schemas.openxmlformats.org/drawingml/2006/main" xmlns:r="http://schemas.openxmlformats.org/officeDocument/2006/relationships" xmlns:p="http://schemas.openxmlformats.org/presentationml/2006/main">
-  <p:cSld>
-    <p:spTree>
-      <p:nvGrpSpPr>
-        <p:cNvPr id="1" name=""/>
-        <p:cNvGrpSpPr/>
-        <p:nvPr/>
-      </p:nvGrpSpPr>
-      <p:grpSpPr>
-        <a:xfrm>
-          <a:off x="0" y="0"/>
-          <a:ext cx="0" cy="0"/>
-          <a:chOff x="0" y="0"/>
-          <a:chExt cx="0" cy="0"/>
-        </a:xfrm>
-      </p:grpSpPr>
-      <p:sp>
-        <p:nvSpPr>
-          <p:cNvPr id="2" name="标题 1"/>
-          <p:cNvSpPr>
-            <a:spLocks noGrp="1"/>
-          </p:cNvSpPr>
-          <p:nvPr>
-            <p:ph type="title"/>
-          </p:nvPr>
-        </p:nvSpPr>
-        <p:spPr/>
-        <p:txBody>
-          <a:bodyPr/>
-          <a:lstStyle/>
-          <a:p>
-            <a:r>
-              <a:rPr lang="zh-CN" altLang="en-US" dirty="0" smtClean="0"/>
-              <a:t>项目难点</a:t>
-            </a:r>
-            <a:endParaRPr lang="zh-CN" altLang="en-US" dirty="0"/>
-          </a:p>
-        </p:txBody>
-      </p:sp>
-      <p:sp>
-        <p:nvSpPr>
-          <p:cNvPr id="3" name="内容占位符 2"/>
-          <p:cNvSpPr>
-            <a:spLocks noGrp="1"/>
-          </p:cNvSpPr>
-          <p:nvPr>
-            <p:ph idx="1"/>
-          </p:nvPr>
-        </p:nvSpPr>
-        <p:spPr/>
-        <p:txBody>
-          <a:bodyPr/>
-          <a:lstStyle/>
-          <a:p>
-            <a:r>
-              <a:rPr lang="zh-CN" altLang="en-US" dirty="0"/>
-              <a:t>预</a:t>
-            </a:r>
-            <a:r>
-              <a:rPr lang="zh-CN" altLang="en-US" dirty="0" smtClean="0"/>
-              <a:t>览图生成（缓存）</a:t>
-            </a:r>
-            <a:endParaRPr lang="en-US" altLang="zh-CN" dirty="0" smtClean="0"/>
-          </a:p>
-          <a:p>
-            <a:r>
-              <a:rPr lang="zh-CN" altLang="en-US" dirty="0" smtClean="0"/>
-              <a:t>多云存储的支持（桥接模式）</a:t>
-            </a:r>
-            <a:endParaRPr lang="en-US" altLang="zh-CN" dirty="0" smtClean="0"/>
-          </a:p>
-          <a:p>
-            <a:r>
-              <a:rPr lang="zh-CN" altLang="en-US" dirty="0" smtClean="0"/>
-              <a:t>多线程下载及进度条（消息机制）</a:t>
-            </a:r>
-            <a:endParaRPr lang="zh-CN" altLang="en-US" dirty="0"/>
-          </a:p>
-        </p:txBody>
-      </p:sp>
-      <p:sp>
-        <p:nvSpPr>
-          <p:cNvPr id="4" name="日期占位符 3"/>
-          <p:cNvSpPr>
-            <a:spLocks noGrp="1"/>
-          </p:cNvSpPr>
-          <p:nvPr>
-            <p:ph type="dt" sz="half" idx="10"/>
-          </p:nvPr>
-        </p:nvSpPr>
-        <p:spPr/>
-        <p:txBody>
-          <a:bodyPr/>
-          <a:lstStyle/>
-          <a:p>
-            <a:pPr>
-              <a:defRPr/>
-            </a:pPr>
-            <a:fld id="{11369A63-9FDA-43D3-BAFD-C0424D6BD8A8}" type="datetime1">
-              <a:rPr lang="zh-CN" altLang="en-US" smtClean="0"/>
-              <a:pPr>
-                <a:defRPr/>
-              </a:pPr>
-              <a:t>2012/6/7</a:t>
-            </a:fld>
-            <a:endParaRPr lang="zh-CN" altLang="en-US" sz="1800">
-              <a:solidFill>
-                <a:srgbClr val="000000"/>
-              </a:solidFill>
-              <a:ea typeface="宋体" pitchFamily="2" charset="-122"/>
-            </a:endParaRPr>
-          </a:p>
-        </p:txBody>
-      </p:sp>
-    </p:spTree>
-    <p:extLst>
-      <p:ext uri="{BB962C8B-B14F-4D97-AF65-F5344CB8AC3E}">
-        <p14:creationId xmlns:p14="http://schemas.microsoft.com/office/powerpoint/2010/main" val="4073711161"/>
       </p:ext>
     </p:extLst>
   </p:cSld>

--- a/work/毕业设计_答辩.pptx
+++ b/work/毕业设计_答辩.pptx
@@ -7793,11 +7793,7 @@
           <a:p>
             <a:r>
               <a:rPr lang="zh-CN" altLang="en-US" dirty="0" smtClean="0"/>
-              <a:t>产品</a:t>
-            </a:r>
-            <a:r>
-              <a:rPr lang="zh-CN" altLang="en-US" smtClean="0"/>
-              <a:t>界面</a:t>
+              <a:t>产品界面</a:t>
             </a:r>
             <a:endParaRPr lang="zh-CN" altLang="en-US" dirty="0"/>
           </a:p>
@@ -9666,25 +9662,6 @@
       </p:sp>
       <p:sp>
         <p:nvSpPr>
-          <p:cNvPr id="3" name="内容占位符 2"/>
-          <p:cNvSpPr>
-            <a:spLocks noGrp="1"/>
-          </p:cNvSpPr>
-          <p:nvPr>
-            <p:ph idx="1"/>
-          </p:nvPr>
-        </p:nvSpPr>
-        <p:spPr/>
-        <p:txBody>
-          <a:bodyPr/>
-          <a:lstStyle/>
-          <a:p>
-            <a:endParaRPr lang="zh-CN" altLang="en-US" dirty="0"/>
-          </a:p>
-        </p:txBody>
-      </p:sp>
-      <p:sp>
-        <p:nvSpPr>
           <p:cNvPr id="4" name="日期占位符 3"/>
           <p:cNvSpPr>
             <a:spLocks noGrp="1"/>
@@ -10350,15 +10327,14 @@
               </a:ext>
             </a:extLst>
           </a:blip>
-          <a:srcRect/>
           <a:stretch>
             <a:fillRect/>
           </a:stretch>
         </p:blipFill>
         <p:spPr bwMode="auto">
           <a:xfrm>
-            <a:off x="3491880" y="1484784"/>
-            <a:ext cx="4608512" cy="4520451"/>
+            <a:off x="3525349" y="1308124"/>
+            <a:ext cx="4719059" cy="4697112"/>
           </a:xfrm>
           <a:prstGeom prst="rect">
             <a:avLst/>
@@ -10499,6 +10475,72 @@
               <a:t>/folder2/folder3/file3</a:t>
             </a:r>
             <a:endParaRPr lang="zh-CN" altLang="en-US" sz="2800" dirty="0"/>
+          </a:p>
+        </p:txBody>
+      </p:sp>
+      <p:sp>
+        <p:nvSpPr>
+          <p:cNvPr id="8" name="TextBox 7"/>
+          <p:cNvSpPr txBox="1"/>
+          <p:nvPr/>
+        </p:nvSpPr>
+        <p:spPr>
+          <a:xfrm>
+            <a:off x="869152" y="2186861"/>
+            <a:ext cx="3187796" cy="954107"/>
+          </a:xfrm>
+          <a:prstGeom prst="rect">
+            <a:avLst/>
+          </a:prstGeom>
+          <a:noFill/>
+        </p:spPr>
+        <p:txBody>
+          <a:bodyPr wrap="none" rtlCol="0">
+            <a:spAutoFit/>
+          </a:bodyPr>
+          <a:lstStyle/>
+          <a:p>
+            <a:r>
+              <a:rPr lang="en-US" altLang="zh-CN" sz="1400" dirty="0" err="1" smtClean="0"/>
+              <a:t>HTFileServiceBoxnet</a:t>
+            </a:r>
+            <a:endParaRPr lang="en-US" altLang="zh-CN" sz="1400" dirty="0" smtClean="0"/>
+          </a:p>
+          <a:p>
+            <a:r>
+              <a:rPr lang="en-US" altLang="zh-CN" sz="1400" dirty="0" smtClean="0"/>
+              <a:t>{</a:t>
+            </a:r>
+          </a:p>
+          <a:p>
+            <a:r>
+              <a:rPr lang="en-US" altLang="zh-CN" sz="1400" dirty="0"/>
+              <a:t> </a:t>
+            </a:r>
+            <a:r>
+              <a:rPr lang="en-US" altLang="zh-CN" sz="1400" dirty="0" smtClean="0"/>
+              <a:t>  </a:t>
+            </a:r>
+            <a:r>
+              <a:rPr lang="en-US" altLang="zh-CN" sz="1400" dirty="0" err="1" smtClean="0"/>
+              <a:t>NSMutableDictionary</a:t>
+            </a:r>
+            <a:r>
+              <a:rPr lang="en-US" altLang="zh-CN" sz="1400" dirty="0" smtClean="0"/>
+              <a:t> *_</a:t>
+            </a:r>
+            <a:r>
+              <a:rPr lang="en-US" altLang="zh-CN" sz="1400" dirty="0" err="1" smtClean="0"/>
+              <a:t>fileTree</a:t>
+            </a:r>
+            <a:endParaRPr lang="en-US" altLang="zh-CN" sz="1400" dirty="0" smtClean="0"/>
+          </a:p>
+          <a:p>
+            <a:r>
+              <a:rPr lang="en-US" altLang="zh-CN" sz="1400" dirty="0"/>
+              <a:t>}</a:t>
+            </a:r>
+            <a:endParaRPr lang="zh-CN" altLang="en-US" sz="1400" dirty="0"/>
           </a:p>
         </p:txBody>
       </p:sp>
@@ -10546,7 +10588,7 @@
                                           </p:stCondLst>
                                         </p:cTn>
                                         <p:tgtEl>
-                                          <p:spTgt spid="5"/>
+                                          <p:spTgt spid="8"/>
                                         </p:tgtEl>
                                         <p:attrNameLst>
                                           <p:attrName>style.visibility</p:attrName>
@@ -10560,7 +10602,7 @@
                                       <p:cBhvr>
                                         <p:cTn id="7" dur="500"/>
                                         <p:tgtEl>
-                                          <p:spTgt spid="5"/>
+                                          <p:spTgt spid="8"/>
                                         </p:tgtEl>
                                       </p:cBhvr>
                                     </p:animEffect>
@@ -10586,7 +10628,7 @@
                             </p:stCondLst>
                             <p:childTnLst>
                               <p:par>
-                                <p:cTn id="10" presetID="10" presetClass="entr" presetSubtype="0" fill="hold" nodeType="clickEffect">
+                                <p:cTn id="10" presetID="10" presetClass="entr" presetSubtype="0" fill="hold" grpId="0" nodeType="clickEffect">
                                   <p:stCondLst>
                                     <p:cond delay="0"/>
                                   </p:stCondLst>
@@ -10599,7 +10641,7 @@
                                           </p:stCondLst>
                                         </p:cTn>
                                         <p:tgtEl>
-                                          <p:spTgt spid="5122"/>
+                                          <p:spTgt spid="5"/>
                                         </p:tgtEl>
                                         <p:attrNameLst>
                                           <p:attrName>style.visibility</p:attrName>
@@ -10613,7 +10655,7 @@
                                       <p:cBhvr>
                                         <p:cTn id="12" dur="500"/>
                                         <p:tgtEl>
-                                          <p:spTgt spid="5122"/>
+                                          <p:spTgt spid="5"/>
                                         </p:tgtEl>
                                       </p:cBhvr>
                                     </p:animEffect>
@@ -10639,7 +10681,7 @@
                             </p:stCondLst>
                             <p:childTnLst>
                               <p:par>
-                                <p:cTn id="15" presetID="10" presetClass="entr" presetSubtype="0" fill="hold" grpId="0" nodeType="clickEffect">
+                                <p:cTn id="15" presetID="10" presetClass="entr" presetSubtype="0" fill="hold" nodeType="clickEffect">
                                   <p:stCondLst>
                                     <p:cond delay="0"/>
                                   </p:stCondLst>
@@ -10647,6 +10689,59 @@
                                     <p:set>
                                       <p:cBhvr>
                                         <p:cTn id="16" dur="1" fill="hold">
+                                          <p:stCondLst>
+                                            <p:cond delay="0"/>
+                                          </p:stCondLst>
+                                        </p:cTn>
+                                        <p:tgtEl>
+                                          <p:spTgt spid="5122"/>
+                                        </p:tgtEl>
+                                        <p:attrNameLst>
+                                          <p:attrName>style.visibility</p:attrName>
+                                        </p:attrNameLst>
+                                      </p:cBhvr>
+                                      <p:to>
+                                        <p:strVal val="visible"/>
+                                      </p:to>
+                                    </p:set>
+                                    <p:animEffect transition="in" filter="fade">
+                                      <p:cBhvr>
+                                        <p:cTn id="17" dur="500"/>
+                                        <p:tgtEl>
+                                          <p:spTgt spid="5122"/>
+                                        </p:tgtEl>
+                                      </p:cBhvr>
+                                    </p:animEffect>
+                                  </p:childTnLst>
+                                </p:cTn>
+                              </p:par>
+                            </p:childTnLst>
+                          </p:cTn>
+                        </p:par>
+                      </p:childTnLst>
+                    </p:cTn>
+                  </p:par>
+                  <p:par>
+                    <p:cTn id="18" fill="hold">
+                      <p:stCondLst>
+                        <p:cond delay="indefinite"/>
+                      </p:stCondLst>
+                      <p:childTnLst>
+                        <p:par>
+                          <p:cTn id="19" fill="hold">
+                            <p:stCondLst>
+                              <p:cond delay="0"/>
+                            </p:stCondLst>
+                            <p:childTnLst>
+                              <p:par>
+                                <p:cTn id="20" presetID="10" presetClass="entr" presetSubtype="0" fill="hold" grpId="0" nodeType="clickEffect">
+                                  <p:stCondLst>
+                                    <p:cond delay="0"/>
+                                  </p:stCondLst>
+                                  <p:childTnLst>
+                                    <p:set>
+                                      <p:cBhvr>
+                                        <p:cTn id="21" dur="1" fill="hold">
                                           <p:stCondLst>
                                             <p:cond delay="0"/>
                                           </p:stCondLst>
@@ -10664,7 +10759,7 @@
                                     </p:set>
                                     <p:animEffect transition="in" filter="fade">
                                       <p:cBhvr>
-                                        <p:cTn id="17" dur="500"/>
+                                        <p:cTn id="22" dur="500"/>
                                         <p:tgtEl>
                                           <p:spTgt spid="7"/>
                                         </p:tgtEl>
@@ -10703,6 +10798,7 @@
     <p:bldLst>
       <p:bldP spid="5" grpId="0"/>
       <p:bldP spid="7" grpId="0"/>
+      <p:bldP spid="8" grpId="0"/>
     </p:bldLst>
   </p:timing>
 </p:sld>
